--- a/figures/Figure1.pptx
+++ b/figures/Figure1.pptx
@@ -107,6 +107,11 @@
       </a:defRPr>
     </a:lvl9pPr>
   </p:defaultTextStyle>
+  <p:extLst>
+    <p:ext uri="{EFAFB233-063F-42B5-8137-9DF3F51BA10A}">
+      <p15:sldGuideLst xmlns:p15="http://schemas.microsoft.com/office/powerpoint/2012/main"/>
+    </p:ext>
+  </p:extLst>
 </p:presentation>
 </file>
 
@@ -192,7 +197,7 @@
           <a:p>
             <a:fld id="{F660B25F-A1D7-4641-B84D-4EA17F879FAD}" type="datetimeFigureOut">
               <a:rPr lang="en-GB" smtClean="0"/>
-              <a:t>27/08/2022</a:t>
+              <a:t>28/08/2022</a:t>
             </a:fld>
             <a:endParaRPr lang="en-GB"/>
           </a:p>
@@ -675,7 +680,7 @@
           <a:p>
             <a:fld id="{6BE6577F-8B27-443F-861A-67A305ED1D46}" type="datetimeFigureOut">
               <a:rPr lang="en-GB" smtClean="0"/>
-              <a:t>27/08/2022</a:t>
+              <a:t>28/08/2022</a:t>
             </a:fld>
             <a:endParaRPr lang="en-GB"/>
           </a:p>
@@ -845,7 +850,7 @@
           <a:p>
             <a:fld id="{6BE6577F-8B27-443F-861A-67A305ED1D46}" type="datetimeFigureOut">
               <a:rPr lang="en-GB" smtClean="0"/>
-              <a:t>27/08/2022</a:t>
+              <a:t>28/08/2022</a:t>
             </a:fld>
             <a:endParaRPr lang="en-GB"/>
           </a:p>
@@ -1025,7 +1030,7 @@
           <a:p>
             <a:fld id="{6BE6577F-8B27-443F-861A-67A305ED1D46}" type="datetimeFigureOut">
               <a:rPr lang="en-GB" smtClean="0"/>
-              <a:t>27/08/2022</a:t>
+              <a:t>28/08/2022</a:t>
             </a:fld>
             <a:endParaRPr lang="en-GB"/>
           </a:p>
@@ -1195,7 +1200,7 @@
           <a:p>
             <a:fld id="{6BE6577F-8B27-443F-861A-67A305ED1D46}" type="datetimeFigureOut">
               <a:rPr lang="en-GB" smtClean="0"/>
-              <a:t>27/08/2022</a:t>
+              <a:t>28/08/2022</a:t>
             </a:fld>
             <a:endParaRPr lang="en-GB"/>
           </a:p>
@@ -1439,7 +1444,7 @@
           <a:p>
             <a:fld id="{6BE6577F-8B27-443F-861A-67A305ED1D46}" type="datetimeFigureOut">
               <a:rPr lang="en-GB" smtClean="0"/>
-              <a:t>27/08/2022</a:t>
+              <a:t>28/08/2022</a:t>
             </a:fld>
             <a:endParaRPr lang="en-GB"/>
           </a:p>
@@ -1671,7 +1676,7 @@
           <a:p>
             <a:fld id="{6BE6577F-8B27-443F-861A-67A305ED1D46}" type="datetimeFigureOut">
               <a:rPr lang="en-GB" smtClean="0"/>
-              <a:t>27/08/2022</a:t>
+              <a:t>28/08/2022</a:t>
             </a:fld>
             <a:endParaRPr lang="en-GB"/>
           </a:p>
@@ -2038,7 +2043,7 @@
           <a:p>
             <a:fld id="{6BE6577F-8B27-443F-861A-67A305ED1D46}" type="datetimeFigureOut">
               <a:rPr lang="en-GB" smtClean="0"/>
-              <a:t>27/08/2022</a:t>
+              <a:t>28/08/2022</a:t>
             </a:fld>
             <a:endParaRPr lang="en-GB"/>
           </a:p>
@@ -2156,7 +2161,7 @@
           <a:p>
             <a:fld id="{6BE6577F-8B27-443F-861A-67A305ED1D46}" type="datetimeFigureOut">
               <a:rPr lang="en-GB" smtClean="0"/>
-              <a:t>27/08/2022</a:t>
+              <a:t>28/08/2022</a:t>
             </a:fld>
             <a:endParaRPr lang="en-GB"/>
           </a:p>
@@ -2251,7 +2256,7 @@
           <a:p>
             <a:fld id="{6BE6577F-8B27-443F-861A-67A305ED1D46}" type="datetimeFigureOut">
               <a:rPr lang="en-GB" smtClean="0"/>
-              <a:t>27/08/2022</a:t>
+              <a:t>28/08/2022</a:t>
             </a:fld>
             <a:endParaRPr lang="en-GB"/>
           </a:p>
@@ -2528,7 +2533,7 @@
           <a:p>
             <a:fld id="{6BE6577F-8B27-443F-861A-67A305ED1D46}" type="datetimeFigureOut">
               <a:rPr lang="en-GB" smtClean="0"/>
-              <a:t>27/08/2022</a:t>
+              <a:t>28/08/2022</a:t>
             </a:fld>
             <a:endParaRPr lang="en-GB"/>
           </a:p>
@@ -2785,7 +2790,7 @@
           <a:p>
             <a:fld id="{6BE6577F-8B27-443F-861A-67A305ED1D46}" type="datetimeFigureOut">
               <a:rPr lang="en-GB" smtClean="0"/>
-              <a:t>27/08/2022</a:t>
+              <a:t>28/08/2022</a:t>
             </a:fld>
             <a:endParaRPr lang="en-GB"/>
           </a:p>
@@ -2998,7 +3003,7 @@
           <a:p>
             <a:fld id="{6BE6577F-8B27-443F-861A-67A305ED1D46}" type="datetimeFigureOut">
               <a:rPr lang="en-GB" smtClean="0"/>
-              <a:t>27/08/2022</a:t>
+              <a:t>28/08/2022</a:t>
             </a:fld>
             <a:endParaRPr lang="en-GB"/>
           </a:p>
@@ -3531,7 +3536,8 @@
                 <a:solidFill>
                   <a:schemeClr val="bg1"/>
                 </a:solidFill>
-                <a:latin typeface="Gill Sans MT" panose="020B0502020104020203" pitchFamily="34" charset="0"/>
+                <a:latin typeface="Roboto" panose="02000000000000000000" pitchFamily="2" charset="0"/>
+                <a:ea typeface="Roboto" panose="02000000000000000000" pitchFamily="2" charset="0"/>
               </a:rPr>
               <a:t>Parametric</a:t>
             </a:r>
@@ -3540,7 +3546,8 @@
                 <a:solidFill>
                   <a:schemeClr val="bg1"/>
                 </a:solidFill>
-                <a:latin typeface="Gill Sans MT" panose="020B0502020104020203" pitchFamily="34" charset="0"/>
+                <a:latin typeface="Roboto" panose="02000000000000000000" pitchFamily="2" charset="0"/>
+                <a:ea typeface="Roboto" panose="02000000000000000000" pitchFamily="2" charset="0"/>
               </a:rPr>
               <a:t> Framework for Visual Illusions</a:t>
             </a:r>
@@ -3552,7 +3559,8 @@
                 <a:solidFill>
                   <a:schemeClr val="bg1"/>
                 </a:solidFill>
-                <a:latin typeface="Gill Sans MT" panose="020B0502020104020203" pitchFamily="34" charset="0"/>
+                <a:latin typeface="Roboto" panose="02000000000000000000" pitchFamily="2" charset="0"/>
+                <a:ea typeface="Roboto" panose="02000000000000000000" pitchFamily="2" charset="0"/>
               </a:rPr>
               <a:t>Example </a:t>
             </a:r>
@@ -3561,7 +3569,8 @@
                 <a:solidFill>
                   <a:schemeClr val="bg1"/>
                 </a:solidFill>
-                <a:latin typeface="Gill Sans MT" panose="020B0502020104020203" pitchFamily="34" charset="0"/>
+                <a:latin typeface="Roboto" panose="02000000000000000000" pitchFamily="2" charset="0"/>
+                <a:ea typeface="Roboto" panose="02000000000000000000" pitchFamily="2" charset="0"/>
               </a:rPr>
               <a:t>with</a:t>
             </a:r>
@@ -3570,7 +3579,8 @@
                 <a:solidFill>
                   <a:schemeClr val="bg1"/>
                 </a:solidFill>
-                <a:latin typeface="Gill Sans MT" panose="020B0502020104020203" pitchFamily="34" charset="0"/>
+                <a:latin typeface="Roboto" panose="02000000000000000000" pitchFamily="2" charset="0"/>
+                <a:ea typeface="Roboto" panose="02000000000000000000" pitchFamily="2" charset="0"/>
               </a:rPr>
               <a:t> the Müller-Lyer Illusion</a:t>
             </a:r>
@@ -3578,7 +3588,8 @@
               <a:solidFill>
                 <a:schemeClr val="bg1"/>
               </a:solidFill>
-              <a:latin typeface="Gill Sans MT" panose="020B0502020104020203" pitchFamily="34" charset="0"/>
+              <a:latin typeface="Roboto" panose="02000000000000000000" pitchFamily="2" charset="0"/>
+              <a:ea typeface="Roboto" panose="02000000000000000000" pitchFamily="2" charset="0"/>
             </a:endParaRPr>
           </a:p>
         </p:txBody>
@@ -3740,8 +3751,9 @@
                 <a:solidFill>
                   <a:schemeClr val="tx1"/>
                 </a:solidFill>
-                <a:latin typeface="Gill Sans MT" panose="020B0502020104020203" pitchFamily="34" charset="0"/>
-                <a:ea typeface="Roboto Medium" panose="02000000000000000000" pitchFamily="2" charset="0"/>
+                <a:latin typeface="Roboto" panose="02000000000000000000" pitchFamily="2" charset="0"/>
+                <a:ea typeface="Roboto" panose="02000000000000000000" pitchFamily="2" charset="0"/>
+                <a:cs typeface="Arial" panose="020B0604020202020204" pitchFamily="34" charset="0"/>
               </a:rPr>
               <a:t>The Müller-Lyer Illusion </a:t>
             </a:r>
@@ -3750,8 +3762,9 @@
                 <a:solidFill>
                   <a:schemeClr val="tx1"/>
                 </a:solidFill>
-                <a:latin typeface="Gill Sans MT" panose="020B0502020104020203" pitchFamily="34" charset="0"/>
-                <a:ea typeface="Roboto Medium" panose="02000000000000000000" pitchFamily="2" charset="0"/>
+                <a:latin typeface="Roboto" panose="02000000000000000000" pitchFamily="2" charset="0"/>
+                <a:ea typeface="Roboto" panose="02000000000000000000" pitchFamily="2" charset="0"/>
+                <a:cs typeface="Arial" panose="020B0604020202020204" pitchFamily="34" charset="0"/>
               </a:rPr>
               <a:t>is</a:t>
             </a:r>
@@ -3760,8 +3773,9 @@
                 <a:solidFill>
                   <a:schemeClr val="tx1"/>
                 </a:solidFill>
-                <a:latin typeface="Gill Sans MT" panose="020B0502020104020203" pitchFamily="34" charset="0"/>
-                <a:ea typeface="Roboto Medium" panose="02000000000000000000" pitchFamily="2" charset="0"/>
+                <a:latin typeface="Roboto" panose="02000000000000000000" pitchFamily="2" charset="0"/>
+                <a:ea typeface="Roboto" panose="02000000000000000000" pitchFamily="2" charset="0"/>
+                <a:cs typeface="Arial" panose="020B0604020202020204" pitchFamily="34" charset="0"/>
               </a:rPr>
               <a:t> </a:t>
             </a:r>
@@ -3770,8 +3784,9 @@
                 <a:solidFill>
                   <a:schemeClr val="tx1"/>
                 </a:solidFill>
-                <a:latin typeface="Gill Sans MT" panose="020B0502020104020203" pitchFamily="34" charset="0"/>
-                <a:ea typeface="Roboto Medium" panose="02000000000000000000" pitchFamily="2" charset="0"/>
+                <a:latin typeface="Roboto" panose="02000000000000000000" pitchFamily="2" charset="0"/>
+                <a:ea typeface="Roboto" panose="02000000000000000000" pitchFamily="2" charset="0"/>
+                <a:cs typeface="Arial" panose="020B0604020202020204" pitchFamily="34" charset="0"/>
               </a:rPr>
               <a:t>traditionally</a:t>
             </a:r>
@@ -3780,8 +3795,9 @@
                 <a:solidFill>
                   <a:schemeClr val="tx1"/>
                 </a:solidFill>
-                <a:latin typeface="Gill Sans MT" panose="020B0502020104020203" pitchFamily="34" charset="0"/>
-                <a:ea typeface="Roboto Medium" panose="02000000000000000000" pitchFamily="2" charset="0"/>
+                <a:latin typeface="Roboto" panose="02000000000000000000" pitchFamily="2" charset="0"/>
+                <a:ea typeface="Roboto" panose="02000000000000000000" pitchFamily="2" charset="0"/>
+                <a:cs typeface="Arial" panose="020B0604020202020204" pitchFamily="34" charset="0"/>
               </a:rPr>
               <a:t> </a:t>
             </a:r>
@@ -3790,8 +3806,9 @@
                 <a:solidFill>
                   <a:schemeClr val="tx1"/>
                 </a:solidFill>
-                <a:latin typeface="Gill Sans MT" panose="020B0502020104020203" pitchFamily="34" charset="0"/>
-                <a:ea typeface="Roboto Medium" panose="02000000000000000000" pitchFamily="2" charset="0"/>
+                <a:latin typeface="Roboto" panose="02000000000000000000" pitchFamily="2" charset="0"/>
+                <a:ea typeface="Roboto" panose="02000000000000000000" pitchFamily="2" charset="0"/>
+                <a:cs typeface="Arial" panose="020B0604020202020204" pitchFamily="34" charset="0"/>
               </a:rPr>
               <a:t>presented</a:t>
             </a:r>
@@ -3800,8 +3817,9 @@
                 <a:solidFill>
                   <a:schemeClr val="tx1"/>
                 </a:solidFill>
-                <a:latin typeface="Gill Sans MT" panose="020B0502020104020203" pitchFamily="34" charset="0"/>
-                <a:ea typeface="Roboto Medium" panose="02000000000000000000" pitchFamily="2" charset="0"/>
+                <a:latin typeface="Roboto" panose="02000000000000000000" pitchFamily="2" charset="0"/>
+                <a:ea typeface="Roboto" panose="02000000000000000000" pitchFamily="2" charset="0"/>
+                <a:cs typeface="Arial" panose="020B0604020202020204" pitchFamily="34" charset="0"/>
               </a:rPr>
               <a:t> as </a:t>
             </a:r>
@@ -3810,8 +3828,9 @@
                 <a:solidFill>
                   <a:schemeClr val="tx1"/>
                 </a:solidFill>
-                <a:latin typeface="Gill Sans MT" panose="020B0502020104020203" pitchFamily="34" charset="0"/>
-                <a:ea typeface="Roboto Medium" panose="02000000000000000000" pitchFamily="2" charset="0"/>
+                <a:latin typeface="Roboto" panose="02000000000000000000" pitchFamily="2" charset="0"/>
+                <a:ea typeface="Roboto" panose="02000000000000000000" pitchFamily="2" charset="0"/>
+                <a:cs typeface="Arial" panose="020B0604020202020204" pitchFamily="34" charset="0"/>
               </a:rPr>
               <a:t>two</a:t>
             </a:r>
@@ -3820,8 +3839,9 @@
                 <a:solidFill>
                   <a:schemeClr val="tx1"/>
                 </a:solidFill>
-                <a:latin typeface="Gill Sans MT" panose="020B0502020104020203" pitchFamily="34" charset="0"/>
-                <a:ea typeface="Roboto Medium" panose="02000000000000000000" pitchFamily="2" charset="0"/>
+                <a:latin typeface="Roboto" panose="02000000000000000000" pitchFamily="2" charset="0"/>
+                <a:ea typeface="Roboto" panose="02000000000000000000" pitchFamily="2" charset="0"/>
+                <a:cs typeface="Arial" panose="020B0604020202020204" pitchFamily="34" charset="0"/>
               </a:rPr>
               <a:t> segments (the </a:t>
             </a:r>
@@ -3830,8 +3850,9 @@
                 <a:solidFill>
                   <a:schemeClr val="tx1"/>
                 </a:solidFill>
-                <a:latin typeface="Gill Sans MT" panose="020B0502020104020203" pitchFamily="34" charset="0"/>
-                <a:ea typeface="Roboto Medium" panose="02000000000000000000" pitchFamily="2" charset="0"/>
+                <a:latin typeface="Roboto" panose="02000000000000000000" pitchFamily="2" charset="0"/>
+                <a:ea typeface="Roboto" panose="02000000000000000000" pitchFamily="2" charset="0"/>
+                <a:cs typeface="Arial" panose="020B0604020202020204" pitchFamily="34" charset="0"/>
               </a:rPr>
               <a:t>red</a:t>
             </a:r>
@@ -3840,8 +3861,9 @@
                 <a:solidFill>
                   <a:schemeClr val="tx1"/>
                 </a:solidFill>
-                <a:latin typeface="Gill Sans MT" panose="020B0502020104020203" pitchFamily="34" charset="0"/>
-                <a:ea typeface="Roboto Medium" panose="02000000000000000000" pitchFamily="2" charset="0"/>
+                <a:latin typeface="Roboto" panose="02000000000000000000" pitchFamily="2" charset="0"/>
+                <a:ea typeface="Roboto" panose="02000000000000000000" pitchFamily="2" charset="0"/>
+                <a:cs typeface="Arial" panose="020B0604020202020204" pitchFamily="34" charset="0"/>
               </a:rPr>
               <a:t> </a:t>
             </a:r>
@@ -3850,8 +3872,9 @@
                 <a:solidFill>
                   <a:schemeClr val="tx1"/>
                 </a:solidFill>
-                <a:latin typeface="Gill Sans MT" panose="020B0502020104020203" pitchFamily="34" charset="0"/>
-                <a:ea typeface="Roboto Medium" panose="02000000000000000000" pitchFamily="2" charset="0"/>
+                <a:latin typeface="Roboto" panose="02000000000000000000" pitchFamily="2" charset="0"/>
+                <a:ea typeface="Roboto" panose="02000000000000000000" pitchFamily="2" charset="0"/>
+                <a:cs typeface="Arial" panose="020B0604020202020204" pitchFamily="34" charset="0"/>
               </a:rPr>
               <a:t>targets</a:t>
             </a:r>
@@ -3860,8 +3883,9 @@
                 <a:solidFill>
                   <a:schemeClr val="tx1"/>
                 </a:solidFill>
-                <a:latin typeface="Gill Sans MT" panose="020B0502020104020203" pitchFamily="34" charset="0"/>
-                <a:ea typeface="Roboto Medium" panose="02000000000000000000" pitchFamily="2" charset="0"/>
+                <a:latin typeface="Roboto" panose="02000000000000000000" pitchFamily="2" charset="0"/>
+                <a:ea typeface="Roboto" panose="02000000000000000000" pitchFamily="2" charset="0"/>
+                <a:cs typeface="Arial" panose="020B0604020202020204" pitchFamily="34" charset="0"/>
               </a:rPr>
               <a:t>), </a:t>
             </a:r>
@@ -3870,8 +3894,9 @@
                 <a:solidFill>
                   <a:schemeClr val="tx1"/>
                 </a:solidFill>
-                <a:latin typeface="Gill Sans MT" panose="020B0502020104020203" pitchFamily="34" charset="0"/>
-                <a:ea typeface="Roboto Medium" panose="02000000000000000000" pitchFamily="2" charset="0"/>
+                <a:latin typeface="Roboto" panose="02000000000000000000" pitchFamily="2" charset="0"/>
+                <a:ea typeface="Roboto" panose="02000000000000000000" pitchFamily="2" charset="0"/>
+                <a:cs typeface="Arial" panose="020B0604020202020204" pitchFamily="34" charset="0"/>
               </a:rPr>
               <a:t>which</a:t>
             </a:r>
@@ -3880,8 +3905,9 @@
                 <a:solidFill>
                   <a:schemeClr val="tx1"/>
                 </a:solidFill>
-                <a:latin typeface="Gill Sans MT" panose="020B0502020104020203" pitchFamily="34" charset="0"/>
-                <a:ea typeface="Roboto Medium" panose="02000000000000000000" pitchFamily="2" charset="0"/>
+                <a:latin typeface="Roboto" panose="02000000000000000000" pitchFamily="2" charset="0"/>
+                <a:ea typeface="Roboto" panose="02000000000000000000" pitchFamily="2" charset="0"/>
+                <a:cs typeface="Arial" panose="020B0604020202020204" pitchFamily="34" charset="0"/>
               </a:rPr>
               <a:t> perception </a:t>
             </a:r>
@@ -3890,8 +3916,9 @@
                 <a:solidFill>
                   <a:schemeClr val="tx1"/>
                 </a:solidFill>
-                <a:latin typeface="Gill Sans MT" panose="020B0502020104020203" pitchFamily="34" charset="0"/>
-                <a:ea typeface="Roboto Medium" panose="02000000000000000000" pitchFamily="2" charset="0"/>
+                <a:latin typeface="Roboto" panose="02000000000000000000" pitchFamily="2" charset="0"/>
+                <a:ea typeface="Roboto" panose="02000000000000000000" pitchFamily="2" charset="0"/>
+                <a:cs typeface="Arial" panose="020B0604020202020204" pitchFamily="34" charset="0"/>
               </a:rPr>
               <a:t>is</a:t>
             </a:r>
@@ -3900,8 +3927,9 @@
                 <a:solidFill>
                   <a:schemeClr val="tx1"/>
                 </a:solidFill>
-                <a:latin typeface="Gill Sans MT" panose="020B0502020104020203" pitchFamily="34" charset="0"/>
-                <a:ea typeface="Roboto Medium" panose="02000000000000000000" pitchFamily="2" charset="0"/>
+                <a:latin typeface="Roboto" panose="02000000000000000000" pitchFamily="2" charset="0"/>
+                <a:ea typeface="Roboto" panose="02000000000000000000" pitchFamily="2" charset="0"/>
+                <a:cs typeface="Arial" panose="020B0604020202020204" pitchFamily="34" charset="0"/>
               </a:rPr>
               <a:t> </a:t>
             </a:r>
@@ -3910,8 +3938,9 @@
                 <a:solidFill>
                   <a:schemeClr val="tx1"/>
                 </a:solidFill>
-                <a:latin typeface="Gill Sans MT" panose="020B0502020104020203" pitchFamily="34" charset="0"/>
-                <a:ea typeface="Roboto Medium" panose="02000000000000000000" pitchFamily="2" charset="0"/>
+                <a:latin typeface="Roboto" panose="02000000000000000000" pitchFamily="2" charset="0"/>
+                <a:ea typeface="Roboto" panose="02000000000000000000" pitchFamily="2" charset="0"/>
+                <a:cs typeface="Arial" panose="020B0604020202020204" pitchFamily="34" charset="0"/>
               </a:rPr>
               <a:t>biased</a:t>
             </a:r>
@@ -3920,8 +3949,9 @@
                 <a:solidFill>
                   <a:schemeClr val="tx1"/>
                 </a:solidFill>
-                <a:latin typeface="Gill Sans MT" panose="020B0502020104020203" pitchFamily="34" charset="0"/>
-                <a:ea typeface="Roboto Medium" panose="02000000000000000000" pitchFamily="2" charset="0"/>
+                <a:latin typeface="Roboto" panose="02000000000000000000" pitchFamily="2" charset="0"/>
+                <a:ea typeface="Roboto" panose="02000000000000000000" pitchFamily="2" charset="0"/>
+                <a:cs typeface="Arial" panose="020B0604020202020204" pitchFamily="34" charset="0"/>
               </a:rPr>
               <a:t> by the </a:t>
             </a:r>
@@ -3930,8 +3960,9 @@
                 <a:solidFill>
                   <a:schemeClr val="tx1"/>
                 </a:solidFill>
-                <a:latin typeface="Gill Sans MT" panose="020B0502020104020203" pitchFamily="34" charset="0"/>
-                <a:ea typeface="Roboto Medium" panose="02000000000000000000" pitchFamily="2" charset="0"/>
+                <a:latin typeface="Roboto" panose="02000000000000000000" pitchFamily="2" charset="0"/>
+                <a:ea typeface="Roboto" panose="02000000000000000000" pitchFamily="2" charset="0"/>
+                <a:cs typeface="Arial" panose="020B0604020202020204" pitchFamily="34" charset="0"/>
               </a:rPr>
               <a:t>context</a:t>
             </a:r>
@@ -3940,8 +3971,9 @@
                 <a:solidFill>
                   <a:schemeClr val="tx1"/>
                 </a:solidFill>
-                <a:latin typeface="Gill Sans MT" panose="020B0502020104020203" pitchFamily="34" charset="0"/>
-                <a:ea typeface="Roboto Medium" panose="02000000000000000000" pitchFamily="2" charset="0"/>
+                <a:latin typeface="Roboto" panose="02000000000000000000" pitchFamily="2" charset="0"/>
+                <a:ea typeface="Roboto" panose="02000000000000000000" pitchFamily="2" charset="0"/>
+                <a:cs typeface="Arial" panose="020B0604020202020204" pitchFamily="34" charset="0"/>
               </a:rPr>
               <a:t> (the </a:t>
             </a:r>
@@ -3950,8 +3982,9 @@
                 <a:solidFill>
                   <a:schemeClr val="tx1"/>
                 </a:solidFill>
-                <a:latin typeface="Gill Sans MT" panose="020B0502020104020203" pitchFamily="34" charset="0"/>
-                <a:ea typeface="Roboto Medium" panose="02000000000000000000" pitchFamily="2" charset="0"/>
+                <a:latin typeface="Roboto" panose="02000000000000000000" pitchFamily="2" charset="0"/>
+                <a:ea typeface="Roboto" panose="02000000000000000000" pitchFamily="2" charset="0"/>
+                <a:cs typeface="Arial" panose="020B0604020202020204" pitchFamily="34" charset="0"/>
               </a:rPr>
               <a:t>arrows</a:t>
             </a:r>
@@ -3960,8 +3993,9 @@
                 <a:solidFill>
                   <a:schemeClr val="tx1"/>
                 </a:solidFill>
-                <a:latin typeface="Gill Sans MT" panose="020B0502020104020203" pitchFamily="34" charset="0"/>
-                <a:ea typeface="Roboto Medium" panose="02000000000000000000" pitchFamily="2" charset="0"/>
+                <a:latin typeface="Roboto" panose="02000000000000000000" pitchFamily="2" charset="0"/>
+                <a:ea typeface="Roboto" panose="02000000000000000000" pitchFamily="2" charset="0"/>
+                <a:cs typeface="Arial" panose="020B0604020202020204" pitchFamily="34" charset="0"/>
               </a:rPr>
               <a:t>). </a:t>
             </a:r>
@@ -3970,8 +4004,9 @@
                 <a:solidFill>
                   <a:schemeClr val="tx1"/>
                 </a:solidFill>
-                <a:latin typeface="Gill Sans MT" panose="020B0502020104020203" pitchFamily="34" charset="0"/>
-                <a:ea typeface="Roboto Medium" panose="02000000000000000000" pitchFamily="2" charset="0"/>
+                <a:latin typeface="Roboto" panose="02000000000000000000" pitchFamily="2" charset="0"/>
+                <a:ea typeface="Roboto" panose="02000000000000000000" pitchFamily="2" charset="0"/>
+                <a:cs typeface="Arial" panose="020B0604020202020204" pitchFamily="34" charset="0"/>
               </a:rPr>
               <a:t>Here</a:t>
             </a:r>
@@ -3980,8 +4015,9 @@
                 <a:solidFill>
                   <a:schemeClr val="tx1"/>
                 </a:solidFill>
-                <a:latin typeface="Gill Sans MT" panose="020B0502020104020203" pitchFamily="34" charset="0"/>
-                <a:ea typeface="Roboto Medium" panose="02000000000000000000" pitchFamily="2" charset="0"/>
+                <a:latin typeface="Roboto" panose="02000000000000000000" pitchFamily="2" charset="0"/>
+                <a:ea typeface="Roboto" panose="02000000000000000000" pitchFamily="2" charset="0"/>
+                <a:cs typeface="Arial" panose="020B0604020202020204" pitchFamily="34" charset="0"/>
               </a:rPr>
               <a:t>, the </a:t>
             </a:r>
@@ -3990,8 +4026,9 @@
                 <a:solidFill>
                   <a:schemeClr val="tx1"/>
                 </a:solidFill>
-                <a:latin typeface="Gill Sans MT" panose="020B0502020104020203" pitchFamily="34" charset="0"/>
-                <a:ea typeface="Roboto Medium" panose="02000000000000000000" pitchFamily="2" charset="0"/>
+                <a:latin typeface="Roboto" panose="02000000000000000000" pitchFamily="2" charset="0"/>
+                <a:ea typeface="Roboto" panose="02000000000000000000" pitchFamily="2" charset="0"/>
+                <a:cs typeface="Arial" panose="020B0604020202020204" pitchFamily="34" charset="0"/>
               </a:rPr>
               <a:t>lower</a:t>
             </a:r>
@@ -4000,8 +4037,9 @@
                 <a:solidFill>
                   <a:schemeClr val="tx1"/>
                 </a:solidFill>
-                <a:latin typeface="Gill Sans MT" panose="020B0502020104020203" pitchFamily="34" charset="0"/>
-                <a:ea typeface="Roboto Medium" panose="02000000000000000000" pitchFamily="2" charset="0"/>
+                <a:latin typeface="Roboto" panose="02000000000000000000" pitchFamily="2" charset="0"/>
+                <a:ea typeface="Roboto" panose="02000000000000000000" pitchFamily="2" charset="0"/>
+                <a:cs typeface="Arial" panose="020B0604020202020204" pitchFamily="34" charset="0"/>
               </a:rPr>
               <a:t> segment </a:t>
             </a:r>
@@ -4010,8 +4048,9 @@
                 <a:solidFill>
                   <a:schemeClr val="tx1"/>
                 </a:solidFill>
-                <a:latin typeface="Gill Sans MT" panose="020B0502020104020203" pitchFamily="34" charset="0"/>
-                <a:ea typeface="Roboto Medium" panose="02000000000000000000" pitchFamily="2" charset="0"/>
+                <a:latin typeface="Roboto" panose="02000000000000000000" pitchFamily="2" charset="0"/>
+                <a:ea typeface="Roboto" panose="02000000000000000000" pitchFamily="2" charset="0"/>
+                <a:cs typeface="Arial" panose="020B0604020202020204" pitchFamily="34" charset="0"/>
               </a:rPr>
               <a:t>appears</a:t>
             </a:r>
@@ -4020,8 +4059,9 @@
                 <a:solidFill>
                   <a:schemeClr val="tx1"/>
                 </a:solidFill>
-                <a:latin typeface="Gill Sans MT" panose="020B0502020104020203" pitchFamily="34" charset="0"/>
-                <a:ea typeface="Roboto Medium" panose="02000000000000000000" pitchFamily="2" charset="0"/>
+                <a:latin typeface="Roboto" panose="02000000000000000000" pitchFamily="2" charset="0"/>
+                <a:ea typeface="Roboto" panose="02000000000000000000" pitchFamily="2" charset="0"/>
+                <a:cs typeface="Arial" panose="020B0604020202020204" pitchFamily="34" charset="0"/>
               </a:rPr>
               <a:t> longer </a:t>
             </a:r>
@@ -4030,8 +4070,9 @@
                 <a:solidFill>
                   <a:schemeClr val="tx1"/>
                 </a:solidFill>
-                <a:latin typeface="Gill Sans MT" panose="020B0502020104020203" pitchFamily="34" charset="0"/>
-                <a:ea typeface="Roboto Medium" panose="02000000000000000000" pitchFamily="2" charset="0"/>
+                <a:latin typeface="Roboto" panose="02000000000000000000" pitchFamily="2" charset="0"/>
+                <a:ea typeface="Roboto" panose="02000000000000000000" pitchFamily="2" charset="0"/>
+                <a:cs typeface="Arial" panose="020B0604020202020204" pitchFamily="34" charset="0"/>
               </a:rPr>
               <a:t>despite</a:t>
             </a:r>
@@ -4040,8 +4081,9 @@
                 <a:solidFill>
                   <a:schemeClr val="tx1"/>
                 </a:solidFill>
-                <a:latin typeface="Gill Sans MT" panose="020B0502020104020203" pitchFamily="34" charset="0"/>
-                <a:ea typeface="Roboto Medium" panose="02000000000000000000" pitchFamily="2" charset="0"/>
+                <a:latin typeface="Roboto" panose="02000000000000000000" pitchFamily="2" charset="0"/>
+                <a:ea typeface="Roboto" panose="02000000000000000000" pitchFamily="2" charset="0"/>
+                <a:cs typeface="Arial" panose="020B0604020202020204" pitchFamily="34" charset="0"/>
               </a:rPr>
               <a:t> </a:t>
             </a:r>
@@ -4050,8 +4092,9 @@
                 <a:solidFill>
                   <a:schemeClr val="tx1"/>
                 </a:solidFill>
-                <a:latin typeface="Gill Sans MT" panose="020B0502020104020203" pitchFamily="34" charset="0"/>
-                <a:ea typeface="Roboto Medium" panose="02000000000000000000" pitchFamily="2" charset="0"/>
+                <a:latin typeface="Roboto" panose="02000000000000000000" pitchFamily="2" charset="0"/>
+                <a:ea typeface="Roboto" panose="02000000000000000000" pitchFamily="2" charset="0"/>
+                <a:cs typeface="Arial" panose="020B0604020202020204" pitchFamily="34" charset="0"/>
               </a:rPr>
               <a:t>being</a:t>
             </a:r>
@@ -4060,8 +4103,9 @@
                 <a:solidFill>
                   <a:schemeClr val="tx1"/>
                 </a:solidFill>
-                <a:latin typeface="Gill Sans MT" panose="020B0502020104020203" pitchFamily="34" charset="0"/>
-                <a:ea typeface="Roboto Medium" panose="02000000000000000000" pitchFamily="2" charset="0"/>
+                <a:latin typeface="Roboto" panose="02000000000000000000" pitchFamily="2" charset="0"/>
+                <a:ea typeface="Roboto" panose="02000000000000000000" pitchFamily="2" charset="0"/>
+                <a:cs typeface="Arial" panose="020B0604020202020204" pitchFamily="34" charset="0"/>
               </a:rPr>
               <a:t> of the </a:t>
             </a:r>
@@ -4070,8 +4114,9 @@
                 <a:solidFill>
                   <a:schemeClr val="tx1"/>
                 </a:solidFill>
-                <a:latin typeface="Gill Sans MT" panose="020B0502020104020203" pitchFamily="34" charset="0"/>
-                <a:ea typeface="Roboto Medium" panose="02000000000000000000" pitchFamily="2" charset="0"/>
+                <a:latin typeface="Roboto" panose="02000000000000000000" pitchFamily="2" charset="0"/>
+                <a:ea typeface="Roboto" panose="02000000000000000000" pitchFamily="2" charset="0"/>
+                <a:cs typeface="Arial" panose="020B0604020202020204" pitchFamily="34" charset="0"/>
               </a:rPr>
               <a:t>same</a:t>
             </a:r>
@@ -4080,8 +4125,9 @@
                 <a:solidFill>
                   <a:schemeClr val="tx1"/>
                 </a:solidFill>
-                <a:latin typeface="Gill Sans MT" panose="020B0502020104020203" pitchFamily="34" charset="0"/>
-                <a:ea typeface="Roboto Medium" panose="02000000000000000000" pitchFamily="2" charset="0"/>
+                <a:latin typeface="Roboto" panose="02000000000000000000" pitchFamily="2" charset="0"/>
+                <a:ea typeface="Roboto" panose="02000000000000000000" pitchFamily="2" charset="0"/>
+                <a:cs typeface="Arial" panose="020B0604020202020204" pitchFamily="34" charset="0"/>
               </a:rPr>
               <a:t> </a:t>
             </a:r>
@@ -4090,8 +4136,9 @@
                 <a:solidFill>
                   <a:schemeClr val="tx1"/>
                 </a:solidFill>
-                <a:latin typeface="Gill Sans MT" panose="020B0502020104020203" pitchFamily="34" charset="0"/>
-                <a:ea typeface="Roboto Medium" panose="02000000000000000000" pitchFamily="2" charset="0"/>
+                <a:latin typeface="Roboto" panose="02000000000000000000" pitchFamily="2" charset="0"/>
+                <a:ea typeface="Roboto" panose="02000000000000000000" pitchFamily="2" charset="0"/>
+                <a:cs typeface="Arial" panose="020B0604020202020204" pitchFamily="34" charset="0"/>
               </a:rPr>
               <a:t>length</a:t>
             </a:r>
@@ -4100,8 +4147,9 @@
                 <a:solidFill>
                   <a:schemeClr val="tx1"/>
                 </a:solidFill>
-                <a:latin typeface="Gill Sans MT" panose="020B0502020104020203" pitchFamily="34" charset="0"/>
-                <a:ea typeface="Roboto Medium" panose="02000000000000000000" pitchFamily="2" charset="0"/>
+                <a:latin typeface="Roboto" panose="02000000000000000000" pitchFamily="2" charset="0"/>
+                <a:ea typeface="Roboto" panose="02000000000000000000" pitchFamily="2" charset="0"/>
+                <a:cs typeface="Arial" panose="020B0604020202020204" pitchFamily="34" charset="0"/>
               </a:rPr>
               <a:t>.</a:t>
             </a:r>
@@ -4112,8 +4160,9 @@
               <a:solidFill>
                 <a:schemeClr val="tx1"/>
               </a:solidFill>
-              <a:latin typeface="Gill Sans MT" panose="020B0502020104020203" pitchFamily="34" charset="0"/>
-              <a:ea typeface="Roboto Medium" panose="02000000000000000000" pitchFamily="2" charset="0"/>
+              <a:latin typeface="Roboto" panose="02000000000000000000" pitchFamily="2" charset="0"/>
+              <a:ea typeface="Roboto" panose="02000000000000000000" pitchFamily="2" charset="0"/>
+              <a:cs typeface="Arial" panose="020B0604020202020204" pitchFamily="34" charset="0"/>
             </a:endParaRPr>
           </a:p>
           <a:p>
@@ -4123,8 +4172,9 @@
                 <a:solidFill>
                   <a:schemeClr val="tx1"/>
                 </a:solidFill>
-                <a:latin typeface="Gill Sans MT" panose="020B0502020104020203" pitchFamily="34" charset="0"/>
-                <a:ea typeface="Roboto Medium" panose="02000000000000000000" pitchFamily="2" charset="0"/>
+                <a:latin typeface="Roboto" panose="02000000000000000000" pitchFamily="2" charset="0"/>
+                <a:ea typeface="Roboto" panose="02000000000000000000" pitchFamily="2" charset="0"/>
+                <a:cs typeface="Arial" panose="020B0604020202020204" pitchFamily="34" charset="0"/>
               </a:rPr>
               <a:t>In </a:t>
             </a:r>
@@ -4133,8 +4183,9 @@
                 <a:solidFill>
                   <a:schemeClr val="tx1"/>
                 </a:solidFill>
-                <a:latin typeface="Gill Sans MT" panose="020B0502020104020203" pitchFamily="34" charset="0"/>
-                <a:ea typeface="Roboto Medium" panose="02000000000000000000" pitchFamily="2" charset="0"/>
+                <a:latin typeface="Roboto" panose="02000000000000000000" pitchFamily="2" charset="0"/>
+                <a:ea typeface="Roboto" panose="02000000000000000000" pitchFamily="2" charset="0"/>
+                <a:cs typeface="Arial" panose="020B0604020202020204" pitchFamily="34" charset="0"/>
               </a:rPr>
               <a:t>this</a:t>
             </a:r>
@@ -4143,8 +4194,9 @@
                 <a:solidFill>
                   <a:schemeClr val="tx1"/>
                 </a:solidFill>
-                <a:latin typeface="Gill Sans MT" panose="020B0502020104020203" pitchFamily="34" charset="0"/>
-                <a:ea typeface="Roboto Medium" panose="02000000000000000000" pitchFamily="2" charset="0"/>
+                <a:latin typeface="Roboto" panose="02000000000000000000" pitchFamily="2" charset="0"/>
+                <a:ea typeface="Roboto" panose="02000000000000000000" pitchFamily="2" charset="0"/>
+                <a:cs typeface="Arial" panose="020B0604020202020204" pitchFamily="34" charset="0"/>
               </a:rPr>
               <a:t> illusion, the </a:t>
             </a:r>
@@ -4153,8 +4205,9 @@
                 <a:solidFill>
                   <a:srgbClr val="00B050"/>
                 </a:solidFill>
-                <a:latin typeface="Gill Sans MT" panose="020B0502020104020203" pitchFamily="34" charset="0"/>
-                <a:ea typeface="Roboto Medium" panose="02000000000000000000" pitchFamily="2" charset="0"/>
+                <a:latin typeface="Roboto" panose="02000000000000000000" pitchFamily="2" charset="0"/>
+                <a:ea typeface="Roboto" panose="02000000000000000000" pitchFamily="2" charset="0"/>
+                <a:cs typeface="Arial" panose="020B0604020202020204" pitchFamily="34" charset="0"/>
               </a:rPr>
               <a:t>task</a:t>
             </a:r>
@@ -4163,8 +4216,9 @@
                 <a:solidFill>
                   <a:srgbClr val="00B050"/>
                 </a:solidFill>
-                <a:latin typeface="Gill Sans MT" panose="020B0502020104020203" pitchFamily="34" charset="0"/>
-                <a:ea typeface="Roboto Medium" panose="02000000000000000000" pitchFamily="2" charset="0"/>
+                <a:latin typeface="Roboto" panose="02000000000000000000" pitchFamily="2" charset="0"/>
+                <a:ea typeface="Roboto" panose="02000000000000000000" pitchFamily="2" charset="0"/>
+                <a:cs typeface="Arial" panose="020B0604020202020204" pitchFamily="34" charset="0"/>
               </a:rPr>
               <a:t> </a:t>
             </a:r>
@@ -4173,8 +4227,9 @@
                 <a:solidFill>
                   <a:srgbClr val="00B050"/>
                 </a:solidFill>
-                <a:latin typeface="Gill Sans MT" panose="020B0502020104020203" pitchFamily="34" charset="0"/>
-                <a:ea typeface="Roboto Medium" panose="02000000000000000000" pitchFamily="2" charset="0"/>
+                <a:latin typeface="Roboto" panose="02000000000000000000" pitchFamily="2" charset="0"/>
+                <a:ea typeface="Roboto" panose="02000000000000000000" pitchFamily="2" charset="0"/>
+                <a:cs typeface="Arial" panose="020B0604020202020204" pitchFamily="34" charset="0"/>
               </a:rPr>
               <a:t>difficulty</a:t>
             </a:r>
@@ -4183,8 +4238,9 @@
                 <a:solidFill>
                   <a:srgbClr val="00B050"/>
                 </a:solidFill>
-                <a:latin typeface="Gill Sans MT" panose="020B0502020104020203" pitchFamily="34" charset="0"/>
-                <a:ea typeface="Roboto Medium" panose="02000000000000000000" pitchFamily="2" charset="0"/>
+                <a:latin typeface="Roboto" panose="02000000000000000000" pitchFamily="2" charset="0"/>
+                <a:ea typeface="Roboto" panose="02000000000000000000" pitchFamily="2" charset="0"/>
+                <a:cs typeface="Arial" panose="020B0604020202020204" pitchFamily="34" charset="0"/>
               </a:rPr>
               <a:t> </a:t>
             </a:r>
@@ -4193,8 +4249,9 @@
                 <a:solidFill>
                   <a:schemeClr val="tx1"/>
                 </a:solidFill>
-                <a:latin typeface="Gill Sans MT" panose="020B0502020104020203" pitchFamily="34" charset="0"/>
-                <a:ea typeface="Roboto Medium" panose="02000000000000000000" pitchFamily="2" charset="0"/>
+                <a:latin typeface="Roboto" panose="02000000000000000000" pitchFamily="2" charset="0"/>
+                <a:ea typeface="Roboto" panose="02000000000000000000" pitchFamily="2" charset="0"/>
+                <a:cs typeface="Arial" panose="020B0604020202020204" pitchFamily="34" charset="0"/>
               </a:rPr>
               <a:t>corresponds to the </a:t>
             </a:r>
@@ -4203,8 +4260,9 @@
                 <a:solidFill>
                   <a:schemeClr val="tx1"/>
                 </a:solidFill>
-                <a:latin typeface="Gill Sans MT" panose="020B0502020104020203" pitchFamily="34" charset="0"/>
-                <a:ea typeface="Roboto Medium" panose="02000000000000000000" pitchFamily="2" charset="0"/>
+                <a:latin typeface="Roboto" panose="02000000000000000000" pitchFamily="2" charset="0"/>
+                <a:ea typeface="Roboto" panose="02000000000000000000" pitchFamily="2" charset="0"/>
+                <a:cs typeface="Arial" panose="020B0604020202020204" pitchFamily="34" charset="0"/>
               </a:rPr>
               <a:t>difference</a:t>
             </a:r>
@@ -4213,8 +4271,9 @@
                 <a:solidFill>
                   <a:schemeClr val="tx1"/>
                 </a:solidFill>
-                <a:latin typeface="Gill Sans MT" panose="020B0502020104020203" pitchFamily="34" charset="0"/>
-                <a:ea typeface="Roboto Medium" panose="02000000000000000000" pitchFamily="2" charset="0"/>
+                <a:latin typeface="Roboto" panose="02000000000000000000" pitchFamily="2" charset="0"/>
+                <a:ea typeface="Roboto" panose="02000000000000000000" pitchFamily="2" charset="0"/>
+                <a:cs typeface="Arial" panose="020B0604020202020204" pitchFamily="34" charset="0"/>
               </a:rPr>
               <a:t> </a:t>
             </a:r>
@@ -4223,8 +4282,9 @@
                 <a:solidFill>
                   <a:schemeClr val="tx1"/>
                 </a:solidFill>
-                <a:latin typeface="Gill Sans MT" panose="020B0502020104020203" pitchFamily="34" charset="0"/>
-                <a:ea typeface="Roboto Medium" panose="02000000000000000000" pitchFamily="2" charset="0"/>
+                <a:latin typeface="Roboto" panose="02000000000000000000" pitchFamily="2" charset="0"/>
+                <a:ea typeface="Roboto" panose="02000000000000000000" pitchFamily="2" charset="0"/>
+                <a:cs typeface="Arial" panose="020B0604020202020204" pitchFamily="34" charset="0"/>
               </a:rPr>
               <a:t>between</a:t>
             </a:r>
@@ -4233,8 +4293,9 @@
                 <a:solidFill>
                   <a:schemeClr val="tx1"/>
                 </a:solidFill>
-                <a:latin typeface="Gill Sans MT" panose="020B0502020104020203" pitchFamily="34" charset="0"/>
-                <a:ea typeface="Roboto Medium" panose="02000000000000000000" pitchFamily="2" charset="0"/>
+                <a:latin typeface="Roboto" panose="02000000000000000000" pitchFamily="2" charset="0"/>
+                <a:ea typeface="Roboto" panose="02000000000000000000" pitchFamily="2" charset="0"/>
+                <a:cs typeface="Arial" panose="020B0604020202020204" pitchFamily="34" charset="0"/>
               </a:rPr>
               <a:t> the </a:t>
             </a:r>
@@ -4243,8 +4304,9 @@
                 <a:solidFill>
                   <a:schemeClr val="tx1"/>
                 </a:solidFill>
-                <a:latin typeface="Gill Sans MT" panose="020B0502020104020203" pitchFamily="34" charset="0"/>
-                <a:ea typeface="Roboto Medium" panose="02000000000000000000" pitchFamily="2" charset="0"/>
+                <a:latin typeface="Roboto" panose="02000000000000000000" pitchFamily="2" charset="0"/>
+                <a:ea typeface="Roboto" panose="02000000000000000000" pitchFamily="2" charset="0"/>
+                <a:cs typeface="Arial" panose="020B0604020202020204" pitchFamily="34" charset="0"/>
               </a:rPr>
               <a:t>lengths</a:t>
             </a:r>
@@ -4253,8 +4315,9 @@
                 <a:solidFill>
                   <a:schemeClr val="tx1"/>
                 </a:solidFill>
-                <a:latin typeface="Gill Sans MT" panose="020B0502020104020203" pitchFamily="34" charset="0"/>
-                <a:ea typeface="Roboto Medium" panose="02000000000000000000" pitchFamily="2" charset="0"/>
+                <a:latin typeface="Roboto" panose="02000000000000000000" pitchFamily="2" charset="0"/>
+                <a:ea typeface="Roboto" panose="02000000000000000000" pitchFamily="2" charset="0"/>
+                <a:cs typeface="Arial" panose="020B0604020202020204" pitchFamily="34" charset="0"/>
               </a:rPr>
               <a:t> of the </a:t>
             </a:r>
@@ -4263,8 +4326,9 @@
                 <a:solidFill>
                   <a:schemeClr val="tx1"/>
                 </a:solidFill>
-                <a:latin typeface="Gill Sans MT" panose="020B0502020104020203" pitchFamily="34" charset="0"/>
-                <a:ea typeface="Roboto Medium" panose="02000000000000000000" pitchFamily="2" charset="0"/>
+                <a:latin typeface="Roboto" panose="02000000000000000000" pitchFamily="2" charset="0"/>
+                <a:ea typeface="Roboto" panose="02000000000000000000" pitchFamily="2" charset="0"/>
+                <a:cs typeface="Arial" panose="020B0604020202020204" pitchFamily="34" charset="0"/>
               </a:rPr>
               <a:t>red</a:t>
             </a:r>
@@ -4273,8 +4337,9 @@
                 <a:solidFill>
                   <a:schemeClr val="tx1"/>
                 </a:solidFill>
-                <a:latin typeface="Gill Sans MT" panose="020B0502020104020203" pitchFamily="34" charset="0"/>
-                <a:ea typeface="Roboto Medium" panose="02000000000000000000" pitchFamily="2" charset="0"/>
+                <a:latin typeface="Roboto" panose="02000000000000000000" pitchFamily="2" charset="0"/>
+                <a:ea typeface="Roboto" panose="02000000000000000000" pitchFamily="2" charset="0"/>
+                <a:cs typeface="Arial" panose="020B0604020202020204" pitchFamily="34" charset="0"/>
               </a:rPr>
               <a:t> </a:t>
             </a:r>
@@ -4283,8 +4348,9 @@
                 <a:solidFill>
                   <a:schemeClr val="tx1"/>
                 </a:solidFill>
-                <a:latin typeface="Gill Sans MT" panose="020B0502020104020203" pitchFamily="34" charset="0"/>
-                <a:ea typeface="Roboto Medium" panose="02000000000000000000" pitchFamily="2" charset="0"/>
+                <a:latin typeface="Roboto" panose="02000000000000000000" pitchFamily="2" charset="0"/>
+                <a:ea typeface="Roboto" panose="02000000000000000000" pitchFamily="2" charset="0"/>
+                <a:cs typeface="Arial" panose="020B0604020202020204" pitchFamily="34" charset="0"/>
               </a:rPr>
               <a:t>target</a:t>
             </a:r>
@@ -4293,8 +4359,9 @@
                 <a:solidFill>
                   <a:schemeClr val="tx1"/>
                 </a:solidFill>
-                <a:latin typeface="Gill Sans MT" panose="020B0502020104020203" pitchFamily="34" charset="0"/>
-                <a:ea typeface="Roboto Medium" panose="02000000000000000000" pitchFamily="2" charset="0"/>
+                <a:latin typeface="Roboto" panose="02000000000000000000" pitchFamily="2" charset="0"/>
+                <a:ea typeface="Roboto" panose="02000000000000000000" pitchFamily="2" charset="0"/>
+                <a:cs typeface="Arial" panose="020B0604020202020204" pitchFamily="34" charset="0"/>
               </a:rPr>
               <a:t> segments, and the </a:t>
             </a:r>
@@ -4303,8 +4370,9 @@
                 <a:solidFill>
                   <a:srgbClr val="7030A0"/>
                 </a:solidFill>
-                <a:latin typeface="Gill Sans MT" panose="020B0502020104020203" pitchFamily="34" charset="0"/>
-                <a:ea typeface="Roboto Medium" panose="02000000000000000000" pitchFamily="2" charset="0"/>
+                <a:latin typeface="Roboto" panose="02000000000000000000" pitchFamily="2" charset="0"/>
+                <a:ea typeface="Roboto" panose="02000000000000000000" pitchFamily="2" charset="0"/>
+                <a:cs typeface="Arial" panose="020B0604020202020204" pitchFamily="34" charset="0"/>
               </a:rPr>
               <a:t>illusion </a:t>
             </a:r>
@@ -4313,8 +4381,9 @@
                 <a:solidFill>
                   <a:srgbClr val="7030A0"/>
                 </a:solidFill>
-                <a:latin typeface="Gill Sans MT" panose="020B0502020104020203" pitchFamily="34" charset="0"/>
-                <a:ea typeface="Roboto Medium" panose="02000000000000000000" pitchFamily="2" charset="0"/>
+                <a:latin typeface="Roboto" panose="02000000000000000000" pitchFamily="2" charset="0"/>
+                <a:ea typeface="Roboto" panose="02000000000000000000" pitchFamily="2" charset="0"/>
+                <a:cs typeface="Arial" panose="020B0604020202020204" pitchFamily="34" charset="0"/>
               </a:rPr>
               <a:t>strength</a:t>
             </a:r>
@@ -4323,8 +4392,9 @@
                 <a:solidFill>
                   <a:srgbClr val="7030A0"/>
                 </a:solidFill>
-                <a:latin typeface="Gill Sans MT" panose="020B0502020104020203" pitchFamily="34" charset="0"/>
-                <a:ea typeface="Roboto Medium" panose="02000000000000000000" pitchFamily="2" charset="0"/>
+                <a:latin typeface="Roboto" panose="02000000000000000000" pitchFamily="2" charset="0"/>
+                <a:ea typeface="Roboto" panose="02000000000000000000" pitchFamily="2" charset="0"/>
+                <a:cs typeface="Arial" panose="020B0604020202020204" pitchFamily="34" charset="0"/>
               </a:rPr>
               <a:t> </a:t>
             </a:r>
@@ -4333,8 +4403,9 @@
                 <a:solidFill>
                   <a:schemeClr val="tx1"/>
                 </a:solidFill>
-                <a:latin typeface="Gill Sans MT" panose="020B0502020104020203" pitchFamily="34" charset="0"/>
-                <a:ea typeface="Roboto Medium" panose="02000000000000000000" pitchFamily="2" charset="0"/>
+                <a:latin typeface="Roboto" panose="02000000000000000000" pitchFamily="2" charset="0"/>
+                <a:ea typeface="Roboto" panose="02000000000000000000" pitchFamily="2" charset="0"/>
+                <a:cs typeface="Arial" panose="020B0604020202020204" pitchFamily="34" charset="0"/>
               </a:rPr>
               <a:t>corresponds to the angle of the </a:t>
             </a:r>
@@ -4343,8 +4414,9 @@
                 <a:solidFill>
                   <a:schemeClr val="tx1"/>
                 </a:solidFill>
-                <a:latin typeface="Gill Sans MT" panose="020B0502020104020203" pitchFamily="34" charset="0"/>
-                <a:ea typeface="Roboto Medium" panose="02000000000000000000" pitchFamily="2" charset="0"/>
+                <a:latin typeface="Roboto" panose="02000000000000000000" pitchFamily="2" charset="0"/>
+                <a:ea typeface="Roboto" panose="02000000000000000000" pitchFamily="2" charset="0"/>
+                <a:cs typeface="Arial" panose="020B0604020202020204" pitchFamily="34" charset="0"/>
               </a:rPr>
               <a:t>arrows</a:t>
             </a:r>
@@ -4353,8 +4425,9 @@
                 <a:solidFill>
                   <a:schemeClr val="tx1"/>
                 </a:solidFill>
-                <a:latin typeface="Gill Sans MT" panose="020B0502020104020203" pitchFamily="34" charset="0"/>
-                <a:ea typeface="Roboto Medium" panose="02000000000000000000" pitchFamily="2" charset="0"/>
+                <a:latin typeface="Roboto" panose="02000000000000000000" pitchFamily="2" charset="0"/>
+                <a:ea typeface="Roboto" panose="02000000000000000000" pitchFamily="2" charset="0"/>
+                <a:cs typeface="Arial" panose="020B0604020202020204" pitchFamily="34" charset="0"/>
               </a:rPr>
               <a:t>.</a:t>
             </a:r>
@@ -4362,8 +4435,9 @@
               <a:solidFill>
                 <a:schemeClr val="tx1"/>
               </a:solidFill>
-              <a:latin typeface="Gill Sans MT" panose="020B0502020104020203" pitchFamily="34" charset="0"/>
-              <a:ea typeface="Roboto Medium" panose="02000000000000000000" pitchFamily="2" charset="0"/>
+              <a:latin typeface="Roboto" panose="02000000000000000000" pitchFamily="2" charset="0"/>
+              <a:ea typeface="Roboto" panose="02000000000000000000" pitchFamily="2" charset="0"/>
+              <a:cs typeface="Arial" panose="020B0604020202020204" pitchFamily="34" charset="0"/>
             </a:endParaRPr>
           </a:p>
         </p:txBody>
@@ -4417,8 +4491,8 @@
                 <a:solidFill>
                   <a:schemeClr val="tx1"/>
                 </a:solidFill>
-                <a:latin typeface="Gill Sans MT" panose="020B0502020104020203" pitchFamily="34" charset="0"/>
-                <a:ea typeface="Roboto Medium" panose="02000000000000000000" pitchFamily="2" charset="0"/>
+                <a:latin typeface="Roboto" panose="02000000000000000000" pitchFamily="2" charset="0"/>
+                <a:ea typeface="Roboto" panose="02000000000000000000" pitchFamily="2" charset="0"/>
               </a:rPr>
               <a:t>Stimuli </a:t>
             </a:r>
@@ -4427,8 +4501,8 @@
                 <a:solidFill>
                   <a:schemeClr val="tx1"/>
                 </a:solidFill>
-                <a:latin typeface="Gill Sans MT" panose="020B0502020104020203" pitchFamily="34" charset="0"/>
-                <a:ea typeface="Roboto Medium" panose="02000000000000000000" pitchFamily="2" charset="0"/>
+                <a:latin typeface="Roboto" panose="02000000000000000000" pitchFamily="2" charset="0"/>
+                <a:ea typeface="Roboto" panose="02000000000000000000" pitchFamily="2" charset="0"/>
               </a:rPr>
               <a:t>created</a:t>
             </a:r>
@@ -4437,8 +4511,8 @@
                 <a:solidFill>
                   <a:schemeClr val="tx1"/>
                 </a:solidFill>
-                <a:latin typeface="Gill Sans MT" panose="020B0502020104020203" pitchFamily="34" charset="0"/>
-                <a:ea typeface="Roboto Medium" panose="02000000000000000000" pitchFamily="2" charset="0"/>
+                <a:latin typeface="Roboto" panose="02000000000000000000" pitchFamily="2" charset="0"/>
+                <a:ea typeface="Roboto" panose="02000000000000000000" pitchFamily="2" charset="0"/>
               </a:rPr>
               <a:t> </a:t>
             </a:r>
@@ -4447,8 +4521,8 @@
                 <a:solidFill>
                   <a:schemeClr val="tx1"/>
                 </a:solidFill>
-                <a:latin typeface="Gill Sans MT" panose="020B0502020104020203" pitchFamily="34" charset="0"/>
-                <a:ea typeface="Roboto Medium" panose="02000000000000000000" pitchFamily="2" charset="0"/>
+                <a:latin typeface="Roboto" panose="02000000000000000000" pitchFamily="2" charset="0"/>
+                <a:ea typeface="Roboto" panose="02000000000000000000" pitchFamily="2" charset="0"/>
               </a:rPr>
               <a:t>with</a:t>
             </a:r>
@@ -4457,17 +4531,17 @@
                 <a:solidFill>
                   <a:schemeClr val="tx1"/>
                 </a:solidFill>
-                <a:latin typeface="Gill Sans MT" panose="020B0502020104020203" pitchFamily="34" charset="0"/>
-                <a:ea typeface="Roboto Medium" panose="02000000000000000000" pitchFamily="2" charset="0"/>
-              </a:rPr>
-              <a:t> the open-source software                         (Makowski et al., 2021)</a:t>
+                <a:latin typeface="Roboto" panose="02000000000000000000" pitchFamily="2" charset="0"/>
+                <a:ea typeface="Roboto" panose="02000000000000000000" pitchFamily="2" charset="0"/>
+              </a:rPr>
+              <a:t> the open-source software                           (Makowski et al., 2021)</a:t>
             </a:r>
             <a:endParaRPr lang="en-GB" sz="2800" dirty="0">
               <a:solidFill>
                 <a:schemeClr val="tx1"/>
               </a:solidFill>
-              <a:latin typeface="Gill Sans MT" panose="020B0502020104020203" pitchFamily="34" charset="0"/>
-              <a:ea typeface="Roboto Medium" panose="02000000000000000000" pitchFamily="2" charset="0"/>
+              <a:latin typeface="Roboto" panose="02000000000000000000" pitchFamily="2" charset="0"/>
+              <a:ea typeface="Roboto" panose="02000000000000000000" pitchFamily="2" charset="0"/>
             </a:endParaRPr>
           </a:p>
         </p:txBody>
@@ -4524,8 +4598,8 @@
                 <a:solidFill>
                   <a:schemeClr val="tx1"/>
                 </a:solidFill>
-                <a:latin typeface="Gill Sans MT" panose="020B0502020104020203" pitchFamily="34" charset="0"/>
-                <a:ea typeface="Roboto Medium" panose="02000000000000000000" pitchFamily="2" charset="0"/>
+                <a:latin typeface="Roboto" panose="02000000000000000000" pitchFamily="2" charset="0"/>
+                <a:ea typeface="Roboto" panose="02000000000000000000" pitchFamily="2" charset="0"/>
               </a:rPr>
               <a:t>Task</a:t>
             </a:r>
@@ -4534,8 +4608,8 @@
                 <a:solidFill>
                   <a:schemeClr val="tx1"/>
                 </a:solidFill>
-                <a:latin typeface="Gill Sans MT" panose="020B0502020104020203" pitchFamily="34" charset="0"/>
-                <a:ea typeface="Roboto Medium" panose="02000000000000000000" pitchFamily="2" charset="0"/>
+                <a:latin typeface="Roboto" panose="02000000000000000000" pitchFamily="2" charset="0"/>
+                <a:ea typeface="Roboto" panose="02000000000000000000" pitchFamily="2" charset="0"/>
               </a:rPr>
               <a:t> </a:t>
             </a:r>
@@ -4544,8 +4618,8 @@
                 <a:solidFill>
                   <a:schemeClr val="tx1"/>
                 </a:solidFill>
-                <a:latin typeface="Gill Sans MT" panose="020B0502020104020203" pitchFamily="34" charset="0"/>
-                <a:ea typeface="Roboto Medium" panose="02000000000000000000" pitchFamily="2" charset="0"/>
+                <a:latin typeface="Roboto" panose="02000000000000000000" pitchFamily="2" charset="0"/>
+                <a:ea typeface="Roboto" panose="02000000000000000000" pitchFamily="2" charset="0"/>
               </a:rPr>
               <a:t>difficulty</a:t>
             </a:r>
@@ -4554,8 +4628,8 @@
                 <a:solidFill>
                   <a:schemeClr val="tx1"/>
                 </a:solidFill>
-                <a:latin typeface="Gill Sans MT" panose="020B0502020104020203" pitchFamily="34" charset="0"/>
-                <a:ea typeface="Roboto Medium" panose="02000000000000000000" pitchFamily="2" charset="0"/>
+                <a:latin typeface="Roboto" panose="02000000000000000000" pitchFamily="2" charset="0"/>
+                <a:ea typeface="Roboto" panose="02000000000000000000" pitchFamily="2" charset="0"/>
               </a:rPr>
               <a:t>:</a:t>
             </a:r>
@@ -4564,8 +4638,8 @@
                 <a:solidFill>
                   <a:schemeClr val="tx1"/>
                 </a:solidFill>
-                <a:latin typeface="Gill Sans MT" panose="020B0502020104020203" pitchFamily="34" charset="0"/>
-                <a:ea typeface="Roboto Medium" panose="02000000000000000000" pitchFamily="2" charset="0"/>
+                <a:latin typeface="Roboto" panose="02000000000000000000" pitchFamily="2" charset="0"/>
+                <a:ea typeface="Roboto" panose="02000000000000000000" pitchFamily="2" charset="0"/>
               </a:rPr>
               <a:t> </a:t>
             </a:r>
@@ -4574,8 +4648,8 @@
                 <a:solidFill>
                   <a:srgbClr val="00B050"/>
                 </a:solidFill>
-                <a:latin typeface="Gill Sans MT" panose="020B0502020104020203" pitchFamily="34" charset="0"/>
-                <a:ea typeface="Roboto Medium" panose="02000000000000000000" pitchFamily="2" charset="0"/>
+                <a:latin typeface="Roboto" panose="02000000000000000000" pitchFamily="2" charset="0"/>
+                <a:ea typeface="Roboto" panose="02000000000000000000" pitchFamily="2" charset="0"/>
               </a:rPr>
               <a:t>easy</a:t>
             </a:r>
@@ -4584,8 +4658,8 @@
                 <a:solidFill>
                   <a:schemeClr val="tx1"/>
                 </a:solidFill>
-                <a:latin typeface="Gill Sans MT" panose="020B0502020104020203" pitchFamily="34" charset="0"/>
-                <a:ea typeface="Roboto Medium" panose="02000000000000000000" pitchFamily="2" charset="0"/>
+                <a:latin typeface="Roboto" panose="02000000000000000000" pitchFamily="2" charset="0"/>
+                <a:ea typeface="Roboto" panose="02000000000000000000" pitchFamily="2" charset="0"/>
               </a:rPr>
               <a:t> </a:t>
             </a:r>
@@ -4596,8 +4670,8 @@
                 <a:solidFill>
                   <a:schemeClr val="tx1"/>
                 </a:solidFill>
-                <a:latin typeface="Gill Sans MT" panose="020B0502020104020203" pitchFamily="34" charset="0"/>
-                <a:ea typeface="Roboto Medium" panose="02000000000000000000" pitchFamily="2" charset="0"/>
+                <a:latin typeface="Roboto" panose="02000000000000000000" pitchFamily="2" charset="0"/>
+                <a:ea typeface="Roboto" panose="02000000000000000000" pitchFamily="2" charset="0"/>
               </a:rPr>
               <a:t>	(</a:t>
             </a:r>
@@ -4606,8 +4680,8 @@
                 <a:solidFill>
                   <a:schemeClr val="tx1"/>
                 </a:solidFill>
-                <a:latin typeface="Gill Sans MT" panose="020B0502020104020203" pitchFamily="34" charset="0"/>
-                <a:ea typeface="Roboto Medium" panose="02000000000000000000" pitchFamily="2" charset="0"/>
+                <a:latin typeface="Roboto" panose="02000000000000000000" pitchFamily="2" charset="0"/>
+                <a:ea typeface="Roboto" panose="02000000000000000000" pitchFamily="2" charset="0"/>
               </a:rPr>
               <a:t>upper</a:t>
             </a:r>
@@ -4616,8 +4690,8 @@
                 <a:solidFill>
                   <a:schemeClr val="tx1"/>
                 </a:solidFill>
-                <a:latin typeface="Gill Sans MT" panose="020B0502020104020203" pitchFamily="34" charset="0"/>
-                <a:ea typeface="Roboto Medium" panose="02000000000000000000" pitchFamily="2" charset="0"/>
+                <a:latin typeface="Roboto" panose="02000000000000000000" pitchFamily="2" charset="0"/>
+                <a:ea typeface="Roboto" panose="02000000000000000000" pitchFamily="2" charset="0"/>
               </a:rPr>
               <a:t> line </a:t>
             </a:r>
@@ -4626,8 +4700,8 @@
                 <a:solidFill>
                   <a:schemeClr val="tx1"/>
                 </a:solidFill>
-                <a:latin typeface="Gill Sans MT" panose="020B0502020104020203" pitchFamily="34" charset="0"/>
-                <a:ea typeface="Roboto Medium" panose="02000000000000000000" pitchFamily="2" charset="0"/>
+                <a:latin typeface="Roboto" panose="02000000000000000000" pitchFamily="2" charset="0"/>
+                <a:ea typeface="Roboto" panose="02000000000000000000" pitchFamily="2" charset="0"/>
               </a:rPr>
               <a:t>is</a:t>
             </a:r>
@@ -4636,8 +4710,8 @@
                 <a:solidFill>
                   <a:schemeClr val="tx1"/>
                 </a:solidFill>
-                <a:latin typeface="Gill Sans MT" panose="020B0502020104020203" pitchFamily="34" charset="0"/>
-                <a:ea typeface="Roboto Medium" panose="02000000000000000000" pitchFamily="2" charset="0"/>
+                <a:latin typeface="Roboto" panose="02000000000000000000" pitchFamily="2" charset="0"/>
+                <a:ea typeface="Roboto" panose="02000000000000000000" pitchFamily="2" charset="0"/>
               </a:rPr>
               <a:t> 2 times longer)</a:t>
             </a:r>
@@ -4652,8 +4726,8 @@
                 <a:solidFill>
                   <a:schemeClr val="tx1"/>
                 </a:solidFill>
-                <a:latin typeface="Gill Sans MT" panose="020B0502020104020203" pitchFamily="34" charset="0"/>
-                <a:ea typeface="Roboto Medium" panose="02000000000000000000" pitchFamily="2" charset="0"/>
+                <a:latin typeface="Roboto" panose="02000000000000000000" pitchFamily="2" charset="0"/>
+                <a:ea typeface="Roboto" panose="02000000000000000000" pitchFamily="2" charset="0"/>
               </a:rPr>
               <a:t>Illusion </a:t>
             </a:r>
@@ -4662,8 +4736,8 @@
                 <a:solidFill>
                   <a:schemeClr val="tx1"/>
                 </a:solidFill>
-                <a:latin typeface="Gill Sans MT" panose="020B0502020104020203" pitchFamily="34" charset="0"/>
-                <a:ea typeface="Roboto Medium" panose="02000000000000000000" pitchFamily="2" charset="0"/>
+                <a:latin typeface="Roboto" panose="02000000000000000000" pitchFamily="2" charset="0"/>
+                <a:ea typeface="Roboto" panose="02000000000000000000" pitchFamily="2" charset="0"/>
               </a:rPr>
               <a:t>Strength</a:t>
             </a:r>
@@ -4672,8 +4746,8 @@
                 <a:solidFill>
                   <a:schemeClr val="tx1"/>
                 </a:solidFill>
-                <a:latin typeface="Gill Sans MT" panose="020B0502020104020203" pitchFamily="34" charset="0"/>
-                <a:ea typeface="Roboto Medium" panose="02000000000000000000" pitchFamily="2" charset="0"/>
+                <a:latin typeface="Roboto" panose="02000000000000000000" pitchFamily="2" charset="0"/>
+                <a:ea typeface="Roboto" panose="02000000000000000000" pitchFamily="2" charset="0"/>
               </a:rPr>
               <a:t>:</a:t>
             </a:r>
@@ -4682,8 +4756,8 @@
                 <a:solidFill>
                   <a:schemeClr val="tx1"/>
                 </a:solidFill>
-                <a:latin typeface="Gill Sans MT" panose="020B0502020104020203" pitchFamily="34" charset="0"/>
-                <a:ea typeface="Roboto Medium" panose="02000000000000000000" pitchFamily="2" charset="0"/>
+                <a:latin typeface="Roboto" panose="02000000000000000000" pitchFamily="2" charset="0"/>
+                <a:ea typeface="Roboto" panose="02000000000000000000" pitchFamily="2" charset="0"/>
               </a:rPr>
               <a:t> </a:t>
             </a:r>
@@ -4692,8 +4766,8 @@
                 <a:solidFill>
                   <a:srgbClr val="7030A0"/>
                 </a:solidFill>
-                <a:latin typeface="Gill Sans MT" panose="020B0502020104020203" pitchFamily="34" charset="0"/>
-                <a:ea typeface="Roboto Medium" panose="02000000000000000000" pitchFamily="2" charset="0"/>
+                <a:latin typeface="Roboto" panose="02000000000000000000" pitchFamily="2" charset="0"/>
+                <a:ea typeface="Roboto" panose="02000000000000000000" pitchFamily="2" charset="0"/>
               </a:rPr>
               <a:t>strong</a:t>
             </a:r>
@@ -4702,8 +4776,8 @@
                 <a:solidFill>
                   <a:schemeClr val="tx1"/>
                 </a:solidFill>
-                <a:latin typeface="Gill Sans MT" panose="020B0502020104020203" pitchFamily="34" charset="0"/>
-                <a:ea typeface="Roboto Medium" panose="02000000000000000000" pitchFamily="2" charset="0"/>
+                <a:latin typeface="Roboto" panose="02000000000000000000" pitchFamily="2" charset="0"/>
+                <a:ea typeface="Roboto" panose="02000000000000000000" pitchFamily="2" charset="0"/>
               </a:rPr>
               <a:t> </a:t>
             </a:r>
@@ -4714,8 +4788,8 @@
                 <a:solidFill>
                   <a:schemeClr val="tx1"/>
                 </a:solidFill>
-                <a:latin typeface="Gill Sans MT" panose="020B0502020104020203" pitchFamily="34" charset="0"/>
-                <a:ea typeface="Roboto Medium" panose="02000000000000000000" pitchFamily="2" charset="0"/>
+                <a:latin typeface="Roboto" panose="02000000000000000000" pitchFamily="2" charset="0"/>
+                <a:ea typeface="Roboto" panose="02000000000000000000" pitchFamily="2" charset="0"/>
               </a:rPr>
               <a:t>	(angle </a:t>
             </a:r>
@@ -4724,8 +4798,8 @@
                 <a:solidFill>
                   <a:schemeClr val="tx1"/>
                 </a:solidFill>
-                <a:latin typeface="Gill Sans MT" panose="020B0502020104020203" pitchFamily="34" charset="0"/>
-                <a:ea typeface="Roboto Medium" panose="02000000000000000000" pitchFamily="2" charset="0"/>
+                <a:latin typeface="Roboto" panose="02000000000000000000" pitchFamily="2" charset="0"/>
+                <a:ea typeface="Roboto" panose="02000000000000000000" pitchFamily="2" charset="0"/>
               </a:rPr>
               <a:t>is</a:t>
             </a:r>
@@ -4734,8 +4808,8 @@
                 <a:solidFill>
                   <a:schemeClr val="tx1"/>
                 </a:solidFill>
-                <a:latin typeface="Gill Sans MT" panose="020B0502020104020203" pitchFamily="34" charset="0"/>
-                <a:ea typeface="Roboto Medium" panose="02000000000000000000" pitchFamily="2" charset="0"/>
+                <a:latin typeface="Roboto" panose="02000000000000000000" pitchFamily="2" charset="0"/>
+                <a:ea typeface="Roboto" panose="02000000000000000000" pitchFamily="2" charset="0"/>
               </a:rPr>
               <a:t> </a:t>
             </a:r>
@@ -4744,8 +4818,8 @@
                 <a:solidFill>
                   <a:schemeClr val="tx1"/>
                 </a:solidFill>
-                <a:latin typeface="Gill Sans MT" panose="020B0502020104020203" pitchFamily="34" charset="0"/>
-                <a:ea typeface="Roboto Medium" panose="02000000000000000000" pitchFamily="2" charset="0"/>
+                <a:latin typeface="Roboto" panose="02000000000000000000" pitchFamily="2" charset="0"/>
+                <a:ea typeface="Roboto" panose="02000000000000000000" pitchFamily="2" charset="0"/>
               </a:rPr>
               <a:t>sharp</a:t>
             </a:r>
@@ -4754,8 +4828,8 @@
                 <a:solidFill>
                   <a:schemeClr val="tx1"/>
                 </a:solidFill>
-                <a:latin typeface="Gill Sans MT" panose="020B0502020104020203" pitchFamily="34" charset="0"/>
-                <a:ea typeface="Roboto Medium" panose="02000000000000000000" pitchFamily="2" charset="0"/>
+                <a:latin typeface="Roboto" panose="02000000000000000000" pitchFamily="2" charset="0"/>
+                <a:ea typeface="Roboto" panose="02000000000000000000" pitchFamily="2" charset="0"/>
               </a:rPr>
               <a:t>)</a:t>
             </a:r>
@@ -4770,8 +4844,8 @@
                 <a:solidFill>
                   <a:schemeClr val="tx1"/>
                 </a:solidFill>
-                <a:latin typeface="Gill Sans MT" panose="020B0502020104020203" pitchFamily="34" charset="0"/>
-                <a:ea typeface="Roboto Medium" panose="02000000000000000000" pitchFamily="2" charset="0"/>
+                <a:latin typeface="Roboto" panose="02000000000000000000" pitchFamily="2" charset="0"/>
+                <a:ea typeface="Roboto" panose="02000000000000000000" pitchFamily="2" charset="0"/>
               </a:rPr>
               <a:t>Illusion Direction </a:t>
             </a:r>
@@ -4780,8 +4854,8 @@
                 <a:solidFill>
                   <a:schemeClr val="tx1"/>
                 </a:solidFill>
-                <a:latin typeface="Gill Sans MT" panose="020B0502020104020203" pitchFamily="34" charset="0"/>
-                <a:ea typeface="Roboto Medium" panose="02000000000000000000" pitchFamily="2" charset="0"/>
+                <a:latin typeface="Roboto" panose="02000000000000000000" pitchFamily="2" charset="0"/>
+                <a:ea typeface="Roboto" panose="02000000000000000000" pitchFamily="2" charset="0"/>
               </a:rPr>
               <a:t>(</a:t>
             </a:r>
@@ -4790,8 +4864,8 @@
                 <a:solidFill>
                   <a:schemeClr val="tx1"/>
                 </a:solidFill>
-                <a:latin typeface="Gill Sans MT" panose="020B0502020104020203" pitchFamily="34" charset="0"/>
-                <a:ea typeface="Roboto Medium" panose="02000000000000000000" pitchFamily="2" charset="0"/>
+                <a:latin typeface="Roboto" panose="02000000000000000000" pitchFamily="2" charset="0"/>
+                <a:ea typeface="Roboto" panose="02000000000000000000" pitchFamily="2" charset="0"/>
               </a:rPr>
               <a:t>left</a:t>
             </a:r>
@@ -4800,8 +4874,8 @@
                 <a:solidFill>
                   <a:schemeClr val="tx1"/>
                 </a:solidFill>
-                <a:latin typeface="Gill Sans MT" panose="020B0502020104020203" pitchFamily="34" charset="0"/>
-                <a:ea typeface="Roboto Medium" panose="02000000000000000000" pitchFamily="2" charset="0"/>
+                <a:latin typeface="Roboto" panose="02000000000000000000" pitchFamily="2" charset="0"/>
+                <a:ea typeface="Roboto" panose="02000000000000000000" pitchFamily="2" charset="0"/>
               </a:rPr>
               <a:t>)</a:t>
             </a:r>
@@ -4810,8 +4884,8 @@
                 <a:solidFill>
                   <a:schemeClr val="tx1"/>
                 </a:solidFill>
-                <a:latin typeface="Gill Sans MT" panose="020B0502020104020203" pitchFamily="34" charset="0"/>
-                <a:ea typeface="Roboto Medium" panose="02000000000000000000" pitchFamily="2" charset="0"/>
+                <a:latin typeface="Roboto" panose="02000000000000000000" pitchFamily="2" charset="0"/>
+                <a:ea typeface="Roboto" panose="02000000000000000000" pitchFamily="2" charset="0"/>
               </a:rPr>
               <a:t>:</a:t>
             </a:r>
@@ -4820,8 +4894,8 @@
                 <a:solidFill>
                   <a:schemeClr val="tx1"/>
                 </a:solidFill>
-                <a:latin typeface="Gill Sans MT" panose="020B0502020104020203" pitchFamily="34" charset="0"/>
-                <a:ea typeface="Roboto Medium" panose="02000000000000000000" pitchFamily="2" charset="0"/>
+                <a:latin typeface="Roboto" panose="02000000000000000000" pitchFamily="2" charset="0"/>
+                <a:ea typeface="Roboto" panose="02000000000000000000" pitchFamily="2" charset="0"/>
               </a:rPr>
               <a:t> incongruent</a:t>
             </a:r>
@@ -4832,8 +4906,8 @@
                 <a:solidFill>
                   <a:schemeClr val="tx1"/>
                 </a:solidFill>
-                <a:latin typeface="Gill Sans MT" panose="020B0502020104020203" pitchFamily="34" charset="0"/>
-                <a:ea typeface="Roboto Medium" panose="02000000000000000000" pitchFamily="2" charset="0"/>
+                <a:latin typeface="Roboto" panose="02000000000000000000" pitchFamily="2" charset="0"/>
+                <a:ea typeface="Roboto" panose="02000000000000000000" pitchFamily="2" charset="0"/>
               </a:rPr>
               <a:t>	(the illusion </a:t>
             </a:r>
@@ -4842,8 +4916,8 @@
                 <a:solidFill>
                   <a:schemeClr val="tx1"/>
                 </a:solidFill>
-                <a:latin typeface="Gill Sans MT" panose="020B0502020104020203" pitchFamily="34" charset="0"/>
-                <a:ea typeface="Roboto Medium" panose="02000000000000000000" pitchFamily="2" charset="0"/>
+                <a:latin typeface="Roboto" panose="02000000000000000000" pitchFamily="2" charset="0"/>
+                <a:ea typeface="Roboto" panose="02000000000000000000" pitchFamily="2" charset="0"/>
               </a:rPr>
               <a:t>makes</a:t>
             </a:r>
@@ -4852,8 +4926,8 @@
                 <a:solidFill>
                   <a:schemeClr val="tx1"/>
                 </a:solidFill>
-                <a:latin typeface="Gill Sans MT" panose="020B0502020104020203" pitchFamily="34" charset="0"/>
-                <a:ea typeface="Roboto Medium" panose="02000000000000000000" pitchFamily="2" charset="0"/>
+                <a:latin typeface="Roboto" panose="02000000000000000000" pitchFamily="2" charset="0"/>
+                <a:ea typeface="Roboto" panose="02000000000000000000" pitchFamily="2" charset="0"/>
               </a:rPr>
               <a:t> the </a:t>
             </a:r>
@@ -4862,8 +4936,8 @@
                 <a:solidFill>
                   <a:schemeClr val="tx1"/>
                 </a:solidFill>
-                <a:latin typeface="Gill Sans MT" panose="020B0502020104020203" pitchFamily="34" charset="0"/>
-                <a:ea typeface="Roboto Medium" panose="02000000000000000000" pitchFamily="2" charset="0"/>
+                <a:latin typeface="Roboto" panose="02000000000000000000" pitchFamily="2" charset="0"/>
+                <a:ea typeface="Roboto" panose="02000000000000000000" pitchFamily="2" charset="0"/>
               </a:rPr>
               <a:t>task</a:t>
             </a:r>
@@ -4872,8 +4946,8 @@
                 <a:solidFill>
                   <a:schemeClr val="tx1"/>
                 </a:solidFill>
-                <a:latin typeface="Gill Sans MT" panose="020B0502020104020203" pitchFamily="34" charset="0"/>
-                <a:ea typeface="Roboto Medium" panose="02000000000000000000" pitchFamily="2" charset="0"/>
+                <a:latin typeface="Roboto" panose="02000000000000000000" pitchFamily="2" charset="0"/>
+                <a:ea typeface="Roboto" panose="02000000000000000000" pitchFamily="2" charset="0"/>
               </a:rPr>
               <a:t> harder)</a:t>
             </a:r>
@@ -4888,8 +4962,8 @@
                 <a:solidFill>
                   <a:schemeClr val="tx1"/>
                 </a:solidFill>
-                <a:latin typeface="Gill Sans MT" panose="020B0502020104020203" pitchFamily="34" charset="0"/>
-                <a:ea typeface="Roboto Medium" panose="02000000000000000000" pitchFamily="2" charset="0"/>
+                <a:latin typeface="Roboto" panose="02000000000000000000" pitchFamily="2" charset="0"/>
+                <a:ea typeface="Roboto" panose="02000000000000000000" pitchFamily="2" charset="0"/>
               </a:rPr>
               <a:t>Illusion Direction </a:t>
             </a:r>
@@ -4898,8 +4972,8 @@
                 <a:solidFill>
                   <a:schemeClr val="tx1"/>
                 </a:solidFill>
-                <a:latin typeface="Gill Sans MT" panose="020B0502020104020203" pitchFamily="34" charset="0"/>
-                <a:ea typeface="Roboto Medium" panose="02000000000000000000" pitchFamily="2" charset="0"/>
+                <a:latin typeface="Roboto" panose="02000000000000000000" pitchFamily="2" charset="0"/>
+                <a:ea typeface="Roboto" panose="02000000000000000000" pitchFamily="2" charset="0"/>
               </a:rPr>
               <a:t>(right)</a:t>
             </a:r>
@@ -4908,8 +4982,8 @@
                 <a:solidFill>
                   <a:schemeClr val="tx1"/>
                 </a:solidFill>
-                <a:latin typeface="Gill Sans MT" panose="020B0502020104020203" pitchFamily="34" charset="0"/>
-                <a:ea typeface="Roboto Medium" panose="02000000000000000000" pitchFamily="2" charset="0"/>
+                <a:latin typeface="Roboto" panose="02000000000000000000" pitchFamily="2" charset="0"/>
+                <a:ea typeface="Roboto" panose="02000000000000000000" pitchFamily="2" charset="0"/>
               </a:rPr>
               <a:t>:</a:t>
             </a:r>
@@ -4918,8 +4992,8 @@
                 <a:solidFill>
                   <a:schemeClr val="tx1"/>
                 </a:solidFill>
-                <a:latin typeface="Gill Sans MT" panose="020B0502020104020203" pitchFamily="34" charset="0"/>
-                <a:ea typeface="Roboto Medium" panose="02000000000000000000" pitchFamily="2" charset="0"/>
+                <a:latin typeface="Roboto" panose="02000000000000000000" pitchFamily="2" charset="0"/>
+                <a:ea typeface="Roboto" panose="02000000000000000000" pitchFamily="2" charset="0"/>
               </a:rPr>
               <a:t> congruent</a:t>
             </a:r>
@@ -4930,8 +5004,8 @@
                 <a:solidFill>
                   <a:schemeClr val="tx1"/>
                 </a:solidFill>
-                <a:latin typeface="Gill Sans MT" panose="020B0502020104020203" pitchFamily="34" charset="0"/>
-                <a:ea typeface="Roboto Medium" panose="02000000000000000000" pitchFamily="2" charset="0"/>
+                <a:latin typeface="Roboto" panose="02000000000000000000" pitchFamily="2" charset="0"/>
+                <a:ea typeface="Roboto" panose="02000000000000000000" pitchFamily="2" charset="0"/>
               </a:rPr>
               <a:t>	</a:t>
             </a:r>
@@ -4940,8 +5014,8 @@
                 <a:solidFill>
                   <a:schemeClr val="tx1"/>
                 </a:solidFill>
-                <a:latin typeface="Gill Sans MT" panose="020B0502020104020203" pitchFamily="34" charset="0"/>
-                <a:ea typeface="Roboto Medium" panose="02000000000000000000" pitchFamily="2" charset="0"/>
+                <a:latin typeface="Roboto" panose="02000000000000000000" pitchFamily="2" charset="0"/>
+                <a:ea typeface="Roboto" panose="02000000000000000000" pitchFamily="2" charset="0"/>
               </a:rPr>
               <a:t>(the illusion </a:t>
             </a:r>
@@ -4950,8 +5024,8 @@
                 <a:solidFill>
                   <a:schemeClr val="tx1"/>
                 </a:solidFill>
-                <a:latin typeface="Gill Sans MT" panose="020B0502020104020203" pitchFamily="34" charset="0"/>
-                <a:ea typeface="Roboto Medium" panose="02000000000000000000" pitchFamily="2" charset="0"/>
+                <a:latin typeface="Roboto" panose="02000000000000000000" pitchFamily="2" charset="0"/>
+                <a:ea typeface="Roboto" panose="02000000000000000000" pitchFamily="2" charset="0"/>
               </a:rPr>
               <a:t>makes</a:t>
             </a:r>
@@ -4960,8 +5034,8 @@
                 <a:solidFill>
                   <a:schemeClr val="tx1"/>
                 </a:solidFill>
-                <a:latin typeface="Gill Sans MT" panose="020B0502020104020203" pitchFamily="34" charset="0"/>
-                <a:ea typeface="Roboto Medium" panose="02000000000000000000" pitchFamily="2" charset="0"/>
+                <a:latin typeface="Roboto" panose="02000000000000000000" pitchFamily="2" charset="0"/>
+                <a:ea typeface="Roboto" panose="02000000000000000000" pitchFamily="2" charset="0"/>
               </a:rPr>
               <a:t> the </a:t>
             </a:r>
@@ -4970,8 +5044,8 @@
                 <a:solidFill>
                   <a:schemeClr val="tx1"/>
                 </a:solidFill>
-                <a:latin typeface="Gill Sans MT" panose="020B0502020104020203" pitchFamily="34" charset="0"/>
-                <a:ea typeface="Roboto Medium" panose="02000000000000000000" pitchFamily="2" charset="0"/>
+                <a:latin typeface="Roboto" panose="02000000000000000000" pitchFamily="2" charset="0"/>
+                <a:ea typeface="Roboto" panose="02000000000000000000" pitchFamily="2" charset="0"/>
               </a:rPr>
               <a:t>task</a:t>
             </a:r>
@@ -4980,8 +5054,8 @@
                 <a:solidFill>
                   <a:schemeClr val="tx1"/>
                 </a:solidFill>
-                <a:latin typeface="Gill Sans MT" panose="020B0502020104020203" pitchFamily="34" charset="0"/>
-                <a:ea typeface="Roboto Medium" panose="02000000000000000000" pitchFamily="2" charset="0"/>
+                <a:latin typeface="Roboto" panose="02000000000000000000" pitchFamily="2" charset="0"/>
+                <a:ea typeface="Roboto" panose="02000000000000000000" pitchFamily="2" charset="0"/>
               </a:rPr>
               <a:t> </a:t>
             </a:r>
@@ -4990,8 +5064,8 @@
                 <a:solidFill>
                   <a:schemeClr val="tx1"/>
                 </a:solidFill>
-                <a:latin typeface="Gill Sans MT" panose="020B0502020104020203" pitchFamily="34" charset="0"/>
-                <a:ea typeface="Roboto Medium" panose="02000000000000000000" pitchFamily="2" charset="0"/>
+                <a:latin typeface="Roboto" panose="02000000000000000000" pitchFamily="2" charset="0"/>
+                <a:ea typeface="Roboto" panose="02000000000000000000" pitchFamily="2" charset="0"/>
               </a:rPr>
               <a:t>easier</a:t>
             </a:r>
@@ -5000,8 +5074,8 @@
                 <a:solidFill>
                   <a:schemeClr val="tx1"/>
                 </a:solidFill>
-                <a:latin typeface="Gill Sans MT" panose="020B0502020104020203" pitchFamily="34" charset="0"/>
-                <a:ea typeface="Roboto Medium" panose="02000000000000000000" pitchFamily="2" charset="0"/>
+                <a:latin typeface="Roboto" panose="02000000000000000000" pitchFamily="2" charset="0"/>
+                <a:ea typeface="Roboto" panose="02000000000000000000" pitchFamily="2" charset="0"/>
               </a:rPr>
               <a:t>)</a:t>
             </a:r>
@@ -5011,8 +5085,8 @@
               <a:solidFill>
                 <a:schemeClr val="tx1"/>
               </a:solidFill>
-              <a:latin typeface="Gill Sans MT" panose="020B0502020104020203" pitchFamily="34" charset="0"/>
-              <a:ea typeface="Roboto Medium" panose="02000000000000000000" pitchFamily="2" charset="0"/>
+              <a:latin typeface="Roboto" panose="02000000000000000000" pitchFamily="2" charset="0"/>
+              <a:ea typeface="Roboto" panose="02000000000000000000" pitchFamily="2" charset="0"/>
             </a:endParaRPr>
           </a:p>
           <a:p>
@@ -5024,8 +5098,8 @@
               <a:solidFill>
                 <a:schemeClr val="tx1"/>
               </a:solidFill>
-              <a:latin typeface="Gill Sans MT" panose="020B0502020104020203" pitchFamily="34" charset="0"/>
-              <a:ea typeface="Roboto Medium" panose="02000000000000000000" pitchFamily="2" charset="0"/>
+              <a:latin typeface="Roboto" panose="02000000000000000000" pitchFamily="2" charset="0"/>
+              <a:ea typeface="Roboto" panose="02000000000000000000" pitchFamily="2" charset="0"/>
             </a:endParaRPr>
           </a:p>
         </p:txBody>
@@ -5086,7 +5160,8 @@
                 <a:solidFill>
                   <a:schemeClr val="bg1"/>
                 </a:solidFill>
-                <a:latin typeface="Gill Sans MT" panose="020B0502020104020203" pitchFamily="34" charset="0"/>
+                <a:latin typeface="Roboto" panose="02000000000000000000" pitchFamily="2" charset="0"/>
+                <a:ea typeface="Roboto" panose="02000000000000000000" pitchFamily="2" charset="0"/>
               </a:rPr>
               <a:t>Example of Stimuli</a:t>
             </a:r>
@@ -5286,8 +5361,8 @@
                 <a:solidFill>
                   <a:schemeClr val="tx1"/>
                 </a:solidFill>
-                <a:latin typeface="Gill Sans MT" panose="020B0502020104020203" pitchFamily="34" charset="0"/>
-                <a:ea typeface="Roboto Medium" panose="02000000000000000000" pitchFamily="2" charset="0"/>
+                <a:latin typeface="Roboto" panose="02000000000000000000" pitchFamily="2" charset="0"/>
+                <a:ea typeface="Roboto" panose="02000000000000000000" pitchFamily="2" charset="0"/>
               </a:rPr>
               <a:t>Task</a:t>
             </a:r>
@@ -5296,8 +5371,8 @@
                 <a:solidFill>
                   <a:schemeClr val="tx1"/>
                 </a:solidFill>
-                <a:latin typeface="Gill Sans MT" panose="020B0502020104020203" pitchFamily="34" charset="0"/>
-                <a:ea typeface="Roboto Medium" panose="02000000000000000000" pitchFamily="2" charset="0"/>
+                <a:latin typeface="Roboto" panose="02000000000000000000" pitchFamily="2" charset="0"/>
+                <a:ea typeface="Roboto" panose="02000000000000000000" pitchFamily="2" charset="0"/>
               </a:rPr>
               <a:t> </a:t>
             </a:r>
@@ -5306,8 +5381,8 @@
                 <a:solidFill>
                   <a:schemeClr val="tx1"/>
                 </a:solidFill>
-                <a:latin typeface="Gill Sans MT" panose="020B0502020104020203" pitchFamily="34" charset="0"/>
-                <a:ea typeface="Roboto Medium" panose="02000000000000000000" pitchFamily="2" charset="0"/>
+                <a:latin typeface="Roboto" panose="02000000000000000000" pitchFamily="2" charset="0"/>
+                <a:ea typeface="Roboto" panose="02000000000000000000" pitchFamily="2" charset="0"/>
               </a:rPr>
               <a:t>difficulty</a:t>
             </a:r>
@@ -5316,8 +5391,8 @@
                 <a:solidFill>
                   <a:schemeClr val="tx1"/>
                 </a:solidFill>
-                <a:latin typeface="Gill Sans MT" panose="020B0502020104020203" pitchFamily="34" charset="0"/>
-                <a:ea typeface="Roboto Medium" panose="02000000000000000000" pitchFamily="2" charset="0"/>
+                <a:latin typeface="Roboto" panose="02000000000000000000" pitchFamily="2" charset="0"/>
+                <a:ea typeface="Roboto" panose="02000000000000000000" pitchFamily="2" charset="0"/>
               </a:rPr>
               <a:t>:</a:t>
             </a:r>
@@ -5326,8 +5401,8 @@
                 <a:solidFill>
                   <a:schemeClr val="tx1"/>
                 </a:solidFill>
-                <a:latin typeface="Gill Sans MT" panose="020B0502020104020203" pitchFamily="34" charset="0"/>
-                <a:ea typeface="Roboto Medium" panose="02000000000000000000" pitchFamily="2" charset="0"/>
+                <a:latin typeface="Roboto" panose="02000000000000000000" pitchFamily="2" charset="0"/>
+                <a:ea typeface="Roboto" panose="02000000000000000000" pitchFamily="2" charset="0"/>
               </a:rPr>
               <a:t> </a:t>
             </a:r>
@@ -5336,8 +5411,8 @@
                 <a:solidFill>
                   <a:srgbClr val="FF0000"/>
                 </a:solidFill>
-                <a:latin typeface="Gill Sans MT" panose="020B0502020104020203" pitchFamily="34" charset="0"/>
-                <a:ea typeface="Roboto Medium" panose="02000000000000000000" pitchFamily="2" charset="0"/>
+                <a:latin typeface="Roboto" panose="02000000000000000000" pitchFamily="2" charset="0"/>
+                <a:ea typeface="Roboto" panose="02000000000000000000" pitchFamily="2" charset="0"/>
               </a:rPr>
               <a:t>hard</a:t>
             </a:r>
@@ -5346,8 +5421,8 @@
                 <a:solidFill>
                   <a:schemeClr val="tx1"/>
                 </a:solidFill>
-                <a:latin typeface="Gill Sans MT" panose="020B0502020104020203" pitchFamily="34" charset="0"/>
-                <a:ea typeface="Roboto Medium" panose="02000000000000000000" pitchFamily="2" charset="0"/>
+                <a:latin typeface="Roboto" panose="02000000000000000000" pitchFamily="2" charset="0"/>
+                <a:ea typeface="Roboto" panose="02000000000000000000" pitchFamily="2" charset="0"/>
               </a:rPr>
               <a:t> </a:t>
             </a:r>
@@ -5358,8 +5433,8 @@
                 <a:solidFill>
                   <a:schemeClr val="tx1"/>
                 </a:solidFill>
-                <a:latin typeface="Gill Sans MT" panose="020B0502020104020203" pitchFamily="34" charset="0"/>
-                <a:ea typeface="Roboto Medium" panose="02000000000000000000" pitchFamily="2" charset="0"/>
+                <a:latin typeface="Roboto" panose="02000000000000000000" pitchFamily="2" charset="0"/>
+                <a:ea typeface="Roboto" panose="02000000000000000000" pitchFamily="2" charset="0"/>
               </a:rPr>
               <a:t>	(</a:t>
             </a:r>
@@ -5368,8 +5443,8 @@
                 <a:solidFill>
                   <a:schemeClr val="tx1"/>
                 </a:solidFill>
-                <a:latin typeface="Gill Sans MT" panose="020B0502020104020203" pitchFamily="34" charset="0"/>
-                <a:ea typeface="Roboto Medium" panose="02000000000000000000" pitchFamily="2" charset="0"/>
+                <a:latin typeface="Roboto" panose="02000000000000000000" pitchFamily="2" charset="0"/>
+                <a:ea typeface="Roboto" panose="02000000000000000000" pitchFamily="2" charset="0"/>
               </a:rPr>
               <a:t>upper</a:t>
             </a:r>
@@ -5378,8 +5453,8 @@
                 <a:solidFill>
                   <a:schemeClr val="tx1"/>
                 </a:solidFill>
-                <a:latin typeface="Gill Sans MT" panose="020B0502020104020203" pitchFamily="34" charset="0"/>
-                <a:ea typeface="Roboto Medium" panose="02000000000000000000" pitchFamily="2" charset="0"/>
+                <a:latin typeface="Roboto" panose="02000000000000000000" pitchFamily="2" charset="0"/>
+                <a:ea typeface="Roboto" panose="02000000000000000000" pitchFamily="2" charset="0"/>
               </a:rPr>
               <a:t> line </a:t>
             </a:r>
@@ -5388,8 +5463,8 @@
                 <a:solidFill>
                   <a:schemeClr val="tx1"/>
                 </a:solidFill>
-                <a:latin typeface="Gill Sans MT" panose="020B0502020104020203" pitchFamily="34" charset="0"/>
-                <a:ea typeface="Roboto Medium" panose="02000000000000000000" pitchFamily="2" charset="0"/>
+                <a:latin typeface="Roboto" panose="02000000000000000000" pitchFamily="2" charset="0"/>
+                <a:ea typeface="Roboto" panose="02000000000000000000" pitchFamily="2" charset="0"/>
               </a:rPr>
               <a:t>is</a:t>
             </a:r>
@@ -5398,8 +5473,8 @@
                 <a:solidFill>
                   <a:schemeClr val="tx1"/>
                 </a:solidFill>
-                <a:latin typeface="Gill Sans MT" panose="020B0502020104020203" pitchFamily="34" charset="0"/>
-                <a:ea typeface="Roboto Medium" panose="02000000000000000000" pitchFamily="2" charset="0"/>
+                <a:latin typeface="Roboto" panose="02000000000000000000" pitchFamily="2" charset="0"/>
+                <a:ea typeface="Roboto" panose="02000000000000000000" pitchFamily="2" charset="0"/>
               </a:rPr>
               <a:t> </a:t>
             </a:r>
@@ -5408,8 +5483,8 @@
                 <a:solidFill>
                   <a:schemeClr val="tx1"/>
                 </a:solidFill>
-                <a:latin typeface="Gill Sans MT" panose="020B0502020104020203" pitchFamily="34" charset="0"/>
-                <a:ea typeface="Roboto Medium" panose="02000000000000000000" pitchFamily="2" charset="0"/>
+                <a:latin typeface="Roboto" panose="02000000000000000000" pitchFamily="2" charset="0"/>
+                <a:ea typeface="Roboto" panose="02000000000000000000" pitchFamily="2" charset="0"/>
               </a:rPr>
               <a:t>only</a:t>
             </a:r>
@@ -5418,8 +5493,8 @@
                 <a:solidFill>
                   <a:schemeClr val="tx1"/>
                 </a:solidFill>
-                <a:latin typeface="Gill Sans MT" panose="020B0502020104020203" pitchFamily="34" charset="0"/>
-                <a:ea typeface="Roboto Medium" panose="02000000000000000000" pitchFamily="2" charset="0"/>
+                <a:latin typeface="Roboto" panose="02000000000000000000" pitchFamily="2" charset="0"/>
+                <a:ea typeface="Roboto" panose="02000000000000000000" pitchFamily="2" charset="0"/>
               </a:rPr>
               <a:t> 1.1 times longer)</a:t>
             </a:r>
@@ -5434,8 +5509,8 @@
                 <a:solidFill>
                   <a:schemeClr val="tx1"/>
                 </a:solidFill>
-                <a:latin typeface="Gill Sans MT" panose="020B0502020104020203" pitchFamily="34" charset="0"/>
-                <a:ea typeface="Roboto Medium" panose="02000000000000000000" pitchFamily="2" charset="0"/>
+                <a:latin typeface="Roboto" panose="02000000000000000000" pitchFamily="2" charset="0"/>
+                <a:ea typeface="Roboto" panose="02000000000000000000" pitchFamily="2" charset="0"/>
               </a:rPr>
               <a:t>Illusion </a:t>
             </a:r>
@@ -5444,8 +5519,8 @@
                 <a:solidFill>
                   <a:schemeClr val="tx1"/>
                 </a:solidFill>
-                <a:latin typeface="Gill Sans MT" panose="020B0502020104020203" pitchFamily="34" charset="0"/>
-                <a:ea typeface="Roboto Medium" panose="02000000000000000000" pitchFamily="2" charset="0"/>
+                <a:latin typeface="Roboto" panose="02000000000000000000" pitchFamily="2" charset="0"/>
+                <a:ea typeface="Roboto" panose="02000000000000000000" pitchFamily="2" charset="0"/>
               </a:rPr>
               <a:t>Strength</a:t>
             </a:r>
@@ -5454,8 +5529,8 @@
                 <a:solidFill>
                   <a:schemeClr val="tx1"/>
                 </a:solidFill>
-                <a:latin typeface="Gill Sans MT" panose="020B0502020104020203" pitchFamily="34" charset="0"/>
-                <a:ea typeface="Roboto Medium" panose="02000000000000000000" pitchFamily="2" charset="0"/>
+                <a:latin typeface="Roboto" panose="02000000000000000000" pitchFamily="2" charset="0"/>
+                <a:ea typeface="Roboto" panose="02000000000000000000" pitchFamily="2" charset="0"/>
               </a:rPr>
               <a:t>:</a:t>
             </a:r>
@@ -5464,8 +5539,8 @@
                 <a:solidFill>
                   <a:schemeClr val="tx1"/>
                 </a:solidFill>
-                <a:latin typeface="Gill Sans MT" panose="020B0502020104020203" pitchFamily="34" charset="0"/>
-                <a:ea typeface="Roboto Medium" panose="02000000000000000000" pitchFamily="2" charset="0"/>
+                <a:latin typeface="Roboto" panose="02000000000000000000" pitchFamily="2" charset="0"/>
+                <a:ea typeface="Roboto" panose="02000000000000000000" pitchFamily="2" charset="0"/>
               </a:rPr>
               <a:t> </a:t>
             </a:r>
@@ -5474,8 +5549,8 @@
                 <a:solidFill>
                   <a:srgbClr val="0070C0"/>
                 </a:solidFill>
-                <a:latin typeface="Gill Sans MT" panose="020B0502020104020203" pitchFamily="34" charset="0"/>
-                <a:ea typeface="Roboto Medium" panose="02000000000000000000" pitchFamily="2" charset="0"/>
+                <a:latin typeface="Roboto" panose="02000000000000000000" pitchFamily="2" charset="0"/>
+                <a:ea typeface="Roboto" panose="02000000000000000000" pitchFamily="2" charset="0"/>
               </a:rPr>
               <a:t>weak</a:t>
             </a:r>
@@ -5484,8 +5559,8 @@
                 <a:solidFill>
                   <a:schemeClr val="tx1"/>
                 </a:solidFill>
-                <a:latin typeface="Gill Sans MT" panose="020B0502020104020203" pitchFamily="34" charset="0"/>
-                <a:ea typeface="Roboto Medium" panose="02000000000000000000" pitchFamily="2" charset="0"/>
+                <a:latin typeface="Roboto" panose="02000000000000000000" pitchFamily="2" charset="0"/>
+                <a:ea typeface="Roboto" panose="02000000000000000000" pitchFamily="2" charset="0"/>
               </a:rPr>
               <a:t> </a:t>
             </a:r>
@@ -5496,8 +5571,8 @@
                 <a:solidFill>
                   <a:schemeClr val="tx1"/>
                 </a:solidFill>
-                <a:latin typeface="Gill Sans MT" panose="020B0502020104020203" pitchFamily="34" charset="0"/>
-                <a:ea typeface="Roboto Medium" panose="02000000000000000000" pitchFamily="2" charset="0"/>
+                <a:latin typeface="Roboto" panose="02000000000000000000" pitchFamily="2" charset="0"/>
+                <a:ea typeface="Roboto" panose="02000000000000000000" pitchFamily="2" charset="0"/>
               </a:rPr>
               <a:t>	(angle </a:t>
             </a:r>
@@ -5506,8 +5581,8 @@
                 <a:solidFill>
                   <a:schemeClr val="tx1"/>
                 </a:solidFill>
-                <a:latin typeface="Gill Sans MT" panose="020B0502020104020203" pitchFamily="34" charset="0"/>
-                <a:ea typeface="Roboto Medium" panose="02000000000000000000" pitchFamily="2" charset="0"/>
+                <a:latin typeface="Roboto" panose="02000000000000000000" pitchFamily="2" charset="0"/>
+                <a:ea typeface="Roboto" panose="02000000000000000000" pitchFamily="2" charset="0"/>
               </a:rPr>
               <a:t>is</a:t>
             </a:r>
@@ -5516,8 +5591,8 @@
                 <a:solidFill>
                   <a:schemeClr val="tx1"/>
                 </a:solidFill>
-                <a:latin typeface="Gill Sans MT" panose="020B0502020104020203" pitchFamily="34" charset="0"/>
-                <a:ea typeface="Roboto Medium" panose="02000000000000000000" pitchFamily="2" charset="0"/>
+                <a:latin typeface="Roboto" panose="02000000000000000000" pitchFamily="2" charset="0"/>
+                <a:ea typeface="Roboto" panose="02000000000000000000" pitchFamily="2" charset="0"/>
               </a:rPr>
               <a:t> flat)</a:t>
             </a:r>
@@ -5532,8 +5607,8 @@
                 <a:solidFill>
                   <a:schemeClr val="tx1"/>
                 </a:solidFill>
-                <a:latin typeface="Gill Sans MT" panose="020B0502020104020203" pitchFamily="34" charset="0"/>
-                <a:ea typeface="Roboto Medium" panose="02000000000000000000" pitchFamily="2" charset="0"/>
+                <a:latin typeface="Roboto" panose="02000000000000000000" pitchFamily="2" charset="0"/>
+                <a:ea typeface="Roboto" panose="02000000000000000000" pitchFamily="2" charset="0"/>
               </a:rPr>
               <a:t>Illusion Direction </a:t>
             </a:r>
@@ -5542,8 +5617,8 @@
                 <a:solidFill>
                   <a:schemeClr val="tx1"/>
                 </a:solidFill>
-                <a:latin typeface="Gill Sans MT" panose="020B0502020104020203" pitchFamily="34" charset="0"/>
-                <a:ea typeface="Roboto Medium" panose="02000000000000000000" pitchFamily="2" charset="0"/>
+                <a:latin typeface="Roboto" panose="02000000000000000000" pitchFamily="2" charset="0"/>
+                <a:ea typeface="Roboto" panose="02000000000000000000" pitchFamily="2" charset="0"/>
               </a:rPr>
               <a:t>(</a:t>
             </a:r>
@@ -5552,8 +5627,8 @@
                 <a:solidFill>
                   <a:schemeClr val="tx1"/>
                 </a:solidFill>
-                <a:latin typeface="Gill Sans MT" panose="020B0502020104020203" pitchFamily="34" charset="0"/>
-                <a:ea typeface="Roboto Medium" panose="02000000000000000000" pitchFamily="2" charset="0"/>
+                <a:latin typeface="Roboto" panose="02000000000000000000" pitchFamily="2" charset="0"/>
+                <a:ea typeface="Roboto" panose="02000000000000000000" pitchFamily="2" charset="0"/>
               </a:rPr>
               <a:t>left</a:t>
             </a:r>
@@ -5562,8 +5637,8 @@
                 <a:solidFill>
                   <a:schemeClr val="tx1"/>
                 </a:solidFill>
-                <a:latin typeface="Gill Sans MT" panose="020B0502020104020203" pitchFamily="34" charset="0"/>
-                <a:ea typeface="Roboto Medium" panose="02000000000000000000" pitchFamily="2" charset="0"/>
+                <a:latin typeface="Roboto" panose="02000000000000000000" pitchFamily="2" charset="0"/>
+                <a:ea typeface="Roboto" panose="02000000000000000000" pitchFamily="2" charset="0"/>
               </a:rPr>
               <a:t>)</a:t>
             </a:r>
@@ -5572,8 +5647,8 @@
                 <a:solidFill>
                   <a:schemeClr val="tx1"/>
                 </a:solidFill>
-                <a:latin typeface="Gill Sans MT" panose="020B0502020104020203" pitchFamily="34" charset="0"/>
-                <a:ea typeface="Roboto Medium" panose="02000000000000000000" pitchFamily="2" charset="0"/>
+                <a:latin typeface="Roboto" panose="02000000000000000000" pitchFamily="2" charset="0"/>
+                <a:ea typeface="Roboto" panose="02000000000000000000" pitchFamily="2" charset="0"/>
               </a:rPr>
               <a:t>:</a:t>
             </a:r>
@@ -5582,8 +5657,8 @@
                 <a:solidFill>
                   <a:schemeClr val="tx1"/>
                 </a:solidFill>
-                <a:latin typeface="Gill Sans MT" panose="020B0502020104020203" pitchFamily="34" charset="0"/>
-                <a:ea typeface="Roboto Medium" panose="02000000000000000000" pitchFamily="2" charset="0"/>
+                <a:latin typeface="Roboto" panose="02000000000000000000" pitchFamily="2" charset="0"/>
+                <a:ea typeface="Roboto" panose="02000000000000000000" pitchFamily="2" charset="0"/>
               </a:rPr>
               <a:t> incongruent</a:t>
             </a:r>
@@ -5594,8 +5669,8 @@
                 <a:solidFill>
                   <a:schemeClr val="tx1"/>
                 </a:solidFill>
-                <a:latin typeface="Gill Sans MT" panose="020B0502020104020203" pitchFamily="34" charset="0"/>
-                <a:ea typeface="Roboto Medium" panose="02000000000000000000" pitchFamily="2" charset="0"/>
+                <a:latin typeface="Roboto" panose="02000000000000000000" pitchFamily="2" charset="0"/>
+                <a:ea typeface="Roboto" panose="02000000000000000000" pitchFamily="2" charset="0"/>
               </a:rPr>
               <a:t>	(the illusion </a:t>
             </a:r>
@@ -5604,8 +5679,8 @@
                 <a:solidFill>
                   <a:schemeClr val="tx1"/>
                 </a:solidFill>
-                <a:latin typeface="Gill Sans MT" panose="020B0502020104020203" pitchFamily="34" charset="0"/>
-                <a:ea typeface="Roboto Medium" panose="02000000000000000000" pitchFamily="2" charset="0"/>
+                <a:latin typeface="Roboto" panose="02000000000000000000" pitchFamily="2" charset="0"/>
+                <a:ea typeface="Roboto" panose="02000000000000000000" pitchFamily="2" charset="0"/>
               </a:rPr>
               <a:t>makes</a:t>
             </a:r>
@@ -5614,8 +5689,8 @@
                 <a:solidFill>
                   <a:schemeClr val="tx1"/>
                 </a:solidFill>
-                <a:latin typeface="Gill Sans MT" panose="020B0502020104020203" pitchFamily="34" charset="0"/>
-                <a:ea typeface="Roboto Medium" panose="02000000000000000000" pitchFamily="2" charset="0"/>
+                <a:latin typeface="Roboto" panose="02000000000000000000" pitchFamily="2" charset="0"/>
+                <a:ea typeface="Roboto" panose="02000000000000000000" pitchFamily="2" charset="0"/>
               </a:rPr>
               <a:t> the </a:t>
             </a:r>
@@ -5624,8 +5699,8 @@
                 <a:solidFill>
                   <a:schemeClr val="tx1"/>
                 </a:solidFill>
-                <a:latin typeface="Gill Sans MT" panose="020B0502020104020203" pitchFamily="34" charset="0"/>
-                <a:ea typeface="Roboto Medium" panose="02000000000000000000" pitchFamily="2" charset="0"/>
+                <a:latin typeface="Roboto" panose="02000000000000000000" pitchFamily="2" charset="0"/>
+                <a:ea typeface="Roboto" panose="02000000000000000000" pitchFamily="2" charset="0"/>
               </a:rPr>
               <a:t>task</a:t>
             </a:r>
@@ -5634,8 +5709,8 @@
                 <a:solidFill>
                   <a:schemeClr val="tx1"/>
                 </a:solidFill>
-                <a:latin typeface="Gill Sans MT" panose="020B0502020104020203" pitchFamily="34" charset="0"/>
-                <a:ea typeface="Roboto Medium" panose="02000000000000000000" pitchFamily="2" charset="0"/>
+                <a:latin typeface="Roboto" panose="02000000000000000000" pitchFamily="2" charset="0"/>
+                <a:ea typeface="Roboto" panose="02000000000000000000" pitchFamily="2" charset="0"/>
               </a:rPr>
               <a:t> harder)</a:t>
             </a:r>
@@ -5650,8 +5725,8 @@
                 <a:solidFill>
                   <a:schemeClr val="tx1"/>
                 </a:solidFill>
-                <a:latin typeface="Gill Sans MT" panose="020B0502020104020203" pitchFamily="34" charset="0"/>
-                <a:ea typeface="Roboto Medium" panose="02000000000000000000" pitchFamily="2" charset="0"/>
+                <a:latin typeface="Roboto" panose="02000000000000000000" pitchFamily="2" charset="0"/>
+                <a:ea typeface="Roboto" panose="02000000000000000000" pitchFamily="2" charset="0"/>
               </a:rPr>
               <a:t>Illusion Direction </a:t>
             </a:r>
@@ -5660,8 +5735,8 @@
                 <a:solidFill>
                   <a:schemeClr val="tx1"/>
                 </a:solidFill>
-                <a:latin typeface="Gill Sans MT" panose="020B0502020104020203" pitchFamily="34" charset="0"/>
-                <a:ea typeface="Roboto Medium" panose="02000000000000000000" pitchFamily="2" charset="0"/>
+                <a:latin typeface="Roboto" panose="02000000000000000000" pitchFamily="2" charset="0"/>
+                <a:ea typeface="Roboto" panose="02000000000000000000" pitchFamily="2" charset="0"/>
               </a:rPr>
               <a:t>(right)</a:t>
             </a:r>
@@ -5670,8 +5745,8 @@
                 <a:solidFill>
                   <a:schemeClr val="tx1"/>
                 </a:solidFill>
-                <a:latin typeface="Gill Sans MT" panose="020B0502020104020203" pitchFamily="34" charset="0"/>
-                <a:ea typeface="Roboto Medium" panose="02000000000000000000" pitchFamily="2" charset="0"/>
+                <a:latin typeface="Roboto" panose="02000000000000000000" pitchFamily="2" charset="0"/>
+                <a:ea typeface="Roboto" panose="02000000000000000000" pitchFamily="2" charset="0"/>
               </a:rPr>
               <a:t>:</a:t>
             </a:r>
@@ -5680,8 +5755,8 @@
                 <a:solidFill>
                   <a:schemeClr val="tx1"/>
                 </a:solidFill>
-                <a:latin typeface="Gill Sans MT" panose="020B0502020104020203" pitchFamily="34" charset="0"/>
-                <a:ea typeface="Roboto Medium" panose="02000000000000000000" pitchFamily="2" charset="0"/>
+                <a:latin typeface="Roboto" panose="02000000000000000000" pitchFamily="2" charset="0"/>
+                <a:ea typeface="Roboto" panose="02000000000000000000" pitchFamily="2" charset="0"/>
               </a:rPr>
               <a:t> congruent</a:t>
             </a:r>
@@ -5692,8 +5767,8 @@
                 <a:solidFill>
                   <a:schemeClr val="tx1"/>
                 </a:solidFill>
-                <a:latin typeface="Gill Sans MT" panose="020B0502020104020203" pitchFamily="34" charset="0"/>
-                <a:ea typeface="Roboto Medium" panose="02000000000000000000" pitchFamily="2" charset="0"/>
+                <a:latin typeface="Roboto" panose="02000000000000000000" pitchFamily="2" charset="0"/>
+                <a:ea typeface="Roboto" panose="02000000000000000000" pitchFamily="2" charset="0"/>
               </a:rPr>
               <a:t>	</a:t>
             </a:r>
@@ -5702,8 +5777,8 @@
                 <a:solidFill>
                   <a:schemeClr val="tx1"/>
                 </a:solidFill>
-                <a:latin typeface="Gill Sans MT" panose="020B0502020104020203" pitchFamily="34" charset="0"/>
-                <a:ea typeface="Roboto Medium" panose="02000000000000000000" pitchFamily="2" charset="0"/>
+                <a:latin typeface="Roboto" panose="02000000000000000000" pitchFamily="2" charset="0"/>
+                <a:ea typeface="Roboto" panose="02000000000000000000" pitchFamily="2" charset="0"/>
               </a:rPr>
               <a:t>(the illusion </a:t>
             </a:r>
@@ -5712,8 +5787,8 @@
                 <a:solidFill>
                   <a:schemeClr val="tx1"/>
                 </a:solidFill>
-                <a:latin typeface="Gill Sans MT" panose="020B0502020104020203" pitchFamily="34" charset="0"/>
-                <a:ea typeface="Roboto Medium" panose="02000000000000000000" pitchFamily="2" charset="0"/>
+                <a:latin typeface="Roboto" panose="02000000000000000000" pitchFamily="2" charset="0"/>
+                <a:ea typeface="Roboto" panose="02000000000000000000" pitchFamily="2" charset="0"/>
               </a:rPr>
               <a:t>makes</a:t>
             </a:r>
@@ -5722,8 +5797,8 @@
                 <a:solidFill>
                   <a:schemeClr val="tx1"/>
                 </a:solidFill>
-                <a:latin typeface="Gill Sans MT" panose="020B0502020104020203" pitchFamily="34" charset="0"/>
-                <a:ea typeface="Roboto Medium" panose="02000000000000000000" pitchFamily="2" charset="0"/>
+                <a:latin typeface="Roboto" panose="02000000000000000000" pitchFamily="2" charset="0"/>
+                <a:ea typeface="Roboto" panose="02000000000000000000" pitchFamily="2" charset="0"/>
               </a:rPr>
               <a:t> the </a:t>
             </a:r>
@@ -5732,8 +5807,8 @@
                 <a:solidFill>
                   <a:schemeClr val="tx1"/>
                 </a:solidFill>
-                <a:latin typeface="Gill Sans MT" panose="020B0502020104020203" pitchFamily="34" charset="0"/>
-                <a:ea typeface="Roboto Medium" panose="02000000000000000000" pitchFamily="2" charset="0"/>
+                <a:latin typeface="Roboto" panose="02000000000000000000" pitchFamily="2" charset="0"/>
+                <a:ea typeface="Roboto" panose="02000000000000000000" pitchFamily="2" charset="0"/>
               </a:rPr>
               <a:t>task</a:t>
             </a:r>
@@ -5742,8 +5817,8 @@
                 <a:solidFill>
                   <a:schemeClr val="tx1"/>
                 </a:solidFill>
-                <a:latin typeface="Gill Sans MT" panose="020B0502020104020203" pitchFamily="34" charset="0"/>
-                <a:ea typeface="Roboto Medium" panose="02000000000000000000" pitchFamily="2" charset="0"/>
+                <a:latin typeface="Roboto" panose="02000000000000000000" pitchFamily="2" charset="0"/>
+                <a:ea typeface="Roboto" panose="02000000000000000000" pitchFamily="2" charset="0"/>
               </a:rPr>
               <a:t> </a:t>
             </a:r>
@@ -5752,8 +5827,8 @@
                 <a:solidFill>
                   <a:schemeClr val="tx1"/>
                 </a:solidFill>
-                <a:latin typeface="Gill Sans MT" panose="020B0502020104020203" pitchFamily="34" charset="0"/>
-                <a:ea typeface="Roboto Medium" panose="02000000000000000000" pitchFamily="2" charset="0"/>
+                <a:latin typeface="Roboto" panose="02000000000000000000" pitchFamily="2" charset="0"/>
+                <a:ea typeface="Roboto" panose="02000000000000000000" pitchFamily="2" charset="0"/>
               </a:rPr>
               <a:t>easier</a:t>
             </a:r>
@@ -5762,8 +5837,8 @@
                 <a:solidFill>
                   <a:schemeClr val="tx1"/>
                 </a:solidFill>
-                <a:latin typeface="Gill Sans MT" panose="020B0502020104020203" pitchFamily="34" charset="0"/>
-                <a:ea typeface="Roboto Medium" panose="02000000000000000000" pitchFamily="2" charset="0"/>
+                <a:latin typeface="Roboto" panose="02000000000000000000" pitchFamily="2" charset="0"/>
+                <a:ea typeface="Roboto" panose="02000000000000000000" pitchFamily="2" charset="0"/>
               </a:rPr>
               <a:t>)</a:t>
             </a:r>
@@ -5773,8 +5848,8 @@
               <a:solidFill>
                 <a:schemeClr val="tx1"/>
               </a:solidFill>
-              <a:latin typeface="Gill Sans MT" panose="020B0502020104020203" pitchFamily="34" charset="0"/>
-              <a:ea typeface="Roboto Medium" panose="02000000000000000000" pitchFamily="2" charset="0"/>
+              <a:latin typeface="Roboto" panose="02000000000000000000" pitchFamily="2" charset="0"/>
+              <a:ea typeface="Roboto" panose="02000000000000000000" pitchFamily="2" charset="0"/>
             </a:endParaRPr>
           </a:p>
           <a:p>
@@ -5786,8 +5861,8 @@
               <a:solidFill>
                 <a:schemeClr val="tx1"/>
               </a:solidFill>
-              <a:latin typeface="Gill Sans MT" panose="020B0502020104020203" pitchFamily="34" charset="0"/>
-              <a:ea typeface="Roboto Medium" panose="02000000000000000000" pitchFamily="2" charset="0"/>
+              <a:latin typeface="Roboto" panose="02000000000000000000" pitchFamily="2" charset="0"/>
+              <a:ea typeface="Roboto" panose="02000000000000000000" pitchFamily="2" charset="0"/>
             </a:endParaRPr>
           </a:p>
         </p:txBody>
@@ -5821,7 +5896,7 @@
         </p:blipFill>
         <p:spPr bwMode="auto">
           <a:xfrm>
-            <a:off x="12252256" y="17304253"/>
+            <a:off x="11947463" y="17304253"/>
             <a:ext cx="2219191" cy="696826"/>
           </a:xfrm>
           <a:prstGeom prst="rect">
@@ -5893,7 +5968,7 @@
         <p:spPr>
           <a:xfrm>
             <a:off x="13598229" y="13354450"/>
-            <a:ext cx="4276492" cy="3108543"/>
+            <a:ext cx="4276492" cy="3539430"/>
           </a:xfrm>
           <a:prstGeom prst="rect">
             <a:avLst/>
@@ -5909,180 +5984,210 @@
             <a:pPr algn="just"/>
             <a:r>
               <a:rPr lang="fr-FR" sz="2800" b="1" dirty="0" err="1">
-                <a:latin typeface="Gill Sans MT" panose="020B0502020104020203" pitchFamily="34" charset="0"/>
+                <a:latin typeface="Roboto" panose="02000000000000000000" pitchFamily="2" charset="0"/>
+                <a:ea typeface="Roboto" panose="02000000000000000000" pitchFamily="2" charset="0"/>
               </a:rPr>
               <a:t>Task</a:t>
             </a:r>
             <a:r>
               <a:rPr lang="fr-FR" sz="2800" b="1" dirty="0">
-                <a:latin typeface="Gill Sans MT" panose="020B0502020104020203" pitchFamily="34" charset="0"/>
+                <a:latin typeface="Roboto" panose="02000000000000000000" pitchFamily="2" charset="0"/>
+                <a:ea typeface="Roboto" panose="02000000000000000000" pitchFamily="2" charset="0"/>
               </a:rPr>
               <a:t>: </a:t>
             </a:r>
             <a:r>
               <a:rPr lang="fr-FR" sz="2800" dirty="0">
-                <a:latin typeface="Gill Sans MT" panose="020B0502020104020203" pitchFamily="34" charset="0"/>
+                <a:latin typeface="Roboto" panose="02000000000000000000" pitchFamily="2" charset="0"/>
+                <a:ea typeface="Roboto" panose="02000000000000000000" pitchFamily="2" charset="0"/>
               </a:rPr>
               <a:t>For </a:t>
             </a:r>
             <a:r>
               <a:rPr lang="fr-FR" sz="2800" dirty="0" err="1">
-                <a:latin typeface="Gill Sans MT" panose="020B0502020104020203" pitchFamily="34" charset="0"/>
+                <a:latin typeface="Roboto" panose="02000000000000000000" pitchFamily="2" charset="0"/>
+                <a:ea typeface="Roboto" panose="02000000000000000000" pitchFamily="2" charset="0"/>
               </a:rPr>
               <a:t>these</a:t>
             </a:r>
             <a:r>
               <a:rPr lang="fr-FR" sz="2800" dirty="0">
-                <a:latin typeface="Gill Sans MT" panose="020B0502020104020203" pitchFamily="34" charset="0"/>
+                <a:latin typeface="Roboto" panose="02000000000000000000" pitchFamily="2" charset="0"/>
+                <a:ea typeface="Roboto" panose="02000000000000000000" pitchFamily="2" charset="0"/>
               </a:rPr>
               <a:t> stimuli,  the correct </a:t>
             </a:r>
             <a:r>
               <a:rPr lang="fr-FR" sz="2800" dirty="0" err="1">
-                <a:latin typeface="Gill Sans MT" panose="020B0502020104020203" pitchFamily="34" charset="0"/>
+                <a:latin typeface="Roboto" panose="02000000000000000000" pitchFamily="2" charset="0"/>
+                <a:ea typeface="Roboto" panose="02000000000000000000" pitchFamily="2" charset="0"/>
               </a:rPr>
               <a:t>response</a:t>
             </a:r>
             <a:r>
               <a:rPr lang="fr-FR" sz="2800" dirty="0">
-                <a:latin typeface="Gill Sans MT" panose="020B0502020104020203" pitchFamily="34" charset="0"/>
+                <a:latin typeface="Roboto" panose="02000000000000000000" pitchFamily="2" charset="0"/>
+                <a:ea typeface="Roboto" panose="02000000000000000000" pitchFamily="2" charset="0"/>
               </a:rPr>
               <a:t> </a:t>
             </a:r>
             <a:r>
               <a:rPr lang="fr-FR" sz="2800" dirty="0" err="1">
-                <a:latin typeface="Gill Sans MT" panose="020B0502020104020203" pitchFamily="34" charset="0"/>
+                <a:latin typeface="Roboto" panose="02000000000000000000" pitchFamily="2" charset="0"/>
+                <a:ea typeface="Roboto" panose="02000000000000000000" pitchFamily="2" charset="0"/>
               </a:rPr>
               <a:t>is</a:t>
             </a:r>
             <a:r>
               <a:rPr lang="fr-FR" sz="2800" dirty="0">
-                <a:latin typeface="Gill Sans MT" panose="020B0502020104020203" pitchFamily="34" charset="0"/>
+                <a:latin typeface="Roboto" panose="02000000000000000000" pitchFamily="2" charset="0"/>
+                <a:ea typeface="Roboto" panose="02000000000000000000" pitchFamily="2" charset="0"/>
               </a:rPr>
               <a:t> </a:t>
             </a:r>
             <a:r>
               <a:rPr lang="fr-FR" sz="2800" dirty="0" err="1">
-                <a:latin typeface="Gill Sans MT" panose="020B0502020104020203" pitchFamily="34" charset="0"/>
+                <a:latin typeface="Roboto" panose="02000000000000000000" pitchFamily="2" charset="0"/>
+                <a:ea typeface="Roboto" panose="02000000000000000000" pitchFamily="2" charset="0"/>
               </a:rPr>
               <a:t>always</a:t>
             </a:r>
             <a:r>
               <a:rPr lang="fr-FR" sz="2800" dirty="0">
-                <a:latin typeface="Gill Sans MT" panose="020B0502020104020203" pitchFamily="34" charset="0"/>
+                <a:latin typeface="Roboto" panose="02000000000000000000" pitchFamily="2" charset="0"/>
+                <a:ea typeface="Roboto" panose="02000000000000000000" pitchFamily="2" charset="0"/>
               </a:rPr>
               <a:t> the « up » </a:t>
             </a:r>
             <a:r>
               <a:rPr lang="fr-FR" sz="2800" dirty="0" err="1">
-                <a:latin typeface="Gill Sans MT" panose="020B0502020104020203" pitchFamily="34" charset="0"/>
+                <a:latin typeface="Roboto" panose="02000000000000000000" pitchFamily="2" charset="0"/>
+                <a:ea typeface="Roboto" panose="02000000000000000000" pitchFamily="2" charset="0"/>
               </a:rPr>
               <a:t>arrow</a:t>
             </a:r>
             <a:r>
               <a:rPr lang="fr-FR" sz="2800" dirty="0">
-                <a:latin typeface="Gill Sans MT" panose="020B0502020104020203" pitchFamily="34" charset="0"/>
+                <a:latin typeface="Roboto" panose="02000000000000000000" pitchFamily="2" charset="0"/>
+                <a:ea typeface="Roboto" panose="02000000000000000000" pitchFamily="2" charset="0"/>
               </a:rPr>
               <a:t>, </a:t>
             </a:r>
             <a:r>
               <a:rPr lang="fr-FR" sz="2800" dirty="0" err="1">
-                <a:latin typeface="Gill Sans MT" panose="020B0502020104020203" pitchFamily="34" charset="0"/>
+                <a:latin typeface="Roboto" panose="02000000000000000000" pitchFamily="2" charset="0"/>
+                <a:ea typeface="Roboto" panose="02000000000000000000" pitchFamily="2" charset="0"/>
               </a:rPr>
               <a:t>indicating</a:t>
             </a:r>
             <a:r>
               <a:rPr lang="fr-FR" sz="2800" dirty="0">
-                <a:latin typeface="Gill Sans MT" panose="020B0502020104020203" pitchFamily="34" charset="0"/>
+                <a:latin typeface="Roboto" panose="02000000000000000000" pitchFamily="2" charset="0"/>
+                <a:ea typeface="Roboto" panose="02000000000000000000" pitchFamily="2" charset="0"/>
               </a:rPr>
               <a:t> the longer </a:t>
             </a:r>
             <a:r>
               <a:rPr lang="fr-FR" sz="2800" dirty="0" err="1">
-                <a:latin typeface="Gill Sans MT" panose="020B0502020104020203" pitchFamily="34" charset="0"/>
+                <a:latin typeface="Roboto" panose="02000000000000000000" pitchFamily="2" charset="0"/>
+                <a:ea typeface="Roboto" panose="02000000000000000000" pitchFamily="2" charset="0"/>
               </a:rPr>
               <a:t>red</a:t>
             </a:r>
             <a:r>
               <a:rPr lang="fr-FR" sz="2800" dirty="0">
-                <a:latin typeface="Gill Sans MT" panose="020B0502020104020203" pitchFamily="34" charset="0"/>
+                <a:latin typeface="Roboto" panose="02000000000000000000" pitchFamily="2" charset="0"/>
+                <a:ea typeface="Roboto" panose="02000000000000000000" pitchFamily="2" charset="0"/>
               </a:rPr>
               <a:t> segment. </a:t>
             </a:r>
             <a:r>
               <a:rPr lang="fr-FR" sz="2800" dirty="0" err="1">
-                <a:latin typeface="Gill Sans MT" panose="020B0502020104020203" pitchFamily="34" charset="0"/>
+                <a:latin typeface="Roboto" panose="02000000000000000000" pitchFamily="2" charset="0"/>
+                <a:ea typeface="Roboto" panose="02000000000000000000" pitchFamily="2" charset="0"/>
               </a:rPr>
               <a:t>We</a:t>
             </a:r>
             <a:r>
               <a:rPr lang="fr-FR" sz="2800" dirty="0">
-                <a:latin typeface="Gill Sans MT" panose="020B0502020104020203" pitchFamily="34" charset="0"/>
+                <a:latin typeface="Roboto" panose="02000000000000000000" pitchFamily="2" charset="0"/>
+                <a:ea typeface="Roboto" panose="02000000000000000000" pitchFamily="2" charset="0"/>
               </a:rPr>
               <a:t> </a:t>
             </a:r>
             <a:r>
               <a:rPr lang="fr-FR" sz="2800" dirty="0" err="1">
-                <a:latin typeface="Gill Sans MT" panose="020B0502020104020203" pitchFamily="34" charset="0"/>
+                <a:latin typeface="Roboto" panose="02000000000000000000" pitchFamily="2" charset="0"/>
+                <a:ea typeface="Roboto" panose="02000000000000000000" pitchFamily="2" charset="0"/>
               </a:rPr>
               <a:t>measured</a:t>
             </a:r>
             <a:r>
               <a:rPr lang="fr-FR" sz="2800" dirty="0">
-                <a:latin typeface="Gill Sans MT" panose="020B0502020104020203" pitchFamily="34" charset="0"/>
+                <a:latin typeface="Roboto" panose="02000000000000000000" pitchFamily="2" charset="0"/>
+                <a:ea typeface="Roboto" panose="02000000000000000000" pitchFamily="2" charset="0"/>
               </a:rPr>
               <a:t> the </a:t>
             </a:r>
             <a:r>
               <a:rPr lang="fr-FR" sz="2800" dirty="0" err="1">
-                <a:latin typeface="Gill Sans MT" panose="020B0502020104020203" pitchFamily="34" charset="0"/>
+                <a:latin typeface="Roboto" panose="02000000000000000000" pitchFamily="2" charset="0"/>
+                <a:ea typeface="Roboto" panose="02000000000000000000" pitchFamily="2" charset="0"/>
               </a:rPr>
               <a:t>reaction</a:t>
             </a:r>
             <a:r>
               <a:rPr lang="fr-FR" sz="2800" dirty="0">
-                <a:latin typeface="Gill Sans MT" panose="020B0502020104020203" pitchFamily="34" charset="0"/>
+                <a:latin typeface="Roboto" panose="02000000000000000000" pitchFamily="2" charset="0"/>
+                <a:ea typeface="Roboto" panose="02000000000000000000" pitchFamily="2" charset="0"/>
               </a:rPr>
               <a:t> time and the </a:t>
             </a:r>
             <a:r>
               <a:rPr lang="fr-FR" sz="2800" dirty="0" err="1">
-                <a:latin typeface="Gill Sans MT" panose="020B0502020104020203" pitchFamily="34" charset="0"/>
+                <a:latin typeface="Roboto" panose="02000000000000000000" pitchFamily="2" charset="0"/>
+                <a:ea typeface="Roboto" panose="02000000000000000000" pitchFamily="2" charset="0"/>
               </a:rPr>
               <a:t>errors</a:t>
             </a:r>
             <a:r>
               <a:rPr lang="fr-FR" sz="2800" dirty="0">
-                <a:latin typeface="Gill Sans MT" panose="020B0502020104020203" pitchFamily="34" charset="0"/>
+                <a:latin typeface="Roboto" panose="02000000000000000000" pitchFamily="2" charset="0"/>
+                <a:ea typeface="Roboto" panose="02000000000000000000" pitchFamily="2" charset="0"/>
               </a:rPr>
               <a:t> (in </a:t>
             </a:r>
             <a:r>
               <a:rPr lang="fr-FR" sz="2800" dirty="0" err="1">
-                <a:latin typeface="Gill Sans MT" panose="020B0502020104020203" pitchFamily="34" charset="0"/>
+                <a:latin typeface="Roboto" panose="02000000000000000000" pitchFamily="2" charset="0"/>
+                <a:ea typeface="Roboto" panose="02000000000000000000" pitchFamily="2" charset="0"/>
               </a:rPr>
               <a:t>this</a:t>
             </a:r>
             <a:r>
               <a:rPr lang="fr-FR" sz="2800" dirty="0">
-                <a:latin typeface="Gill Sans MT" panose="020B0502020104020203" pitchFamily="34" charset="0"/>
+                <a:latin typeface="Roboto" panose="02000000000000000000" pitchFamily="2" charset="0"/>
+                <a:ea typeface="Roboto" panose="02000000000000000000" pitchFamily="2" charset="0"/>
               </a:rPr>
               <a:t> case, the « down » </a:t>
             </a:r>
             <a:r>
               <a:rPr lang="fr-FR" sz="2800" dirty="0" err="1">
-                <a:latin typeface="Gill Sans MT" panose="020B0502020104020203" pitchFamily="34" charset="0"/>
+                <a:latin typeface="Roboto" panose="02000000000000000000" pitchFamily="2" charset="0"/>
+                <a:ea typeface="Roboto" panose="02000000000000000000" pitchFamily="2" charset="0"/>
               </a:rPr>
               <a:t>arrow</a:t>
             </a:r>
             <a:r>
               <a:rPr lang="fr-FR" sz="2800" dirty="0">
-                <a:latin typeface="Gill Sans MT" panose="020B0502020104020203" pitchFamily="34" charset="0"/>
+                <a:latin typeface="Roboto" panose="02000000000000000000" pitchFamily="2" charset="0"/>
+                <a:ea typeface="Roboto" panose="02000000000000000000" pitchFamily="2" charset="0"/>
               </a:rPr>
               <a:t>).</a:t>
             </a:r>
             <a:endParaRPr lang="en-GB" sz="2800" dirty="0">
-              <a:latin typeface="Gill Sans MT" panose="020B0502020104020203" pitchFamily="34" charset="0"/>
+              <a:latin typeface="Roboto" panose="02000000000000000000" pitchFamily="2" charset="0"/>
+              <a:ea typeface="Roboto" panose="02000000000000000000" pitchFamily="2" charset="0"/>
             </a:endParaRPr>
           </a:p>
         </p:txBody>

--- a/figures/Figure1.pptx
+++ b/figures/Figure1.pptx
@@ -197,7 +197,7 @@
           <a:p>
             <a:fld id="{F660B25F-A1D7-4641-B84D-4EA17F879FAD}" type="datetimeFigureOut">
               <a:rPr lang="en-GB" smtClean="0"/>
-              <a:t>28/08/2022</a:t>
+              <a:t>06/09/2022</a:t>
             </a:fld>
             <a:endParaRPr lang="en-GB"/>
           </a:p>
@@ -680,7 +680,7 @@
           <a:p>
             <a:fld id="{6BE6577F-8B27-443F-861A-67A305ED1D46}" type="datetimeFigureOut">
               <a:rPr lang="en-GB" smtClean="0"/>
-              <a:t>28/08/2022</a:t>
+              <a:t>06/09/2022</a:t>
             </a:fld>
             <a:endParaRPr lang="en-GB"/>
           </a:p>
@@ -850,7 +850,7 @@
           <a:p>
             <a:fld id="{6BE6577F-8B27-443F-861A-67A305ED1D46}" type="datetimeFigureOut">
               <a:rPr lang="en-GB" smtClean="0"/>
-              <a:t>28/08/2022</a:t>
+              <a:t>06/09/2022</a:t>
             </a:fld>
             <a:endParaRPr lang="en-GB"/>
           </a:p>
@@ -1030,7 +1030,7 @@
           <a:p>
             <a:fld id="{6BE6577F-8B27-443F-861A-67A305ED1D46}" type="datetimeFigureOut">
               <a:rPr lang="en-GB" smtClean="0"/>
-              <a:t>28/08/2022</a:t>
+              <a:t>06/09/2022</a:t>
             </a:fld>
             <a:endParaRPr lang="en-GB"/>
           </a:p>
@@ -1200,7 +1200,7 @@
           <a:p>
             <a:fld id="{6BE6577F-8B27-443F-861A-67A305ED1D46}" type="datetimeFigureOut">
               <a:rPr lang="en-GB" smtClean="0"/>
-              <a:t>28/08/2022</a:t>
+              <a:t>06/09/2022</a:t>
             </a:fld>
             <a:endParaRPr lang="en-GB"/>
           </a:p>
@@ -1444,7 +1444,7 @@
           <a:p>
             <a:fld id="{6BE6577F-8B27-443F-861A-67A305ED1D46}" type="datetimeFigureOut">
               <a:rPr lang="en-GB" smtClean="0"/>
-              <a:t>28/08/2022</a:t>
+              <a:t>06/09/2022</a:t>
             </a:fld>
             <a:endParaRPr lang="en-GB"/>
           </a:p>
@@ -1676,7 +1676,7 @@
           <a:p>
             <a:fld id="{6BE6577F-8B27-443F-861A-67A305ED1D46}" type="datetimeFigureOut">
               <a:rPr lang="en-GB" smtClean="0"/>
-              <a:t>28/08/2022</a:t>
+              <a:t>06/09/2022</a:t>
             </a:fld>
             <a:endParaRPr lang="en-GB"/>
           </a:p>
@@ -2043,7 +2043,7 @@
           <a:p>
             <a:fld id="{6BE6577F-8B27-443F-861A-67A305ED1D46}" type="datetimeFigureOut">
               <a:rPr lang="en-GB" smtClean="0"/>
-              <a:t>28/08/2022</a:t>
+              <a:t>06/09/2022</a:t>
             </a:fld>
             <a:endParaRPr lang="en-GB"/>
           </a:p>
@@ -2161,7 +2161,7 @@
           <a:p>
             <a:fld id="{6BE6577F-8B27-443F-861A-67A305ED1D46}" type="datetimeFigureOut">
               <a:rPr lang="en-GB" smtClean="0"/>
-              <a:t>28/08/2022</a:t>
+              <a:t>06/09/2022</a:t>
             </a:fld>
             <a:endParaRPr lang="en-GB"/>
           </a:p>
@@ -2256,7 +2256,7 @@
           <a:p>
             <a:fld id="{6BE6577F-8B27-443F-861A-67A305ED1D46}" type="datetimeFigureOut">
               <a:rPr lang="en-GB" smtClean="0"/>
-              <a:t>28/08/2022</a:t>
+              <a:t>06/09/2022</a:t>
             </a:fld>
             <a:endParaRPr lang="en-GB"/>
           </a:p>
@@ -2533,7 +2533,7 @@
           <a:p>
             <a:fld id="{6BE6577F-8B27-443F-861A-67A305ED1D46}" type="datetimeFigureOut">
               <a:rPr lang="en-GB" smtClean="0"/>
-              <a:t>28/08/2022</a:t>
+              <a:t>06/09/2022</a:t>
             </a:fld>
             <a:endParaRPr lang="en-GB"/>
           </a:p>
@@ -2790,7 +2790,7 @@
           <a:p>
             <a:fld id="{6BE6577F-8B27-443F-861A-67A305ED1D46}" type="datetimeFigureOut">
               <a:rPr lang="en-GB" smtClean="0"/>
-              <a:t>28/08/2022</a:t>
+              <a:t>06/09/2022</a:t>
             </a:fld>
             <a:endParaRPr lang="en-GB"/>
           </a:p>
@@ -3003,7 +3003,7 @@
           <a:p>
             <a:fld id="{6BE6577F-8B27-443F-861A-67A305ED1D46}" type="datetimeFigureOut">
               <a:rPr lang="en-GB" smtClean="0"/>
-              <a:t>28/08/2022</a:t>
+              <a:t>06/09/2022</a:t>
             </a:fld>
             <a:endParaRPr lang="en-GB"/>
           </a:p>
@@ -4534,7 +4534,7 @@
                 <a:latin typeface="Roboto" panose="02000000000000000000" pitchFamily="2" charset="0"/>
                 <a:ea typeface="Roboto" panose="02000000000000000000" pitchFamily="2" charset="0"/>
               </a:rPr>
-              <a:t> the open-source software                           (Makowski et al., 2021)</a:t>
+              <a:t> the open-source software                            (Makowski et al., 2021)</a:t>
             </a:r>
             <a:endParaRPr lang="en-GB" sz="2800" dirty="0">
               <a:solidFill>
@@ -5896,7 +5896,7 @@
         </p:blipFill>
         <p:spPr bwMode="auto">
           <a:xfrm>
-            <a:off x="11947463" y="17304253"/>
+            <a:off x="11893676" y="17286085"/>
             <a:ext cx="2219191" cy="696826"/>
           </a:xfrm>
           <a:prstGeom prst="rect">

--- a/figures/Figure1.pptx
+++ b/figures/Figure1.pptx
@@ -197,7 +197,7 @@
           <a:p>
             <a:fld id="{F660B25F-A1D7-4641-B84D-4EA17F879FAD}" type="datetimeFigureOut">
               <a:rPr lang="en-GB" smtClean="0"/>
-              <a:t>06/09/2022</a:t>
+              <a:t>08/09/2022</a:t>
             </a:fld>
             <a:endParaRPr lang="en-GB"/>
           </a:p>
@@ -680,7 +680,7 @@
           <a:p>
             <a:fld id="{6BE6577F-8B27-443F-861A-67A305ED1D46}" type="datetimeFigureOut">
               <a:rPr lang="en-GB" smtClean="0"/>
-              <a:t>06/09/2022</a:t>
+              <a:t>08/09/2022</a:t>
             </a:fld>
             <a:endParaRPr lang="en-GB"/>
           </a:p>
@@ -850,7 +850,7 @@
           <a:p>
             <a:fld id="{6BE6577F-8B27-443F-861A-67A305ED1D46}" type="datetimeFigureOut">
               <a:rPr lang="en-GB" smtClean="0"/>
-              <a:t>06/09/2022</a:t>
+              <a:t>08/09/2022</a:t>
             </a:fld>
             <a:endParaRPr lang="en-GB"/>
           </a:p>
@@ -1030,7 +1030,7 @@
           <a:p>
             <a:fld id="{6BE6577F-8B27-443F-861A-67A305ED1D46}" type="datetimeFigureOut">
               <a:rPr lang="en-GB" smtClean="0"/>
-              <a:t>06/09/2022</a:t>
+              <a:t>08/09/2022</a:t>
             </a:fld>
             <a:endParaRPr lang="en-GB"/>
           </a:p>
@@ -1200,7 +1200,7 @@
           <a:p>
             <a:fld id="{6BE6577F-8B27-443F-861A-67A305ED1D46}" type="datetimeFigureOut">
               <a:rPr lang="en-GB" smtClean="0"/>
-              <a:t>06/09/2022</a:t>
+              <a:t>08/09/2022</a:t>
             </a:fld>
             <a:endParaRPr lang="en-GB"/>
           </a:p>
@@ -1444,7 +1444,7 @@
           <a:p>
             <a:fld id="{6BE6577F-8B27-443F-861A-67A305ED1D46}" type="datetimeFigureOut">
               <a:rPr lang="en-GB" smtClean="0"/>
-              <a:t>06/09/2022</a:t>
+              <a:t>08/09/2022</a:t>
             </a:fld>
             <a:endParaRPr lang="en-GB"/>
           </a:p>
@@ -1676,7 +1676,7 @@
           <a:p>
             <a:fld id="{6BE6577F-8B27-443F-861A-67A305ED1D46}" type="datetimeFigureOut">
               <a:rPr lang="en-GB" smtClean="0"/>
-              <a:t>06/09/2022</a:t>
+              <a:t>08/09/2022</a:t>
             </a:fld>
             <a:endParaRPr lang="en-GB"/>
           </a:p>
@@ -2043,7 +2043,7 @@
           <a:p>
             <a:fld id="{6BE6577F-8B27-443F-861A-67A305ED1D46}" type="datetimeFigureOut">
               <a:rPr lang="en-GB" smtClean="0"/>
-              <a:t>06/09/2022</a:t>
+              <a:t>08/09/2022</a:t>
             </a:fld>
             <a:endParaRPr lang="en-GB"/>
           </a:p>
@@ -2161,7 +2161,7 @@
           <a:p>
             <a:fld id="{6BE6577F-8B27-443F-861A-67A305ED1D46}" type="datetimeFigureOut">
               <a:rPr lang="en-GB" smtClean="0"/>
-              <a:t>06/09/2022</a:t>
+              <a:t>08/09/2022</a:t>
             </a:fld>
             <a:endParaRPr lang="en-GB"/>
           </a:p>
@@ -2256,7 +2256,7 @@
           <a:p>
             <a:fld id="{6BE6577F-8B27-443F-861A-67A305ED1D46}" type="datetimeFigureOut">
               <a:rPr lang="en-GB" smtClean="0"/>
-              <a:t>06/09/2022</a:t>
+              <a:t>08/09/2022</a:t>
             </a:fld>
             <a:endParaRPr lang="en-GB"/>
           </a:p>
@@ -2533,7 +2533,7 @@
           <a:p>
             <a:fld id="{6BE6577F-8B27-443F-861A-67A305ED1D46}" type="datetimeFigureOut">
               <a:rPr lang="en-GB" smtClean="0"/>
-              <a:t>06/09/2022</a:t>
+              <a:t>08/09/2022</a:t>
             </a:fld>
             <a:endParaRPr lang="en-GB"/>
           </a:p>
@@ -2790,7 +2790,7 @@
           <a:p>
             <a:fld id="{6BE6577F-8B27-443F-861A-67A305ED1D46}" type="datetimeFigureOut">
               <a:rPr lang="en-GB" smtClean="0"/>
-              <a:t>06/09/2022</a:t>
+              <a:t>08/09/2022</a:t>
             </a:fld>
             <a:endParaRPr lang="en-GB"/>
           </a:p>
@@ -3003,7 +3003,7 @@
           <a:p>
             <a:fld id="{6BE6577F-8B27-443F-861A-67A305ED1D46}" type="datetimeFigureOut">
               <a:rPr lang="en-GB" smtClean="0"/>
-              <a:t>06/09/2022</a:t>
+              <a:t>08/09/2022</a:t>
             </a:fld>
             <a:endParaRPr lang="en-GB"/>
           </a:p>
@@ -4431,6 +4431,16 @@
               </a:rPr>
               <a:t>.</a:t>
             </a:r>
+            <a:r>
+              <a:rPr lang="en-GB" sz="3600" b="0" i="0" dirty="0">
+                <a:solidFill>
+                  <a:srgbClr val="202124"/>
+                </a:solidFill>
+                <a:effectLst/>
+                <a:latin typeface="arial" panose="020B0604020202020204" pitchFamily="34" charset="0"/>
+              </a:rPr>
+              <a:t> </a:t>
+            </a:r>
             <a:endParaRPr lang="en-GB" sz="3600" dirty="0">
               <a:solidFill>
                 <a:schemeClr val="tx1"/>
@@ -4673,27 +4683,7 @@
                 <a:latin typeface="Roboto" panose="02000000000000000000" pitchFamily="2" charset="0"/>
                 <a:ea typeface="Roboto" panose="02000000000000000000" pitchFamily="2" charset="0"/>
               </a:rPr>
-              <a:t>	(</a:t>
-            </a:r>
-            <a:r>
-              <a:rPr lang="fr-FR" sz="1600" dirty="0" err="1">
-                <a:solidFill>
-                  <a:schemeClr val="tx1"/>
-                </a:solidFill>
-                <a:latin typeface="Roboto" panose="02000000000000000000" pitchFamily="2" charset="0"/>
-                <a:ea typeface="Roboto" panose="02000000000000000000" pitchFamily="2" charset="0"/>
-              </a:rPr>
-              <a:t>upper</a:t>
-            </a:r>
-            <a:r>
-              <a:rPr lang="fr-FR" sz="1600" dirty="0">
-                <a:solidFill>
-                  <a:schemeClr val="tx1"/>
-                </a:solidFill>
-                <a:latin typeface="Roboto" panose="02000000000000000000" pitchFamily="2" charset="0"/>
-                <a:ea typeface="Roboto" panose="02000000000000000000" pitchFamily="2" charset="0"/>
-              </a:rPr>
-              <a:t> line </a:t>
+              <a:t>	(top line </a:t>
             </a:r>
             <a:r>
               <a:rPr lang="fr-FR" sz="1600" dirty="0" err="1">
@@ -4836,8 +4826,8 @@
           </a:p>
           <a:p>
             <a:pPr marL="457200" indent="-457200">
-              <a:buFont typeface="Wingdings" panose="05000000000000000000" pitchFamily="2" charset="2"/>
-              <a:buChar char="ü"/>
+              <a:buFont typeface="Arial" panose="020B0604020202020204" pitchFamily="34" charset="0"/>
+              <a:buChar char="←"/>
             </a:pPr>
             <a:r>
               <a:rPr lang="fr-FR" sz="2800" dirty="0">
@@ -4954,8 +4944,8 @@
           </a:p>
           <a:p>
             <a:pPr marL="457200" indent="-457200">
-              <a:buFont typeface="Wingdings" panose="05000000000000000000" pitchFamily="2" charset="2"/>
-              <a:buChar char="ü"/>
+              <a:buFont typeface="Arial" panose="020B0604020202020204" pitchFamily="34" charset="0"/>
+              <a:buChar char="→"/>
             </a:pPr>
             <a:r>
               <a:rPr lang="fr-FR" sz="2800" dirty="0">
@@ -5436,27 +5426,7 @@
                 <a:latin typeface="Roboto" panose="02000000000000000000" pitchFamily="2" charset="0"/>
                 <a:ea typeface="Roboto" panose="02000000000000000000" pitchFamily="2" charset="0"/>
               </a:rPr>
-              <a:t>	(</a:t>
-            </a:r>
-            <a:r>
-              <a:rPr lang="fr-FR" sz="1600" dirty="0" err="1">
-                <a:solidFill>
-                  <a:schemeClr val="tx1"/>
-                </a:solidFill>
-                <a:latin typeface="Roboto" panose="02000000000000000000" pitchFamily="2" charset="0"/>
-                <a:ea typeface="Roboto" panose="02000000000000000000" pitchFamily="2" charset="0"/>
-              </a:rPr>
-              <a:t>upper</a:t>
-            </a:r>
-            <a:r>
-              <a:rPr lang="fr-FR" sz="1600" dirty="0">
-                <a:solidFill>
-                  <a:schemeClr val="tx1"/>
-                </a:solidFill>
-                <a:latin typeface="Roboto" panose="02000000000000000000" pitchFamily="2" charset="0"/>
-                <a:ea typeface="Roboto" panose="02000000000000000000" pitchFamily="2" charset="0"/>
-              </a:rPr>
-              <a:t> line </a:t>
+              <a:t>	(top line </a:t>
             </a:r>
             <a:r>
               <a:rPr lang="fr-FR" sz="1600" dirty="0" err="1">
@@ -5599,8 +5569,8 @@
           </a:p>
           <a:p>
             <a:pPr marL="457200" indent="-457200">
-              <a:buFont typeface="Wingdings" panose="05000000000000000000" pitchFamily="2" charset="2"/>
-              <a:buChar char="ü"/>
+              <a:buFont typeface="Arial" panose="020B0604020202020204" pitchFamily="34" charset="0"/>
+              <a:buChar char="←"/>
             </a:pPr>
             <a:r>
               <a:rPr lang="fr-FR" sz="2800" dirty="0">
@@ -5717,8 +5687,8 @@
           </a:p>
           <a:p>
             <a:pPr marL="457200" indent="-457200">
-              <a:buFont typeface="Wingdings" panose="05000000000000000000" pitchFamily="2" charset="2"/>
-              <a:buChar char="ü"/>
+              <a:buFont typeface="Arial" panose="020B0604020202020204" pitchFamily="34" charset="0"/>
+              <a:buChar char="→"/>
             </a:pPr>
             <a:r>
               <a:rPr lang="fr-FR" sz="2800" dirty="0">

--- a/figures/Figure1.pptx
+++ b/figures/Figure1.pptx
@@ -5,10 +5,11 @@
     <p:sldMasterId id="2147483708" r:id="rId1"/>
   </p:sldMasterIdLst>
   <p:notesMasterIdLst>
-    <p:notesMasterId r:id="rId3"/>
+    <p:notesMasterId r:id="rId4"/>
   </p:notesMasterIdLst>
   <p:sldIdLst>
     <p:sldId id="256" r:id="rId2"/>
+    <p:sldId id="258" r:id="rId3"/>
   </p:sldIdLst>
   <p:sldSz cx="18000663" cy="18000663"/>
   <p:notesSz cx="6858000" cy="9144000"/>
@@ -197,7 +198,7 @@
           <a:p>
             <a:fld id="{F660B25F-A1D7-4641-B84D-4EA17F879FAD}" type="datetimeFigureOut">
               <a:rPr lang="en-GB" smtClean="0"/>
-              <a:t>08/09/2022</a:t>
+              <a:t>21/12/2022</a:t>
             </a:fld>
             <a:endParaRPr lang="en-GB"/>
           </a:p>
@@ -549,6 +550,90 @@
 </p:notes>
 </file>
 
+<file path=ppt/notesSlides/notesSlide2.xml><?xml version="1.0" encoding="utf-8"?>
+<p:notes xmlns:a="http://schemas.openxmlformats.org/drawingml/2006/main" xmlns:r="http://schemas.openxmlformats.org/officeDocument/2006/relationships" xmlns:p="http://schemas.openxmlformats.org/presentationml/2006/main">
+  <p:cSld>
+    <p:spTree>
+      <p:nvGrpSpPr>
+        <p:cNvPr id="1" name=""/>
+        <p:cNvGrpSpPr/>
+        <p:nvPr/>
+      </p:nvGrpSpPr>
+      <p:grpSpPr>
+        <a:xfrm>
+          <a:off x="0" y="0"/>
+          <a:ext cx="0" cy="0"/>
+          <a:chOff x="0" y="0"/>
+          <a:chExt cx="0" cy="0"/>
+        </a:xfrm>
+      </p:grpSpPr>
+      <p:sp>
+        <p:nvSpPr>
+          <p:cNvPr id="2" name="Slide Image Placeholder 1"/>
+          <p:cNvSpPr>
+            <a:spLocks noGrp="1" noRot="1" noChangeAspect="1"/>
+          </p:cNvSpPr>
+          <p:nvPr>
+            <p:ph type="sldImg"/>
+          </p:nvPr>
+        </p:nvSpPr>
+        <p:spPr/>
+      </p:sp>
+      <p:sp>
+        <p:nvSpPr>
+          <p:cNvPr id="3" name="Notes Placeholder 2"/>
+          <p:cNvSpPr>
+            <a:spLocks noGrp="1"/>
+          </p:cNvSpPr>
+          <p:nvPr>
+            <p:ph type="body" idx="1"/>
+          </p:nvPr>
+        </p:nvSpPr>
+        <p:spPr/>
+        <p:txBody>
+          <a:bodyPr/>
+          <a:lstStyle/>
+          <a:p>
+            <a:endParaRPr lang="en-GB" dirty="0"/>
+          </a:p>
+        </p:txBody>
+      </p:sp>
+      <p:sp>
+        <p:nvSpPr>
+          <p:cNvPr id="4" name="Slide Number Placeholder 3"/>
+          <p:cNvSpPr>
+            <a:spLocks noGrp="1"/>
+          </p:cNvSpPr>
+          <p:nvPr>
+            <p:ph type="sldNum" sz="quarter" idx="5"/>
+          </p:nvPr>
+        </p:nvSpPr>
+        <p:spPr/>
+        <p:txBody>
+          <a:bodyPr/>
+          <a:lstStyle/>
+          <a:p>
+            <a:fld id="{10B9D31E-54CA-4BB9-9275-61A33D34C4D8}" type="slidenum">
+              <a:rPr lang="en-GB" smtClean="0"/>
+              <a:t>2</a:t>
+            </a:fld>
+            <a:endParaRPr lang="en-GB"/>
+          </a:p>
+        </p:txBody>
+      </p:sp>
+    </p:spTree>
+    <p:extLst>
+      <p:ext uri="{BB962C8B-B14F-4D97-AF65-F5344CB8AC3E}">
+        <p14:creationId xmlns:p14="http://schemas.microsoft.com/office/powerpoint/2010/main" val="1014875434"/>
+      </p:ext>
+    </p:extLst>
+  </p:cSld>
+  <p:clrMapOvr>
+    <a:masterClrMapping/>
+  </p:clrMapOvr>
+</p:notes>
+</file>
+
 <file path=ppt/slideLayouts/slideLayout1.xml><?xml version="1.0" encoding="utf-8"?>
 <p:sldLayout xmlns:a="http://schemas.openxmlformats.org/drawingml/2006/main" xmlns:r="http://schemas.openxmlformats.org/officeDocument/2006/relationships" xmlns:p="http://schemas.openxmlformats.org/presentationml/2006/main" type="title" preserve="1">
   <p:cSld name="Title Slide">
@@ -680,7 +765,7 @@
           <a:p>
             <a:fld id="{6BE6577F-8B27-443F-861A-67A305ED1D46}" type="datetimeFigureOut">
               <a:rPr lang="en-GB" smtClean="0"/>
-              <a:t>08/09/2022</a:t>
+              <a:t>21/12/2022</a:t>
             </a:fld>
             <a:endParaRPr lang="en-GB"/>
           </a:p>
@@ -850,7 +935,7 @@
           <a:p>
             <a:fld id="{6BE6577F-8B27-443F-861A-67A305ED1D46}" type="datetimeFigureOut">
               <a:rPr lang="en-GB" smtClean="0"/>
-              <a:t>08/09/2022</a:t>
+              <a:t>21/12/2022</a:t>
             </a:fld>
             <a:endParaRPr lang="en-GB"/>
           </a:p>
@@ -1030,7 +1115,7 @@
           <a:p>
             <a:fld id="{6BE6577F-8B27-443F-861A-67A305ED1D46}" type="datetimeFigureOut">
               <a:rPr lang="en-GB" smtClean="0"/>
-              <a:t>08/09/2022</a:t>
+              <a:t>21/12/2022</a:t>
             </a:fld>
             <a:endParaRPr lang="en-GB"/>
           </a:p>
@@ -1200,7 +1285,7 @@
           <a:p>
             <a:fld id="{6BE6577F-8B27-443F-861A-67A305ED1D46}" type="datetimeFigureOut">
               <a:rPr lang="en-GB" smtClean="0"/>
-              <a:t>08/09/2022</a:t>
+              <a:t>21/12/2022</a:t>
             </a:fld>
             <a:endParaRPr lang="en-GB"/>
           </a:p>
@@ -1444,7 +1529,7 @@
           <a:p>
             <a:fld id="{6BE6577F-8B27-443F-861A-67A305ED1D46}" type="datetimeFigureOut">
               <a:rPr lang="en-GB" smtClean="0"/>
-              <a:t>08/09/2022</a:t>
+              <a:t>21/12/2022</a:t>
             </a:fld>
             <a:endParaRPr lang="en-GB"/>
           </a:p>
@@ -1676,7 +1761,7 @@
           <a:p>
             <a:fld id="{6BE6577F-8B27-443F-861A-67A305ED1D46}" type="datetimeFigureOut">
               <a:rPr lang="en-GB" smtClean="0"/>
-              <a:t>08/09/2022</a:t>
+              <a:t>21/12/2022</a:t>
             </a:fld>
             <a:endParaRPr lang="en-GB"/>
           </a:p>
@@ -2043,7 +2128,7 @@
           <a:p>
             <a:fld id="{6BE6577F-8B27-443F-861A-67A305ED1D46}" type="datetimeFigureOut">
               <a:rPr lang="en-GB" smtClean="0"/>
-              <a:t>08/09/2022</a:t>
+              <a:t>21/12/2022</a:t>
             </a:fld>
             <a:endParaRPr lang="en-GB"/>
           </a:p>
@@ -2161,7 +2246,7 @@
           <a:p>
             <a:fld id="{6BE6577F-8B27-443F-861A-67A305ED1D46}" type="datetimeFigureOut">
               <a:rPr lang="en-GB" smtClean="0"/>
-              <a:t>08/09/2022</a:t>
+              <a:t>21/12/2022</a:t>
             </a:fld>
             <a:endParaRPr lang="en-GB"/>
           </a:p>
@@ -2256,7 +2341,7 @@
           <a:p>
             <a:fld id="{6BE6577F-8B27-443F-861A-67A305ED1D46}" type="datetimeFigureOut">
               <a:rPr lang="en-GB" smtClean="0"/>
-              <a:t>08/09/2022</a:t>
+              <a:t>21/12/2022</a:t>
             </a:fld>
             <a:endParaRPr lang="en-GB"/>
           </a:p>
@@ -2533,7 +2618,7 @@
           <a:p>
             <a:fld id="{6BE6577F-8B27-443F-861A-67A305ED1D46}" type="datetimeFigureOut">
               <a:rPr lang="en-GB" smtClean="0"/>
-              <a:t>08/09/2022</a:t>
+              <a:t>21/12/2022</a:t>
             </a:fld>
             <a:endParaRPr lang="en-GB"/>
           </a:p>
@@ -2790,7 +2875,7 @@
           <a:p>
             <a:fld id="{6BE6577F-8B27-443F-861A-67A305ED1D46}" type="datetimeFigureOut">
               <a:rPr lang="en-GB" smtClean="0"/>
-              <a:t>08/09/2022</a:t>
+              <a:t>21/12/2022</a:t>
             </a:fld>
             <a:endParaRPr lang="en-GB"/>
           </a:p>
@@ -3003,7 +3088,7 @@
           <a:p>
             <a:fld id="{6BE6577F-8B27-443F-861A-67A305ED1D46}" type="datetimeFigureOut">
               <a:rPr lang="en-GB" smtClean="0"/>
-              <a:t>08/09/2022</a:t>
+              <a:t>21/12/2022</a:t>
             </a:fld>
             <a:endParaRPr lang="en-GB"/>
           </a:p>
@@ -3410,42 +3495,6 @@
       </p:grpSpPr>
       <p:pic>
         <p:nvPicPr>
-          <p:cNvPr id="25" name="Picture 24" descr="A picture containing clock, watch&#10;&#10;Description automatically generated">
-            <a:extLst>
-              <a:ext uri="{FF2B5EF4-FFF2-40B4-BE49-F238E27FC236}">
-                <a16:creationId xmlns:a16="http://schemas.microsoft.com/office/drawing/2014/main" id="{4C62F7A2-25F5-4C55-3EC9-095919B57B5F}"/>
-              </a:ext>
-            </a:extLst>
-          </p:cNvPr>
-          <p:cNvPicPr>
-            <a:picLocks noChangeAspect="1"/>
-          </p:cNvPicPr>
-          <p:nvPr/>
-        </p:nvPicPr>
-        <p:blipFill>
-          <a:blip r:embed="rId3">
-            <a:extLst>
-              <a:ext uri="{28A0092B-C50C-407E-A947-70E740481C1C}">
-                <a14:useLocalDpi xmlns:a14="http://schemas.microsoft.com/office/drawing/2010/main" val="0"/>
-              </a:ext>
-            </a:extLst>
-          </a:blip>
-          <a:stretch>
-            <a:fillRect/>
-          </a:stretch>
-        </p:blipFill>
-        <p:spPr>
-          <a:xfrm>
-            <a:off x="9000330" y="12790487"/>
-            <a:ext cx="4762500" cy="4762500"/>
-          </a:xfrm>
-          <a:prstGeom prst="rect">
-            <a:avLst/>
-          </a:prstGeom>
-        </p:spPr>
-      </p:pic>
-      <p:pic>
-        <p:nvPicPr>
           <p:cNvPr id="5" name="Picture 4" descr="A picture containing clock&#10;&#10;Description automatically generated">
             <a:extLst>
               <a:ext uri="{FF2B5EF4-FFF2-40B4-BE49-F238E27FC236}">
@@ -3459,7 +3508,7 @@
           <p:nvPr/>
         </p:nvPicPr>
         <p:blipFill>
-          <a:blip r:embed="rId4">
+          <a:blip r:embed="rId3">
             <a:extLst>
               <a:ext uri="{28A0092B-C50C-407E-A947-70E740481C1C}">
                 <a14:useLocalDpi xmlns:a14="http://schemas.microsoft.com/office/drawing/2010/main" val="0"/>
@@ -3609,7 +3658,7 @@
           <p:nvPr/>
         </p:nvPicPr>
         <p:blipFill>
-          <a:blip r:embed="rId5">
+          <a:blip r:embed="rId4">
             <a:extLst>
               <a:ext uri="{28A0092B-C50C-407E-A947-70E740481C1C}">
                 <a14:useLocalDpi xmlns:a14="http://schemas.microsoft.com/office/drawing/2010/main" val="0"/>
@@ -3622,79 +3671,7 @@
         </p:blipFill>
         <p:spPr>
           <a:xfrm>
-            <a:off x="-701940" y="8228098"/>
-            <a:ext cx="4762500" cy="4762500"/>
-          </a:xfrm>
-          <a:prstGeom prst="rect">
-            <a:avLst/>
-          </a:prstGeom>
-        </p:spPr>
-      </p:pic>
-      <p:pic>
-        <p:nvPicPr>
-          <p:cNvPr id="9" name="Picture 8" descr="A picture containing clock&#10;&#10;Description automatically generated">
-            <a:extLst>
-              <a:ext uri="{FF2B5EF4-FFF2-40B4-BE49-F238E27FC236}">
-                <a16:creationId xmlns:a16="http://schemas.microsoft.com/office/drawing/2014/main" id="{4836049F-67B0-AFC9-8373-3048D21D4FE3}"/>
-              </a:ext>
-            </a:extLst>
-          </p:cNvPr>
-          <p:cNvPicPr>
-            <a:picLocks noChangeAspect="1"/>
-          </p:cNvPicPr>
-          <p:nvPr/>
-        </p:nvPicPr>
-        <p:blipFill>
-          <a:blip r:embed="rId6">
-            <a:extLst>
-              <a:ext uri="{28A0092B-C50C-407E-A947-70E740481C1C}">
-                <a14:useLocalDpi xmlns:a14="http://schemas.microsoft.com/office/drawing/2010/main" val="0"/>
-              </a:ext>
-            </a:extLst>
-          </a:blip>
-          <a:stretch>
-            <a:fillRect/>
-          </a:stretch>
-        </p:blipFill>
-        <p:spPr>
-          <a:xfrm>
-            <a:off x="8982845" y="8302114"/>
-            <a:ext cx="4762500" cy="4762500"/>
-          </a:xfrm>
-          <a:prstGeom prst="rect">
-            <a:avLst/>
-          </a:prstGeom>
-        </p:spPr>
-      </p:pic>
-      <p:pic>
-        <p:nvPicPr>
-          <p:cNvPr id="11" name="Picture 10" descr="A picture containing clock, watch&#10;&#10;Description automatically generated">
-            <a:extLst>
-              <a:ext uri="{FF2B5EF4-FFF2-40B4-BE49-F238E27FC236}">
-                <a16:creationId xmlns:a16="http://schemas.microsoft.com/office/drawing/2014/main" id="{B2794350-2CA4-BEF0-E140-937F3EC9B6A1}"/>
-              </a:ext>
-            </a:extLst>
-          </p:cNvPr>
-          <p:cNvPicPr>
-            <a:picLocks noChangeAspect="1"/>
-          </p:cNvPicPr>
-          <p:nvPr/>
-        </p:nvPicPr>
-        <p:blipFill>
-          <a:blip r:embed="rId7">
-            <a:extLst>
-              <a:ext uri="{28A0092B-C50C-407E-A947-70E740481C1C}">
-                <a14:useLocalDpi xmlns:a14="http://schemas.microsoft.com/office/drawing/2010/main" val="0"/>
-              </a:ext>
-            </a:extLst>
-          </a:blip>
-          <a:stretch>
-            <a:fillRect/>
-          </a:stretch>
-        </p:blipFill>
-        <p:spPr>
-          <a:xfrm>
-            <a:off x="-796328" y="12790487"/>
+            <a:off x="-649034" y="8994901"/>
             <a:ext cx="4762500" cy="4762500"/>
           </a:xfrm>
           <a:prstGeom prst="rect">
@@ -3716,8 +3693,8 @@
         </p:nvSpPr>
         <p:spPr>
           <a:xfrm>
-            <a:off x="5432612" y="2115707"/>
-            <a:ext cx="11862967" cy="4909963"/>
+            <a:off x="5235985" y="2231634"/>
+            <a:ext cx="12568051" cy="4909963"/>
           </a:xfrm>
           <a:prstGeom prst="rect">
             <a:avLst/>
@@ -4439,7 +4416,47 @@
                 <a:effectLst/>
                 <a:latin typeface="arial" panose="020B0604020202020204" pitchFamily="34" charset="0"/>
               </a:rPr>
+              <a:t> The </a:t>
+            </a:r>
+            <a:r>
+              <a:rPr lang="en-GB" sz="3600" b="1" i="0" dirty="0">
+                <a:solidFill>
+                  <a:srgbClr val="202124"/>
+                </a:solidFill>
+                <a:effectLst/>
+                <a:latin typeface="arial" panose="020B0604020202020204" pitchFamily="34" charset="0"/>
+              </a:rPr>
+              <a:t>illusion</a:t>
+            </a:r>
+            <a:r>
+              <a:rPr lang="en-GB" sz="3600" b="0" i="0" dirty="0">
+                <a:solidFill>
+                  <a:srgbClr val="202124"/>
+                </a:solidFill>
+                <a:effectLst/>
+                <a:latin typeface="arial" panose="020B0604020202020204" pitchFamily="34" charset="0"/>
+              </a:rPr>
               <a:t> </a:t>
+            </a:r>
+            <a:r>
+              <a:rPr lang="en-GB" sz="3600" b="1" i="0" dirty="0">
+                <a:solidFill>
+                  <a:srgbClr val="202124"/>
+                </a:solidFill>
+                <a:effectLst/>
+                <a:latin typeface="arial" panose="020B0604020202020204" pitchFamily="34" charset="0"/>
+              </a:rPr>
+              <a:t>direction </a:t>
+            </a:r>
+            <a:r>
+              <a:rPr lang="en-GB" sz="3600" i="0" dirty="0">
+                <a:solidFill>
+                  <a:srgbClr val="202124"/>
+                </a:solidFill>
+                <a:effectLst/>
+                <a:latin typeface="arial" panose="020B0604020202020204" pitchFamily="34" charset="0"/>
+              </a:rPr>
+              <a:t>corresponds to the facilitating or impeding effect with regards to the task at hand.</a:t>
             </a:r>
             <a:endParaRPr lang="en-GB" sz="3600" dirty="0">
               <a:solidFill>
@@ -4448,110 +4465,6 @@
               <a:latin typeface="Roboto" panose="02000000000000000000" pitchFamily="2" charset="0"/>
               <a:ea typeface="Roboto" panose="02000000000000000000" pitchFamily="2" charset="0"/>
               <a:cs typeface="Arial" panose="020B0604020202020204" pitchFamily="34" charset="0"/>
-            </a:endParaRPr>
-          </a:p>
-        </p:txBody>
-      </p:sp>
-      <p:sp>
-        <p:nvSpPr>
-          <p:cNvPr id="17" name="Rectangle 16">
-            <a:extLst>
-              <a:ext uri="{FF2B5EF4-FFF2-40B4-BE49-F238E27FC236}">
-                <a16:creationId xmlns:a16="http://schemas.microsoft.com/office/drawing/2014/main" id="{CA6FB4EF-A769-FF73-E8F9-5EC89DFE4DDB}"/>
-              </a:ext>
-            </a:extLst>
-          </p:cNvPr>
-          <p:cNvSpPr/>
-          <p:nvPr/>
-        </p:nvSpPr>
-        <p:spPr>
-          <a:xfrm>
-            <a:off x="1734412" y="17410318"/>
-            <a:ext cx="16259947" cy="589879"/>
-          </a:xfrm>
-          <a:prstGeom prst="rect">
-            <a:avLst/>
-          </a:prstGeom>
-          <a:noFill/>
-          <a:ln>
-            <a:noFill/>
-          </a:ln>
-        </p:spPr>
-        <p:style>
-          <a:lnRef idx="0">
-            <a:scrgbClr r="0" g="0" b="0"/>
-          </a:lnRef>
-          <a:fillRef idx="0">
-            <a:scrgbClr r="0" g="0" b="0"/>
-          </a:fillRef>
-          <a:effectRef idx="0">
-            <a:scrgbClr r="0" g="0" b="0"/>
-          </a:effectRef>
-          <a:fontRef idx="minor">
-            <a:schemeClr val="dk1"/>
-          </a:fontRef>
-        </p:style>
-        <p:txBody>
-          <a:bodyPr rtlCol="0" anchor="ctr"/>
-          <a:lstStyle/>
-          <a:p>
-            <a:pPr algn="r"/>
-            <a:r>
-              <a:rPr lang="fr-FR" sz="2800" dirty="0">
-                <a:solidFill>
-                  <a:schemeClr val="tx1"/>
-                </a:solidFill>
-                <a:latin typeface="Roboto" panose="02000000000000000000" pitchFamily="2" charset="0"/>
-                <a:ea typeface="Roboto" panose="02000000000000000000" pitchFamily="2" charset="0"/>
-              </a:rPr>
-              <a:t>Stimuli </a:t>
-            </a:r>
-            <a:r>
-              <a:rPr lang="fr-FR" sz="2800" dirty="0" err="1">
-                <a:solidFill>
-                  <a:schemeClr val="tx1"/>
-                </a:solidFill>
-                <a:latin typeface="Roboto" panose="02000000000000000000" pitchFamily="2" charset="0"/>
-                <a:ea typeface="Roboto" panose="02000000000000000000" pitchFamily="2" charset="0"/>
-              </a:rPr>
-              <a:t>created</a:t>
-            </a:r>
-            <a:r>
-              <a:rPr lang="fr-FR" sz="2800" dirty="0">
-                <a:solidFill>
-                  <a:schemeClr val="tx1"/>
-                </a:solidFill>
-                <a:latin typeface="Roboto" panose="02000000000000000000" pitchFamily="2" charset="0"/>
-                <a:ea typeface="Roboto" panose="02000000000000000000" pitchFamily="2" charset="0"/>
-              </a:rPr>
-              <a:t> </a:t>
-            </a:r>
-            <a:r>
-              <a:rPr lang="fr-FR" sz="2800" dirty="0" err="1">
-                <a:solidFill>
-                  <a:schemeClr val="tx1"/>
-                </a:solidFill>
-                <a:latin typeface="Roboto" panose="02000000000000000000" pitchFamily="2" charset="0"/>
-                <a:ea typeface="Roboto" panose="02000000000000000000" pitchFamily="2" charset="0"/>
-              </a:rPr>
-              <a:t>with</a:t>
-            </a:r>
-            <a:r>
-              <a:rPr lang="fr-FR" sz="2800" dirty="0">
-                <a:solidFill>
-                  <a:schemeClr val="tx1"/>
-                </a:solidFill>
-                <a:latin typeface="Roboto" panose="02000000000000000000" pitchFamily="2" charset="0"/>
-                <a:ea typeface="Roboto" panose="02000000000000000000" pitchFamily="2" charset="0"/>
-              </a:rPr>
-              <a:t> the open-source software                            (Makowski et al., 2021)</a:t>
-            </a:r>
-            <a:endParaRPr lang="en-GB" sz="2800" dirty="0">
-              <a:solidFill>
-                <a:schemeClr val="tx1"/>
-              </a:solidFill>
-              <a:latin typeface="Roboto" panose="02000000000000000000" pitchFamily="2" charset="0"/>
-              <a:ea typeface="Roboto" panose="02000000000000000000" pitchFamily="2" charset="0"/>
             </a:endParaRPr>
           </a:p>
         </p:txBody>
@@ -4570,7 +4483,7 @@
         </p:nvSpPr>
         <p:spPr>
           <a:xfrm>
-            <a:off x="3585487" y="8523041"/>
+            <a:off x="4644875" y="9174191"/>
             <a:ext cx="6383206" cy="4829892"/>
           </a:xfrm>
           <a:prstGeom prst="rect">
@@ -4601,7 +4514,7 @@
           <a:p>
             <a:pPr marL="457200" indent="-457200">
               <a:buFont typeface="Wingdings" panose="05000000000000000000" pitchFamily="2" charset="2"/>
-              <a:buChar char="ü"/>
+              <a:buChar char="v"/>
             </a:pPr>
             <a:r>
               <a:rPr lang="fr-FR" sz="2800" dirty="0" err="1">
@@ -4704,370 +4617,6 @@
                 <a:ea typeface="Roboto" panose="02000000000000000000" pitchFamily="2" charset="0"/>
               </a:rPr>
               <a:t> 2 times longer)</a:t>
-            </a:r>
-          </a:p>
-          <a:p>
-            <a:pPr marL="457200" indent="-457200">
-              <a:buFont typeface="Wingdings" panose="05000000000000000000" pitchFamily="2" charset="2"/>
-              <a:buChar char="ü"/>
-            </a:pPr>
-            <a:r>
-              <a:rPr lang="fr-FR" sz="2800" dirty="0">
-                <a:solidFill>
-                  <a:schemeClr val="tx1"/>
-                </a:solidFill>
-                <a:latin typeface="Roboto" panose="02000000000000000000" pitchFamily="2" charset="0"/>
-                <a:ea typeface="Roboto" panose="02000000000000000000" pitchFamily="2" charset="0"/>
-              </a:rPr>
-              <a:t>Illusion </a:t>
-            </a:r>
-            <a:r>
-              <a:rPr lang="fr-FR" sz="2800" dirty="0" err="1">
-                <a:solidFill>
-                  <a:schemeClr val="tx1"/>
-                </a:solidFill>
-                <a:latin typeface="Roboto" panose="02000000000000000000" pitchFamily="2" charset="0"/>
-                <a:ea typeface="Roboto" panose="02000000000000000000" pitchFamily="2" charset="0"/>
-              </a:rPr>
-              <a:t>Strength</a:t>
-            </a:r>
-            <a:r>
-              <a:rPr lang="fr-FR" sz="2800" dirty="0">
-                <a:solidFill>
-                  <a:schemeClr val="tx1"/>
-                </a:solidFill>
-                <a:latin typeface="Roboto" panose="02000000000000000000" pitchFamily="2" charset="0"/>
-                <a:ea typeface="Roboto" panose="02000000000000000000" pitchFamily="2" charset="0"/>
-              </a:rPr>
-              <a:t>:</a:t>
-            </a:r>
-            <a:r>
-              <a:rPr lang="fr-FR" sz="2800" b="1" dirty="0">
-                <a:solidFill>
-                  <a:schemeClr val="tx1"/>
-                </a:solidFill>
-                <a:latin typeface="Roboto" panose="02000000000000000000" pitchFamily="2" charset="0"/>
-                <a:ea typeface="Roboto" panose="02000000000000000000" pitchFamily="2" charset="0"/>
-              </a:rPr>
-              <a:t> </a:t>
-            </a:r>
-            <a:r>
-              <a:rPr lang="fr-FR" sz="2800" b="1" dirty="0" err="1">
-                <a:solidFill>
-                  <a:srgbClr val="7030A0"/>
-                </a:solidFill>
-                <a:latin typeface="Roboto" panose="02000000000000000000" pitchFamily="2" charset="0"/>
-                <a:ea typeface="Roboto" panose="02000000000000000000" pitchFamily="2" charset="0"/>
-              </a:rPr>
-              <a:t>strong</a:t>
-            </a:r>
-            <a:r>
-              <a:rPr lang="fr-FR" sz="2800" b="1" dirty="0">
-                <a:solidFill>
-                  <a:schemeClr val="tx1"/>
-                </a:solidFill>
-                <a:latin typeface="Roboto" panose="02000000000000000000" pitchFamily="2" charset="0"/>
-                <a:ea typeface="Roboto" panose="02000000000000000000" pitchFamily="2" charset="0"/>
-              </a:rPr>
-              <a:t> </a:t>
-            </a:r>
-          </a:p>
-          <a:p>
-            <a:r>
-              <a:rPr lang="fr-FR" sz="1600" dirty="0">
-                <a:solidFill>
-                  <a:schemeClr val="tx1"/>
-                </a:solidFill>
-                <a:latin typeface="Roboto" panose="02000000000000000000" pitchFamily="2" charset="0"/>
-                <a:ea typeface="Roboto" panose="02000000000000000000" pitchFamily="2" charset="0"/>
-              </a:rPr>
-              <a:t>	(angle </a:t>
-            </a:r>
-            <a:r>
-              <a:rPr lang="fr-FR" sz="1600" dirty="0" err="1">
-                <a:solidFill>
-                  <a:schemeClr val="tx1"/>
-                </a:solidFill>
-                <a:latin typeface="Roboto" panose="02000000000000000000" pitchFamily="2" charset="0"/>
-                <a:ea typeface="Roboto" panose="02000000000000000000" pitchFamily="2" charset="0"/>
-              </a:rPr>
-              <a:t>is</a:t>
-            </a:r>
-            <a:r>
-              <a:rPr lang="fr-FR" sz="1600" dirty="0">
-                <a:solidFill>
-                  <a:schemeClr val="tx1"/>
-                </a:solidFill>
-                <a:latin typeface="Roboto" panose="02000000000000000000" pitchFamily="2" charset="0"/>
-                <a:ea typeface="Roboto" panose="02000000000000000000" pitchFamily="2" charset="0"/>
-              </a:rPr>
-              <a:t> </a:t>
-            </a:r>
-            <a:r>
-              <a:rPr lang="fr-FR" sz="1600" dirty="0" err="1">
-                <a:solidFill>
-                  <a:schemeClr val="tx1"/>
-                </a:solidFill>
-                <a:latin typeface="Roboto" panose="02000000000000000000" pitchFamily="2" charset="0"/>
-                <a:ea typeface="Roboto" panose="02000000000000000000" pitchFamily="2" charset="0"/>
-              </a:rPr>
-              <a:t>sharp</a:t>
-            </a:r>
-            <a:r>
-              <a:rPr lang="fr-FR" sz="1600" dirty="0">
-                <a:solidFill>
-                  <a:schemeClr val="tx1"/>
-                </a:solidFill>
-                <a:latin typeface="Roboto" panose="02000000000000000000" pitchFamily="2" charset="0"/>
-                <a:ea typeface="Roboto" panose="02000000000000000000" pitchFamily="2" charset="0"/>
-              </a:rPr>
-              <a:t>)</a:t>
-            </a:r>
-          </a:p>
-          <a:p>
-            <a:pPr marL="457200" indent="-457200">
-              <a:buFont typeface="Arial" panose="020B0604020202020204" pitchFamily="34" charset="0"/>
-              <a:buChar char="←"/>
-            </a:pPr>
-            <a:r>
-              <a:rPr lang="fr-FR" sz="2800" dirty="0">
-                <a:solidFill>
-                  <a:schemeClr val="tx1"/>
-                </a:solidFill>
-                <a:latin typeface="Roboto" panose="02000000000000000000" pitchFamily="2" charset="0"/>
-                <a:ea typeface="Roboto" panose="02000000000000000000" pitchFamily="2" charset="0"/>
-              </a:rPr>
-              <a:t>Illusion Direction </a:t>
-            </a:r>
-            <a:r>
-              <a:rPr lang="fr-FR" sz="2800" i="1" dirty="0">
-                <a:solidFill>
-                  <a:schemeClr val="tx1"/>
-                </a:solidFill>
-                <a:latin typeface="Roboto" panose="02000000000000000000" pitchFamily="2" charset="0"/>
-                <a:ea typeface="Roboto" panose="02000000000000000000" pitchFamily="2" charset="0"/>
-              </a:rPr>
-              <a:t>(</a:t>
-            </a:r>
-            <a:r>
-              <a:rPr lang="fr-FR" sz="2800" i="1" dirty="0" err="1">
-                <a:solidFill>
-                  <a:schemeClr val="tx1"/>
-                </a:solidFill>
-                <a:latin typeface="Roboto" panose="02000000000000000000" pitchFamily="2" charset="0"/>
-                <a:ea typeface="Roboto" panose="02000000000000000000" pitchFamily="2" charset="0"/>
-              </a:rPr>
-              <a:t>left</a:t>
-            </a:r>
-            <a:r>
-              <a:rPr lang="fr-FR" sz="2800" i="1" dirty="0">
-                <a:solidFill>
-                  <a:schemeClr val="tx1"/>
-                </a:solidFill>
-                <a:latin typeface="Roboto" panose="02000000000000000000" pitchFamily="2" charset="0"/>
-                <a:ea typeface="Roboto" panose="02000000000000000000" pitchFamily="2" charset="0"/>
-              </a:rPr>
-              <a:t>)</a:t>
-            </a:r>
-            <a:r>
-              <a:rPr lang="fr-FR" sz="2800" dirty="0">
-                <a:solidFill>
-                  <a:schemeClr val="tx1"/>
-                </a:solidFill>
-                <a:latin typeface="Roboto" panose="02000000000000000000" pitchFamily="2" charset="0"/>
-                <a:ea typeface="Roboto" panose="02000000000000000000" pitchFamily="2" charset="0"/>
-              </a:rPr>
-              <a:t>:</a:t>
-            </a:r>
-            <a:r>
-              <a:rPr lang="fr-FR" sz="2800" b="1" dirty="0">
-                <a:solidFill>
-                  <a:schemeClr val="tx1"/>
-                </a:solidFill>
-                <a:latin typeface="Roboto" panose="02000000000000000000" pitchFamily="2" charset="0"/>
-                <a:ea typeface="Roboto" panose="02000000000000000000" pitchFamily="2" charset="0"/>
-              </a:rPr>
-              <a:t> incongruent</a:t>
-            </a:r>
-          </a:p>
-          <a:p>
-            <a:r>
-              <a:rPr lang="fr-FR" sz="1600" dirty="0">
-                <a:solidFill>
-                  <a:schemeClr val="tx1"/>
-                </a:solidFill>
-                <a:latin typeface="Roboto" panose="02000000000000000000" pitchFamily="2" charset="0"/>
-                <a:ea typeface="Roboto" panose="02000000000000000000" pitchFamily="2" charset="0"/>
-              </a:rPr>
-              <a:t>	(the illusion </a:t>
-            </a:r>
-            <a:r>
-              <a:rPr lang="fr-FR" sz="1600" dirty="0" err="1">
-                <a:solidFill>
-                  <a:schemeClr val="tx1"/>
-                </a:solidFill>
-                <a:latin typeface="Roboto" panose="02000000000000000000" pitchFamily="2" charset="0"/>
-                <a:ea typeface="Roboto" panose="02000000000000000000" pitchFamily="2" charset="0"/>
-              </a:rPr>
-              <a:t>makes</a:t>
-            </a:r>
-            <a:r>
-              <a:rPr lang="fr-FR" sz="1600" dirty="0">
-                <a:solidFill>
-                  <a:schemeClr val="tx1"/>
-                </a:solidFill>
-                <a:latin typeface="Roboto" panose="02000000000000000000" pitchFamily="2" charset="0"/>
-                <a:ea typeface="Roboto" panose="02000000000000000000" pitchFamily="2" charset="0"/>
-              </a:rPr>
-              <a:t> the </a:t>
-            </a:r>
-            <a:r>
-              <a:rPr lang="fr-FR" sz="1600" dirty="0" err="1">
-                <a:solidFill>
-                  <a:schemeClr val="tx1"/>
-                </a:solidFill>
-                <a:latin typeface="Roboto" panose="02000000000000000000" pitchFamily="2" charset="0"/>
-                <a:ea typeface="Roboto" panose="02000000000000000000" pitchFamily="2" charset="0"/>
-              </a:rPr>
-              <a:t>task</a:t>
-            </a:r>
-            <a:r>
-              <a:rPr lang="fr-FR" sz="1600" dirty="0">
-                <a:solidFill>
-                  <a:schemeClr val="tx1"/>
-                </a:solidFill>
-                <a:latin typeface="Roboto" panose="02000000000000000000" pitchFamily="2" charset="0"/>
-                <a:ea typeface="Roboto" panose="02000000000000000000" pitchFamily="2" charset="0"/>
-              </a:rPr>
-              <a:t> harder)</a:t>
-            </a:r>
-          </a:p>
-          <a:p>
-            <a:pPr marL="457200" indent="-457200">
-              <a:buFont typeface="Arial" panose="020B0604020202020204" pitchFamily="34" charset="0"/>
-              <a:buChar char="→"/>
-            </a:pPr>
-            <a:r>
-              <a:rPr lang="fr-FR" sz="2800" dirty="0">
-                <a:solidFill>
-                  <a:schemeClr val="tx1"/>
-                </a:solidFill>
-                <a:latin typeface="Roboto" panose="02000000000000000000" pitchFamily="2" charset="0"/>
-                <a:ea typeface="Roboto" panose="02000000000000000000" pitchFamily="2" charset="0"/>
-              </a:rPr>
-              <a:t>Illusion Direction </a:t>
-            </a:r>
-            <a:r>
-              <a:rPr lang="fr-FR" sz="2800" i="1" dirty="0">
-                <a:solidFill>
-                  <a:schemeClr val="tx1"/>
-                </a:solidFill>
-                <a:latin typeface="Roboto" panose="02000000000000000000" pitchFamily="2" charset="0"/>
-                <a:ea typeface="Roboto" panose="02000000000000000000" pitchFamily="2" charset="0"/>
-              </a:rPr>
-              <a:t>(right)</a:t>
-            </a:r>
-            <a:r>
-              <a:rPr lang="fr-FR" sz="2800" dirty="0">
-                <a:solidFill>
-                  <a:schemeClr val="tx1"/>
-                </a:solidFill>
-                <a:latin typeface="Roboto" panose="02000000000000000000" pitchFamily="2" charset="0"/>
-                <a:ea typeface="Roboto" panose="02000000000000000000" pitchFamily="2" charset="0"/>
-              </a:rPr>
-              <a:t>:</a:t>
-            </a:r>
-            <a:r>
-              <a:rPr lang="fr-FR" sz="2800" b="1" dirty="0">
-                <a:solidFill>
-                  <a:schemeClr val="tx1"/>
-                </a:solidFill>
-                <a:latin typeface="Roboto" panose="02000000000000000000" pitchFamily="2" charset="0"/>
-                <a:ea typeface="Roboto" panose="02000000000000000000" pitchFamily="2" charset="0"/>
-              </a:rPr>
-              <a:t> congruent</a:t>
-            </a:r>
-          </a:p>
-          <a:p>
-            <a:r>
-              <a:rPr lang="fr-FR" sz="1600" b="1" dirty="0">
-                <a:solidFill>
-                  <a:schemeClr val="tx1"/>
-                </a:solidFill>
-                <a:latin typeface="Roboto" panose="02000000000000000000" pitchFamily="2" charset="0"/>
-                <a:ea typeface="Roboto" panose="02000000000000000000" pitchFamily="2" charset="0"/>
-              </a:rPr>
-              <a:t>	</a:t>
-            </a:r>
-            <a:r>
-              <a:rPr lang="fr-FR" sz="1600" dirty="0">
-                <a:solidFill>
-                  <a:schemeClr val="tx1"/>
-                </a:solidFill>
-                <a:latin typeface="Roboto" panose="02000000000000000000" pitchFamily="2" charset="0"/>
-                <a:ea typeface="Roboto" panose="02000000000000000000" pitchFamily="2" charset="0"/>
-              </a:rPr>
-              <a:t>(the illusion </a:t>
-            </a:r>
-            <a:r>
-              <a:rPr lang="fr-FR" sz="1600" dirty="0" err="1">
-                <a:solidFill>
-                  <a:schemeClr val="tx1"/>
-                </a:solidFill>
-                <a:latin typeface="Roboto" panose="02000000000000000000" pitchFamily="2" charset="0"/>
-                <a:ea typeface="Roboto" panose="02000000000000000000" pitchFamily="2" charset="0"/>
-              </a:rPr>
-              <a:t>makes</a:t>
-            </a:r>
-            <a:r>
-              <a:rPr lang="fr-FR" sz="1600" dirty="0">
-                <a:solidFill>
-                  <a:schemeClr val="tx1"/>
-                </a:solidFill>
-                <a:latin typeface="Roboto" panose="02000000000000000000" pitchFamily="2" charset="0"/>
-                <a:ea typeface="Roboto" panose="02000000000000000000" pitchFamily="2" charset="0"/>
-              </a:rPr>
-              <a:t> the </a:t>
-            </a:r>
-            <a:r>
-              <a:rPr lang="fr-FR" sz="1600" dirty="0" err="1">
-                <a:solidFill>
-                  <a:schemeClr val="tx1"/>
-                </a:solidFill>
-                <a:latin typeface="Roboto" panose="02000000000000000000" pitchFamily="2" charset="0"/>
-                <a:ea typeface="Roboto" panose="02000000000000000000" pitchFamily="2" charset="0"/>
-              </a:rPr>
-              <a:t>task</a:t>
-            </a:r>
-            <a:r>
-              <a:rPr lang="fr-FR" sz="1600" dirty="0">
-                <a:solidFill>
-                  <a:schemeClr val="tx1"/>
-                </a:solidFill>
-                <a:latin typeface="Roboto" panose="02000000000000000000" pitchFamily="2" charset="0"/>
-                <a:ea typeface="Roboto" panose="02000000000000000000" pitchFamily="2" charset="0"/>
-              </a:rPr>
-              <a:t> </a:t>
-            </a:r>
-            <a:r>
-              <a:rPr lang="fr-FR" sz="1600" dirty="0" err="1">
-                <a:solidFill>
-                  <a:schemeClr val="tx1"/>
-                </a:solidFill>
-                <a:latin typeface="Roboto" panose="02000000000000000000" pitchFamily="2" charset="0"/>
-                <a:ea typeface="Roboto" panose="02000000000000000000" pitchFamily="2" charset="0"/>
-              </a:rPr>
-              <a:t>easier</a:t>
-            </a:r>
-            <a:r>
-              <a:rPr lang="fr-FR" sz="1600" dirty="0">
-                <a:solidFill>
-                  <a:schemeClr val="tx1"/>
-                </a:solidFill>
-                <a:latin typeface="Roboto" panose="02000000000000000000" pitchFamily="2" charset="0"/>
-                <a:ea typeface="Roboto" panose="02000000000000000000" pitchFamily="2" charset="0"/>
-              </a:rPr>
-              <a:t>)</a:t>
             </a:r>
           </a:p>
           <a:p>
@@ -5078,6 +4627,124 @@
               <a:latin typeface="Roboto" panose="02000000000000000000" pitchFamily="2" charset="0"/>
               <a:ea typeface="Roboto" panose="02000000000000000000" pitchFamily="2" charset="0"/>
             </a:endParaRPr>
+          </a:p>
+          <a:p>
+            <a:pPr marL="457200" indent="-457200">
+              <a:buFont typeface="Wingdings" panose="05000000000000000000" pitchFamily="2" charset="2"/>
+              <a:buChar char="v"/>
+            </a:pPr>
+            <a:r>
+              <a:rPr lang="fr-FR" sz="2800" dirty="0">
+                <a:solidFill>
+                  <a:schemeClr val="tx1"/>
+                </a:solidFill>
+                <a:latin typeface="Roboto" panose="02000000000000000000" pitchFamily="2" charset="0"/>
+                <a:ea typeface="Roboto" panose="02000000000000000000" pitchFamily="2" charset="0"/>
+              </a:rPr>
+              <a:t>Illusion </a:t>
+            </a:r>
+            <a:r>
+              <a:rPr lang="fr-FR" sz="2800" dirty="0" err="1">
+                <a:solidFill>
+                  <a:schemeClr val="tx1"/>
+                </a:solidFill>
+                <a:latin typeface="Roboto" panose="02000000000000000000" pitchFamily="2" charset="0"/>
+                <a:ea typeface="Roboto" panose="02000000000000000000" pitchFamily="2" charset="0"/>
+              </a:rPr>
+              <a:t>Strength</a:t>
+            </a:r>
+            <a:r>
+              <a:rPr lang="fr-FR" sz="2800" dirty="0">
+                <a:solidFill>
+                  <a:schemeClr val="tx1"/>
+                </a:solidFill>
+                <a:latin typeface="Roboto" panose="02000000000000000000" pitchFamily="2" charset="0"/>
+                <a:ea typeface="Roboto" panose="02000000000000000000" pitchFamily="2" charset="0"/>
+              </a:rPr>
+              <a:t>:</a:t>
+            </a:r>
+            <a:r>
+              <a:rPr lang="fr-FR" sz="2800" b="1" dirty="0">
+                <a:solidFill>
+                  <a:schemeClr val="tx1"/>
+                </a:solidFill>
+                <a:latin typeface="Roboto" panose="02000000000000000000" pitchFamily="2" charset="0"/>
+                <a:ea typeface="Roboto" panose="02000000000000000000" pitchFamily="2" charset="0"/>
+              </a:rPr>
+              <a:t> </a:t>
+            </a:r>
+            <a:r>
+              <a:rPr lang="fr-FR" sz="2800" b="1" dirty="0" err="1">
+                <a:solidFill>
+                  <a:srgbClr val="7030A0"/>
+                </a:solidFill>
+                <a:latin typeface="Roboto" panose="02000000000000000000" pitchFamily="2" charset="0"/>
+                <a:ea typeface="Roboto" panose="02000000000000000000" pitchFamily="2" charset="0"/>
+              </a:rPr>
+              <a:t>strong</a:t>
+            </a:r>
+            <a:r>
+              <a:rPr lang="fr-FR" sz="2800" b="1" dirty="0">
+                <a:solidFill>
+                  <a:schemeClr val="tx1"/>
+                </a:solidFill>
+                <a:latin typeface="Roboto" panose="02000000000000000000" pitchFamily="2" charset="0"/>
+                <a:ea typeface="Roboto" panose="02000000000000000000" pitchFamily="2" charset="0"/>
+              </a:rPr>
+              <a:t> </a:t>
+            </a:r>
+          </a:p>
+          <a:p>
+            <a:r>
+              <a:rPr lang="fr-FR" sz="1600" dirty="0">
+                <a:solidFill>
+                  <a:schemeClr val="tx1"/>
+                </a:solidFill>
+                <a:latin typeface="Roboto" panose="02000000000000000000" pitchFamily="2" charset="0"/>
+                <a:ea typeface="Roboto" panose="02000000000000000000" pitchFamily="2" charset="0"/>
+              </a:rPr>
+              <a:t>	(angle </a:t>
+            </a:r>
+            <a:r>
+              <a:rPr lang="fr-FR" sz="1600" dirty="0" err="1">
+                <a:solidFill>
+                  <a:schemeClr val="tx1"/>
+                </a:solidFill>
+                <a:latin typeface="Roboto" panose="02000000000000000000" pitchFamily="2" charset="0"/>
+                <a:ea typeface="Roboto" panose="02000000000000000000" pitchFamily="2" charset="0"/>
+              </a:rPr>
+              <a:t>is</a:t>
+            </a:r>
+            <a:r>
+              <a:rPr lang="fr-FR" sz="1600" dirty="0">
+                <a:solidFill>
+                  <a:schemeClr val="tx1"/>
+                </a:solidFill>
+                <a:latin typeface="Roboto" panose="02000000000000000000" pitchFamily="2" charset="0"/>
+                <a:ea typeface="Roboto" panose="02000000000000000000" pitchFamily="2" charset="0"/>
+              </a:rPr>
+              <a:t> </a:t>
+            </a:r>
+            <a:r>
+              <a:rPr lang="fr-FR" sz="1600" dirty="0" err="1">
+                <a:solidFill>
+                  <a:schemeClr val="tx1"/>
+                </a:solidFill>
+                <a:latin typeface="Roboto" panose="02000000000000000000" pitchFamily="2" charset="0"/>
+                <a:ea typeface="Roboto" panose="02000000000000000000" pitchFamily="2" charset="0"/>
+              </a:rPr>
+              <a:t>sharp</a:t>
+            </a:r>
+            <a:r>
+              <a:rPr lang="fr-FR" sz="1600" dirty="0">
+                <a:solidFill>
+                  <a:schemeClr val="tx1"/>
+                </a:solidFill>
+                <a:latin typeface="Roboto" panose="02000000000000000000" pitchFamily="2" charset="0"/>
+                <a:ea typeface="Roboto" panose="02000000000000000000" pitchFamily="2" charset="0"/>
+              </a:rPr>
+              <a:t>)</a:t>
+            </a:r>
           </a:p>
           <a:p>
             <a:pPr marL="571500" indent="-571500">
@@ -5215,12 +4882,824 @@
           </a:p>
         </p:txBody>
       </p:sp>
+      <p:pic>
+        <p:nvPicPr>
+          <p:cNvPr id="23" name="Picture 22" descr="Icon&#10;&#10;Description automatically generated">
+            <a:extLst>
+              <a:ext uri="{FF2B5EF4-FFF2-40B4-BE49-F238E27FC236}">
+                <a16:creationId xmlns:a16="http://schemas.microsoft.com/office/drawing/2014/main" id="{FBFDAB42-9200-77A7-0A31-7B28FFFB7F50}"/>
+              </a:ext>
+            </a:extLst>
+          </p:cNvPr>
+          <p:cNvPicPr>
+            <a:picLocks noChangeAspect="1"/>
+          </p:cNvPicPr>
+          <p:nvPr/>
+        </p:nvPicPr>
+        <p:blipFill>
+          <a:blip r:embed="rId5">
+            <a:extLst>
+              <a:ext uri="{28A0092B-C50C-407E-A947-70E740481C1C}">
+                <a14:useLocalDpi xmlns:a14="http://schemas.microsoft.com/office/drawing/2010/main" val="0"/>
+              </a:ext>
+            </a:extLst>
+          </a:blip>
+          <a:stretch>
+            <a:fillRect/>
+          </a:stretch>
+        </p:blipFill>
+        <p:spPr>
+          <a:xfrm>
+            <a:off x="14078600" y="11614834"/>
+            <a:ext cx="2070737" cy="2070737"/>
+          </a:xfrm>
+          <a:prstGeom prst="rect">
+            <a:avLst/>
+          </a:prstGeom>
+          <a:ln w="19050">
+            <a:noFill/>
+          </a:ln>
+        </p:spPr>
+      </p:pic>
+      <p:sp>
+        <p:nvSpPr>
+          <p:cNvPr id="30" name="Rectangle 29">
+            <a:extLst>
+              <a:ext uri="{FF2B5EF4-FFF2-40B4-BE49-F238E27FC236}">
+                <a16:creationId xmlns:a16="http://schemas.microsoft.com/office/drawing/2014/main" id="{731D7872-DEF2-4E1D-8574-07AD08BD0BA9}"/>
+              </a:ext>
+            </a:extLst>
+          </p:cNvPr>
+          <p:cNvSpPr/>
+          <p:nvPr/>
+        </p:nvSpPr>
+        <p:spPr>
+          <a:xfrm>
+            <a:off x="4788938" y="13705743"/>
+            <a:ext cx="7032063" cy="3355413"/>
+          </a:xfrm>
+          <a:prstGeom prst="rect">
+            <a:avLst/>
+          </a:prstGeom>
+          <a:noFill/>
+          <a:ln>
+            <a:noFill/>
+          </a:ln>
+        </p:spPr>
+        <p:style>
+          <a:lnRef idx="0">
+            <a:scrgbClr r="0" g="0" b="0"/>
+          </a:lnRef>
+          <a:fillRef idx="0">
+            <a:scrgbClr r="0" g="0" b="0"/>
+          </a:fillRef>
+          <a:effectRef idx="0">
+            <a:scrgbClr r="0" g="0" b="0"/>
+          </a:effectRef>
+          <a:fontRef idx="minor">
+            <a:schemeClr val="dk1"/>
+          </a:fontRef>
+        </p:style>
+        <p:txBody>
+          <a:bodyPr rtlCol="0" anchor="ctr"/>
+          <a:lstStyle/>
+          <a:p>
+            <a:pPr marL="457200" indent="-457200">
+              <a:buFont typeface="Wingdings" panose="05000000000000000000" pitchFamily="2" charset="2"/>
+              <a:buChar char="v"/>
+            </a:pPr>
+            <a:r>
+              <a:rPr lang="fr-FR" sz="2800" dirty="0" err="1">
+                <a:solidFill>
+                  <a:schemeClr val="tx1"/>
+                </a:solidFill>
+                <a:latin typeface="Roboto" panose="02000000000000000000" pitchFamily="2" charset="0"/>
+                <a:ea typeface="Roboto" panose="02000000000000000000" pitchFamily="2" charset="0"/>
+              </a:rPr>
+              <a:t>Task</a:t>
+            </a:r>
+            <a:r>
+              <a:rPr lang="fr-FR" sz="2800" dirty="0">
+                <a:solidFill>
+                  <a:schemeClr val="tx1"/>
+                </a:solidFill>
+                <a:latin typeface="Roboto" panose="02000000000000000000" pitchFamily="2" charset="0"/>
+                <a:ea typeface="Roboto" panose="02000000000000000000" pitchFamily="2" charset="0"/>
+              </a:rPr>
+              <a:t> </a:t>
+            </a:r>
+            <a:r>
+              <a:rPr lang="fr-FR" sz="2800" dirty="0" err="1">
+                <a:solidFill>
+                  <a:schemeClr val="tx1"/>
+                </a:solidFill>
+                <a:latin typeface="Roboto" panose="02000000000000000000" pitchFamily="2" charset="0"/>
+                <a:ea typeface="Roboto" panose="02000000000000000000" pitchFamily="2" charset="0"/>
+              </a:rPr>
+              <a:t>difficulty</a:t>
+            </a:r>
+            <a:r>
+              <a:rPr lang="fr-FR" sz="2800" dirty="0">
+                <a:solidFill>
+                  <a:schemeClr val="tx1"/>
+                </a:solidFill>
+                <a:latin typeface="Roboto" panose="02000000000000000000" pitchFamily="2" charset="0"/>
+                <a:ea typeface="Roboto" panose="02000000000000000000" pitchFamily="2" charset="0"/>
+              </a:rPr>
+              <a:t>:</a:t>
+            </a:r>
+            <a:r>
+              <a:rPr lang="fr-FR" sz="2800" b="1" dirty="0">
+                <a:solidFill>
+                  <a:schemeClr val="tx1"/>
+                </a:solidFill>
+                <a:latin typeface="Roboto" panose="02000000000000000000" pitchFamily="2" charset="0"/>
+                <a:ea typeface="Roboto" panose="02000000000000000000" pitchFamily="2" charset="0"/>
+              </a:rPr>
+              <a:t> </a:t>
+            </a:r>
+            <a:r>
+              <a:rPr lang="fr-FR" sz="2800" b="1" dirty="0">
+                <a:solidFill>
+                  <a:srgbClr val="FF0000"/>
+                </a:solidFill>
+                <a:latin typeface="Roboto" panose="02000000000000000000" pitchFamily="2" charset="0"/>
+                <a:ea typeface="Roboto" panose="02000000000000000000" pitchFamily="2" charset="0"/>
+              </a:rPr>
+              <a:t>hard</a:t>
+            </a:r>
+            <a:r>
+              <a:rPr lang="fr-FR" sz="2800" b="1" dirty="0">
+                <a:solidFill>
+                  <a:schemeClr val="tx1"/>
+                </a:solidFill>
+                <a:latin typeface="Roboto" panose="02000000000000000000" pitchFamily="2" charset="0"/>
+                <a:ea typeface="Roboto" panose="02000000000000000000" pitchFamily="2" charset="0"/>
+              </a:rPr>
+              <a:t> </a:t>
+            </a:r>
+          </a:p>
+          <a:p>
+            <a:r>
+              <a:rPr lang="fr-FR" sz="1600" dirty="0">
+                <a:solidFill>
+                  <a:schemeClr val="tx1"/>
+                </a:solidFill>
+                <a:latin typeface="Roboto" panose="02000000000000000000" pitchFamily="2" charset="0"/>
+                <a:ea typeface="Roboto" panose="02000000000000000000" pitchFamily="2" charset="0"/>
+              </a:rPr>
+              <a:t>	(top line </a:t>
+            </a:r>
+            <a:r>
+              <a:rPr lang="fr-FR" sz="1600" dirty="0" err="1">
+                <a:solidFill>
+                  <a:schemeClr val="tx1"/>
+                </a:solidFill>
+                <a:latin typeface="Roboto" panose="02000000000000000000" pitchFamily="2" charset="0"/>
+                <a:ea typeface="Roboto" panose="02000000000000000000" pitchFamily="2" charset="0"/>
+              </a:rPr>
+              <a:t>is</a:t>
+            </a:r>
+            <a:r>
+              <a:rPr lang="fr-FR" sz="1600" dirty="0">
+                <a:solidFill>
+                  <a:schemeClr val="tx1"/>
+                </a:solidFill>
+                <a:latin typeface="Roboto" panose="02000000000000000000" pitchFamily="2" charset="0"/>
+                <a:ea typeface="Roboto" panose="02000000000000000000" pitchFamily="2" charset="0"/>
+              </a:rPr>
+              <a:t> </a:t>
+            </a:r>
+            <a:r>
+              <a:rPr lang="fr-FR" sz="1600" dirty="0" err="1">
+                <a:solidFill>
+                  <a:schemeClr val="tx1"/>
+                </a:solidFill>
+                <a:latin typeface="Roboto" panose="02000000000000000000" pitchFamily="2" charset="0"/>
+                <a:ea typeface="Roboto" panose="02000000000000000000" pitchFamily="2" charset="0"/>
+              </a:rPr>
+              <a:t>only</a:t>
+            </a:r>
+            <a:r>
+              <a:rPr lang="fr-FR" sz="1600" dirty="0">
+                <a:solidFill>
+                  <a:schemeClr val="tx1"/>
+                </a:solidFill>
+                <a:latin typeface="Roboto" panose="02000000000000000000" pitchFamily="2" charset="0"/>
+                <a:ea typeface="Roboto" panose="02000000000000000000" pitchFamily="2" charset="0"/>
+              </a:rPr>
+              <a:t> 1.1 times longer)</a:t>
+            </a:r>
+          </a:p>
+          <a:p>
+            <a:endParaRPr lang="fr-FR" sz="1600" dirty="0">
+              <a:solidFill>
+                <a:schemeClr val="tx1"/>
+              </a:solidFill>
+              <a:latin typeface="Roboto" panose="02000000000000000000" pitchFamily="2" charset="0"/>
+              <a:ea typeface="Roboto" panose="02000000000000000000" pitchFamily="2" charset="0"/>
+            </a:endParaRPr>
+          </a:p>
+          <a:p>
+            <a:pPr marL="457200" indent="-457200">
+              <a:buFont typeface="Wingdings" panose="05000000000000000000" pitchFamily="2" charset="2"/>
+              <a:buChar char="v"/>
+            </a:pPr>
+            <a:r>
+              <a:rPr lang="fr-FR" sz="2800" dirty="0">
+                <a:solidFill>
+                  <a:schemeClr val="tx1"/>
+                </a:solidFill>
+                <a:latin typeface="Roboto" panose="02000000000000000000" pitchFamily="2" charset="0"/>
+                <a:ea typeface="Roboto" panose="02000000000000000000" pitchFamily="2" charset="0"/>
+              </a:rPr>
+              <a:t>Illusion </a:t>
+            </a:r>
+            <a:r>
+              <a:rPr lang="fr-FR" sz="2800" dirty="0" err="1">
+                <a:solidFill>
+                  <a:schemeClr val="tx1"/>
+                </a:solidFill>
+                <a:latin typeface="Roboto" panose="02000000000000000000" pitchFamily="2" charset="0"/>
+                <a:ea typeface="Roboto" panose="02000000000000000000" pitchFamily="2" charset="0"/>
+              </a:rPr>
+              <a:t>Strength</a:t>
+            </a:r>
+            <a:r>
+              <a:rPr lang="fr-FR" sz="2800" dirty="0">
+                <a:solidFill>
+                  <a:schemeClr val="tx1"/>
+                </a:solidFill>
+                <a:latin typeface="Roboto" panose="02000000000000000000" pitchFamily="2" charset="0"/>
+                <a:ea typeface="Roboto" panose="02000000000000000000" pitchFamily="2" charset="0"/>
+              </a:rPr>
+              <a:t>:</a:t>
+            </a:r>
+            <a:r>
+              <a:rPr lang="fr-FR" sz="2800" b="1" dirty="0">
+                <a:solidFill>
+                  <a:schemeClr val="tx1"/>
+                </a:solidFill>
+                <a:latin typeface="Roboto" panose="02000000000000000000" pitchFamily="2" charset="0"/>
+                <a:ea typeface="Roboto" panose="02000000000000000000" pitchFamily="2" charset="0"/>
+              </a:rPr>
+              <a:t> </a:t>
+            </a:r>
+            <a:r>
+              <a:rPr lang="fr-FR" sz="2800" b="1" dirty="0" err="1">
+                <a:solidFill>
+                  <a:srgbClr val="0070C0"/>
+                </a:solidFill>
+                <a:latin typeface="Roboto" panose="02000000000000000000" pitchFamily="2" charset="0"/>
+                <a:ea typeface="Roboto" panose="02000000000000000000" pitchFamily="2" charset="0"/>
+              </a:rPr>
+              <a:t>weak</a:t>
+            </a:r>
+            <a:r>
+              <a:rPr lang="fr-FR" sz="2800" b="1" dirty="0">
+                <a:solidFill>
+                  <a:schemeClr val="tx1"/>
+                </a:solidFill>
+                <a:latin typeface="Roboto" panose="02000000000000000000" pitchFamily="2" charset="0"/>
+                <a:ea typeface="Roboto" panose="02000000000000000000" pitchFamily="2" charset="0"/>
+              </a:rPr>
+              <a:t> </a:t>
+            </a:r>
+          </a:p>
+          <a:p>
+            <a:r>
+              <a:rPr lang="fr-FR" sz="1600" dirty="0">
+                <a:solidFill>
+                  <a:schemeClr val="tx1"/>
+                </a:solidFill>
+                <a:latin typeface="Roboto" panose="02000000000000000000" pitchFamily="2" charset="0"/>
+                <a:ea typeface="Roboto" panose="02000000000000000000" pitchFamily="2" charset="0"/>
+              </a:rPr>
+              <a:t>	(angle </a:t>
+            </a:r>
+            <a:r>
+              <a:rPr lang="fr-FR" sz="1600" dirty="0" err="1">
+                <a:solidFill>
+                  <a:schemeClr val="tx1"/>
+                </a:solidFill>
+                <a:latin typeface="Roboto" panose="02000000000000000000" pitchFamily="2" charset="0"/>
+                <a:ea typeface="Roboto" panose="02000000000000000000" pitchFamily="2" charset="0"/>
+              </a:rPr>
+              <a:t>is</a:t>
+            </a:r>
+            <a:r>
+              <a:rPr lang="fr-FR" sz="1600" dirty="0">
+                <a:solidFill>
+                  <a:schemeClr val="tx1"/>
+                </a:solidFill>
+                <a:latin typeface="Roboto" panose="02000000000000000000" pitchFamily="2" charset="0"/>
+                <a:ea typeface="Roboto" panose="02000000000000000000" pitchFamily="2" charset="0"/>
+              </a:rPr>
+              <a:t> flat)</a:t>
+            </a:r>
+          </a:p>
+          <a:p>
+            <a:pPr marL="571500" indent="-571500">
+              <a:buFont typeface="Arial" panose="020B0604020202020204" pitchFamily="34" charset="0"/>
+              <a:buChar char="•"/>
+            </a:pPr>
+            <a:endParaRPr lang="en-GB" sz="1600" b="1" dirty="0">
+              <a:solidFill>
+                <a:schemeClr val="tx1"/>
+              </a:solidFill>
+              <a:latin typeface="Roboto" panose="02000000000000000000" pitchFamily="2" charset="0"/>
+              <a:ea typeface="Roboto" panose="02000000000000000000" pitchFamily="2" charset="0"/>
+            </a:endParaRPr>
+          </a:p>
+        </p:txBody>
+      </p:sp>
+      <p:pic>
+        <p:nvPicPr>
+          <p:cNvPr id="34" name="Graphic 33">
+            <a:extLst>
+              <a:ext uri="{FF2B5EF4-FFF2-40B4-BE49-F238E27FC236}">
+                <a16:creationId xmlns:a16="http://schemas.microsoft.com/office/drawing/2014/main" id="{75868E29-8897-397E-E4DC-5FB1697104D9}"/>
+              </a:ext>
+            </a:extLst>
+          </p:cNvPr>
+          <p:cNvPicPr>
+            <a:picLocks noChangeAspect="1"/>
+          </p:cNvPicPr>
+          <p:nvPr/>
+        </p:nvPicPr>
+        <p:blipFill>
+          <a:blip r:embed="rId6">
+            <a:extLst>
+              <a:ext uri="{28A0092B-C50C-407E-A947-70E740481C1C}">
+                <a14:useLocalDpi xmlns:a14="http://schemas.microsoft.com/office/drawing/2010/main" val="0"/>
+              </a:ext>
+              <a:ext uri="{96DAC541-7B7A-43D3-8B79-37D633B846F1}">
+                <asvg:svgBlip xmlns:asvg="http://schemas.microsoft.com/office/drawing/2016/SVG/main" r:embed="rId7"/>
+              </a:ext>
+            </a:extLst>
+          </a:blip>
+          <a:stretch>
+            <a:fillRect/>
+          </a:stretch>
+        </p:blipFill>
+        <p:spPr>
+          <a:xfrm>
+            <a:off x="15640115" y="11813376"/>
+            <a:ext cx="2070737" cy="2070737"/>
+          </a:xfrm>
+          <a:prstGeom prst="rect">
+            <a:avLst/>
+          </a:prstGeom>
+        </p:spPr>
+      </p:pic>
+      <p:sp>
+        <p:nvSpPr>
+          <p:cNvPr id="38" name="TextBox 37">
+            <a:extLst>
+              <a:ext uri="{FF2B5EF4-FFF2-40B4-BE49-F238E27FC236}">
+                <a16:creationId xmlns:a16="http://schemas.microsoft.com/office/drawing/2014/main" id="{25E6E1C9-EF2C-022D-27DA-DD6C7152BAA4}"/>
+              </a:ext>
+            </a:extLst>
+          </p:cNvPr>
+          <p:cNvSpPr txBox="1"/>
+          <p:nvPr/>
+        </p:nvSpPr>
+        <p:spPr>
+          <a:xfrm>
+            <a:off x="14567731" y="14004505"/>
+            <a:ext cx="3272007" cy="1569660"/>
+          </a:xfrm>
+          <a:prstGeom prst="rect">
+            <a:avLst/>
+          </a:prstGeom>
+          <a:noFill/>
+        </p:spPr>
+        <p:txBody>
+          <a:bodyPr wrap="square">
+            <a:spAutoFit/>
+          </a:bodyPr>
+          <a:lstStyle/>
+          <a:p>
+            <a:pPr algn="just"/>
+            <a:r>
+              <a:rPr lang="fr-FR" sz="1600" b="1" dirty="0" err="1">
+                <a:latin typeface="Roboto" panose="02000000000000000000" pitchFamily="2" charset="0"/>
+                <a:ea typeface="Roboto" panose="02000000000000000000" pitchFamily="2" charset="0"/>
+              </a:rPr>
+              <a:t>Task</a:t>
+            </a:r>
+            <a:r>
+              <a:rPr lang="fr-FR" sz="1600" b="1" dirty="0">
+                <a:latin typeface="Roboto" panose="02000000000000000000" pitchFamily="2" charset="0"/>
+                <a:ea typeface="Roboto" panose="02000000000000000000" pitchFamily="2" charset="0"/>
+              </a:rPr>
+              <a:t>: </a:t>
+            </a:r>
+            <a:r>
+              <a:rPr lang="fr-FR" sz="1600" dirty="0">
+                <a:latin typeface="Roboto" panose="02000000000000000000" pitchFamily="2" charset="0"/>
+                <a:ea typeface="Roboto" panose="02000000000000000000" pitchFamily="2" charset="0"/>
+              </a:rPr>
+              <a:t>For </a:t>
+            </a:r>
+            <a:r>
+              <a:rPr lang="fr-FR" sz="1600" dirty="0" err="1">
+                <a:latin typeface="Roboto" panose="02000000000000000000" pitchFamily="2" charset="0"/>
+                <a:ea typeface="Roboto" panose="02000000000000000000" pitchFamily="2" charset="0"/>
+              </a:rPr>
+              <a:t>these</a:t>
+            </a:r>
+            <a:r>
+              <a:rPr lang="fr-FR" sz="1600" dirty="0">
+                <a:latin typeface="Roboto" panose="02000000000000000000" pitchFamily="2" charset="0"/>
+                <a:ea typeface="Roboto" panose="02000000000000000000" pitchFamily="2" charset="0"/>
+              </a:rPr>
+              <a:t> stimuli,  the correct </a:t>
+            </a:r>
+            <a:r>
+              <a:rPr lang="fr-FR" sz="1600" dirty="0" err="1">
+                <a:latin typeface="Roboto" panose="02000000000000000000" pitchFamily="2" charset="0"/>
+                <a:ea typeface="Roboto" panose="02000000000000000000" pitchFamily="2" charset="0"/>
+              </a:rPr>
+              <a:t>response</a:t>
+            </a:r>
+            <a:r>
+              <a:rPr lang="fr-FR" sz="1600" dirty="0">
+                <a:latin typeface="Roboto" panose="02000000000000000000" pitchFamily="2" charset="0"/>
+                <a:ea typeface="Roboto" panose="02000000000000000000" pitchFamily="2" charset="0"/>
+              </a:rPr>
+              <a:t> </a:t>
+            </a:r>
+            <a:r>
+              <a:rPr lang="fr-FR" sz="1600" dirty="0" err="1">
+                <a:latin typeface="Roboto" panose="02000000000000000000" pitchFamily="2" charset="0"/>
+                <a:ea typeface="Roboto" panose="02000000000000000000" pitchFamily="2" charset="0"/>
+              </a:rPr>
+              <a:t>is</a:t>
+            </a:r>
+            <a:r>
+              <a:rPr lang="fr-FR" sz="1600" dirty="0">
+                <a:latin typeface="Roboto" panose="02000000000000000000" pitchFamily="2" charset="0"/>
+                <a:ea typeface="Roboto" panose="02000000000000000000" pitchFamily="2" charset="0"/>
+              </a:rPr>
+              <a:t> </a:t>
+            </a:r>
+            <a:r>
+              <a:rPr lang="fr-FR" sz="1600" dirty="0" err="1">
+                <a:latin typeface="Roboto" panose="02000000000000000000" pitchFamily="2" charset="0"/>
+                <a:ea typeface="Roboto" panose="02000000000000000000" pitchFamily="2" charset="0"/>
+              </a:rPr>
+              <a:t>always</a:t>
+            </a:r>
+            <a:r>
+              <a:rPr lang="fr-FR" sz="1600" dirty="0">
+                <a:latin typeface="Roboto" panose="02000000000000000000" pitchFamily="2" charset="0"/>
+                <a:ea typeface="Roboto" panose="02000000000000000000" pitchFamily="2" charset="0"/>
+              </a:rPr>
+              <a:t> the « up » </a:t>
+            </a:r>
+            <a:r>
+              <a:rPr lang="fr-FR" sz="1600" dirty="0" err="1">
+                <a:latin typeface="Roboto" panose="02000000000000000000" pitchFamily="2" charset="0"/>
+                <a:ea typeface="Roboto" panose="02000000000000000000" pitchFamily="2" charset="0"/>
+              </a:rPr>
+              <a:t>arrow</a:t>
+            </a:r>
+            <a:r>
+              <a:rPr lang="fr-FR" sz="1600" dirty="0">
+                <a:latin typeface="Roboto" panose="02000000000000000000" pitchFamily="2" charset="0"/>
+                <a:ea typeface="Roboto" panose="02000000000000000000" pitchFamily="2" charset="0"/>
+              </a:rPr>
+              <a:t>, </a:t>
+            </a:r>
+            <a:r>
+              <a:rPr lang="fr-FR" sz="1600" dirty="0" err="1">
+                <a:latin typeface="Roboto" panose="02000000000000000000" pitchFamily="2" charset="0"/>
+                <a:ea typeface="Roboto" panose="02000000000000000000" pitchFamily="2" charset="0"/>
+              </a:rPr>
+              <a:t>indicating</a:t>
+            </a:r>
+            <a:r>
+              <a:rPr lang="fr-FR" sz="1600" dirty="0">
+                <a:latin typeface="Roboto" panose="02000000000000000000" pitchFamily="2" charset="0"/>
+                <a:ea typeface="Roboto" panose="02000000000000000000" pitchFamily="2" charset="0"/>
+              </a:rPr>
+              <a:t> the longer </a:t>
+            </a:r>
+            <a:r>
+              <a:rPr lang="fr-FR" sz="1600" dirty="0" err="1">
+                <a:latin typeface="Roboto" panose="02000000000000000000" pitchFamily="2" charset="0"/>
+                <a:ea typeface="Roboto" panose="02000000000000000000" pitchFamily="2" charset="0"/>
+              </a:rPr>
+              <a:t>red</a:t>
+            </a:r>
+            <a:r>
+              <a:rPr lang="fr-FR" sz="1600" dirty="0">
+                <a:latin typeface="Roboto" panose="02000000000000000000" pitchFamily="2" charset="0"/>
+                <a:ea typeface="Roboto" panose="02000000000000000000" pitchFamily="2" charset="0"/>
+              </a:rPr>
+              <a:t> segment. </a:t>
+            </a:r>
+            <a:r>
+              <a:rPr lang="fr-FR" sz="1600" dirty="0" err="1">
+                <a:latin typeface="Roboto" panose="02000000000000000000" pitchFamily="2" charset="0"/>
+                <a:ea typeface="Roboto" panose="02000000000000000000" pitchFamily="2" charset="0"/>
+              </a:rPr>
+              <a:t>We</a:t>
+            </a:r>
+            <a:r>
+              <a:rPr lang="fr-FR" sz="1600" dirty="0">
+                <a:latin typeface="Roboto" panose="02000000000000000000" pitchFamily="2" charset="0"/>
+                <a:ea typeface="Roboto" panose="02000000000000000000" pitchFamily="2" charset="0"/>
+              </a:rPr>
+              <a:t> </a:t>
+            </a:r>
+            <a:r>
+              <a:rPr lang="fr-FR" sz="1600" dirty="0" err="1">
+                <a:latin typeface="Roboto" panose="02000000000000000000" pitchFamily="2" charset="0"/>
+                <a:ea typeface="Roboto" panose="02000000000000000000" pitchFamily="2" charset="0"/>
+              </a:rPr>
+              <a:t>measured</a:t>
+            </a:r>
+            <a:r>
+              <a:rPr lang="fr-FR" sz="1600" dirty="0">
+                <a:latin typeface="Roboto" panose="02000000000000000000" pitchFamily="2" charset="0"/>
+                <a:ea typeface="Roboto" panose="02000000000000000000" pitchFamily="2" charset="0"/>
+              </a:rPr>
+              <a:t> the </a:t>
+            </a:r>
+            <a:r>
+              <a:rPr lang="fr-FR" sz="1600" dirty="0" err="1">
+                <a:latin typeface="Roboto" panose="02000000000000000000" pitchFamily="2" charset="0"/>
+                <a:ea typeface="Roboto" panose="02000000000000000000" pitchFamily="2" charset="0"/>
+              </a:rPr>
+              <a:t>reaction</a:t>
+            </a:r>
+            <a:r>
+              <a:rPr lang="fr-FR" sz="1600" dirty="0">
+                <a:latin typeface="Roboto" panose="02000000000000000000" pitchFamily="2" charset="0"/>
+                <a:ea typeface="Roboto" panose="02000000000000000000" pitchFamily="2" charset="0"/>
+              </a:rPr>
+              <a:t> time and the </a:t>
+            </a:r>
+            <a:r>
+              <a:rPr lang="fr-FR" sz="1600" dirty="0" err="1">
+                <a:latin typeface="Roboto" panose="02000000000000000000" pitchFamily="2" charset="0"/>
+                <a:ea typeface="Roboto" panose="02000000000000000000" pitchFamily="2" charset="0"/>
+              </a:rPr>
+              <a:t>errors</a:t>
+            </a:r>
+            <a:r>
+              <a:rPr lang="fr-FR" sz="1600" dirty="0">
+                <a:latin typeface="Roboto" panose="02000000000000000000" pitchFamily="2" charset="0"/>
+                <a:ea typeface="Roboto" panose="02000000000000000000" pitchFamily="2" charset="0"/>
+              </a:rPr>
+              <a:t> (in </a:t>
+            </a:r>
+            <a:r>
+              <a:rPr lang="fr-FR" sz="1600" dirty="0" err="1">
+                <a:latin typeface="Roboto" panose="02000000000000000000" pitchFamily="2" charset="0"/>
+                <a:ea typeface="Roboto" panose="02000000000000000000" pitchFamily="2" charset="0"/>
+              </a:rPr>
+              <a:t>this</a:t>
+            </a:r>
+            <a:r>
+              <a:rPr lang="fr-FR" sz="1600" dirty="0">
+                <a:latin typeface="Roboto" panose="02000000000000000000" pitchFamily="2" charset="0"/>
+                <a:ea typeface="Roboto" panose="02000000000000000000" pitchFamily="2" charset="0"/>
+              </a:rPr>
+              <a:t> case, the « down » </a:t>
+            </a:r>
+            <a:r>
+              <a:rPr lang="fr-FR" sz="1600" dirty="0" err="1">
+                <a:latin typeface="Roboto" panose="02000000000000000000" pitchFamily="2" charset="0"/>
+                <a:ea typeface="Roboto" panose="02000000000000000000" pitchFamily="2" charset="0"/>
+              </a:rPr>
+              <a:t>arrow</a:t>
+            </a:r>
+            <a:r>
+              <a:rPr lang="fr-FR" sz="1600" dirty="0">
+                <a:latin typeface="Roboto" panose="02000000000000000000" pitchFamily="2" charset="0"/>
+                <a:ea typeface="Roboto" panose="02000000000000000000" pitchFamily="2" charset="0"/>
+              </a:rPr>
+              <a:t>).</a:t>
+            </a:r>
+            <a:endParaRPr lang="en-GB" sz="1600" dirty="0">
+              <a:latin typeface="Roboto" panose="02000000000000000000" pitchFamily="2" charset="0"/>
+              <a:ea typeface="Roboto" panose="02000000000000000000" pitchFamily="2" charset="0"/>
+            </a:endParaRPr>
+          </a:p>
+        </p:txBody>
+      </p:sp>
+      <p:sp>
+        <p:nvSpPr>
+          <p:cNvPr id="3" name="TextBox 2">
+            <a:extLst>
+              <a:ext uri="{FF2B5EF4-FFF2-40B4-BE49-F238E27FC236}">
+                <a16:creationId xmlns:a16="http://schemas.microsoft.com/office/drawing/2014/main" id="{EED817F2-07EB-8BF0-862C-09DD5D07DAA7}"/>
+              </a:ext>
+            </a:extLst>
+          </p:cNvPr>
+          <p:cNvSpPr txBox="1"/>
+          <p:nvPr/>
+        </p:nvSpPr>
+        <p:spPr>
+          <a:xfrm>
+            <a:off x="0" y="8639906"/>
+            <a:ext cx="7509218" cy="769441"/>
+          </a:xfrm>
+          <a:prstGeom prst="rect">
+            <a:avLst/>
+          </a:prstGeom>
+          <a:noFill/>
+        </p:spPr>
+        <p:txBody>
+          <a:bodyPr wrap="square">
+            <a:spAutoFit/>
+          </a:bodyPr>
+          <a:lstStyle/>
+          <a:p>
+            <a:pPr marL="457200" indent="-457200">
+              <a:buFont typeface="Wingdings" panose="05000000000000000000" pitchFamily="2" charset="2"/>
+              <a:buChar char="v"/>
+            </a:pPr>
+            <a:r>
+              <a:rPr lang="fr-FR" sz="2800" dirty="0">
+                <a:solidFill>
+                  <a:schemeClr val="tx1"/>
+                </a:solidFill>
+                <a:latin typeface="Roboto" panose="02000000000000000000" pitchFamily="2" charset="0"/>
+                <a:ea typeface="Roboto" panose="02000000000000000000" pitchFamily="2" charset="0"/>
+              </a:rPr>
+              <a:t>Illusion Direction:</a:t>
+            </a:r>
+            <a:r>
+              <a:rPr lang="fr-FR" sz="2800" b="1" dirty="0">
+                <a:solidFill>
+                  <a:schemeClr val="tx1"/>
+                </a:solidFill>
+                <a:latin typeface="Roboto" panose="02000000000000000000" pitchFamily="2" charset="0"/>
+                <a:ea typeface="Roboto" panose="02000000000000000000" pitchFamily="2" charset="0"/>
+              </a:rPr>
+              <a:t> incongruent</a:t>
+            </a:r>
+          </a:p>
+          <a:p>
+            <a:r>
+              <a:rPr lang="fr-FR" sz="1600" dirty="0">
+                <a:solidFill>
+                  <a:schemeClr val="tx1"/>
+                </a:solidFill>
+                <a:latin typeface="Roboto" panose="02000000000000000000" pitchFamily="2" charset="0"/>
+                <a:ea typeface="Roboto" panose="02000000000000000000" pitchFamily="2" charset="0"/>
+              </a:rPr>
+              <a:t>	(the illusion </a:t>
+            </a:r>
+            <a:r>
+              <a:rPr lang="fr-FR" sz="1600" dirty="0" err="1">
+                <a:solidFill>
+                  <a:schemeClr val="tx1"/>
+                </a:solidFill>
+                <a:latin typeface="Roboto" panose="02000000000000000000" pitchFamily="2" charset="0"/>
+                <a:ea typeface="Roboto" panose="02000000000000000000" pitchFamily="2" charset="0"/>
+              </a:rPr>
+              <a:t>makes</a:t>
+            </a:r>
+            <a:r>
+              <a:rPr lang="fr-FR" sz="1600" dirty="0">
+                <a:solidFill>
+                  <a:schemeClr val="tx1"/>
+                </a:solidFill>
+                <a:latin typeface="Roboto" panose="02000000000000000000" pitchFamily="2" charset="0"/>
+                <a:ea typeface="Roboto" panose="02000000000000000000" pitchFamily="2" charset="0"/>
+              </a:rPr>
+              <a:t> the </a:t>
+            </a:r>
+            <a:r>
+              <a:rPr lang="fr-FR" sz="1600" dirty="0" err="1">
+                <a:solidFill>
+                  <a:schemeClr val="tx1"/>
+                </a:solidFill>
+                <a:latin typeface="Roboto" panose="02000000000000000000" pitchFamily="2" charset="0"/>
+                <a:ea typeface="Roboto" panose="02000000000000000000" pitchFamily="2" charset="0"/>
+              </a:rPr>
+              <a:t>task</a:t>
+            </a:r>
+            <a:r>
+              <a:rPr lang="fr-FR" sz="1600" dirty="0">
+                <a:solidFill>
+                  <a:schemeClr val="tx1"/>
+                </a:solidFill>
+                <a:latin typeface="Roboto" panose="02000000000000000000" pitchFamily="2" charset="0"/>
+                <a:ea typeface="Roboto" panose="02000000000000000000" pitchFamily="2" charset="0"/>
+              </a:rPr>
+              <a:t> harder: </a:t>
+            </a:r>
+            <a:r>
+              <a:rPr lang="fr-FR" sz="1600" dirty="0" err="1">
+                <a:solidFill>
+                  <a:schemeClr val="tx1"/>
+                </a:solidFill>
+                <a:latin typeface="Roboto" panose="02000000000000000000" pitchFamily="2" charset="0"/>
+                <a:ea typeface="Roboto" panose="02000000000000000000" pitchFamily="2" charset="0"/>
+              </a:rPr>
+              <a:t>red</a:t>
+            </a:r>
+            <a:r>
+              <a:rPr lang="fr-FR" sz="1600" dirty="0">
+                <a:solidFill>
+                  <a:schemeClr val="tx1"/>
+                </a:solidFill>
+                <a:latin typeface="Roboto" panose="02000000000000000000" pitchFamily="2" charset="0"/>
+                <a:ea typeface="Roboto" panose="02000000000000000000" pitchFamily="2" charset="0"/>
+              </a:rPr>
+              <a:t> </a:t>
+            </a:r>
+            <a:r>
+              <a:rPr lang="fr-FR" sz="1600" dirty="0" err="1">
+                <a:solidFill>
+                  <a:schemeClr val="tx1"/>
+                </a:solidFill>
+                <a:latin typeface="Roboto" panose="02000000000000000000" pitchFamily="2" charset="0"/>
+                <a:ea typeface="Roboto" panose="02000000000000000000" pitchFamily="2" charset="0"/>
+              </a:rPr>
+              <a:t>lines</a:t>
+            </a:r>
+            <a:r>
+              <a:rPr lang="fr-FR" sz="1600" dirty="0">
+                <a:solidFill>
+                  <a:schemeClr val="tx1"/>
+                </a:solidFill>
+                <a:latin typeface="Roboto" panose="02000000000000000000" pitchFamily="2" charset="0"/>
+                <a:ea typeface="Roboto" panose="02000000000000000000" pitchFamily="2" charset="0"/>
+              </a:rPr>
+              <a:t> look more </a:t>
+            </a:r>
+            <a:r>
+              <a:rPr lang="fr-FR" sz="1600" dirty="0" err="1">
+                <a:solidFill>
+                  <a:schemeClr val="tx1"/>
+                </a:solidFill>
+                <a:latin typeface="Roboto" panose="02000000000000000000" pitchFamily="2" charset="0"/>
+                <a:ea typeface="Roboto" panose="02000000000000000000" pitchFamily="2" charset="0"/>
+              </a:rPr>
+              <a:t>similar</a:t>
+            </a:r>
+            <a:r>
+              <a:rPr lang="fr-FR" sz="1600" dirty="0">
+                <a:solidFill>
+                  <a:schemeClr val="tx1"/>
+                </a:solidFill>
+                <a:latin typeface="Roboto" panose="02000000000000000000" pitchFamily="2" charset="0"/>
+                <a:ea typeface="Roboto" panose="02000000000000000000" pitchFamily="2" charset="0"/>
+              </a:rPr>
+              <a:t>)</a:t>
+            </a:r>
+          </a:p>
+        </p:txBody>
+      </p:sp>
+      <p:pic>
+        <p:nvPicPr>
+          <p:cNvPr id="11" name="Picture 10" descr="A picture containing clock, watch&#10;&#10;Description automatically generated">
+            <a:extLst>
+              <a:ext uri="{FF2B5EF4-FFF2-40B4-BE49-F238E27FC236}">
+                <a16:creationId xmlns:a16="http://schemas.microsoft.com/office/drawing/2014/main" id="{B2794350-2CA4-BEF0-E140-937F3EC9B6A1}"/>
+              </a:ext>
+            </a:extLst>
+          </p:cNvPr>
+          <p:cNvPicPr>
+            <a:picLocks noChangeAspect="1"/>
+          </p:cNvPicPr>
+          <p:nvPr/>
+        </p:nvPicPr>
+        <p:blipFill>
+          <a:blip r:embed="rId8">
+            <a:extLst>
+              <a:ext uri="{28A0092B-C50C-407E-A947-70E740481C1C}">
+                <a14:useLocalDpi xmlns:a14="http://schemas.microsoft.com/office/drawing/2010/main" val="0"/>
+              </a:ext>
+            </a:extLst>
+          </a:blip>
+          <a:stretch>
+            <a:fillRect/>
+          </a:stretch>
+        </p:blipFill>
+        <p:spPr>
+          <a:xfrm>
+            <a:off x="-796328" y="12933919"/>
+            <a:ext cx="4762500" cy="4762500"/>
+          </a:xfrm>
+          <a:prstGeom prst="rect">
+            <a:avLst/>
+          </a:prstGeom>
+        </p:spPr>
+      </p:pic>
       <p:cxnSp>
         <p:nvCxnSpPr>
-          <p:cNvPr id="29" name="Straight Connector 28">
+          <p:cNvPr id="14" name="Straight Connector 13">
             <a:extLst>
               <a:ext uri="{FF2B5EF4-FFF2-40B4-BE49-F238E27FC236}">
-                <a16:creationId xmlns:a16="http://schemas.microsoft.com/office/drawing/2014/main" id="{55C5A806-C7C1-C376-5584-B927A80F507F}"/>
+                <a16:creationId xmlns:a16="http://schemas.microsoft.com/office/drawing/2014/main" id="{138832E0-C119-103F-FFB4-71AD848D914B}"/>
               </a:ext>
             </a:extLst>
           </p:cNvPr>
@@ -5231,8 +5710,8 @@
         </p:nvCxnSpPr>
         <p:spPr>
           <a:xfrm>
-            <a:off x="-44049" y="12780076"/>
-            <a:ext cx="13598684" cy="0"/>
+            <a:off x="7368982" y="8523041"/>
+            <a:ext cx="0" cy="1149585"/>
           </a:xfrm>
           <a:prstGeom prst="line">
             <a:avLst/>
@@ -5262,10 +5741,10 @@
       </p:cxnSp>
       <p:pic>
         <p:nvPicPr>
-          <p:cNvPr id="23" name="Picture 22" descr="Icon&#10;&#10;Description automatically generated">
+          <p:cNvPr id="9" name="Picture 8" descr="A picture containing clock&#10;&#10;Description automatically generated">
             <a:extLst>
               <a:ext uri="{FF2B5EF4-FFF2-40B4-BE49-F238E27FC236}">
-                <a16:creationId xmlns:a16="http://schemas.microsoft.com/office/drawing/2014/main" id="{FBFDAB42-9200-77A7-0A31-7B28FFFB7F50}"/>
+                <a16:creationId xmlns:a16="http://schemas.microsoft.com/office/drawing/2014/main" id="{4836049F-67B0-AFC9-8373-3048D21D4FE3}"/>
               </a:ext>
             </a:extLst>
           </p:cNvPr>
@@ -5275,7 +5754,7 @@
           <p:nvPr/>
         </p:nvPicPr>
         <p:blipFill>
-          <a:blip r:embed="rId8">
+          <a:blip r:embed="rId9">
             <a:extLst>
               <a:ext uri="{28A0092B-C50C-407E-A947-70E740481C1C}">
                 <a14:useLocalDpi xmlns:a14="http://schemas.microsoft.com/office/drawing/2010/main" val="0"/>
@@ -5288,23 +5767,288 @@
         </p:blipFill>
         <p:spPr>
           <a:xfrm>
-            <a:off x="12881317" y="9825319"/>
-            <a:ext cx="3272006" cy="3272006"/>
+            <a:off x="9233857" y="8994901"/>
+            <a:ext cx="4762500" cy="4762500"/>
           </a:xfrm>
           <a:prstGeom prst="rect">
             <a:avLst/>
           </a:prstGeom>
-          <a:ln w="19050">
-            <a:noFill/>
-          </a:ln>
         </p:spPr>
       </p:pic>
       <p:sp>
         <p:nvSpPr>
-          <p:cNvPr id="30" name="Rectangle 29">
+          <p:cNvPr id="4" name="TextBox 3">
             <a:extLst>
               <a:ext uri="{FF2B5EF4-FFF2-40B4-BE49-F238E27FC236}">
-                <a16:creationId xmlns:a16="http://schemas.microsoft.com/office/drawing/2014/main" id="{731D7872-DEF2-4E1D-8574-07AD08BD0BA9}"/>
+                <a16:creationId xmlns:a16="http://schemas.microsoft.com/office/drawing/2014/main" id="{D751AE24-EE38-6D2C-82D2-E682BCE5C5E7}"/>
+              </a:ext>
+            </a:extLst>
+          </p:cNvPr>
+          <p:cNvSpPr txBox="1"/>
+          <p:nvPr/>
+        </p:nvSpPr>
+        <p:spPr>
+          <a:xfrm>
+            <a:off x="8656593" y="8607972"/>
+            <a:ext cx="7509218" cy="769441"/>
+          </a:xfrm>
+          <a:prstGeom prst="rect">
+            <a:avLst/>
+          </a:prstGeom>
+          <a:noFill/>
+        </p:spPr>
+        <p:txBody>
+          <a:bodyPr wrap="square">
+            <a:spAutoFit/>
+          </a:bodyPr>
+          <a:lstStyle/>
+          <a:p>
+            <a:pPr marL="457200" indent="-457200">
+              <a:buFont typeface="Wingdings" panose="05000000000000000000" pitchFamily="2" charset="2"/>
+              <a:buChar char="v"/>
+            </a:pPr>
+            <a:r>
+              <a:rPr lang="fr-FR" sz="2800" dirty="0">
+                <a:solidFill>
+                  <a:schemeClr val="tx1"/>
+                </a:solidFill>
+                <a:latin typeface="Roboto" panose="02000000000000000000" pitchFamily="2" charset="0"/>
+                <a:ea typeface="Roboto" panose="02000000000000000000" pitchFamily="2" charset="0"/>
+              </a:rPr>
+              <a:t>Illusion Direction:</a:t>
+            </a:r>
+            <a:r>
+              <a:rPr lang="fr-FR" sz="2800" b="1" dirty="0">
+                <a:solidFill>
+                  <a:schemeClr val="tx1"/>
+                </a:solidFill>
+                <a:latin typeface="Roboto" panose="02000000000000000000" pitchFamily="2" charset="0"/>
+                <a:ea typeface="Roboto" panose="02000000000000000000" pitchFamily="2" charset="0"/>
+              </a:rPr>
+              <a:t> congruent</a:t>
+            </a:r>
+          </a:p>
+          <a:p>
+            <a:r>
+              <a:rPr lang="fr-FR" sz="1600" dirty="0">
+                <a:solidFill>
+                  <a:schemeClr val="tx1"/>
+                </a:solidFill>
+                <a:latin typeface="Roboto" panose="02000000000000000000" pitchFamily="2" charset="0"/>
+                <a:ea typeface="Roboto" panose="02000000000000000000" pitchFamily="2" charset="0"/>
+              </a:rPr>
+              <a:t>	(the illusion </a:t>
+            </a:r>
+            <a:r>
+              <a:rPr lang="fr-FR" sz="1600" dirty="0" err="1">
+                <a:solidFill>
+                  <a:schemeClr val="tx1"/>
+                </a:solidFill>
+                <a:latin typeface="Roboto" panose="02000000000000000000" pitchFamily="2" charset="0"/>
+                <a:ea typeface="Roboto" panose="02000000000000000000" pitchFamily="2" charset="0"/>
+              </a:rPr>
+              <a:t>makes</a:t>
+            </a:r>
+            <a:r>
+              <a:rPr lang="fr-FR" sz="1600" dirty="0">
+                <a:solidFill>
+                  <a:schemeClr val="tx1"/>
+                </a:solidFill>
+                <a:latin typeface="Roboto" panose="02000000000000000000" pitchFamily="2" charset="0"/>
+                <a:ea typeface="Roboto" panose="02000000000000000000" pitchFamily="2" charset="0"/>
+              </a:rPr>
+              <a:t> the </a:t>
+            </a:r>
+            <a:r>
+              <a:rPr lang="fr-FR" sz="1600" dirty="0" err="1">
+                <a:solidFill>
+                  <a:schemeClr val="tx1"/>
+                </a:solidFill>
+                <a:latin typeface="Roboto" panose="02000000000000000000" pitchFamily="2" charset="0"/>
+                <a:ea typeface="Roboto" panose="02000000000000000000" pitchFamily="2" charset="0"/>
+              </a:rPr>
+              <a:t>task</a:t>
+            </a:r>
+            <a:r>
+              <a:rPr lang="fr-FR" sz="1600" dirty="0">
+                <a:solidFill>
+                  <a:schemeClr val="tx1"/>
+                </a:solidFill>
+                <a:latin typeface="Roboto" panose="02000000000000000000" pitchFamily="2" charset="0"/>
+                <a:ea typeface="Roboto" panose="02000000000000000000" pitchFamily="2" charset="0"/>
+              </a:rPr>
+              <a:t> </a:t>
+            </a:r>
+            <a:r>
+              <a:rPr lang="fr-FR" sz="1600" dirty="0" err="1">
+                <a:solidFill>
+                  <a:schemeClr val="tx1"/>
+                </a:solidFill>
+                <a:latin typeface="Roboto" panose="02000000000000000000" pitchFamily="2" charset="0"/>
+                <a:ea typeface="Roboto" panose="02000000000000000000" pitchFamily="2" charset="0"/>
+              </a:rPr>
+              <a:t>easier</a:t>
+            </a:r>
+            <a:r>
+              <a:rPr lang="fr-FR" sz="1600" dirty="0">
+                <a:solidFill>
+                  <a:schemeClr val="tx1"/>
+                </a:solidFill>
+                <a:latin typeface="Roboto" panose="02000000000000000000" pitchFamily="2" charset="0"/>
+                <a:ea typeface="Roboto" panose="02000000000000000000" pitchFamily="2" charset="0"/>
+              </a:rPr>
+              <a:t>: </a:t>
+            </a:r>
+            <a:r>
+              <a:rPr lang="fr-FR" sz="1600" dirty="0" err="1">
+                <a:solidFill>
+                  <a:schemeClr val="tx1"/>
+                </a:solidFill>
+                <a:latin typeface="Roboto" panose="02000000000000000000" pitchFamily="2" charset="0"/>
+                <a:ea typeface="Roboto" panose="02000000000000000000" pitchFamily="2" charset="0"/>
+              </a:rPr>
+              <a:t>red</a:t>
+            </a:r>
+            <a:r>
+              <a:rPr lang="fr-FR" sz="1600" dirty="0">
+                <a:solidFill>
+                  <a:schemeClr val="tx1"/>
+                </a:solidFill>
+                <a:latin typeface="Roboto" panose="02000000000000000000" pitchFamily="2" charset="0"/>
+                <a:ea typeface="Roboto" panose="02000000000000000000" pitchFamily="2" charset="0"/>
+              </a:rPr>
+              <a:t> </a:t>
+            </a:r>
+            <a:r>
+              <a:rPr lang="fr-FR" sz="1600" dirty="0" err="1">
+                <a:solidFill>
+                  <a:schemeClr val="tx1"/>
+                </a:solidFill>
+                <a:latin typeface="Roboto" panose="02000000000000000000" pitchFamily="2" charset="0"/>
+                <a:ea typeface="Roboto" panose="02000000000000000000" pitchFamily="2" charset="0"/>
+              </a:rPr>
+              <a:t>lines</a:t>
+            </a:r>
+            <a:r>
+              <a:rPr lang="fr-FR" sz="1600" dirty="0">
+                <a:solidFill>
+                  <a:schemeClr val="tx1"/>
+                </a:solidFill>
+                <a:latin typeface="Roboto" panose="02000000000000000000" pitchFamily="2" charset="0"/>
+                <a:ea typeface="Roboto" panose="02000000000000000000" pitchFamily="2" charset="0"/>
+              </a:rPr>
+              <a:t> look more </a:t>
+            </a:r>
+            <a:r>
+              <a:rPr lang="fr-FR" sz="1600" dirty="0" err="1">
+                <a:solidFill>
+                  <a:schemeClr val="tx1"/>
+                </a:solidFill>
+                <a:latin typeface="Roboto" panose="02000000000000000000" pitchFamily="2" charset="0"/>
+                <a:ea typeface="Roboto" panose="02000000000000000000" pitchFamily="2" charset="0"/>
+              </a:rPr>
+              <a:t>different</a:t>
+            </a:r>
+            <a:r>
+              <a:rPr lang="fr-FR" sz="1600" dirty="0">
+                <a:solidFill>
+                  <a:schemeClr val="tx1"/>
+                </a:solidFill>
+                <a:latin typeface="Roboto" panose="02000000000000000000" pitchFamily="2" charset="0"/>
+                <a:ea typeface="Roboto" panose="02000000000000000000" pitchFamily="2" charset="0"/>
+              </a:rPr>
+              <a:t>)</a:t>
+            </a:r>
+          </a:p>
+        </p:txBody>
+      </p:sp>
+      <p:pic>
+        <p:nvPicPr>
+          <p:cNvPr id="25" name="Picture 24" descr="A picture containing clock, watch&#10;&#10;Description automatically generated">
+            <a:extLst>
+              <a:ext uri="{FF2B5EF4-FFF2-40B4-BE49-F238E27FC236}">
+                <a16:creationId xmlns:a16="http://schemas.microsoft.com/office/drawing/2014/main" id="{4C62F7A2-25F5-4C55-3EC9-095919B57B5F}"/>
+              </a:ext>
+            </a:extLst>
+          </p:cNvPr>
+          <p:cNvPicPr>
+            <a:picLocks noChangeAspect="1"/>
+          </p:cNvPicPr>
+          <p:nvPr/>
+        </p:nvPicPr>
+        <p:blipFill>
+          <a:blip r:embed="rId10">
+            <a:extLst>
+              <a:ext uri="{28A0092B-C50C-407E-A947-70E740481C1C}">
+                <a14:useLocalDpi xmlns:a14="http://schemas.microsoft.com/office/drawing/2010/main" val="0"/>
+              </a:ext>
+            </a:extLst>
+          </a:blip>
+          <a:stretch>
+            <a:fillRect/>
+          </a:stretch>
+        </p:blipFill>
+        <p:spPr>
+          <a:xfrm>
+            <a:off x="9251342" y="12933919"/>
+            <a:ext cx="4762500" cy="4762500"/>
+          </a:xfrm>
+          <a:prstGeom prst="rect">
+            <a:avLst/>
+          </a:prstGeom>
+        </p:spPr>
+      </p:pic>
+      <p:cxnSp>
+        <p:nvCxnSpPr>
+          <p:cNvPr id="8" name="Straight Connector 7">
+            <a:extLst>
+              <a:ext uri="{FF2B5EF4-FFF2-40B4-BE49-F238E27FC236}">
+                <a16:creationId xmlns:a16="http://schemas.microsoft.com/office/drawing/2014/main" id="{154766E9-3FA6-0D68-ADEF-D6ECB62B9DBA}"/>
+              </a:ext>
+            </a:extLst>
+          </p:cNvPr>
+          <p:cNvCxnSpPr>
+            <a:cxnSpLocks/>
+          </p:cNvCxnSpPr>
+          <p:nvPr/>
+        </p:nvCxnSpPr>
+        <p:spPr>
+          <a:xfrm>
+            <a:off x="-44049" y="13138656"/>
+            <a:ext cx="14405508" cy="0"/>
+          </a:xfrm>
+          <a:prstGeom prst="line">
+            <a:avLst/>
+          </a:prstGeom>
+          <a:ln>
+            <a:solidFill>
+              <a:schemeClr val="bg2">
+                <a:lumMod val="90000"/>
+              </a:schemeClr>
+            </a:solidFill>
+          </a:ln>
+        </p:spPr>
+        <p:style>
+          <a:lnRef idx="1">
+            <a:schemeClr val="accent1"/>
+          </a:lnRef>
+          <a:fillRef idx="0">
+            <a:schemeClr val="accent1"/>
+          </a:fillRef>
+          <a:effectRef idx="0">
+            <a:schemeClr val="accent1"/>
+          </a:effectRef>
+          <a:fontRef idx="minor">
+            <a:schemeClr val="tx1"/>
+          </a:fontRef>
+        </p:style>
+      </p:cxnSp>
+      <p:sp>
+        <p:nvSpPr>
+          <p:cNvPr id="17" name="Rectangle 16">
+            <a:extLst>
+              <a:ext uri="{FF2B5EF4-FFF2-40B4-BE49-F238E27FC236}">
+                <a16:creationId xmlns:a16="http://schemas.microsoft.com/office/drawing/2014/main" id="{CA6FB4EF-A769-FF73-E8F9-5EC89DFE4DDB}"/>
               </a:ext>
             </a:extLst>
           </p:cNvPr>
@@ -5313,8 +6057,377 @@
         </p:nvSpPr>
         <p:spPr>
           <a:xfrm>
-            <a:off x="3585487" y="13226788"/>
-            <a:ext cx="7032063" cy="4130497"/>
+            <a:off x="1740716" y="17393032"/>
+            <a:ext cx="16259947" cy="589879"/>
+          </a:xfrm>
+          <a:prstGeom prst="rect">
+            <a:avLst/>
+          </a:prstGeom>
+          <a:solidFill>
+            <a:schemeClr val="bg1"/>
+          </a:solidFill>
+          <a:ln>
+            <a:noFill/>
+          </a:ln>
+        </p:spPr>
+        <p:style>
+          <a:lnRef idx="0">
+            <a:scrgbClr r="0" g="0" b="0"/>
+          </a:lnRef>
+          <a:fillRef idx="0">
+            <a:scrgbClr r="0" g="0" b="0"/>
+          </a:fillRef>
+          <a:effectRef idx="0">
+            <a:scrgbClr r="0" g="0" b="0"/>
+          </a:effectRef>
+          <a:fontRef idx="minor">
+            <a:schemeClr val="dk1"/>
+          </a:fontRef>
+        </p:style>
+        <p:txBody>
+          <a:bodyPr rtlCol="0" anchor="ctr"/>
+          <a:lstStyle/>
+          <a:p>
+            <a:pPr algn="r"/>
+            <a:r>
+              <a:rPr lang="fr-FR" sz="2800" dirty="0">
+                <a:solidFill>
+                  <a:schemeClr val="tx1"/>
+                </a:solidFill>
+                <a:latin typeface="Roboto" panose="02000000000000000000" pitchFamily="2" charset="0"/>
+                <a:ea typeface="Roboto" panose="02000000000000000000" pitchFamily="2" charset="0"/>
+              </a:rPr>
+              <a:t>Stimuli </a:t>
+            </a:r>
+            <a:r>
+              <a:rPr lang="fr-FR" sz="2800" dirty="0" err="1">
+                <a:solidFill>
+                  <a:schemeClr val="tx1"/>
+                </a:solidFill>
+                <a:latin typeface="Roboto" panose="02000000000000000000" pitchFamily="2" charset="0"/>
+                <a:ea typeface="Roboto" panose="02000000000000000000" pitchFamily="2" charset="0"/>
+              </a:rPr>
+              <a:t>created</a:t>
+            </a:r>
+            <a:r>
+              <a:rPr lang="fr-FR" sz="2800" dirty="0">
+                <a:solidFill>
+                  <a:schemeClr val="tx1"/>
+                </a:solidFill>
+                <a:latin typeface="Roboto" panose="02000000000000000000" pitchFamily="2" charset="0"/>
+                <a:ea typeface="Roboto" panose="02000000000000000000" pitchFamily="2" charset="0"/>
+              </a:rPr>
+              <a:t> </a:t>
+            </a:r>
+            <a:r>
+              <a:rPr lang="fr-FR" sz="2800" dirty="0" err="1">
+                <a:solidFill>
+                  <a:schemeClr val="tx1"/>
+                </a:solidFill>
+                <a:latin typeface="Roboto" panose="02000000000000000000" pitchFamily="2" charset="0"/>
+                <a:ea typeface="Roboto" panose="02000000000000000000" pitchFamily="2" charset="0"/>
+              </a:rPr>
+              <a:t>with</a:t>
+            </a:r>
+            <a:r>
+              <a:rPr lang="fr-FR" sz="2800" dirty="0">
+                <a:solidFill>
+                  <a:schemeClr val="tx1"/>
+                </a:solidFill>
+                <a:latin typeface="Roboto" panose="02000000000000000000" pitchFamily="2" charset="0"/>
+                <a:ea typeface="Roboto" panose="02000000000000000000" pitchFamily="2" charset="0"/>
+              </a:rPr>
+              <a:t> the open-source software                            (Makowski et al., 2021)</a:t>
+            </a:r>
+            <a:endParaRPr lang="en-GB" sz="2800" dirty="0">
+              <a:solidFill>
+                <a:schemeClr val="tx1"/>
+              </a:solidFill>
+              <a:latin typeface="Roboto" panose="02000000000000000000" pitchFamily="2" charset="0"/>
+              <a:ea typeface="Roboto" panose="02000000000000000000" pitchFamily="2" charset="0"/>
+            </a:endParaRPr>
+          </a:p>
+        </p:txBody>
+      </p:sp>
+      <p:pic>
+        <p:nvPicPr>
+          <p:cNvPr id="1026" name="Picture 2">
+            <a:extLst>
+              <a:ext uri="{FF2B5EF4-FFF2-40B4-BE49-F238E27FC236}">
+                <a16:creationId xmlns:a16="http://schemas.microsoft.com/office/drawing/2014/main" id="{98CC9096-0610-9622-74E9-2817F48759F0}"/>
+              </a:ext>
+            </a:extLst>
+          </p:cNvPr>
+          <p:cNvPicPr>
+            <a:picLocks noChangeAspect="1" noChangeArrowheads="1"/>
+          </p:cNvPicPr>
+          <p:nvPr/>
+        </p:nvPicPr>
+        <p:blipFill>
+          <a:blip r:embed="rId11">
+            <a:extLst>
+              <a:ext uri="{28A0092B-C50C-407E-A947-70E740481C1C}">
+                <a14:useLocalDpi xmlns:a14="http://schemas.microsoft.com/office/drawing/2010/main" val="0"/>
+              </a:ext>
+            </a:extLst>
+          </a:blip>
+          <a:srcRect/>
+          <a:stretch>
+            <a:fillRect/>
+          </a:stretch>
+        </p:blipFill>
+        <p:spPr bwMode="auto">
+          <a:xfrm>
+            <a:off x="11911605" y="17286085"/>
+            <a:ext cx="2219191" cy="696826"/>
+          </a:xfrm>
+          <a:prstGeom prst="rect">
+            <a:avLst/>
+          </a:prstGeom>
+          <a:noFill/>
+          <a:extLst>
+            <a:ext uri="{909E8E84-426E-40DD-AFC4-6F175D3DCCD1}">
+              <a14:hiddenFill xmlns:a14="http://schemas.microsoft.com/office/drawing/2010/main">
+                <a:solidFill>
+                  <a:srgbClr val="FFFFFF"/>
+                </a:solidFill>
+              </a14:hiddenFill>
+            </a:ext>
+          </a:extLst>
+        </p:spPr>
+      </p:pic>
+    </p:spTree>
+    <p:extLst>
+      <p:ext uri="{BB962C8B-B14F-4D97-AF65-F5344CB8AC3E}">
+        <p14:creationId xmlns:p14="http://schemas.microsoft.com/office/powerpoint/2010/main" val="2771523751"/>
+      </p:ext>
+    </p:extLst>
+  </p:cSld>
+  <p:clrMapOvr>
+    <a:masterClrMapping/>
+  </p:clrMapOvr>
+</p:sld>
+</file>
+
+<file path=ppt/slides/slide2.xml><?xml version="1.0" encoding="utf-8"?>
+<p:sld xmlns:a="http://schemas.openxmlformats.org/drawingml/2006/main" xmlns:r="http://schemas.openxmlformats.org/officeDocument/2006/relationships" xmlns:p="http://schemas.openxmlformats.org/presentationml/2006/main">
+  <p:cSld>
+    <p:spTree>
+      <p:nvGrpSpPr>
+        <p:cNvPr id="1" name=""/>
+        <p:cNvGrpSpPr/>
+        <p:nvPr/>
+      </p:nvGrpSpPr>
+      <p:grpSpPr>
+        <a:xfrm>
+          <a:off x="0" y="0"/>
+          <a:ext cx="0" cy="0"/>
+          <a:chOff x="0" y="0"/>
+          <a:chExt cx="0" cy="0"/>
+        </a:xfrm>
+      </p:grpSpPr>
+      <p:pic>
+        <p:nvPicPr>
+          <p:cNvPr id="5" name="Picture 4" descr="A picture containing clock&#10;&#10;Description automatically generated">
+            <a:extLst>
+              <a:ext uri="{FF2B5EF4-FFF2-40B4-BE49-F238E27FC236}">
+                <a16:creationId xmlns:a16="http://schemas.microsoft.com/office/drawing/2014/main" id="{9E17D797-B87C-5086-4D55-9749D68E7D56}"/>
+              </a:ext>
+            </a:extLst>
+          </p:cNvPr>
+          <p:cNvPicPr>
+            <a:picLocks noChangeAspect="1"/>
+          </p:cNvPicPr>
+          <p:nvPr/>
+        </p:nvPicPr>
+        <p:blipFill>
+          <a:blip r:embed="rId3">
+            <a:extLst>
+              <a:ext uri="{28A0092B-C50C-407E-A947-70E740481C1C}">
+                <a14:useLocalDpi xmlns:a14="http://schemas.microsoft.com/office/drawing/2010/main" val="0"/>
+              </a:ext>
+            </a:extLst>
+          </a:blip>
+          <a:stretch>
+            <a:fillRect/>
+          </a:stretch>
+        </p:blipFill>
+        <p:spPr>
+          <a:xfrm>
+            <a:off x="-1201184" y="550063"/>
+            <a:ext cx="8041253" cy="8041253"/>
+          </a:xfrm>
+          <a:prstGeom prst="rect">
+            <a:avLst/>
+          </a:prstGeom>
+        </p:spPr>
+      </p:pic>
+      <p:sp>
+        <p:nvSpPr>
+          <p:cNvPr id="16" name="Rectangle 15">
+            <a:extLst>
+              <a:ext uri="{FF2B5EF4-FFF2-40B4-BE49-F238E27FC236}">
+                <a16:creationId xmlns:a16="http://schemas.microsoft.com/office/drawing/2014/main" id="{3C45AF2D-7044-A5BB-6FA5-6936E9927716}"/>
+              </a:ext>
+            </a:extLst>
+          </p:cNvPr>
+          <p:cNvSpPr/>
+          <p:nvPr/>
+        </p:nvSpPr>
+        <p:spPr>
+          <a:xfrm>
+            <a:off x="0" y="0"/>
+            <a:ext cx="18000663" cy="1580484"/>
+          </a:xfrm>
+          <a:prstGeom prst="rect">
+            <a:avLst/>
+          </a:prstGeom>
+          <a:solidFill>
+            <a:schemeClr val="tx1">
+              <a:lumMod val="85000"/>
+              <a:lumOff val="15000"/>
+            </a:schemeClr>
+          </a:solidFill>
+          <a:ln>
+            <a:noFill/>
+          </a:ln>
+        </p:spPr>
+        <p:style>
+          <a:lnRef idx="2">
+            <a:schemeClr val="accent1">
+              <a:shade val="50000"/>
+            </a:schemeClr>
+          </a:lnRef>
+          <a:fillRef idx="1">
+            <a:schemeClr val="accent1"/>
+          </a:fillRef>
+          <a:effectRef idx="0">
+            <a:schemeClr val="accent1"/>
+          </a:effectRef>
+          <a:fontRef idx="minor">
+            <a:schemeClr val="lt1"/>
+          </a:fontRef>
+        </p:style>
+        <p:txBody>
+          <a:bodyPr rtlCol="0" anchor="ctr"/>
+          <a:lstStyle/>
+          <a:p>
+            <a:pPr algn="ctr"/>
+            <a:r>
+              <a:rPr lang="fr-FR" sz="4800" b="1" dirty="0" err="1">
+                <a:solidFill>
+                  <a:schemeClr val="bg1"/>
+                </a:solidFill>
+                <a:latin typeface="Roboto" panose="02000000000000000000" pitchFamily="2" charset="0"/>
+                <a:ea typeface="Roboto" panose="02000000000000000000" pitchFamily="2" charset="0"/>
+              </a:rPr>
+              <a:t>Parametric</a:t>
+            </a:r>
+            <a:r>
+              <a:rPr lang="fr-FR" sz="4800" b="1" dirty="0">
+                <a:solidFill>
+                  <a:schemeClr val="bg1"/>
+                </a:solidFill>
+                <a:latin typeface="Roboto" panose="02000000000000000000" pitchFamily="2" charset="0"/>
+                <a:ea typeface="Roboto" panose="02000000000000000000" pitchFamily="2" charset="0"/>
+              </a:rPr>
+              <a:t> Framework for Visual Illusions</a:t>
+            </a:r>
+          </a:p>
+          <a:p>
+            <a:pPr algn="ctr"/>
+            <a:r>
+              <a:rPr lang="fr-FR" sz="4000" dirty="0">
+                <a:solidFill>
+                  <a:schemeClr val="bg1"/>
+                </a:solidFill>
+                <a:latin typeface="Roboto" panose="02000000000000000000" pitchFamily="2" charset="0"/>
+                <a:ea typeface="Roboto" panose="02000000000000000000" pitchFamily="2" charset="0"/>
+              </a:rPr>
+              <a:t>Example </a:t>
+            </a:r>
+            <a:r>
+              <a:rPr lang="fr-FR" sz="4000" dirty="0" err="1">
+                <a:solidFill>
+                  <a:schemeClr val="bg1"/>
+                </a:solidFill>
+                <a:latin typeface="Roboto" panose="02000000000000000000" pitchFamily="2" charset="0"/>
+                <a:ea typeface="Roboto" panose="02000000000000000000" pitchFamily="2" charset="0"/>
+              </a:rPr>
+              <a:t>with</a:t>
+            </a:r>
+            <a:r>
+              <a:rPr lang="fr-FR" sz="4000" dirty="0">
+                <a:solidFill>
+                  <a:schemeClr val="bg1"/>
+                </a:solidFill>
+                <a:latin typeface="Roboto" panose="02000000000000000000" pitchFamily="2" charset="0"/>
+                <a:ea typeface="Roboto" panose="02000000000000000000" pitchFamily="2" charset="0"/>
+              </a:rPr>
+              <a:t> the Müller-Lyer Illusion</a:t>
+            </a:r>
+            <a:endParaRPr lang="en-GB" sz="4000" dirty="0">
+              <a:solidFill>
+                <a:schemeClr val="bg1"/>
+              </a:solidFill>
+              <a:latin typeface="Roboto" panose="02000000000000000000" pitchFamily="2" charset="0"/>
+              <a:ea typeface="Roboto" panose="02000000000000000000" pitchFamily="2" charset="0"/>
+            </a:endParaRPr>
+          </a:p>
+        </p:txBody>
+      </p:sp>
+      <p:pic>
+        <p:nvPicPr>
+          <p:cNvPr id="7" name="Picture 6" descr="A picture containing clock, watch&#10;&#10;Description automatically generated">
+            <a:extLst>
+              <a:ext uri="{FF2B5EF4-FFF2-40B4-BE49-F238E27FC236}">
+                <a16:creationId xmlns:a16="http://schemas.microsoft.com/office/drawing/2014/main" id="{5B25AA96-6515-2902-8146-5834A3681344}"/>
+              </a:ext>
+            </a:extLst>
+          </p:cNvPr>
+          <p:cNvPicPr>
+            <a:picLocks noChangeAspect="1"/>
+          </p:cNvPicPr>
+          <p:nvPr/>
+        </p:nvPicPr>
+        <p:blipFill>
+          <a:blip r:embed="rId4">
+            <a:extLst>
+              <a:ext uri="{28A0092B-C50C-407E-A947-70E740481C1C}">
+                <a14:useLocalDpi xmlns:a14="http://schemas.microsoft.com/office/drawing/2010/main" val="0"/>
+              </a:ext>
+            </a:extLst>
+          </a:blip>
+          <a:stretch>
+            <a:fillRect/>
+          </a:stretch>
+        </p:blipFill>
+        <p:spPr>
+          <a:xfrm>
+            <a:off x="-644315" y="7843423"/>
+            <a:ext cx="4762500" cy="4762500"/>
+          </a:xfrm>
+          <a:prstGeom prst="rect">
+            <a:avLst/>
+          </a:prstGeom>
+        </p:spPr>
+      </p:pic>
+      <p:sp>
+        <p:nvSpPr>
+          <p:cNvPr id="18" name="Rectangle 17">
+            <a:extLst>
+              <a:ext uri="{FF2B5EF4-FFF2-40B4-BE49-F238E27FC236}">
+                <a16:creationId xmlns:a16="http://schemas.microsoft.com/office/drawing/2014/main" id="{10473326-53D9-D2F3-FE76-C0037BD2B476}"/>
+              </a:ext>
+            </a:extLst>
+          </p:cNvPr>
+          <p:cNvSpPr/>
+          <p:nvPr/>
+        </p:nvSpPr>
+        <p:spPr>
+          <a:xfrm>
+            <a:off x="4465619" y="7966418"/>
+            <a:ext cx="6383206" cy="4829892"/>
           </a:xfrm>
           <a:prstGeom prst="rect">
             <a:avLst/>
@@ -5344,7 +6457,7 @@
           <a:p>
             <a:pPr marL="457200" indent="-457200">
               <a:buFont typeface="Wingdings" panose="05000000000000000000" pitchFamily="2" charset="2"/>
-              <a:buChar char="ü"/>
+              <a:buChar char="v"/>
             </a:pPr>
             <a:r>
               <a:rPr lang="fr-FR" sz="2800" dirty="0" err="1">
@@ -5397,18 +6510,18 @@
               <a:t> </a:t>
             </a:r>
             <a:r>
+              <a:rPr lang="fr-FR" sz="2800" b="1" dirty="0" err="1">
+                <a:solidFill>
+                  <a:srgbClr val="00B050"/>
+                </a:solidFill>
+                <a:latin typeface="Roboto" panose="02000000000000000000" pitchFamily="2" charset="0"/>
+                <a:ea typeface="Roboto" panose="02000000000000000000" pitchFamily="2" charset="0"/>
+              </a:rPr>
+              <a:t>easy</a:t>
+            </a:r>
+            <a:r>
               <a:rPr lang="fr-FR" sz="2800" b="1" dirty="0">
                 <a:solidFill>
-                  <a:srgbClr val="FF0000"/>
-                </a:solidFill>
-                <a:latin typeface="Roboto" panose="02000000000000000000" pitchFamily="2" charset="0"/>
-                <a:ea typeface="Roboto" panose="02000000000000000000" pitchFamily="2" charset="0"/>
-              </a:rPr>
-              <a:t>hard</a:t>
-            </a:r>
-            <a:r>
-              <a:rPr lang="fr-FR" sz="2800" b="1" dirty="0">
-                <a:solidFill>
                   <a:schemeClr val="tx1"/>
                 </a:solidFill>
                 <a:latin typeface="Roboto" panose="02000000000000000000" pitchFamily="2" charset="0"/>
@@ -5446,371 +6559,7 @@
                 <a:latin typeface="Roboto" panose="02000000000000000000" pitchFamily="2" charset="0"/>
                 <a:ea typeface="Roboto" panose="02000000000000000000" pitchFamily="2" charset="0"/>
               </a:rPr>
-              <a:t> </a:t>
-            </a:r>
-            <a:r>
-              <a:rPr lang="fr-FR" sz="1600" dirty="0" err="1">
-                <a:solidFill>
-                  <a:schemeClr val="tx1"/>
-                </a:solidFill>
-                <a:latin typeface="Roboto" panose="02000000000000000000" pitchFamily="2" charset="0"/>
-                <a:ea typeface="Roboto" panose="02000000000000000000" pitchFamily="2" charset="0"/>
-              </a:rPr>
-              <a:t>only</a:t>
-            </a:r>
-            <a:r>
-              <a:rPr lang="fr-FR" sz="1600" dirty="0">
-                <a:solidFill>
-                  <a:schemeClr val="tx1"/>
-                </a:solidFill>
-                <a:latin typeface="Roboto" panose="02000000000000000000" pitchFamily="2" charset="0"/>
-                <a:ea typeface="Roboto" panose="02000000000000000000" pitchFamily="2" charset="0"/>
-              </a:rPr>
-              <a:t> 1.1 times longer)</a:t>
-            </a:r>
-          </a:p>
-          <a:p>
-            <a:pPr marL="457200" indent="-457200">
-              <a:buFont typeface="Wingdings" panose="05000000000000000000" pitchFamily="2" charset="2"/>
-              <a:buChar char="ü"/>
-            </a:pPr>
-            <a:r>
-              <a:rPr lang="fr-FR" sz="2800" dirty="0">
-                <a:solidFill>
-                  <a:schemeClr val="tx1"/>
-                </a:solidFill>
-                <a:latin typeface="Roboto" panose="02000000000000000000" pitchFamily="2" charset="0"/>
-                <a:ea typeface="Roboto" panose="02000000000000000000" pitchFamily="2" charset="0"/>
-              </a:rPr>
-              <a:t>Illusion </a:t>
-            </a:r>
-            <a:r>
-              <a:rPr lang="fr-FR" sz="2800" dirty="0" err="1">
-                <a:solidFill>
-                  <a:schemeClr val="tx1"/>
-                </a:solidFill>
-                <a:latin typeface="Roboto" panose="02000000000000000000" pitchFamily="2" charset="0"/>
-                <a:ea typeface="Roboto" panose="02000000000000000000" pitchFamily="2" charset="0"/>
-              </a:rPr>
-              <a:t>Strength</a:t>
-            </a:r>
-            <a:r>
-              <a:rPr lang="fr-FR" sz="2800" dirty="0">
-                <a:solidFill>
-                  <a:schemeClr val="tx1"/>
-                </a:solidFill>
-                <a:latin typeface="Roboto" panose="02000000000000000000" pitchFamily="2" charset="0"/>
-                <a:ea typeface="Roboto" panose="02000000000000000000" pitchFamily="2" charset="0"/>
-              </a:rPr>
-              <a:t>:</a:t>
-            </a:r>
-            <a:r>
-              <a:rPr lang="fr-FR" sz="2800" b="1" dirty="0">
-                <a:solidFill>
-                  <a:schemeClr val="tx1"/>
-                </a:solidFill>
-                <a:latin typeface="Roboto" panose="02000000000000000000" pitchFamily="2" charset="0"/>
-                <a:ea typeface="Roboto" panose="02000000000000000000" pitchFamily="2" charset="0"/>
-              </a:rPr>
-              <a:t> </a:t>
-            </a:r>
-            <a:r>
-              <a:rPr lang="fr-FR" sz="2800" b="1" dirty="0" err="1">
-                <a:solidFill>
-                  <a:srgbClr val="0070C0"/>
-                </a:solidFill>
-                <a:latin typeface="Roboto" panose="02000000000000000000" pitchFamily="2" charset="0"/>
-                <a:ea typeface="Roboto" panose="02000000000000000000" pitchFamily="2" charset="0"/>
-              </a:rPr>
-              <a:t>weak</a:t>
-            </a:r>
-            <a:r>
-              <a:rPr lang="fr-FR" sz="2800" b="1" dirty="0">
-                <a:solidFill>
-                  <a:schemeClr val="tx1"/>
-                </a:solidFill>
-                <a:latin typeface="Roboto" panose="02000000000000000000" pitchFamily="2" charset="0"/>
-                <a:ea typeface="Roboto" panose="02000000000000000000" pitchFamily="2" charset="0"/>
-              </a:rPr>
-              <a:t> </a:t>
-            </a:r>
-          </a:p>
-          <a:p>
-            <a:r>
-              <a:rPr lang="fr-FR" sz="1600" dirty="0">
-                <a:solidFill>
-                  <a:schemeClr val="tx1"/>
-                </a:solidFill>
-                <a:latin typeface="Roboto" panose="02000000000000000000" pitchFamily="2" charset="0"/>
-                <a:ea typeface="Roboto" panose="02000000000000000000" pitchFamily="2" charset="0"/>
-              </a:rPr>
-              <a:t>	(angle </a:t>
-            </a:r>
-            <a:r>
-              <a:rPr lang="fr-FR" sz="1600" dirty="0" err="1">
-                <a:solidFill>
-                  <a:schemeClr val="tx1"/>
-                </a:solidFill>
-                <a:latin typeface="Roboto" panose="02000000000000000000" pitchFamily="2" charset="0"/>
-                <a:ea typeface="Roboto" panose="02000000000000000000" pitchFamily="2" charset="0"/>
-              </a:rPr>
-              <a:t>is</a:t>
-            </a:r>
-            <a:r>
-              <a:rPr lang="fr-FR" sz="1600" dirty="0">
-                <a:solidFill>
-                  <a:schemeClr val="tx1"/>
-                </a:solidFill>
-                <a:latin typeface="Roboto" panose="02000000000000000000" pitchFamily="2" charset="0"/>
-                <a:ea typeface="Roboto" panose="02000000000000000000" pitchFamily="2" charset="0"/>
-              </a:rPr>
-              <a:t> flat)</a:t>
-            </a:r>
-          </a:p>
-          <a:p>
-            <a:pPr marL="457200" indent="-457200">
-              <a:buFont typeface="Arial" panose="020B0604020202020204" pitchFamily="34" charset="0"/>
-              <a:buChar char="←"/>
-            </a:pPr>
-            <a:r>
-              <a:rPr lang="fr-FR" sz="2800" dirty="0">
-                <a:solidFill>
-                  <a:schemeClr val="tx1"/>
-                </a:solidFill>
-                <a:latin typeface="Roboto" panose="02000000000000000000" pitchFamily="2" charset="0"/>
-                <a:ea typeface="Roboto" panose="02000000000000000000" pitchFamily="2" charset="0"/>
-              </a:rPr>
-              <a:t>Illusion Direction </a:t>
-            </a:r>
-            <a:r>
-              <a:rPr lang="fr-FR" sz="2800" i="1" dirty="0">
-                <a:solidFill>
-                  <a:schemeClr val="tx1"/>
-                </a:solidFill>
-                <a:latin typeface="Roboto" panose="02000000000000000000" pitchFamily="2" charset="0"/>
-                <a:ea typeface="Roboto" panose="02000000000000000000" pitchFamily="2" charset="0"/>
-              </a:rPr>
-              <a:t>(</a:t>
-            </a:r>
-            <a:r>
-              <a:rPr lang="fr-FR" sz="2800" i="1" dirty="0" err="1">
-                <a:solidFill>
-                  <a:schemeClr val="tx1"/>
-                </a:solidFill>
-                <a:latin typeface="Roboto" panose="02000000000000000000" pitchFamily="2" charset="0"/>
-                <a:ea typeface="Roboto" panose="02000000000000000000" pitchFamily="2" charset="0"/>
-              </a:rPr>
-              <a:t>left</a:t>
-            </a:r>
-            <a:r>
-              <a:rPr lang="fr-FR" sz="2800" i="1" dirty="0">
-                <a:solidFill>
-                  <a:schemeClr val="tx1"/>
-                </a:solidFill>
-                <a:latin typeface="Roboto" panose="02000000000000000000" pitchFamily="2" charset="0"/>
-                <a:ea typeface="Roboto" panose="02000000000000000000" pitchFamily="2" charset="0"/>
-              </a:rPr>
-              <a:t>)</a:t>
-            </a:r>
-            <a:r>
-              <a:rPr lang="fr-FR" sz="2800" dirty="0">
-                <a:solidFill>
-                  <a:schemeClr val="tx1"/>
-                </a:solidFill>
-                <a:latin typeface="Roboto" panose="02000000000000000000" pitchFamily="2" charset="0"/>
-                <a:ea typeface="Roboto" panose="02000000000000000000" pitchFamily="2" charset="0"/>
-              </a:rPr>
-              <a:t>:</a:t>
-            </a:r>
-            <a:r>
-              <a:rPr lang="fr-FR" sz="2800" b="1" dirty="0">
-                <a:solidFill>
-                  <a:schemeClr val="tx1"/>
-                </a:solidFill>
-                <a:latin typeface="Roboto" panose="02000000000000000000" pitchFamily="2" charset="0"/>
-                <a:ea typeface="Roboto" panose="02000000000000000000" pitchFamily="2" charset="0"/>
-              </a:rPr>
-              <a:t> incongruent</a:t>
-            </a:r>
-          </a:p>
-          <a:p>
-            <a:r>
-              <a:rPr lang="fr-FR" sz="1600" dirty="0">
-                <a:solidFill>
-                  <a:schemeClr val="tx1"/>
-                </a:solidFill>
-                <a:latin typeface="Roboto" panose="02000000000000000000" pitchFamily="2" charset="0"/>
-                <a:ea typeface="Roboto" panose="02000000000000000000" pitchFamily="2" charset="0"/>
-              </a:rPr>
-              <a:t>	(the illusion </a:t>
-            </a:r>
-            <a:r>
-              <a:rPr lang="fr-FR" sz="1600" dirty="0" err="1">
-                <a:solidFill>
-                  <a:schemeClr val="tx1"/>
-                </a:solidFill>
-                <a:latin typeface="Roboto" panose="02000000000000000000" pitchFamily="2" charset="0"/>
-                <a:ea typeface="Roboto" panose="02000000000000000000" pitchFamily="2" charset="0"/>
-              </a:rPr>
-              <a:t>makes</a:t>
-            </a:r>
-            <a:r>
-              <a:rPr lang="fr-FR" sz="1600" dirty="0">
-                <a:solidFill>
-                  <a:schemeClr val="tx1"/>
-                </a:solidFill>
-                <a:latin typeface="Roboto" panose="02000000000000000000" pitchFamily="2" charset="0"/>
-                <a:ea typeface="Roboto" panose="02000000000000000000" pitchFamily="2" charset="0"/>
-              </a:rPr>
-              <a:t> the </a:t>
-            </a:r>
-            <a:r>
-              <a:rPr lang="fr-FR" sz="1600" dirty="0" err="1">
-                <a:solidFill>
-                  <a:schemeClr val="tx1"/>
-                </a:solidFill>
-                <a:latin typeface="Roboto" panose="02000000000000000000" pitchFamily="2" charset="0"/>
-                <a:ea typeface="Roboto" panose="02000000000000000000" pitchFamily="2" charset="0"/>
-              </a:rPr>
-              <a:t>task</a:t>
-            </a:r>
-            <a:r>
-              <a:rPr lang="fr-FR" sz="1600" dirty="0">
-                <a:solidFill>
-                  <a:schemeClr val="tx1"/>
-                </a:solidFill>
-                <a:latin typeface="Roboto" panose="02000000000000000000" pitchFamily="2" charset="0"/>
-                <a:ea typeface="Roboto" panose="02000000000000000000" pitchFamily="2" charset="0"/>
-              </a:rPr>
-              <a:t> harder)</a:t>
-            </a:r>
-          </a:p>
-          <a:p>
-            <a:pPr marL="457200" indent="-457200">
-              <a:buFont typeface="Arial" panose="020B0604020202020204" pitchFamily="34" charset="0"/>
-              <a:buChar char="→"/>
-            </a:pPr>
-            <a:r>
-              <a:rPr lang="fr-FR" sz="2800" dirty="0">
-                <a:solidFill>
-                  <a:schemeClr val="tx1"/>
-                </a:solidFill>
-                <a:latin typeface="Roboto" panose="02000000000000000000" pitchFamily="2" charset="0"/>
-                <a:ea typeface="Roboto" panose="02000000000000000000" pitchFamily="2" charset="0"/>
-              </a:rPr>
-              <a:t>Illusion Direction </a:t>
-            </a:r>
-            <a:r>
-              <a:rPr lang="fr-FR" sz="2800" i="1" dirty="0">
-                <a:solidFill>
-                  <a:schemeClr val="tx1"/>
-                </a:solidFill>
-                <a:latin typeface="Roboto" panose="02000000000000000000" pitchFamily="2" charset="0"/>
-                <a:ea typeface="Roboto" panose="02000000000000000000" pitchFamily="2" charset="0"/>
-              </a:rPr>
-              <a:t>(right)</a:t>
-            </a:r>
-            <a:r>
-              <a:rPr lang="fr-FR" sz="2800" dirty="0">
-                <a:solidFill>
-                  <a:schemeClr val="tx1"/>
-                </a:solidFill>
-                <a:latin typeface="Roboto" panose="02000000000000000000" pitchFamily="2" charset="0"/>
-                <a:ea typeface="Roboto" panose="02000000000000000000" pitchFamily="2" charset="0"/>
-              </a:rPr>
-              <a:t>:</a:t>
-            </a:r>
-            <a:r>
-              <a:rPr lang="fr-FR" sz="2800" b="1" dirty="0">
-                <a:solidFill>
-                  <a:schemeClr val="tx1"/>
-                </a:solidFill>
-                <a:latin typeface="Roboto" panose="02000000000000000000" pitchFamily="2" charset="0"/>
-                <a:ea typeface="Roboto" panose="02000000000000000000" pitchFamily="2" charset="0"/>
-              </a:rPr>
-              <a:t> congruent</a:t>
-            </a:r>
-          </a:p>
-          <a:p>
-            <a:r>
-              <a:rPr lang="fr-FR" sz="1600" b="1" dirty="0">
-                <a:solidFill>
-                  <a:schemeClr val="tx1"/>
-                </a:solidFill>
-                <a:latin typeface="Roboto" panose="02000000000000000000" pitchFamily="2" charset="0"/>
-                <a:ea typeface="Roboto" panose="02000000000000000000" pitchFamily="2" charset="0"/>
-              </a:rPr>
-              <a:t>	</a:t>
-            </a:r>
-            <a:r>
-              <a:rPr lang="fr-FR" sz="1600" dirty="0">
-                <a:solidFill>
-                  <a:schemeClr val="tx1"/>
-                </a:solidFill>
-                <a:latin typeface="Roboto" panose="02000000000000000000" pitchFamily="2" charset="0"/>
-                <a:ea typeface="Roboto" panose="02000000000000000000" pitchFamily="2" charset="0"/>
-              </a:rPr>
-              <a:t>(the illusion </a:t>
-            </a:r>
-            <a:r>
-              <a:rPr lang="fr-FR" sz="1600" dirty="0" err="1">
-                <a:solidFill>
-                  <a:schemeClr val="tx1"/>
-                </a:solidFill>
-                <a:latin typeface="Roboto" panose="02000000000000000000" pitchFamily="2" charset="0"/>
-                <a:ea typeface="Roboto" panose="02000000000000000000" pitchFamily="2" charset="0"/>
-              </a:rPr>
-              <a:t>makes</a:t>
-            </a:r>
-            <a:r>
-              <a:rPr lang="fr-FR" sz="1600" dirty="0">
-                <a:solidFill>
-                  <a:schemeClr val="tx1"/>
-                </a:solidFill>
-                <a:latin typeface="Roboto" panose="02000000000000000000" pitchFamily="2" charset="0"/>
-                <a:ea typeface="Roboto" panose="02000000000000000000" pitchFamily="2" charset="0"/>
-              </a:rPr>
-              <a:t> the </a:t>
-            </a:r>
-            <a:r>
-              <a:rPr lang="fr-FR" sz="1600" dirty="0" err="1">
-                <a:solidFill>
-                  <a:schemeClr val="tx1"/>
-                </a:solidFill>
-                <a:latin typeface="Roboto" panose="02000000000000000000" pitchFamily="2" charset="0"/>
-                <a:ea typeface="Roboto" panose="02000000000000000000" pitchFamily="2" charset="0"/>
-              </a:rPr>
-              <a:t>task</a:t>
-            </a:r>
-            <a:r>
-              <a:rPr lang="fr-FR" sz="1600" dirty="0">
-                <a:solidFill>
-                  <a:schemeClr val="tx1"/>
-                </a:solidFill>
-                <a:latin typeface="Roboto" panose="02000000000000000000" pitchFamily="2" charset="0"/>
-                <a:ea typeface="Roboto" panose="02000000000000000000" pitchFamily="2" charset="0"/>
-              </a:rPr>
-              <a:t> </a:t>
-            </a:r>
-            <a:r>
-              <a:rPr lang="fr-FR" sz="1600" dirty="0" err="1">
-                <a:solidFill>
-                  <a:schemeClr val="tx1"/>
-                </a:solidFill>
-                <a:latin typeface="Roboto" panose="02000000000000000000" pitchFamily="2" charset="0"/>
-                <a:ea typeface="Roboto" panose="02000000000000000000" pitchFamily="2" charset="0"/>
-              </a:rPr>
-              <a:t>easier</a:t>
-            </a:r>
-            <a:r>
-              <a:rPr lang="fr-FR" sz="1600" dirty="0">
-                <a:solidFill>
-                  <a:schemeClr val="tx1"/>
-                </a:solidFill>
-                <a:latin typeface="Roboto" panose="02000000000000000000" pitchFamily="2" charset="0"/>
-                <a:ea typeface="Roboto" panose="02000000000000000000" pitchFamily="2" charset="0"/>
-              </a:rPr>
-              <a:t>)</a:t>
+              <a:t> 2 times longer)</a:t>
             </a:r>
           </a:p>
           <a:p>
@@ -5823,11 +6572,1426 @@
             </a:endParaRPr>
           </a:p>
           <a:p>
+            <a:pPr marL="457200" indent="-457200">
+              <a:buFont typeface="Wingdings" panose="05000000000000000000" pitchFamily="2" charset="2"/>
+              <a:buChar char="v"/>
+            </a:pPr>
+            <a:r>
+              <a:rPr lang="fr-FR" sz="2800" dirty="0">
+                <a:solidFill>
+                  <a:schemeClr val="tx1"/>
+                </a:solidFill>
+                <a:latin typeface="Roboto" panose="02000000000000000000" pitchFamily="2" charset="0"/>
+                <a:ea typeface="Roboto" panose="02000000000000000000" pitchFamily="2" charset="0"/>
+              </a:rPr>
+              <a:t>Illusion </a:t>
+            </a:r>
+            <a:r>
+              <a:rPr lang="fr-FR" sz="2800" dirty="0" err="1">
+                <a:solidFill>
+                  <a:schemeClr val="tx1"/>
+                </a:solidFill>
+                <a:latin typeface="Roboto" panose="02000000000000000000" pitchFamily="2" charset="0"/>
+                <a:ea typeface="Roboto" panose="02000000000000000000" pitchFamily="2" charset="0"/>
+              </a:rPr>
+              <a:t>Strength</a:t>
+            </a:r>
+            <a:r>
+              <a:rPr lang="fr-FR" sz="2800" dirty="0">
+                <a:solidFill>
+                  <a:schemeClr val="tx1"/>
+                </a:solidFill>
+                <a:latin typeface="Roboto" panose="02000000000000000000" pitchFamily="2" charset="0"/>
+                <a:ea typeface="Roboto" panose="02000000000000000000" pitchFamily="2" charset="0"/>
+              </a:rPr>
+              <a:t>:</a:t>
+            </a:r>
+            <a:r>
+              <a:rPr lang="fr-FR" sz="2800" b="1" dirty="0">
+                <a:solidFill>
+                  <a:schemeClr val="tx1"/>
+                </a:solidFill>
+                <a:latin typeface="Roboto" panose="02000000000000000000" pitchFamily="2" charset="0"/>
+                <a:ea typeface="Roboto" panose="02000000000000000000" pitchFamily="2" charset="0"/>
+              </a:rPr>
+              <a:t> </a:t>
+            </a:r>
+            <a:r>
+              <a:rPr lang="fr-FR" sz="2800" b="1" dirty="0" err="1">
+                <a:solidFill>
+                  <a:srgbClr val="7030A0"/>
+                </a:solidFill>
+                <a:latin typeface="Roboto" panose="02000000000000000000" pitchFamily="2" charset="0"/>
+                <a:ea typeface="Roboto" panose="02000000000000000000" pitchFamily="2" charset="0"/>
+              </a:rPr>
+              <a:t>strong</a:t>
+            </a:r>
+            <a:r>
+              <a:rPr lang="fr-FR" sz="2800" b="1" dirty="0">
+                <a:solidFill>
+                  <a:schemeClr val="tx1"/>
+                </a:solidFill>
+                <a:latin typeface="Roboto" panose="02000000000000000000" pitchFamily="2" charset="0"/>
+                <a:ea typeface="Roboto" panose="02000000000000000000" pitchFamily="2" charset="0"/>
+              </a:rPr>
+              <a:t> </a:t>
+            </a:r>
+          </a:p>
+          <a:p>
+            <a:r>
+              <a:rPr lang="fr-FR" sz="1600" dirty="0">
+                <a:solidFill>
+                  <a:schemeClr val="tx1"/>
+                </a:solidFill>
+                <a:latin typeface="Roboto" panose="02000000000000000000" pitchFamily="2" charset="0"/>
+                <a:ea typeface="Roboto" panose="02000000000000000000" pitchFamily="2" charset="0"/>
+              </a:rPr>
+              <a:t>	(angle </a:t>
+            </a:r>
+            <a:r>
+              <a:rPr lang="fr-FR" sz="1600" dirty="0" err="1">
+                <a:solidFill>
+                  <a:schemeClr val="tx1"/>
+                </a:solidFill>
+                <a:latin typeface="Roboto" panose="02000000000000000000" pitchFamily="2" charset="0"/>
+                <a:ea typeface="Roboto" panose="02000000000000000000" pitchFamily="2" charset="0"/>
+              </a:rPr>
+              <a:t>is</a:t>
+            </a:r>
+            <a:r>
+              <a:rPr lang="fr-FR" sz="1600" dirty="0">
+                <a:solidFill>
+                  <a:schemeClr val="tx1"/>
+                </a:solidFill>
+                <a:latin typeface="Roboto" panose="02000000000000000000" pitchFamily="2" charset="0"/>
+                <a:ea typeface="Roboto" panose="02000000000000000000" pitchFamily="2" charset="0"/>
+              </a:rPr>
+              <a:t> </a:t>
+            </a:r>
+            <a:r>
+              <a:rPr lang="fr-FR" sz="1600" dirty="0" err="1">
+                <a:solidFill>
+                  <a:schemeClr val="tx1"/>
+                </a:solidFill>
+                <a:latin typeface="Roboto" panose="02000000000000000000" pitchFamily="2" charset="0"/>
+                <a:ea typeface="Roboto" panose="02000000000000000000" pitchFamily="2" charset="0"/>
+              </a:rPr>
+              <a:t>sharp</a:t>
+            </a:r>
+            <a:r>
+              <a:rPr lang="fr-FR" sz="1600" dirty="0">
+                <a:solidFill>
+                  <a:schemeClr val="tx1"/>
+                </a:solidFill>
+                <a:latin typeface="Roboto" panose="02000000000000000000" pitchFamily="2" charset="0"/>
+                <a:ea typeface="Roboto" panose="02000000000000000000" pitchFamily="2" charset="0"/>
+              </a:rPr>
+              <a:t>)</a:t>
+            </a:r>
+          </a:p>
+          <a:p>
             <a:pPr marL="571500" indent="-571500">
               <a:buFont typeface="Arial" panose="020B0604020202020204" pitchFamily="34" charset="0"/>
               <a:buChar char="•"/>
             </a:pPr>
             <a:endParaRPr lang="en-GB" sz="1600" b="1" dirty="0">
+              <a:solidFill>
+                <a:schemeClr val="tx1"/>
+              </a:solidFill>
+              <a:latin typeface="Roboto" panose="02000000000000000000" pitchFamily="2" charset="0"/>
+              <a:ea typeface="Roboto" panose="02000000000000000000" pitchFamily="2" charset="0"/>
+            </a:endParaRPr>
+          </a:p>
+        </p:txBody>
+      </p:sp>
+      <p:sp>
+        <p:nvSpPr>
+          <p:cNvPr id="27" name="Rectangle 26">
+            <a:extLst>
+              <a:ext uri="{FF2B5EF4-FFF2-40B4-BE49-F238E27FC236}">
+                <a16:creationId xmlns:a16="http://schemas.microsoft.com/office/drawing/2014/main" id="{8232273A-5A44-C7DB-8410-E9E397363EDF}"/>
+              </a:ext>
+            </a:extLst>
+          </p:cNvPr>
+          <p:cNvSpPr/>
+          <p:nvPr/>
+        </p:nvSpPr>
+        <p:spPr>
+          <a:xfrm>
+            <a:off x="13781047" y="7856891"/>
+            <a:ext cx="4022989" cy="3434553"/>
+          </a:xfrm>
+          <a:prstGeom prst="rect">
+            <a:avLst/>
+          </a:prstGeom>
+          <a:noFill/>
+          <a:ln>
+            <a:noFill/>
+          </a:ln>
+        </p:spPr>
+        <p:style>
+          <a:lnRef idx="0">
+            <a:scrgbClr r="0" g="0" b="0"/>
+          </a:lnRef>
+          <a:fillRef idx="0">
+            <a:scrgbClr r="0" g="0" b="0"/>
+          </a:fillRef>
+          <a:effectRef idx="0">
+            <a:scrgbClr r="0" g="0" b="0"/>
+          </a:effectRef>
+          <a:fontRef idx="minor">
+            <a:schemeClr val="dk1"/>
+          </a:fontRef>
+        </p:style>
+        <p:txBody>
+          <a:bodyPr rtlCol="0" anchor="ctr"/>
+          <a:lstStyle/>
+          <a:p>
+            <a:pPr marL="571500" indent="-571500">
+              <a:buFont typeface="Arial" panose="020B0604020202020204" pitchFamily="34" charset="0"/>
+              <a:buChar char="•"/>
+            </a:pPr>
+            <a:endParaRPr lang="en-GB" sz="1600" b="1" dirty="0">
+              <a:solidFill>
+                <a:schemeClr val="tx1"/>
+              </a:solidFill>
+              <a:latin typeface="Gill Sans MT" panose="020B0502020104020203" pitchFamily="34" charset="0"/>
+              <a:ea typeface="Roboto Medium" panose="02000000000000000000" pitchFamily="2" charset="0"/>
+            </a:endParaRPr>
+          </a:p>
+        </p:txBody>
+      </p:sp>
+      <p:sp>
+        <p:nvSpPr>
+          <p:cNvPr id="30" name="Rectangle 29">
+            <a:extLst>
+              <a:ext uri="{FF2B5EF4-FFF2-40B4-BE49-F238E27FC236}">
+                <a16:creationId xmlns:a16="http://schemas.microsoft.com/office/drawing/2014/main" id="{731D7872-DEF2-4E1D-8574-07AD08BD0BA9}"/>
+              </a:ext>
+            </a:extLst>
+          </p:cNvPr>
+          <p:cNvSpPr/>
+          <p:nvPr/>
+        </p:nvSpPr>
+        <p:spPr>
+          <a:xfrm>
+            <a:off x="4465619" y="13861595"/>
+            <a:ext cx="7032063" cy="3355413"/>
+          </a:xfrm>
+          <a:prstGeom prst="rect">
+            <a:avLst/>
+          </a:prstGeom>
+          <a:noFill/>
+          <a:ln>
+            <a:noFill/>
+          </a:ln>
+        </p:spPr>
+        <p:style>
+          <a:lnRef idx="0">
+            <a:scrgbClr r="0" g="0" b="0"/>
+          </a:lnRef>
+          <a:fillRef idx="0">
+            <a:scrgbClr r="0" g="0" b="0"/>
+          </a:fillRef>
+          <a:effectRef idx="0">
+            <a:scrgbClr r="0" g="0" b="0"/>
+          </a:effectRef>
+          <a:fontRef idx="minor">
+            <a:schemeClr val="dk1"/>
+          </a:fontRef>
+        </p:style>
+        <p:txBody>
+          <a:bodyPr rtlCol="0" anchor="ctr"/>
+          <a:lstStyle/>
+          <a:p>
+            <a:pPr marL="457200" indent="-457200">
+              <a:buFont typeface="Wingdings" panose="05000000000000000000" pitchFamily="2" charset="2"/>
+              <a:buChar char="v"/>
+            </a:pPr>
+            <a:r>
+              <a:rPr lang="fr-FR" sz="2800" dirty="0" err="1">
+                <a:solidFill>
+                  <a:schemeClr val="tx1"/>
+                </a:solidFill>
+                <a:latin typeface="Roboto" panose="02000000000000000000" pitchFamily="2" charset="0"/>
+                <a:ea typeface="Roboto" panose="02000000000000000000" pitchFamily="2" charset="0"/>
+              </a:rPr>
+              <a:t>Task</a:t>
+            </a:r>
+            <a:r>
+              <a:rPr lang="fr-FR" sz="2800" dirty="0">
+                <a:solidFill>
+                  <a:schemeClr val="tx1"/>
+                </a:solidFill>
+                <a:latin typeface="Roboto" panose="02000000000000000000" pitchFamily="2" charset="0"/>
+                <a:ea typeface="Roboto" panose="02000000000000000000" pitchFamily="2" charset="0"/>
+              </a:rPr>
+              <a:t> </a:t>
+            </a:r>
+            <a:r>
+              <a:rPr lang="fr-FR" sz="2800" dirty="0" err="1">
+                <a:solidFill>
+                  <a:schemeClr val="tx1"/>
+                </a:solidFill>
+                <a:latin typeface="Roboto" panose="02000000000000000000" pitchFamily="2" charset="0"/>
+                <a:ea typeface="Roboto" panose="02000000000000000000" pitchFamily="2" charset="0"/>
+              </a:rPr>
+              <a:t>difficulty</a:t>
+            </a:r>
+            <a:r>
+              <a:rPr lang="fr-FR" sz="2800" dirty="0">
+                <a:solidFill>
+                  <a:schemeClr val="tx1"/>
+                </a:solidFill>
+                <a:latin typeface="Roboto" panose="02000000000000000000" pitchFamily="2" charset="0"/>
+                <a:ea typeface="Roboto" panose="02000000000000000000" pitchFamily="2" charset="0"/>
+              </a:rPr>
+              <a:t>:</a:t>
+            </a:r>
+            <a:r>
+              <a:rPr lang="fr-FR" sz="2800" b="1" dirty="0">
+                <a:solidFill>
+                  <a:schemeClr val="tx1"/>
+                </a:solidFill>
+                <a:latin typeface="Roboto" panose="02000000000000000000" pitchFamily="2" charset="0"/>
+                <a:ea typeface="Roboto" panose="02000000000000000000" pitchFamily="2" charset="0"/>
+              </a:rPr>
+              <a:t> </a:t>
+            </a:r>
+            <a:r>
+              <a:rPr lang="fr-FR" sz="2800" b="1" dirty="0">
+                <a:solidFill>
+                  <a:srgbClr val="FF0000"/>
+                </a:solidFill>
+                <a:latin typeface="Roboto" panose="02000000000000000000" pitchFamily="2" charset="0"/>
+                <a:ea typeface="Roboto" panose="02000000000000000000" pitchFamily="2" charset="0"/>
+              </a:rPr>
+              <a:t>hard</a:t>
+            </a:r>
+            <a:r>
+              <a:rPr lang="fr-FR" sz="2800" b="1" dirty="0">
+                <a:solidFill>
+                  <a:schemeClr val="tx1"/>
+                </a:solidFill>
+                <a:latin typeface="Roboto" panose="02000000000000000000" pitchFamily="2" charset="0"/>
+                <a:ea typeface="Roboto" panose="02000000000000000000" pitchFamily="2" charset="0"/>
+              </a:rPr>
+              <a:t> </a:t>
+            </a:r>
+          </a:p>
+          <a:p>
+            <a:r>
+              <a:rPr lang="fr-FR" sz="1600" dirty="0">
+                <a:solidFill>
+                  <a:schemeClr val="tx1"/>
+                </a:solidFill>
+                <a:latin typeface="Roboto" panose="02000000000000000000" pitchFamily="2" charset="0"/>
+                <a:ea typeface="Roboto" panose="02000000000000000000" pitchFamily="2" charset="0"/>
+              </a:rPr>
+              <a:t>	(top line </a:t>
+            </a:r>
+            <a:r>
+              <a:rPr lang="fr-FR" sz="1600" dirty="0" err="1">
+                <a:solidFill>
+                  <a:schemeClr val="tx1"/>
+                </a:solidFill>
+                <a:latin typeface="Roboto" panose="02000000000000000000" pitchFamily="2" charset="0"/>
+                <a:ea typeface="Roboto" panose="02000000000000000000" pitchFamily="2" charset="0"/>
+              </a:rPr>
+              <a:t>is</a:t>
+            </a:r>
+            <a:r>
+              <a:rPr lang="fr-FR" sz="1600" dirty="0">
+                <a:solidFill>
+                  <a:schemeClr val="tx1"/>
+                </a:solidFill>
+                <a:latin typeface="Roboto" panose="02000000000000000000" pitchFamily="2" charset="0"/>
+                <a:ea typeface="Roboto" panose="02000000000000000000" pitchFamily="2" charset="0"/>
+              </a:rPr>
+              <a:t> </a:t>
+            </a:r>
+            <a:r>
+              <a:rPr lang="fr-FR" sz="1600" dirty="0" err="1">
+                <a:solidFill>
+                  <a:schemeClr val="tx1"/>
+                </a:solidFill>
+                <a:latin typeface="Roboto" panose="02000000000000000000" pitchFamily="2" charset="0"/>
+                <a:ea typeface="Roboto" panose="02000000000000000000" pitchFamily="2" charset="0"/>
+              </a:rPr>
+              <a:t>only</a:t>
+            </a:r>
+            <a:r>
+              <a:rPr lang="fr-FR" sz="1600" dirty="0">
+                <a:solidFill>
+                  <a:schemeClr val="tx1"/>
+                </a:solidFill>
+                <a:latin typeface="Roboto" panose="02000000000000000000" pitchFamily="2" charset="0"/>
+                <a:ea typeface="Roboto" panose="02000000000000000000" pitchFamily="2" charset="0"/>
+              </a:rPr>
+              <a:t> 1.1 times longer)</a:t>
+            </a:r>
+          </a:p>
+          <a:p>
+            <a:endParaRPr lang="fr-FR" sz="1600" dirty="0">
+              <a:solidFill>
+                <a:schemeClr val="tx1"/>
+              </a:solidFill>
+              <a:latin typeface="Roboto" panose="02000000000000000000" pitchFamily="2" charset="0"/>
+              <a:ea typeface="Roboto" panose="02000000000000000000" pitchFamily="2" charset="0"/>
+            </a:endParaRPr>
+          </a:p>
+          <a:p>
+            <a:pPr marL="457200" indent="-457200">
+              <a:buFont typeface="Wingdings" panose="05000000000000000000" pitchFamily="2" charset="2"/>
+              <a:buChar char="v"/>
+            </a:pPr>
+            <a:r>
+              <a:rPr lang="fr-FR" sz="2800" dirty="0">
+                <a:solidFill>
+                  <a:schemeClr val="tx1"/>
+                </a:solidFill>
+                <a:latin typeface="Roboto" panose="02000000000000000000" pitchFamily="2" charset="0"/>
+                <a:ea typeface="Roboto" panose="02000000000000000000" pitchFamily="2" charset="0"/>
+              </a:rPr>
+              <a:t>Illusion </a:t>
+            </a:r>
+            <a:r>
+              <a:rPr lang="fr-FR" sz="2800" dirty="0" err="1">
+                <a:solidFill>
+                  <a:schemeClr val="tx1"/>
+                </a:solidFill>
+                <a:latin typeface="Roboto" panose="02000000000000000000" pitchFamily="2" charset="0"/>
+                <a:ea typeface="Roboto" panose="02000000000000000000" pitchFamily="2" charset="0"/>
+              </a:rPr>
+              <a:t>Strength</a:t>
+            </a:r>
+            <a:r>
+              <a:rPr lang="fr-FR" sz="2800" dirty="0">
+                <a:solidFill>
+                  <a:schemeClr val="tx1"/>
+                </a:solidFill>
+                <a:latin typeface="Roboto" panose="02000000000000000000" pitchFamily="2" charset="0"/>
+                <a:ea typeface="Roboto" panose="02000000000000000000" pitchFamily="2" charset="0"/>
+              </a:rPr>
+              <a:t>:</a:t>
+            </a:r>
+            <a:r>
+              <a:rPr lang="fr-FR" sz="2800" b="1" dirty="0">
+                <a:solidFill>
+                  <a:schemeClr val="tx1"/>
+                </a:solidFill>
+                <a:latin typeface="Roboto" panose="02000000000000000000" pitchFamily="2" charset="0"/>
+                <a:ea typeface="Roboto" panose="02000000000000000000" pitchFamily="2" charset="0"/>
+              </a:rPr>
+              <a:t> </a:t>
+            </a:r>
+            <a:r>
+              <a:rPr lang="fr-FR" sz="2800" b="1" dirty="0" err="1">
+                <a:solidFill>
+                  <a:srgbClr val="0070C0"/>
+                </a:solidFill>
+                <a:latin typeface="Roboto" panose="02000000000000000000" pitchFamily="2" charset="0"/>
+                <a:ea typeface="Roboto" panose="02000000000000000000" pitchFamily="2" charset="0"/>
+              </a:rPr>
+              <a:t>weak</a:t>
+            </a:r>
+            <a:r>
+              <a:rPr lang="fr-FR" sz="2800" b="1" dirty="0">
+                <a:solidFill>
+                  <a:schemeClr val="tx1"/>
+                </a:solidFill>
+                <a:latin typeface="Roboto" panose="02000000000000000000" pitchFamily="2" charset="0"/>
+                <a:ea typeface="Roboto" panose="02000000000000000000" pitchFamily="2" charset="0"/>
+              </a:rPr>
+              <a:t> </a:t>
+            </a:r>
+          </a:p>
+          <a:p>
+            <a:r>
+              <a:rPr lang="fr-FR" sz="1600" dirty="0">
+                <a:solidFill>
+                  <a:schemeClr val="tx1"/>
+                </a:solidFill>
+                <a:latin typeface="Roboto" panose="02000000000000000000" pitchFamily="2" charset="0"/>
+                <a:ea typeface="Roboto" panose="02000000000000000000" pitchFamily="2" charset="0"/>
+              </a:rPr>
+              <a:t>	(angle </a:t>
+            </a:r>
+            <a:r>
+              <a:rPr lang="fr-FR" sz="1600" dirty="0" err="1">
+                <a:solidFill>
+                  <a:schemeClr val="tx1"/>
+                </a:solidFill>
+                <a:latin typeface="Roboto" panose="02000000000000000000" pitchFamily="2" charset="0"/>
+                <a:ea typeface="Roboto" panose="02000000000000000000" pitchFamily="2" charset="0"/>
+              </a:rPr>
+              <a:t>is</a:t>
+            </a:r>
+            <a:r>
+              <a:rPr lang="fr-FR" sz="1600" dirty="0">
+                <a:solidFill>
+                  <a:schemeClr val="tx1"/>
+                </a:solidFill>
+                <a:latin typeface="Roboto" panose="02000000000000000000" pitchFamily="2" charset="0"/>
+                <a:ea typeface="Roboto" panose="02000000000000000000" pitchFamily="2" charset="0"/>
+              </a:rPr>
+              <a:t> flat)</a:t>
+            </a:r>
+          </a:p>
+          <a:p>
+            <a:pPr marL="571500" indent="-571500">
+              <a:buFont typeface="Arial" panose="020B0604020202020204" pitchFamily="34" charset="0"/>
+              <a:buChar char="•"/>
+            </a:pPr>
+            <a:endParaRPr lang="en-GB" sz="1600" b="1" dirty="0">
+              <a:solidFill>
+                <a:schemeClr val="tx1"/>
+              </a:solidFill>
+              <a:latin typeface="Roboto" panose="02000000000000000000" pitchFamily="2" charset="0"/>
+              <a:ea typeface="Roboto" panose="02000000000000000000" pitchFamily="2" charset="0"/>
+            </a:endParaRPr>
+          </a:p>
+        </p:txBody>
+      </p:sp>
+      <p:pic>
+        <p:nvPicPr>
+          <p:cNvPr id="11" name="Picture 10" descr="A picture containing clock, watch&#10;&#10;Description automatically generated">
+            <a:extLst>
+              <a:ext uri="{FF2B5EF4-FFF2-40B4-BE49-F238E27FC236}">
+                <a16:creationId xmlns:a16="http://schemas.microsoft.com/office/drawing/2014/main" id="{B2794350-2CA4-BEF0-E140-937F3EC9B6A1}"/>
+              </a:ext>
+            </a:extLst>
+          </p:cNvPr>
+          <p:cNvPicPr>
+            <a:picLocks noChangeAspect="1"/>
+          </p:cNvPicPr>
+          <p:nvPr/>
+        </p:nvPicPr>
+        <p:blipFill>
+          <a:blip r:embed="rId5">
+            <a:extLst>
+              <a:ext uri="{28A0092B-C50C-407E-A947-70E740481C1C}">
+                <a14:useLocalDpi xmlns:a14="http://schemas.microsoft.com/office/drawing/2010/main" val="0"/>
+              </a:ext>
+            </a:extLst>
+          </a:blip>
+          <a:stretch>
+            <a:fillRect/>
+          </a:stretch>
+        </p:blipFill>
+        <p:spPr>
+          <a:xfrm>
+            <a:off x="-796328" y="12933919"/>
+            <a:ext cx="4762500" cy="4762500"/>
+          </a:xfrm>
+          <a:prstGeom prst="rect">
+            <a:avLst/>
+          </a:prstGeom>
+        </p:spPr>
+      </p:pic>
+      <p:pic>
+        <p:nvPicPr>
+          <p:cNvPr id="9" name="Picture 8" descr="A picture containing clock&#10;&#10;Description automatically generated">
+            <a:extLst>
+              <a:ext uri="{FF2B5EF4-FFF2-40B4-BE49-F238E27FC236}">
+                <a16:creationId xmlns:a16="http://schemas.microsoft.com/office/drawing/2014/main" id="{4836049F-67B0-AFC9-8373-3048D21D4FE3}"/>
+              </a:ext>
+            </a:extLst>
+          </p:cNvPr>
+          <p:cNvPicPr>
+            <a:picLocks noChangeAspect="1"/>
+          </p:cNvPicPr>
+          <p:nvPr/>
+        </p:nvPicPr>
+        <p:blipFill>
+          <a:blip r:embed="rId6">
+            <a:extLst>
+              <a:ext uri="{28A0092B-C50C-407E-A947-70E740481C1C}">
+                <a14:useLocalDpi xmlns:a14="http://schemas.microsoft.com/office/drawing/2010/main" val="0"/>
+              </a:ext>
+            </a:extLst>
+          </a:blip>
+          <a:stretch>
+            <a:fillRect/>
+          </a:stretch>
+        </p:blipFill>
+        <p:spPr>
+          <a:xfrm>
+            <a:off x="10060462" y="7843423"/>
+            <a:ext cx="4762500" cy="4762500"/>
+          </a:xfrm>
+          <a:prstGeom prst="rect">
+            <a:avLst/>
+          </a:prstGeom>
+        </p:spPr>
+      </p:pic>
+      <p:sp>
+        <p:nvSpPr>
+          <p:cNvPr id="26" name="Rectangle 25">
+            <a:extLst>
+              <a:ext uri="{FF2B5EF4-FFF2-40B4-BE49-F238E27FC236}">
+                <a16:creationId xmlns:a16="http://schemas.microsoft.com/office/drawing/2014/main" id="{CB795F48-C4F6-9796-4A46-945E261F7837}"/>
+              </a:ext>
+            </a:extLst>
+          </p:cNvPr>
+          <p:cNvSpPr/>
+          <p:nvPr/>
+        </p:nvSpPr>
+        <p:spPr>
+          <a:xfrm>
+            <a:off x="0" y="7605282"/>
+            <a:ext cx="18000663" cy="917759"/>
+          </a:xfrm>
+          <a:prstGeom prst="rect">
+            <a:avLst/>
+          </a:prstGeom>
+          <a:solidFill>
+            <a:schemeClr val="tx1">
+              <a:lumMod val="50000"/>
+              <a:lumOff val="50000"/>
+            </a:schemeClr>
+          </a:solidFill>
+          <a:ln>
+            <a:noFill/>
+          </a:ln>
+        </p:spPr>
+        <p:style>
+          <a:lnRef idx="2">
+            <a:schemeClr val="accent1">
+              <a:shade val="50000"/>
+            </a:schemeClr>
+          </a:lnRef>
+          <a:fillRef idx="1">
+            <a:schemeClr val="accent1"/>
+          </a:fillRef>
+          <a:effectRef idx="0">
+            <a:schemeClr val="accent1"/>
+          </a:effectRef>
+          <a:fontRef idx="minor">
+            <a:schemeClr val="lt1"/>
+          </a:fontRef>
+        </p:style>
+        <p:txBody>
+          <a:bodyPr rtlCol="0" anchor="ctr"/>
+          <a:lstStyle/>
+          <a:p>
+            <a:pPr algn="ctr"/>
+            <a:r>
+              <a:rPr lang="fr-FR" sz="4800" b="1" dirty="0">
+                <a:solidFill>
+                  <a:schemeClr val="bg1"/>
+                </a:solidFill>
+                <a:latin typeface="Roboto" panose="02000000000000000000" pitchFamily="2" charset="0"/>
+                <a:ea typeface="Roboto" panose="02000000000000000000" pitchFamily="2" charset="0"/>
+              </a:rPr>
+              <a:t>Example of Stimuli</a:t>
+            </a:r>
+          </a:p>
+        </p:txBody>
+      </p:sp>
+      <p:pic>
+        <p:nvPicPr>
+          <p:cNvPr id="25" name="Picture 24" descr="A picture containing clock, watch&#10;&#10;Description automatically generated">
+            <a:extLst>
+              <a:ext uri="{FF2B5EF4-FFF2-40B4-BE49-F238E27FC236}">
+                <a16:creationId xmlns:a16="http://schemas.microsoft.com/office/drawing/2014/main" id="{4C62F7A2-25F5-4C55-3EC9-095919B57B5F}"/>
+              </a:ext>
+            </a:extLst>
+          </p:cNvPr>
+          <p:cNvPicPr>
+            <a:picLocks noChangeAspect="1"/>
+          </p:cNvPicPr>
+          <p:nvPr/>
+        </p:nvPicPr>
+        <p:blipFill>
+          <a:blip r:embed="rId7">
+            <a:extLst>
+              <a:ext uri="{28A0092B-C50C-407E-A947-70E740481C1C}">
+                <a14:useLocalDpi xmlns:a14="http://schemas.microsoft.com/office/drawing/2010/main" val="0"/>
+              </a:ext>
+            </a:extLst>
+          </a:blip>
+          <a:stretch>
+            <a:fillRect/>
+          </a:stretch>
+        </p:blipFill>
+        <p:spPr>
+          <a:xfrm>
+            <a:off x="10057313" y="12933919"/>
+            <a:ext cx="4762500" cy="4762500"/>
+          </a:xfrm>
+          <a:prstGeom prst="rect">
+            <a:avLst/>
+          </a:prstGeom>
+        </p:spPr>
+      </p:pic>
+      <p:sp>
+        <p:nvSpPr>
+          <p:cNvPr id="3" name="TextBox 2">
+            <a:extLst>
+              <a:ext uri="{FF2B5EF4-FFF2-40B4-BE49-F238E27FC236}">
+                <a16:creationId xmlns:a16="http://schemas.microsoft.com/office/drawing/2014/main" id="{EED817F2-07EB-8BF0-862C-09DD5D07DAA7}"/>
+              </a:ext>
+            </a:extLst>
+          </p:cNvPr>
+          <p:cNvSpPr txBox="1"/>
+          <p:nvPr/>
+        </p:nvSpPr>
+        <p:spPr>
+          <a:xfrm>
+            <a:off x="0" y="12265661"/>
+            <a:ext cx="7509218" cy="769441"/>
+          </a:xfrm>
+          <a:prstGeom prst="rect">
+            <a:avLst/>
+          </a:prstGeom>
+          <a:noFill/>
+        </p:spPr>
+        <p:txBody>
+          <a:bodyPr wrap="square">
+            <a:spAutoFit/>
+          </a:bodyPr>
+          <a:lstStyle/>
+          <a:p>
+            <a:pPr marL="457200" indent="-457200">
+              <a:buFont typeface="Wingdings" panose="05000000000000000000" pitchFamily="2" charset="2"/>
+              <a:buChar char="v"/>
+            </a:pPr>
+            <a:r>
+              <a:rPr lang="fr-FR" sz="2800" dirty="0">
+                <a:solidFill>
+                  <a:schemeClr val="tx1"/>
+                </a:solidFill>
+                <a:latin typeface="Roboto" panose="02000000000000000000" pitchFamily="2" charset="0"/>
+                <a:ea typeface="Roboto" panose="02000000000000000000" pitchFamily="2" charset="0"/>
+              </a:rPr>
+              <a:t>Illusion Direction:</a:t>
+            </a:r>
+            <a:r>
+              <a:rPr lang="fr-FR" sz="2800" b="1" dirty="0">
+                <a:solidFill>
+                  <a:schemeClr val="tx1"/>
+                </a:solidFill>
+                <a:latin typeface="Roboto" panose="02000000000000000000" pitchFamily="2" charset="0"/>
+                <a:ea typeface="Roboto" panose="02000000000000000000" pitchFamily="2" charset="0"/>
+              </a:rPr>
+              <a:t> incongruent</a:t>
+            </a:r>
+          </a:p>
+          <a:p>
+            <a:r>
+              <a:rPr lang="fr-FR" sz="1600" dirty="0">
+                <a:solidFill>
+                  <a:schemeClr val="tx1"/>
+                </a:solidFill>
+                <a:latin typeface="Roboto" panose="02000000000000000000" pitchFamily="2" charset="0"/>
+                <a:ea typeface="Roboto" panose="02000000000000000000" pitchFamily="2" charset="0"/>
+              </a:rPr>
+              <a:t>	(the illusion </a:t>
+            </a:r>
+            <a:r>
+              <a:rPr lang="fr-FR" sz="1600" dirty="0" err="1">
+                <a:solidFill>
+                  <a:schemeClr val="tx1"/>
+                </a:solidFill>
+                <a:latin typeface="Roboto" panose="02000000000000000000" pitchFamily="2" charset="0"/>
+                <a:ea typeface="Roboto" panose="02000000000000000000" pitchFamily="2" charset="0"/>
+              </a:rPr>
+              <a:t>makes</a:t>
+            </a:r>
+            <a:r>
+              <a:rPr lang="fr-FR" sz="1600" dirty="0">
+                <a:solidFill>
+                  <a:schemeClr val="tx1"/>
+                </a:solidFill>
+                <a:latin typeface="Roboto" panose="02000000000000000000" pitchFamily="2" charset="0"/>
+                <a:ea typeface="Roboto" panose="02000000000000000000" pitchFamily="2" charset="0"/>
+              </a:rPr>
+              <a:t> the </a:t>
+            </a:r>
+            <a:r>
+              <a:rPr lang="fr-FR" sz="1600" dirty="0" err="1">
+                <a:solidFill>
+                  <a:schemeClr val="tx1"/>
+                </a:solidFill>
+                <a:latin typeface="Roboto" panose="02000000000000000000" pitchFamily="2" charset="0"/>
+                <a:ea typeface="Roboto" panose="02000000000000000000" pitchFamily="2" charset="0"/>
+              </a:rPr>
+              <a:t>task</a:t>
+            </a:r>
+            <a:r>
+              <a:rPr lang="fr-FR" sz="1600" dirty="0">
+                <a:solidFill>
+                  <a:schemeClr val="tx1"/>
+                </a:solidFill>
+                <a:latin typeface="Roboto" panose="02000000000000000000" pitchFamily="2" charset="0"/>
+                <a:ea typeface="Roboto" panose="02000000000000000000" pitchFamily="2" charset="0"/>
+              </a:rPr>
+              <a:t> harder: </a:t>
+            </a:r>
+            <a:r>
+              <a:rPr lang="fr-FR" sz="1600" dirty="0" err="1">
+                <a:solidFill>
+                  <a:schemeClr val="tx1"/>
+                </a:solidFill>
+                <a:latin typeface="Roboto" panose="02000000000000000000" pitchFamily="2" charset="0"/>
+                <a:ea typeface="Roboto" panose="02000000000000000000" pitchFamily="2" charset="0"/>
+              </a:rPr>
+              <a:t>red</a:t>
+            </a:r>
+            <a:r>
+              <a:rPr lang="fr-FR" sz="1600" dirty="0">
+                <a:solidFill>
+                  <a:schemeClr val="tx1"/>
+                </a:solidFill>
+                <a:latin typeface="Roboto" panose="02000000000000000000" pitchFamily="2" charset="0"/>
+                <a:ea typeface="Roboto" panose="02000000000000000000" pitchFamily="2" charset="0"/>
+              </a:rPr>
+              <a:t> </a:t>
+            </a:r>
+            <a:r>
+              <a:rPr lang="fr-FR" sz="1600" dirty="0" err="1">
+                <a:solidFill>
+                  <a:schemeClr val="tx1"/>
+                </a:solidFill>
+                <a:latin typeface="Roboto" panose="02000000000000000000" pitchFamily="2" charset="0"/>
+                <a:ea typeface="Roboto" panose="02000000000000000000" pitchFamily="2" charset="0"/>
+              </a:rPr>
+              <a:t>lines</a:t>
+            </a:r>
+            <a:r>
+              <a:rPr lang="fr-FR" sz="1600" dirty="0">
+                <a:solidFill>
+                  <a:schemeClr val="tx1"/>
+                </a:solidFill>
+                <a:latin typeface="Roboto" panose="02000000000000000000" pitchFamily="2" charset="0"/>
+                <a:ea typeface="Roboto" panose="02000000000000000000" pitchFamily="2" charset="0"/>
+              </a:rPr>
+              <a:t> look more </a:t>
+            </a:r>
+            <a:r>
+              <a:rPr lang="fr-FR" sz="1600" dirty="0" err="1">
+                <a:solidFill>
+                  <a:schemeClr val="tx1"/>
+                </a:solidFill>
+                <a:latin typeface="Roboto" panose="02000000000000000000" pitchFamily="2" charset="0"/>
+                <a:ea typeface="Roboto" panose="02000000000000000000" pitchFamily="2" charset="0"/>
+              </a:rPr>
+              <a:t>similar</a:t>
+            </a:r>
+            <a:r>
+              <a:rPr lang="fr-FR" sz="1600" dirty="0">
+                <a:solidFill>
+                  <a:schemeClr val="tx1"/>
+                </a:solidFill>
+                <a:latin typeface="Roboto" panose="02000000000000000000" pitchFamily="2" charset="0"/>
+                <a:ea typeface="Roboto" panose="02000000000000000000" pitchFamily="2" charset="0"/>
+              </a:rPr>
+              <a:t>)</a:t>
+            </a:r>
+          </a:p>
+        </p:txBody>
+      </p:sp>
+      <p:sp>
+        <p:nvSpPr>
+          <p:cNvPr id="4" name="TextBox 3">
+            <a:extLst>
+              <a:ext uri="{FF2B5EF4-FFF2-40B4-BE49-F238E27FC236}">
+                <a16:creationId xmlns:a16="http://schemas.microsoft.com/office/drawing/2014/main" id="{D751AE24-EE38-6D2C-82D2-E682BCE5C5E7}"/>
+              </a:ext>
+            </a:extLst>
+          </p:cNvPr>
+          <p:cNvSpPr txBox="1"/>
+          <p:nvPr/>
+        </p:nvSpPr>
+        <p:spPr>
+          <a:xfrm>
+            <a:off x="8156996" y="12265661"/>
+            <a:ext cx="7509218" cy="769441"/>
+          </a:xfrm>
+          <a:prstGeom prst="rect">
+            <a:avLst/>
+          </a:prstGeom>
+          <a:noFill/>
+        </p:spPr>
+        <p:txBody>
+          <a:bodyPr wrap="square">
+            <a:spAutoFit/>
+          </a:bodyPr>
+          <a:lstStyle/>
+          <a:p>
+            <a:pPr marL="457200" indent="-457200">
+              <a:buFont typeface="Wingdings" panose="05000000000000000000" pitchFamily="2" charset="2"/>
+              <a:buChar char="v"/>
+            </a:pPr>
+            <a:r>
+              <a:rPr lang="fr-FR" sz="2800" dirty="0">
+                <a:solidFill>
+                  <a:schemeClr val="tx1"/>
+                </a:solidFill>
+                <a:latin typeface="Roboto" panose="02000000000000000000" pitchFamily="2" charset="0"/>
+                <a:ea typeface="Roboto" panose="02000000000000000000" pitchFamily="2" charset="0"/>
+              </a:rPr>
+              <a:t>Illusion Direction:</a:t>
+            </a:r>
+            <a:r>
+              <a:rPr lang="fr-FR" sz="2800" b="1" dirty="0">
+                <a:solidFill>
+                  <a:schemeClr val="tx1"/>
+                </a:solidFill>
+                <a:latin typeface="Roboto" panose="02000000000000000000" pitchFamily="2" charset="0"/>
+                <a:ea typeface="Roboto" panose="02000000000000000000" pitchFamily="2" charset="0"/>
+              </a:rPr>
+              <a:t> congruent</a:t>
+            </a:r>
+          </a:p>
+          <a:p>
+            <a:r>
+              <a:rPr lang="fr-FR" sz="1600" dirty="0">
+                <a:solidFill>
+                  <a:schemeClr val="tx1"/>
+                </a:solidFill>
+                <a:latin typeface="Roboto" panose="02000000000000000000" pitchFamily="2" charset="0"/>
+                <a:ea typeface="Roboto" panose="02000000000000000000" pitchFamily="2" charset="0"/>
+              </a:rPr>
+              <a:t>	(the illusion </a:t>
+            </a:r>
+            <a:r>
+              <a:rPr lang="fr-FR" sz="1600" dirty="0" err="1">
+                <a:solidFill>
+                  <a:schemeClr val="tx1"/>
+                </a:solidFill>
+                <a:latin typeface="Roboto" panose="02000000000000000000" pitchFamily="2" charset="0"/>
+                <a:ea typeface="Roboto" panose="02000000000000000000" pitchFamily="2" charset="0"/>
+              </a:rPr>
+              <a:t>makes</a:t>
+            </a:r>
+            <a:r>
+              <a:rPr lang="fr-FR" sz="1600" dirty="0">
+                <a:solidFill>
+                  <a:schemeClr val="tx1"/>
+                </a:solidFill>
+                <a:latin typeface="Roboto" panose="02000000000000000000" pitchFamily="2" charset="0"/>
+                <a:ea typeface="Roboto" panose="02000000000000000000" pitchFamily="2" charset="0"/>
+              </a:rPr>
+              <a:t> the </a:t>
+            </a:r>
+            <a:r>
+              <a:rPr lang="fr-FR" sz="1600" dirty="0" err="1">
+                <a:solidFill>
+                  <a:schemeClr val="tx1"/>
+                </a:solidFill>
+                <a:latin typeface="Roboto" panose="02000000000000000000" pitchFamily="2" charset="0"/>
+                <a:ea typeface="Roboto" panose="02000000000000000000" pitchFamily="2" charset="0"/>
+              </a:rPr>
+              <a:t>task</a:t>
+            </a:r>
+            <a:r>
+              <a:rPr lang="fr-FR" sz="1600" dirty="0">
+                <a:solidFill>
+                  <a:schemeClr val="tx1"/>
+                </a:solidFill>
+                <a:latin typeface="Roboto" panose="02000000000000000000" pitchFamily="2" charset="0"/>
+                <a:ea typeface="Roboto" panose="02000000000000000000" pitchFamily="2" charset="0"/>
+              </a:rPr>
+              <a:t> </a:t>
+            </a:r>
+            <a:r>
+              <a:rPr lang="fr-FR" sz="1600" dirty="0" err="1">
+                <a:solidFill>
+                  <a:schemeClr val="tx1"/>
+                </a:solidFill>
+                <a:latin typeface="Roboto" panose="02000000000000000000" pitchFamily="2" charset="0"/>
+                <a:ea typeface="Roboto" panose="02000000000000000000" pitchFamily="2" charset="0"/>
+              </a:rPr>
+              <a:t>easier</a:t>
+            </a:r>
+            <a:r>
+              <a:rPr lang="fr-FR" sz="1600" dirty="0">
+                <a:solidFill>
+                  <a:schemeClr val="tx1"/>
+                </a:solidFill>
+                <a:latin typeface="Roboto" panose="02000000000000000000" pitchFamily="2" charset="0"/>
+                <a:ea typeface="Roboto" panose="02000000000000000000" pitchFamily="2" charset="0"/>
+              </a:rPr>
+              <a:t>: </a:t>
+            </a:r>
+            <a:r>
+              <a:rPr lang="fr-FR" sz="1600" dirty="0" err="1">
+                <a:solidFill>
+                  <a:schemeClr val="tx1"/>
+                </a:solidFill>
+                <a:latin typeface="Roboto" panose="02000000000000000000" pitchFamily="2" charset="0"/>
+                <a:ea typeface="Roboto" panose="02000000000000000000" pitchFamily="2" charset="0"/>
+              </a:rPr>
+              <a:t>red</a:t>
+            </a:r>
+            <a:r>
+              <a:rPr lang="fr-FR" sz="1600" dirty="0">
+                <a:solidFill>
+                  <a:schemeClr val="tx1"/>
+                </a:solidFill>
+                <a:latin typeface="Roboto" panose="02000000000000000000" pitchFamily="2" charset="0"/>
+                <a:ea typeface="Roboto" panose="02000000000000000000" pitchFamily="2" charset="0"/>
+              </a:rPr>
+              <a:t> </a:t>
+            </a:r>
+            <a:r>
+              <a:rPr lang="fr-FR" sz="1600" dirty="0" err="1">
+                <a:solidFill>
+                  <a:schemeClr val="tx1"/>
+                </a:solidFill>
+                <a:latin typeface="Roboto" panose="02000000000000000000" pitchFamily="2" charset="0"/>
+                <a:ea typeface="Roboto" panose="02000000000000000000" pitchFamily="2" charset="0"/>
+              </a:rPr>
+              <a:t>lines</a:t>
+            </a:r>
+            <a:r>
+              <a:rPr lang="fr-FR" sz="1600" dirty="0">
+                <a:solidFill>
+                  <a:schemeClr val="tx1"/>
+                </a:solidFill>
+                <a:latin typeface="Roboto" panose="02000000000000000000" pitchFamily="2" charset="0"/>
+                <a:ea typeface="Roboto" panose="02000000000000000000" pitchFamily="2" charset="0"/>
+              </a:rPr>
+              <a:t> look more </a:t>
+            </a:r>
+            <a:r>
+              <a:rPr lang="fr-FR" sz="1600" dirty="0" err="1">
+                <a:solidFill>
+                  <a:schemeClr val="tx1"/>
+                </a:solidFill>
+                <a:latin typeface="Roboto" panose="02000000000000000000" pitchFamily="2" charset="0"/>
+                <a:ea typeface="Roboto" panose="02000000000000000000" pitchFamily="2" charset="0"/>
+              </a:rPr>
+              <a:t>different</a:t>
+            </a:r>
+            <a:r>
+              <a:rPr lang="fr-FR" sz="1600" dirty="0">
+                <a:solidFill>
+                  <a:schemeClr val="tx1"/>
+                </a:solidFill>
+                <a:latin typeface="Roboto" panose="02000000000000000000" pitchFamily="2" charset="0"/>
+                <a:ea typeface="Roboto" panose="02000000000000000000" pitchFamily="2" charset="0"/>
+              </a:rPr>
+              <a:t>)</a:t>
+            </a:r>
+          </a:p>
+        </p:txBody>
+      </p:sp>
+      <p:sp>
+        <p:nvSpPr>
+          <p:cNvPr id="38" name="TextBox 37">
+            <a:extLst>
+              <a:ext uri="{FF2B5EF4-FFF2-40B4-BE49-F238E27FC236}">
+                <a16:creationId xmlns:a16="http://schemas.microsoft.com/office/drawing/2014/main" id="{25E6E1C9-EF2C-022D-27DA-DD6C7152BAA4}"/>
+              </a:ext>
+            </a:extLst>
+          </p:cNvPr>
+          <p:cNvSpPr txBox="1"/>
+          <p:nvPr/>
+        </p:nvSpPr>
+        <p:spPr>
+          <a:xfrm>
+            <a:off x="14567731" y="14004505"/>
+            <a:ext cx="3272007" cy="1569660"/>
+          </a:xfrm>
+          <a:prstGeom prst="rect">
+            <a:avLst/>
+          </a:prstGeom>
+          <a:noFill/>
+        </p:spPr>
+        <p:txBody>
+          <a:bodyPr wrap="square">
+            <a:spAutoFit/>
+          </a:bodyPr>
+          <a:lstStyle/>
+          <a:p>
+            <a:pPr algn="just"/>
+            <a:r>
+              <a:rPr lang="fr-FR" sz="1600" b="1" dirty="0" err="1">
+                <a:latin typeface="Roboto" panose="02000000000000000000" pitchFamily="2" charset="0"/>
+                <a:ea typeface="Roboto" panose="02000000000000000000" pitchFamily="2" charset="0"/>
+              </a:rPr>
+              <a:t>Task</a:t>
+            </a:r>
+            <a:r>
+              <a:rPr lang="fr-FR" sz="1600" b="1" dirty="0">
+                <a:latin typeface="Roboto" panose="02000000000000000000" pitchFamily="2" charset="0"/>
+                <a:ea typeface="Roboto" panose="02000000000000000000" pitchFamily="2" charset="0"/>
+              </a:rPr>
+              <a:t>: </a:t>
+            </a:r>
+            <a:r>
+              <a:rPr lang="fr-FR" sz="1600" dirty="0">
+                <a:latin typeface="Roboto" panose="02000000000000000000" pitchFamily="2" charset="0"/>
+                <a:ea typeface="Roboto" panose="02000000000000000000" pitchFamily="2" charset="0"/>
+              </a:rPr>
+              <a:t>For </a:t>
+            </a:r>
+            <a:r>
+              <a:rPr lang="fr-FR" sz="1600" dirty="0" err="1">
+                <a:latin typeface="Roboto" panose="02000000000000000000" pitchFamily="2" charset="0"/>
+                <a:ea typeface="Roboto" panose="02000000000000000000" pitchFamily="2" charset="0"/>
+              </a:rPr>
+              <a:t>these</a:t>
+            </a:r>
+            <a:r>
+              <a:rPr lang="fr-FR" sz="1600" dirty="0">
+                <a:latin typeface="Roboto" panose="02000000000000000000" pitchFamily="2" charset="0"/>
+                <a:ea typeface="Roboto" panose="02000000000000000000" pitchFamily="2" charset="0"/>
+              </a:rPr>
+              <a:t> stimuli,  the correct </a:t>
+            </a:r>
+            <a:r>
+              <a:rPr lang="fr-FR" sz="1600" dirty="0" err="1">
+                <a:latin typeface="Roboto" panose="02000000000000000000" pitchFamily="2" charset="0"/>
+                <a:ea typeface="Roboto" panose="02000000000000000000" pitchFamily="2" charset="0"/>
+              </a:rPr>
+              <a:t>response</a:t>
+            </a:r>
+            <a:r>
+              <a:rPr lang="fr-FR" sz="1600" dirty="0">
+                <a:latin typeface="Roboto" panose="02000000000000000000" pitchFamily="2" charset="0"/>
+                <a:ea typeface="Roboto" panose="02000000000000000000" pitchFamily="2" charset="0"/>
+              </a:rPr>
+              <a:t> </a:t>
+            </a:r>
+            <a:r>
+              <a:rPr lang="fr-FR" sz="1600" dirty="0" err="1">
+                <a:latin typeface="Roboto" panose="02000000000000000000" pitchFamily="2" charset="0"/>
+                <a:ea typeface="Roboto" panose="02000000000000000000" pitchFamily="2" charset="0"/>
+              </a:rPr>
+              <a:t>is</a:t>
+            </a:r>
+            <a:r>
+              <a:rPr lang="fr-FR" sz="1600" dirty="0">
+                <a:latin typeface="Roboto" panose="02000000000000000000" pitchFamily="2" charset="0"/>
+                <a:ea typeface="Roboto" panose="02000000000000000000" pitchFamily="2" charset="0"/>
+              </a:rPr>
+              <a:t> </a:t>
+            </a:r>
+            <a:r>
+              <a:rPr lang="fr-FR" sz="1600" dirty="0" err="1">
+                <a:latin typeface="Roboto" panose="02000000000000000000" pitchFamily="2" charset="0"/>
+                <a:ea typeface="Roboto" panose="02000000000000000000" pitchFamily="2" charset="0"/>
+              </a:rPr>
+              <a:t>always</a:t>
+            </a:r>
+            <a:r>
+              <a:rPr lang="fr-FR" sz="1600" dirty="0">
+                <a:latin typeface="Roboto" panose="02000000000000000000" pitchFamily="2" charset="0"/>
+                <a:ea typeface="Roboto" panose="02000000000000000000" pitchFamily="2" charset="0"/>
+              </a:rPr>
+              <a:t> the « up » </a:t>
+            </a:r>
+            <a:r>
+              <a:rPr lang="fr-FR" sz="1600" dirty="0" err="1">
+                <a:latin typeface="Roboto" panose="02000000000000000000" pitchFamily="2" charset="0"/>
+                <a:ea typeface="Roboto" panose="02000000000000000000" pitchFamily="2" charset="0"/>
+              </a:rPr>
+              <a:t>arrow</a:t>
+            </a:r>
+            <a:r>
+              <a:rPr lang="fr-FR" sz="1600" dirty="0">
+                <a:latin typeface="Roboto" panose="02000000000000000000" pitchFamily="2" charset="0"/>
+                <a:ea typeface="Roboto" panose="02000000000000000000" pitchFamily="2" charset="0"/>
+              </a:rPr>
+              <a:t>, </a:t>
+            </a:r>
+            <a:r>
+              <a:rPr lang="fr-FR" sz="1600" dirty="0" err="1">
+                <a:latin typeface="Roboto" panose="02000000000000000000" pitchFamily="2" charset="0"/>
+                <a:ea typeface="Roboto" panose="02000000000000000000" pitchFamily="2" charset="0"/>
+              </a:rPr>
+              <a:t>indicating</a:t>
+            </a:r>
+            <a:r>
+              <a:rPr lang="fr-FR" sz="1600" dirty="0">
+                <a:latin typeface="Roboto" panose="02000000000000000000" pitchFamily="2" charset="0"/>
+                <a:ea typeface="Roboto" panose="02000000000000000000" pitchFamily="2" charset="0"/>
+              </a:rPr>
+              <a:t> the longer </a:t>
+            </a:r>
+            <a:r>
+              <a:rPr lang="fr-FR" sz="1600" dirty="0" err="1">
+                <a:latin typeface="Roboto" panose="02000000000000000000" pitchFamily="2" charset="0"/>
+                <a:ea typeface="Roboto" panose="02000000000000000000" pitchFamily="2" charset="0"/>
+              </a:rPr>
+              <a:t>red</a:t>
+            </a:r>
+            <a:r>
+              <a:rPr lang="fr-FR" sz="1600" dirty="0">
+                <a:latin typeface="Roboto" panose="02000000000000000000" pitchFamily="2" charset="0"/>
+                <a:ea typeface="Roboto" panose="02000000000000000000" pitchFamily="2" charset="0"/>
+              </a:rPr>
+              <a:t> segment. </a:t>
+            </a:r>
+            <a:r>
+              <a:rPr lang="fr-FR" sz="1600" dirty="0" err="1">
+                <a:latin typeface="Roboto" panose="02000000000000000000" pitchFamily="2" charset="0"/>
+                <a:ea typeface="Roboto" panose="02000000000000000000" pitchFamily="2" charset="0"/>
+              </a:rPr>
+              <a:t>We</a:t>
+            </a:r>
+            <a:r>
+              <a:rPr lang="fr-FR" sz="1600" dirty="0">
+                <a:latin typeface="Roboto" panose="02000000000000000000" pitchFamily="2" charset="0"/>
+                <a:ea typeface="Roboto" panose="02000000000000000000" pitchFamily="2" charset="0"/>
+              </a:rPr>
+              <a:t> </a:t>
+            </a:r>
+            <a:r>
+              <a:rPr lang="fr-FR" sz="1600" dirty="0" err="1">
+                <a:latin typeface="Roboto" panose="02000000000000000000" pitchFamily="2" charset="0"/>
+                <a:ea typeface="Roboto" panose="02000000000000000000" pitchFamily="2" charset="0"/>
+              </a:rPr>
+              <a:t>measured</a:t>
+            </a:r>
+            <a:r>
+              <a:rPr lang="fr-FR" sz="1600" dirty="0">
+                <a:latin typeface="Roboto" panose="02000000000000000000" pitchFamily="2" charset="0"/>
+                <a:ea typeface="Roboto" panose="02000000000000000000" pitchFamily="2" charset="0"/>
+              </a:rPr>
+              <a:t> the </a:t>
+            </a:r>
+            <a:r>
+              <a:rPr lang="fr-FR" sz="1600" dirty="0" err="1">
+                <a:latin typeface="Roboto" panose="02000000000000000000" pitchFamily="2" charset="0"/>
+                <a:ea typeface="Roboto" panose="02000000000000000000" pitchFamily="2" charset="0"/>
+              </a:rPr>
+              <a:t>reaction</a:t>
+            </a:r>
+            <a:r>
+              <a:rPr lang="fr-FR" sz="1600" dirty="0">
+                <a:latin typeface="Roboto" panose="02000000000000000000" pitchFamily="2" charset="0"/>
+                <a:ea typeface="Roboto" panose="02000000000000000000" pitchFamily="2" charset="0"/>
+              </a:rPr>
+              <a:t> time and the </a:t>
+            </a:r>
+            <a:r>
+              <a:rPr lang="fr-FR" sz="1600" dirty="0" err="1">
+                <a:latin typeface="Roboto" panose="02000000000000000000" pitchFamily="2" charset="0"/>
+                <a:ea typeface="Roboto" panose="02000000000000000000" pitchFamily="2" charset="0"/>
+              </a:rPr>
+              <a:t>errors</a:t>
+            </a:r>
+            <a:r>
+              <a:rPr lang="fr-FR" sz="1600" dirty="0">
+                <a:latin typeface="Roboto" panose="02000000000000000000" pitchFamily="2" charset="0"/>
+                <a:ea typeface="Roboto" panose="02000000000000000000" pitchFamily="2" charset="0"/>
+              </a:rPr>
+              <a:t> (in </a:t>
+            </a:r>
+            <a:r>
+              <a:rPr lang="fr-FR" sz="1600" dirty="0" err="1">
+                <a:latin typeface="Roboto" panose="02000000000000000000" pitchFamily="2" charset="0"/>
+                <a:ea typeface="Roboto" panose="02000000000000000000" pitchFamily="2" charset="0"/>
+              </a:rPr>
+              <a:t>this</a:t>
+            </a:r>
+            <a:r>
+              <a:rPr lang="fr-FR" sz="1600" dirty="0">
+                <a:latin typeface="Roboto" panose="02000000000000000000" pitchFamily="2" charset="0"/>
+                <a:ea typeface="Roboto" panose="02000000000000000000" pitchFamily="2" charset="0"/>
+              </a:rPr>
+              <a:t> case, the « down » </a:t>
+            </a:r>
+            <a:r>
+              <a:rPr lang="fr-FR" sz="1600" dirty="0" err="1">
+                <a:latin typeface="Roboto" panose="02000000000000000000" pitchFamily="2" charset="0"/>
+                <a:ea typeface="Roboto" panose="02000000000000000000" pitchFamily="2" charset="0"/>
+              </a:rPr>
+              <a:t>arrow</a:t>
+            </a:r>
+            <a:r>
+              <a:rPr lang="fr-FR" sz="1600" dirty="0">
+                <a:latin typeface="Roboto" panose="02000000000000000000" pitchFamily="2" charset="0"/>
+                <a:ea typeface="Roboto" panose="02000000000000000000" pitchFamily="2" charset="0"/>
+              </a:rPr>
+              <a:t>).</a:t>
+            </a:r>
+            <a:endParaRPr lang="en-GB" sz="1600" dirty="0">
+              <a:latin typeface="Roboto" panose="02000000000000000000" pitchFamily="2" charset="0"/>
+              <a:ea typeface="Roboto" panose="02000000000000000000" pitchFamily="2" charset="0"/>
+            </a:endParaRPr>
+          </a:p>
+        </p:txBody>
+      </p:sp>
+      <p:pic>
+        <p:nvPicPr>
+          <p:cNvPr id="23" name="Picture 22" descr="Icon&#10;&#10;Description automatically generated">
+            <a:extLst>
+              <a:ext uri="{FF2B5EF4-FFF2-40B4-BE49-F238E27FC236}">
+                <a16:creationId xmlns:a16="http://schemas.microsoft.com/office/drawing/2014/main" id="{FBFDAB42-9200-77A7-0A31-7B28FFFB7F50}"/>
+              </a:ext>
+            </a:extLst>
+          </p:cNvPr>
+          <p:cNvPicPr>
+            <a:picLocks noChangeAspect="1"/>
+          </p:cNvPicPr>
+          <p:nvPr/>
+        </p:nvPicPr>
+        <p:blipFill rotWithShape="1">
+          <a:blip r:embed="rId8">
+            <a:extLst>
+              <a:ext uri="{28A0092B-C50C-407E-A947-70E740481C1C}">
+                <a14:useLocalDpi xmlns:a14="http://schemas.microsoft.com/office/drawing/2010/main" val="0"/>
+              </a:ext>
+            </a:extLst>
+          </a:blip>
+          <a:srcRect l="23621"/>
+          <a:stretch/>
+        </p:blipFill>
+        <p:spPr>
+          <a:xfrm>
+            <a:off x="14567731" y="11614834"/>
+            <a:ext cx="1581606" cy="2070737"/>
+          </a:xfrm>
+          <a:prstGeom prst="rect">
+            <a:avLst/>
+          </a:prstGeom>
+          <a:ln w="19050">
+            <a:noFill/>
+          </a:ln>
+        </p:spPr>
+      </p:pic>
+      <p:pic>
+        <p:nvPicPr>
+          <p:cNvPr id="34" name="Graphic 33">
+            <a:extLst>
+              <a:ext uri="{FF2B5EF4-FFF2-40B4-BE49-F238E27FC236}">
+                <a16:creationId xmlns:a16="http://schemas.microsoft.com/office/drawing/2014/main" id="{75868E29-8897-397E-E4DC-5FB1697104D9}"/>
+              </a:ext>
+            </a:extLst>
+          </p:cNvPr>
+          <p:cNvPicPr>
+            <a:picLocks noChangeAspect="1"/>
+          </p:cNvPicPr>
+          <p:nvPr/>
+        </p:nvPicPr>
+        <p:blipFill>
+          <a:blip r:embed="rId9">
+            <a:extLst>
+              <a:ext uri="{28A0092B-C50C-407E-A947-70E740481C1C}">
+                <a14:useLocalDpi xmlns:a14="http://schemas.microsoft.com/office/drawing/2010/main" val="0"/>
+              </a:ext>
+              <a:ext uri="{96DAC541-7B7A-43D3-8B79-37D633B846F1}">
+                <asvg:svgBlip xmlns:asvg="http://schemas.microsoft.com/office/drawing/2016/SVG/main" r:embed="rId10"/>
+              </a:ext>
+            </a:extLst>
+          </a:blip>
+          <a:stretch>
+            <a:fillRect/>
+          </a:stretch>
+        </p:blipFill>
+        <p:spPr>
+          <a:xfrm>
+            <a:off x="15640115" y="11813376"/>
+            <a:ext cx="2070737" cy="2070737"/>
+          </a:xfrm>
+          <a:prstGeom prst="rect">
+            <a:avLst/>
+          </a:prstGeom>
+        </p:spPr>
+      </p:pic>
+      <p:sp>
+        <p:nvSpPr>
+          <p:cNvPr id="17" name="Rectangle 16">
+            <a:extLst>
+              <a:ext uri="{FF2B5EF4-FFF2-40B4-BE49-F238E27FC236}">
+                <a16:creationId xmlns:a16="http://schemas.microsoft.com/office/drawing/2014/main" id="{CA6FB4EF-A769-FF73-E8F9-5EC89DFE4DDB}"/>
+              </a:ext>
+            </a:extLst>
+          </p:cNvPr>
+          <p:cNvSpPr/>
+          <p:nvPr/>
+        </p:nvSpPr>
+        <p:spPr>
+          <a:xfrm>
+            <a:off x="1740716" y="17393032"/>
+            <a:ext cx="16259947" cy="589879"/>
+          </a:xfrm>
+          <a:prstGeom prst="rect">
+            <a:avLst/>
+          </a:prstGeom>
+          <a:solidFill>
+            <a:schemeClr val="bg1"/>
+          </a:solidFill>
+          <a:ln>
+            <a:noFill/>
+          </a:ln>
+        </p:spPr>
+        <p:style>
+          <a:lnRef idx="0">
+            <a:scrgbClr r="0" g="0" b="0"/>
+          </a:lnRef>
+          <a:fillRef idx="0">
+            <a:scrgbClr r="0" g="0" b="0"/>
+          </a:fillRef>
+          <a:effectRef idx="0">
+            <a:scrgbClr r="0" g="0" b="0"/>
+          </a:effectRef>
+          <a:fontRef idx="minor">
+            <a:schemeClr val="dk1"/>
+          </a:fontRef>
+        </p:style>
+        <p:txBody>
+          <a:bodyPr rtlCol="0" anchor="ctr"/>
+          <a:lstStyle/>
+          <a:p>
+            <a:pPr algn="r"/>
+            <a:r>
+              <a:rPr lang="fr-FR" sz="2800" dirty="0">
+                <a:solidFill>
+                  <a:schemeClr val="tx1"/>
+                </a:solidFill>
+                <a:latin typeface="Roboto" panose="02000000000000000000" pitchFamily="2" charset="0"/>
+                <a:ea typeface="Roboto" panose="02000000000000000000" pitchFamily="2" charset="0"/>
+              </a:rPr>
+              <a:t>Stimuli </a:t>
+            </a:r>
+            <a:r>
+              <a:rPr lang="fr-FR" sz="2800" dirty="0" err="1">
+                <a:solidFill>
+                  <a:schemeClr val="tx1"/>
+                </a:solidFill>
+                <a:latin typeface="Roboto" panose="02000000000000000000" pitchFamily="2" charset="0"/>
+                <a:ea typeface="Roboto" panose="02000000000000000000" pitchFamily="2" charset="0"/>
+              </a:rPr>
+              <a:t>created</a:t>
+            </a:r>
+            <a:r>
+              <a:rPr lang="fr-FR" sz="2800" dirty="0">
+                <a:solidFill>
+                  <a:schemeClr val="tx1"/>
+                </a:solidFill>
+                <a:latin typeface="Roboto" panose="02000000000000000000" pitchFamily="2" charset="0"/>
+                <a:ea typeface="Roboto" panose="02000000000000000000" pitchFamily="2" charset="0"/>
+              </a:rPr>
+              <a:t> </a:t>
+            </a:r>
+            <a:r>
+              <a:rPr lang="fr-FR" sz="2800" dirty="0" err="1">
+                <a:solidFill>
+                  <a:schemeClr val="tx1"/>
+                </a:solidFill>
+                <a:latin typeface="Roboto" panose="02000000000000000000" pitchFamily="2" charset="0"/>
+                <a:ea typeface="Roboto" panose="02000000000000000000" pitchFamily="2" charset="0"/>
+              </a:rPr>
+              <a:t>with</a:t>
+            </a:r>
+            <a:r>
+              <a:rPr lang="fr-FR" sz="2800" dirty="0">
+                <a:solidFill>
+                  <a:schemeClr val="tx1"/>
+                </a:solidFill>
+                <a:latin typeface="Roboto" panose="02000000000000000000" pitchFamily="2" charset="0"/>
+                <a:ea typeface="Roboto" panose="02000000000000000000" pitchFamily="2" charset="0"/>
+              </a:rPr>
+              <a:t> the open-source software                            (Makowski et al., 2021)</a:t>
+            </a:r>
+            <a:endParaRPr lang="en-GB" sz="2800" dirty="0">
               <a:solidFill>
                 <a:schemeClr val="tx1"/>
               </a:solidFill>
@@ -5852,7 +8016,7 @@
           <p:nvPr/>
         </p:nvPicPr>
         <p:blipFill>
-          <a:blip r:embed="rId9">
+          <a:blip r:embed="rId11">
             <a:extLst>
               <a:ext uri="{28A0092B-C50C-407E-A947-70E740481C1C}">
                 <a14:useLocalDpi xmlns:a14="http://schemas.microsoft.com/office/drawing/2010/main" val="0"/>
@@ -5866,7 +8030,7 @@
         </p:blipFill>
         <p:spPr bwMode="auto">
           <a:xfrm>
-            <a:off x="11893676" y="17286085"/>
+            <a:off x="11911605" y="17286085"/>
             <a:ext cx="2219191" cy="696826"/>
           </a:xfrm>
           <a:prstGeom prst="rect">
@@ -5884,280 +8048,1802 @@
           </a:extLst>
         </p:spPr>
       </p:pic>
-      <p:pic>
-        <p:nvPicPr>
-          <p:cNvPr id="34" name="Graphic 33">
+      <p:grpSp>
+        <p:nvGrpSpPr>
+          <p:cNvPr id="24" name="Group 23">
             <a:extLst>
               <a:ext uri="{FF2B5EF4-FFF2-40B4-BE49-F238E27FC236}">
-                <a16:creationId xmlns:a16="http://schemas.microsoft.com/office/drawing/2014/main" id="{75868E29-8897-397E-E4DC-5FB1697104D9}"/>
+                <a16:creationId xmlns:a16="http://schemas.microsoft.com/office/drawing/2014/main" id="{D9776E5F-30DA-E7BE-462C-4D169846B27F}"/>
               </a:ext>
             </a:extLst>
           </p:cNvPr>
-          <p:cNvPicPr>
-            <a:picLocks noChangeAspect="1"/>
-          </p:cNvPicPr>
+          <p:cNvGrpSpPr/>
           <p:nvPr/>
-        </p:nvPicPr>
-        <p:blipFill>
-          <a:blip r:embed="rId10">
-            <a:extLst>
-              <a:ext uri="{28A0092B-C50C-407E-A947-70E740481C1C}">
-                <a14:useLocalDpi xmlns:a14="http://schemas.microsoft.com/office/drawing/2010/main" val="0"/>
-              </a:ext>
-              <a:ext uri="{96DAC541-7B7A-43D3-8B79-37D633B846F1}">
-                <asvg:svgBlip xmlns:asvg="http://schemas.microsoft.com/office/drawing/2016/SVG/main" r:embed="rId11"/>
-              </a:ext>
-            </a:extLst>
-          </a:blip>
-          <a:stretch>
-            <a:fillRect/>
-          </a:stretch>
-        </p:blipFill>
-        <p:spPr>
+        </p:nvGrpSpPr>
+        <p:grpSpPr>
           <a:xfrm>
-            <a:off x="15347196" y="10215051"/>
-            <a:ext cx="2492542" cy="2492542"/>
+            <a:off x="3107033" y="10117931"/>
+            <a:ext cx="1284718" cy="216000"/>
+            <a:chOff x="2835181" y="9964903"/>
+            <a:chExt cx="1284718" cy="216000"/>
           </a:xfrm>
-          <a:prstGeom prst="rect">
-            <a:avLst/>
-          </a:prstGeom>
-        </p:spPr>
-      </p:pic>
-      <p:sp>
-        <p:nvSpPr>
-          <p:cNvPr id="38" name="TextBox 37">
+        </p:grpSpPr>
+        <p:cxnSp>
+          <p:nvCxnSpPr>
+            <p:cNvPr id="6" name="Straight Connector 5">
+              <a:extLst>
+                <a:ext uri="{FF2B5EF4-FFF2-40B4-BE49-F238E27FC236}">
+                  <a16:creationId xmlns:a16="http://schemas.microsoft.com/office/drawing/2014/main" id="{03FF7A19-7FD6-61D7-E885-3A5901895D97}"/>
+                </a:ext>
+              </a:extLst>
+            </p:cNvPr>
+            <p:cNvCxnSpPr>
+              <a:cxnSpLocks/>
+              <a:endCxn id="10" idx="6"/>
+            </p:cNvCxnSpPr>
+            <p:nvPr/>
+          </p:nvCxnSpPr>
+          <p:spPr>
+            <a:xfrm flipH="1">
+              <a:off x="3051181" y="10072903"/>
+              <a:ext cx="1068718" cy="0"/>
+            </a:xfrm>
+            <a:prstGeom prst="line">
+              <a:avLst/>
+            </a:prstGeom>
+            <a:ln w="28575">
+              <a:solidFill>
+                <a:srgbClr val="D8D6D6"/>
+              </a:solidFill>
+            </a:ln>
+          </p:spPr>
+          <p:style>
+            <a:lnRef idx="1">
+              <a:schemeClr val="dk1"/>
+            </a:lnRef>
+            <a:fillRef idx="0">
+              <a:schemeClr val="dk1"/>
+            </a:fillRef>
+            <a:effectRef idx="0">
+              <a:schemeClr val="dk1"/>
+            </a:effectRef>
+            <a:fontRef idx="minor">
+              <a:schemeClr val="tx1"/>
+            </a:fontRef>
+          </p:style>
+        </p:cxnSp>
+        <p:sp>
+          <p:nvSpPr>
+            <p:cNvPr id="10" name="Oval 9">
+              <a:extLst>
+                <a:ext uri="{FF2B5EF4-FFF2-40B4-BE49-F238E27FC236}">
+                  <a16:creationId xmlns:a16="http://schemas.microsoft.com/office/drawing/2014/main" id="{B377C004-D194-1F84-30BB-1FBBF2B737E5}"/>
+                </a:ext>
+              </a:extLst>
+            </p:cNvPr>
+            <p:cNvSpPr>
+              <a:spLocks noChangeAspect="1"/>
+            </p:cNvSpPr>
+            <p:nvPr/>
+          </p:nvSpPr>
+          <p:spPr>
+            <a:xfrm>
+              <a:off x="2835181" y="9964903"/>
+              <a:ext cx="216000" cy="216000"/>
+            </a:xfrm>
+            <a:prstGeom prst="ellipse">
+              <a:avLst/>
+            </a:prstGeom>
+            <a:solidFill>
+              <a:schemeClr val="bg1"/>
+            </a:solidFill>
+            <a:ln w="38100">
+              <a:solidFill>
+                <a:srgbClr val="D8D6D6"/>
+              </a:solidFill>
+            </a:ln>
+          </p:spPr>
+          <p:style>
+            <a:lnRef idx="2">
+              <a:schemeClr val="accent1">
+                <a:shade val="50000"/>
+              </a:schemeClr>
+            </a:lnRef>
+            <a:fillRef idx="1">
+              <a:schemeClr val="accent1"/>
+            </a:fillRef>
+            <a:effectRef idx="0">
+              <a:schemeClr val="accent1"/>
+            </a:effectRef>
+            <a:fontRef idx="minor">
+              <a:schemeClr val="lt1"/>
+            </a:fontRef>
+          </p:style>
+          <p:txBody>
+            <a:bodyPr rtlCol="0" anchor="ctr"/>
+            <a:lstStyle/>
+            <a:p>
+              <a:pPr algn="ctr"/>
+              <a:endParaRPr lang="en-GB"/>
+            </a:p>
+          </p:txBody>
+        </p:sp>
+      </p:grpSp>
+      <p:grpSp>
+        <p:nvGrpSpPr>
+          <p:cNvPr id="56" name="Group 55">
             <a:extLst>
               <a:ext uri="{FF2B5EF4-FFF2-40B4-BE49-F238E27FC236}">
-                <a16:creationId xmlns:a16="http://schemas.microsoft.com/office/drawing/2014/main" id="{25E6E1C9-EF2C-022D-27DA-DD6C7152BAA4}"/>
+                <a16:creationId xmlns:a16="http://schemas.microsoft.com/office/drawing/2014/main" id="{C33CBA72-830B-0B6F-D20B-7F010CF41E27}"/>
               </a:ext>
             </a:extLst>
           </p:cNvPr>
-          <p:cNvSpPr txBox="1"/>
+          <p:cNvGrpSpPr/>
+          <p:nvPr/>
+        </p:nvGrpSpPr>
+        <p:grpSpPr>
+          <a:xfrm flipH="1">
+            <a:off x="9000331" y="10117931"/>
+            <a:ext cx="1284718" cy="216000"/>
+            <a:chOff x="2835181" y="9964903"/>
+            <a:chExt cx="1284718" cy="216000"/>
+          </a:xfrm>
+        </p:grpSpPr>
+        <p:cxnSp>
+          <p:nvCxnSpPr>
+            <p:cNvPr id="57" name="Straight Connector 56">
+              <a:extLst>
+                <a:ext uri="{FF2B5EF4-FFF2-40B4-BE49-F238E27FC236}">
+                  <a16:creationId xmlns:a16="http://schemas.microsoft.com/office/drawing/2014/main" id="{076ECE15-27DE-A580-E75E-98EF21517CF5}"/>
+                </a:ext>
+              </a:extLst>
+            </p:cNvPr>
+            <p:cNvCxnSpPr>
+              <a:cxnSpLocks/>
+              <a:endCxn id="58" idx="6"/>
+            </p:cNvCxnSpPr>
+            <p:nvPr/>
+          </p:nvCxnSpPr>
+          <p:spPr>
+            <a:xfrm flipH="1">
+              <a:off x="3051181" y="10072903"/>
+              <a:ext cx="1068718" cy="0"/>
+            </a:xfrm>
+            <a:prstGeom prst="line">
+              <a:avLst/>
+            </a:prstGeom>
+            <a:ln w="28575">
+              <a:solidFill>
+                <a:srgbClr val="D8D6D6"/>
+              </a:solidFill>
+            </a:ln>
+          </p:spPr>
+          <p:style>
+            <a:lnRef idx="1">
+              <a:schemeClr val="dk1"/>
+            </a:lnRef>
+            <a:fillRef idx="0">
+              <a:schemeClr val="dk1"/>
+            </a:fillRef>
+            <a:effectRef idx="0">
+              <a:schemeClr val="dk1"/>
+            </a:effectRef>
+            <a:fontRef idx="minor">
+              <a:schemeClr val="tx1"/>
+            </a:fontRef>
+          </p:style>
+        </p:cxnSp>
+        <p:sp>
+          <p:nvSpPr>
+            <p:cNvPr id="58" name="Oval 57">
+              <a:extLst>
+                <a:ext uri="{FF2B5EF4-FFF2-40B4-BE49-F238E27FC236}">
+                  <a16:creationId xmlns:a16="http://schemas.microsoft.com/office/drawing/2014/main" id="{8640D188-B6A5-F63E-DD1E-F04748A9BD82}"/>
+                </a:ext>
+              </a:extLst>
+            </p:cNvPr>
+            <p:cNvSpPr>
+              <a:spLocks noChangeAspect="1"/>
+            </p:cNvSpPr>
+            <p:nvPr/>
+          </p:nvSpPr>
+          <p:spPr>
+            <a:xfrm>
+              <a:off x="2835181" y="9964903"/>
+              <a:ext cx="216000" cy="216000"/>
+            </a:xfrm>
+            <a:prstGeom prst="ellipse">
+              <a:avLst/>
+            </a:prstGeom>
+            <a:solidFill>
+              <a:schemeClr val="bg1"/>
+            </a:solidFill>
+            <a:ln w="38100">
+              <a:solidFill>
+                <a:srgbClr val="D8D6D6"/>
+              </a:solidFill>
+            </a:ln>
+          </p:spPr>
+          <p:style>
+            <a:lnRef idx="2">
+              <a:schemeClr val="accent1">
+                <a:shade val="50000"/>
+              </a:schemeClr>
+            </a:lnRef>
+            <a:fillRef idx="1">
+              <a:schemeClr val="accent1"/>
+            </a:fillRef>
+            <a:effectRef idx="0">
+              <a:schemeClr val="accent1"/>
+            </a:effectRef>
+            <a:fontRef idx="minor">
+              <a:schemeClr val="lt1"/>
+            </a:fontRef>
+          </p:style>
+          <p:txBody>
+            <a:bodyPr rtlCol="0" anchor="ctr"/>
+            <a:lstStyle/>
+            <a:p>
+              <a:pPr algn="ctr"/>
+              <a:endParaRPr lang="en-GB"/>
+            </a:p>
+          </p:txBody>
+        </p:sp>
+      </p:grpSp>
+      <p:grpSp>
+        <p:nvGrpSpPr>
+          <p:cNvPr id="59" name="Group 58">
+            <a:extLst>
+              <a:ext uri="{FF2B5EF4-FFF2-40B4-BE49-F238E27FC236}">
+                <a16:creationId xmlns:a16="http://schemas.microsoft.com/office/drawing/2014/main" id="{817117AA-14DD-175B-80D9-6358D5F582DA}"/>
+              </a:ext>
+            </a:extLst>
+          </p:cNvPr>
+          <p:cNvGrpSpPr/>
+          <p:nvPr/>
+        </p:nvGrpSpPr>
+        <p:grpSpPr>
+          <a:xfrm>
+            <a:off x="3107033" y="15257760"/>
+            <a:ext cx="1284718" cy="216000"/>
+            <a:chOff x="2835181" y="9964903"/>
+            <a:chExt cx="1284718" cy="216000"/>
+          </a:xfrm>
+        </p:grpSpPr>
+        <p:cxnSp>
+          <p:nvCxnSpPr>
+            <p:cNvPr id="60" name="Straight Connector 59">
+              <a:extLst>
+                <a:ext uri="{FF2B5EF4-FFF2-40B4-BE49-F238E27FC236}">
+                  <a16:creationId xmlns:a16="http://schemas.microsoft.com/office/drawing/2014/main" id="{D6EC36F7-CBFB-ADED-EBFC-52DF51336B1A}"/>
+                </a:ext>
+              </a:extLst>
+            </p:cNvPr>
+            <p:cNvCxnSpPr>
+              <a:cxnSpLocks/>
+              <a:endCxn id="61" idx="6"/>
+            </p:cNvCxnSpPr>
+            <p:nvPr/>
+          </p:nvCxnSpPr>
+          <p:spPr>
+            <a:xfrm flipH="1">
+              <a:off x="3051181" y="10072903"/>
+              <a:ext cx="1068718" cy="0"/>
+            </a:xfrm>
+            <a:prstGeom prst="line">
+              <a:avLst/>
+            </a:prstGeom>
+            <a:ln w="28575">
+              <a:solidFill>
+                <a:srgbClr val="D8D6D6"/>
+              </a:solidFill>
+            </a:ln>
+          </p:spPr>
+          <p:style>
+            <a:lnRef idx="1">
+              <a:schemeClr val="dk1"/>
+            </a:lnRef>
+            <a:fillRef idx="0">
+              <a:schemeClr val="dk1"/>
+            </a:fillRef>
+            <a:effectRef idx="0">
+              <a:schemeClr val="dk1"/>
+            </a:effectRef>
+            <a:fontRef idx="minor">
+              <a:schemeClr val="tx1"/>
+            </a:fontRef>
+          </p:style>
+        </p:cxnSp>
+        <p:sp>
+          <p:nvSpPr>
+            <p:cNvPr id="61" name="Oval 60">
+              <a:extLst>
+                <a:ext uri="{FF2B5EF4-FFF2-40B4-BE49-F238E27FC236}">
+                  <a16:creationId xmlns:a16="http://schemas.microsoft.com/office/drawing/2014/main" id="{50463CCB-4BC3-D878-7DE3-F4FE2292A01A}"/>
+                </a:ext>
+              </a:extLst>
+            </p:cNvPr>
+            <p:cNvSpPr>
+              <a:spLocks noChangeAspect="1"/>
+            </p:cNvSpPr>
+            <p:nvPr/>
+          </p:nvSpPr>
+          <p:spPr>
+            <a:xfrm>
+              <a:off x="2835181" y="9964903"/>
+              <a:ext cx="216000" cy="216000"/>
+            </a:xfrm>
+            <a:prstGeom prst="ellipse">
+              <a:avLst/>
+            </a:prstGeom>
+            <a:solidFill>
+              <a:schemeClr val="bg1"/>
+            </a:solidFill>
+            <a:ln w="38100">
+              <a:solidFill>
+                <a:srgbClr val="D8D6D6"/>
+              </a:solidFill>
+            </a:ln>
+          </p:spPr>
+          <p:style>
+            <a:lnRef idx="2">
+              <a:schemeClr val="accent1">
+                <a:shade val="50000"/>
+              </a:schemeClr>
+            </a:lnRef>
+            <a:fillRef idx="1">
+              <a:schemeClr val="accent1"/>
+            </a:fillRef>
+            <a:effectRef idx="0">
+              <a:schemeClr val="accent1"/>
+            </a:effectRef>
+            <a:fontRef idx="minor">
+              <a:schemeClr val="lt1"/>
+            </a:fontRef>
+          </p:style>
+          <p:txBody>
+            <a:bodyPr rtlCol="0" anchor="ctr"/>
+            <a:lstStyle/>
+            <a:p>
+              <a:pPr algn="ctr"/>
+              <a:endParaRPr lang="en-GB"/>
+            </a:p>
+          </p:txBody>
+        </p:sp>
+      </p:grpSp>
+      <p:grpSp>
+        <p:nvGrpSpPr>
+          <p:cNvPr id="62" name="Group 61">
+            <a:extLst>
+              <a:ext uri="{FF2B5EF4-FFF2-40B4-BE49-F238E27FC236}">
+                <a16:creationId xmlns:a16="http://schemas.microsoft.com/office/drawing/2014/main" id="{4CC0FC29-F8FD-BFF7-1BE8-77FBBBEA03CD}"/>
+              </a:ext>
+            </a:extLst>
+          </p:cNvPr>
+          <p:cNvGrpSpPr/>
+          <p:nvPr/>
+        </p:nvGrpSpPr>
+        <p:grpSpPr>
+          <a:xfrm flipH="1">
+            <a:off x="9000331" y="15257760"/>
+            <a:ext cx="1284718" cy="216000"/>
+            <a:chOff x="2835181" y="9964903"/>
+            <a:chExt cx="1284718" cy="216000"/>
+          </a:xfrm>
+        </p:grpSpPr>
+        <p:cxnSp>
+          <p:nvCxnSpPr>
+            <p:cNvPr id="63" name="Straight Connector 62">
+              <a:extLst>
+                <a:ext uri="{FF2B5EF4-FFF2-40B4-BE49-F238E27FC236}">
+                  <a16:creationId xmlns:a16="http://schemas.microsoft.com/office/drawing/2014/main" id="{CBBC6801-93F4-45AA-5FB8-37C3502F7551}"/>
+                </a:ext>
+              </a:extLst>
+            </p:cNvPr>
+            <p:cNvCxnSpPr>
+              <a:cxnSpLocks/>
+              <a:endCxn id="1024" idx="6"/>
+            </p:cNvCxnSpPr>
+            <p:nvPr/>
+          </p:nvCxnSpPr>
+          <p:spPr>
+            <a:xfrm flipH="1">
+              <a:off x="3051181" y="10072903"/>
+              <a:ext cx="1068718" cy="0"/>
+            </a:xfrm>
+            <a:prstGeom prst="line">
+              <a:avLst/>
+            </a:prstGeom>
+            <a:ln w="28575">
+              <a:solidFill>
+                <a:srgbClr val="D8D6D6"/>
+              </a:solidFill>
+            </a:ln>
+          </p:spPr>
+          <p:style>
+            <a:lnRef idx="1">
+              <a:schemeClr val="dk1"/>
+            </a:lnRef>
+            <a:fillRef idx="0">
+              <a:schemeClr val="dk1"/>
+            </a:fillRef>
+            <a:effectRef idx="0">
+              <a:schemeClr val="dk1"/>
+            </a:effectRef>
+            <a:fontRef idx="minor">
+              <a:schemeClr val="tx1"/>
+            </a:fontRef>
+          </p:style>
+        </p:cxnSp>
+        <p:sp>
+          <p:nvSpPr>
+            <p:cNvPr id="1024" name="Oval 1023">
+              <a:extLst>
+                <a:ext uri="{FF2B5EF4-FFF2-40B4-BE49-F238E27FC236}">
+                  <a16:creationId xmlns:a16="http://schemas.microsoft.com/office/drawing/2014/main" id="{0747FEB9-B838-33AD-BF31-B4B279961982}"/>
+                </a:ext>
+              </a:extLst>
+            </p:cNvPr>
+            <p:cNvSpPr>
+              <a:spLocks noChangeAspect="1"/>
+            </p:cNvSpPr>
+            <p:nvPr/>
+          </p:nvSpPr>
+          <p:spPr>
+            <a:xfrm>
+              <a:off x="2835181" y="9964903"/>
+              <a:ext cx="216000" cy="216000"/>
+            </a:xfrm>
+            <a:prstGeom prst="ellipse">
+              <a:avLst/>
+            </a:prstGeom>
+            <a:solidFill>
+              <a:schemeClr val="bg1"/>
+            </a:solidFill>
+            <a:ln w="38100">
+              <a:solidFill>
+                <a:srgbClr val="D8D6D6"/>
+              </a:solidFill>
+            </a:ln>
+          </p:spPr>
+          <p:style>
+            <a:lnRef idx="2">
+              <a:schemeClr val="accent1">
+                <a:shade val="50000"/>
+              </a:schemeClr>
+            </a:lnRef>
+            <a:fillRef idx="1">
+              <a:schemeClr val="accent1"/>
+            </a:fillRef>
+            <a:effectRef idx="0">
+              <a:schemeClr val="accent1"/>
+            </a:effectRef>
+            <a:fontRef idx="minor">
+              <a:schemeClr val="lt1"/>
+            </a:fontRef>
+          </p:style>
+          <p:txBody>
+            <a:bodyPr rtlCol="0" anchor="ctr"/>
+            <a:lstStyle/>
+            <a:p>
+              <a:pPr algn="ctr"/>
+              <a:endParaRPr lang="en-GB"/>
+            </a:p>
+          </p:txBody>
+        </p:sp>
+      </p:grpSp>
+      <p:grpSp>
+        <p:nvGrpSpPr>
+          <p:cNvPr id="1032" name="Group 1031">
+            <a:extLst>
+              <a:ext uri="{FF2B5EF4-FFF2-40B4-BE49-F238E27FC236}">
+                <a16:creationId xmlns:a16="http://schemas.microsoft.com/office/drawing/2014/main" id="{0C0AF0B8-39B6-5FD2-7043-BD39348B9320}"/>
+              </a:ext>
+            </a:extLst>
+          </p:cNvPr>
+          <p:cNvGrpSpPr/>
+          <p:nvPr/>
+        </p:nvGrpSpPr>
+        <p:grpSpPr>
+          <a:xfrm>
+            <a:off x="3002957" y="11154169"/>
+            <a:ext cx="1284718" cy="2593264"/>
+            <a:chOff x="3002957" y="11179669"/>
+            <a:chExt cx="1284718" cy="2593264"/>
+          </a:xfrm>
+        </p:grpSpPr>
+        <p:grpSp>
+          <p:nvGrpSpPr>
+            <p:cNvPr id="1025" name="Group 1024">
+              <a:extLst>
+                <a:ext uri="{FF2B5EF4-FFF2-40B4-BE49-F238E27FC236}">
+                  <a16:creationId xmlns:a16="http://schemas.microsoft.com/office/drawing/2014/main" id="{EBA5E0C9-BCC8-1684-AF87-457E6543C117}"/>
+                </a:ext>
+              </a:extLst>
+            </p:cNvPr>
+            <p:cNvGrpSpPr/>
+            <p:nvPr/>
+          </p:nvGrpSpPr>
+          <p:grpSpPr>
+            <a:xfrm rot="2700000">
+              <a:off x="3000602" y="11714028"/>
+              <a:ext cx="1284718" cy="216000"/>
+              <a:chOff x="2835181" y="9964903"/>
+              <a:chExt cx="1284718" cy="216000"/>
+            </a:xfrm>
+          </p:grpSpPr>
+          <p:cxnSp>
+            <p:nvCxnSpPr>
+              <p:cNvPr id="1027" name="Straight Connector 1026">
+                <a:extLst>
+                  <a:ext uri="{FF2B5EF4-FFF2-40B4-BE49-F238E27FC236}">
+                    <a16:creationId xmlns:a16="http://schemas.microsoft.com/office/drawing/2014/main" id="{E82D0182-CBC7-F5D9-2C49-B679B22CE7B4}"/>
+                  </a:ext>
+                </a:extLst>
+              </p:cNvPr>
+              <p:cNvCxnSpPr>
+                <a:cxnSpLocks/>
+                <a:endCxn id="1028" idx="6"/>
+              </p:cNvCxnSpPr>
+              <p:nvPr/>
+            </p:nvCxnSpPr>
+            <p:spPr>
+              <a:xfrm flipH="1">
+                <a:off x="3051181" y="10072903"/>
+                <a:ext cx="1068718" cy="0"/>
+              </a:xfrm>
+              <a:prstGeom prst="line">
+                <a:avLst/>
+              </a:prstGeom>
+              <a:ln w="28575">
+                <a:solidFill>
+                  <a:srgbClr val="D8D6D6"/>
+                </a:solidFill>
+              </a:ln>
+            </p:spPr>
+            <p:style>
+              <a:lnRef idx="1">
+                <a:schemeClr val="dk1"/>
+              </a:lnRef>
+              <a:fillRef idx="0">
+                <a:schemeClr val="dk1"/>
+              </a:fillRef>
+              <a:effectRef idx="0">
+                <a:schemeClr val="dk1"/>
+              </a:effectRef>
+              <a:fontRef idx="minor">
+                <a:schemeClr val="tx1"/>
+              </a:fontRef>
+            </p:style>
+          </p:cxnSp>
+          <p:sp>
+            <p:nvSpPr>
+              <p:cNvPr id="1028" name="Oval 1027">
+                <a:extLst>
+                  <a:ext uri="{FF2B5EF4-FFF2-40B4-BE49-F238E27FC236}">
+                    <a16:creationId xmlns:a16="http://schemas.microsoft.com/office/drawing/2014/main" id="{FBD2163C-A5E0-93F0-1D5E-A54C83B34ABB}"/>
+                  </a:ext>
+                </a:extLst>
+              </p:cNvPr>
+              <p:cNvSpPr>
+                <a:spLocks noChangeAspect="1"/>
+              </p:cNvSpPr>
+              <p:nvPr/>
+            </p:nvSpPr>
+            <p:spPr>
+              <a:xfrm>
+                <a:off x="2835181" y="9964903"/>
+                <a:ext cx="216000" cy="216000"/>
+              </a:xfrm>
+              <a:prstGeom prst="ellipse">
+                <a:avLst/>
+              </a:prstGeom>
+              <a:solidFill>
+                <a:schemeClr val="bg1"/>
+              </a:solidFill>
+              <a:ln w="38100">
+                <a:solidFill>
+                  <a:srgbClr val="D8D6D6"/>
+                </a:solidFill>
+              </a:ln>
+            </p:spPr>
+            <p:style>
+              <a:lnRef idx="2">
+                <a:schemeClr val="accent1">
+                  <a:shade val="50000"/>
+                </a:schemeClr>
+              </a:lnRef>
+              <a:fillRef idx="1">
+                <a:schemeClr val="accent1"/>
+              </a:fillRef>
+              <a:effectRef idx="0">
+                <a:schemeClr val="accent1"/>
+              </a:effectRef>
+              <a:fontRef idx="minor">
+                <a:schemeClr val="lt1"/>
+              </a:fontRef>
+            </p:style>
+            <p:txBody>
+              <a:bodyPr rtlCol="0" anchor="ctr"/>
+              <a:lstStyle/>
+              <a:p>
+                <a:pPr algn="ctr"/>
+                <a:endParaRPr lang="en-GB"/>
+              </a:p>
+            </p:txBody>
+          </p:sp>
+        </p:grpSp>
+        <p:grpSp>
+          <p:nvGrpSpPr>
+            <p:cNvPr id="1029" name="Group 1028">
+              <a:extLst>
+                <a:ext uri="{FF2B5EF4-FFF2-40B4-BE49-F238E27FC236}">
+                  <a16:creationId xmlns:a16="http://schemas.microsoft.com/office/drawing/2014/main" id="{30FE93FC-8800-6108-26BD-F0F9DB08E88D}"/>
+                </a:ext>
+              </a:extLst>
+            </p:cNvPr>
+            <p:cNvGrpSpPr/>
+            <p:nvPr/>
+          </p:nvGrpSpPr>
+          <p:grpSpPr>
+            <a:xfrm rot="18900000" flipV="1">
+              <a:off x="3002957" y="13556933"/>
+              <a:ext cx="1284718" cy="216000"/>
+              <a:chOff x="2835181" y="9964903"/>
+              <a:chExt cx="1284718" cy="216000"/>
+            </a:xfrm>
+          </p:grpSpPr>
+          <p:cxnSp>
+            <p:nvCxnSpPr>
+              <p:cNvPr id="1030" name="Straight Connector 1029">
+                <a:extLst>
+                  <a:ext uri="{FF2B5EF4-FFF2-40B4-BE49-F238E27FC236}">
+                    <a16:creationId xmlns:a16="http://schemas.microsoft.com/office/drawing/2014/main" id="{4D556771-EE23-5CE0-6C3D-CF685AA0FEA2}"/>
+                  </a:ext>
+                </a:extLst>
+              </p:cNvPr>
+              <p:cNvCxnSpPr>
+                <a:cxnSpLocks/>
+                <a:endCxn id="1031" idx="6"/>
+              </p:cNvCxnSpPr>
+              <p:nvPr/>
+            </p:nvCxnSpPr>
+            <p:spPr>
+              <a:xfrm flipH="1">
+                <a:off x="3051181" y="10072903"/>
+                <a:ext cx="1068718" cy="0"/>
+              </a:xfrm>
+              <a:prstGeom prst="line">
+                <a:avLst/>
+              </a:prstGeom>
+              <a:ln w="28575">
+                <a:solidFill>
+                  <a:srgbClr val="D8D6D6"/>
+                </a:solidFill>
+              </a:ln>
+            </p:spPr>
+            <p:style>
+              <a:lnRef idx="1">
+                <a:schemeClr val="dk1"/>
+              </a:lnRef>
+              <a:fillRef idx="0">
+                <a:schemeClr val="dk1"/>
+              </a:fillRef>
+              <a:effectRef idx="0">
+                <a:schemeClr val="dk1"/>
+              </a:effectRef>
+              <a:fontRef idx="minor">
+                <a:schemeClr val="tx1"/>
+              </a:fontRef>
+            </p:style>
+          </p:cxnSp>
+          <p:sp>
+            <p:nvSpPr>
+              <p:cNvPr id="1031" name="Oval 1030">
+                <a:extLst>
+                  <a:ext uri="{FF2B5EF4-FFF2-40B4-BE49-F238E27FC236}">
+                    <a16:creationId xmlns:a16="http://schemas.microsoft.com/office/drawing/2014/main" id="{9932250C-4D6D-33C8-33E9-D260368B99B7}"/>
+                  </a:ext>
+                </a:extLst>
+              </p:cNvPr>
+              <p:cNvSpPr>
+                <a:spLocks noChangeAspect="1"/>
+              </p:cNvSpPr>
+              <p:nvPr/>
+            </p:nvSpPr>
+            <p:spPr>
+              <a:xfrm>
+                <a:off x="2835181" y="9964903"/>
+                <a:ext cx="216000" cy="216000"/>
+              </a:xfrm>
+              <a:prstGeom prst="ellipse">
+                <a:avLst/>
+              </a:prstGeom>
+              <a:solidFill>
+                <a:schemeClr val="bg1"/>
+              </a:solidFill>
+              <a:ln w="38100">
+                <a:solidFill>
+                  <a:srgbClr val="D8D6D6"/>
+                </a:solidFill>
+              </a:ln>
+            </p:spPr>
+            <p:style>
+              <a:lnRef idx="2">
+                <a:schemeClr val="accent1">
+                  <a:shade val="50000"/>
+                </a:schemeClr>
+              </a:lnRef>
+              <a:fillRef idx="1">
+                <a:schemeClr val="accent1"/>
+              </a:fillRef>
+              <a:effectRef idx="0">
+                <a:schemeClr val="accent1"/>
+              </a:effectRef>
+              <a:fontRef idx="minor">
+                <a:schemeClr val="lt1"/>
+              </a:fontRef>
+            </p:style>
+            <p:txBody>
+              <a:bodyPr rtlCol="0" anchor="ctr"/>
+              <a:lstStyle/>
+              <a:p>
+                <a:pPr algn="ctr"/>
+                <a:endParaRPr lang="en-GB"/>
+              </a:p>
+            </p:txBody>
+          </p:sp>
+        </p:grpSp>
+      </p:grpSp>
+      <p:grpSp>
+        <p:nvGrpSpPr>
+          <p:cNvPr id="1033" name="Group 1032">
+            <a:extLst>
+              <a:ext uri="{FF2B5EF4-FFF2-40B4-BE49-F238E27FC236}">
+                <a16:creationId xmlns:a16="http://schemas.microsoft.com/office/drawing/2014/main" id="{F102A7AB-557C-5F06-FED7-D6E695228FAA}"/>
+              </a:ext>
+            </a:extLst>
+          </p:cNvPr>
+          <p:cNvGrpSpPr/>
+          <p:nvPr/>
+        </p:nvGrpSpPr>
+        <p:grpSpPr>
+          <a:xfrm flipH="1">
+            <a:off x="9156722" y="11154169"/>
+            <a:ext cx="1284718" cy="2593264"/>
+            <a:chOff x="3002957" y="11179669"/>
+            <a:chExt cx="1284718" cy="2593264"/>
+          </a:xfrm>
+        </p:grpSpPr>
+        <p:grpSp>
+          <p:nvGrpSpPr>
+            <p:cNvPr id="1034" name="Group 1033">
+              <a:extLst>
+                <a:ext uri="{FF2B5EF4-FFF2-40B4-BE49-F238E27FC236}">
+                  <a16:creationId xmlns:a16="http://schemas.microsoft.com/office/drawing/2014/main" id="{B030542F-E257-C1E7-AFF6-17CE47AE900D}"/>
+                </a:ext>
+              </a:extLst>
+            </p:cNvPr>
+            <p:cNvGrpSpPr/>
+            <p:nvPr/>
+          </p:nvGrpSpPr>
+          <p:grpSpPr>
+            <a:xfrm rot="2700000">
+              <a:off x="3000602" y="11714028"/>
+              <a:ext cx="1284718" cy="216000"/>
+              <a:chOff x="2835181" y="9964903"/>
+              <a:chExt cx="1284718" cy="216000"/>
+            </a:xfrm>
+          </p:grpSpPr>
+          <p:cxnSp>
+            <p:nvCxnSpPr>
+              <p:cNvPr id="1038" name="Straight Connector 1037">
+                <a:extLst>
+                  <a:ext uri="{FF2B5EF4-FFF2-40B4-BE49-F238E27FC236}">
+                    <a16:creationId xmlns:a16="http://schemas.microsoft.com/office/drawing/2014/main" id="{EAAEB380-3EBA-F26E-756E-D576105B15A0}"/>
+                  </a:ext>
+                </a:extLst>
+              </p:cNvPr>
+              <p:cNvCxnSpPr>
+                <a:cxnSpLocks/>
+                <a:endCxn id="1039" idx="6"/>
+              </p:cNvCxnSpPr>
+              <p:nvPr/>
+            </p:nvCxnSpPr>
+            <p:spPr>
+              <a:xfrm flipH="1">
+                <a:off x="3051181" y="10072903"/>
+                <a:ext cx="1068718" cy="0"/>
+              </a:xfrm>
+              <a:prstGeom prst="line">
+                <a:avLst/>
+              </a:prstGeom>
+              <a:ln w="28575">
+                <a:solidFill>
+                  <a:srgbClr val="D8D6D6"/>
+                </a:solidFill>
+              </a:ln>
+            </p:spPr>
+            <p:style>
+              <a:lnRef idx="1">
+                <a:schemeClr val="dk1"/>
+              </a:lnRef>
+              <a:fillRef idx="0">
+                <a:schemeClr val="dk1"/>
+              </a:fillRef>
+              <a:effectRef idx="0">
+                <a:schemeClr val="dk1"/>
+              </a:effectRef>
+              <a:fontRef idx="minor">
+                <a:schemeClr val="tx1"/>
+              </a:fontRef>
+            </p:style>
+          </p:cxnSp>
+          <p:sp>
+            <p:nvSpPr>
+              <p:cNvPr id="1039" name="Oval 1038">
+                <a:extLst>
+                  <a:ext uri="{FF2B5EF4-FFF2-40B4-BE49-F238E27FC236}">
+                    <a16:creationId xmlns:a16="http://schemas.microsoft.com/office/drawing/2014/main" id="{1D641491-DA3F-151E-25A2-58124CBFD8F6}"/>
+                  </a:ext>
+                </a:extLst>
+              </p:cNvPr>
+              <p:cNvSpPr>
+                <a:spLocks noChangeAspect="1"/>
+              </p:cNvSpPr>
+              <p:nvPr/>
+            </p:nvSpPr>
+            <p:spPr>
+              <a:xfrm>
+                <a:off x="2835181" y="9964903"/>
+                <a:ext cx="216000" cy="216000"/>
+              </a:xfrm>
+              <a:prstGeom prst="ellipse">
+                <a:avLst/>
+              </a:prstGeom>
+              <a:solidFill>
+                <a:schemeClr val="bg1"/>
+              </a:solidFill>
+              <a:ln w="38100">
+                <a:solidFill>
+                  <a:srgbClr val="D8D6D6"/>
+                </a:solidFill>
+              </a:ln>
+            </p:spPr>
+            <p:style>
+              <a:lnRef idx="2">
+                <a:schemeClr val="accent1">
+                  <a:shade val="50000"/>
+                </a:schemeClr>
+              </a:lnRef>
+              <a:fillRef idx="1">
+                <a:schemeClr val="accent1"/>
+              </a:fillRef>
+              <a:effectRef idx="0">
+                <a:schemeClr val="accent1"/>
+              </a:effectRef>
+              <a:fontRef idx="minor">
+                <a:schemeClr val="lt1"/>
+              </a:fontRef>
+            </p:style>
+            <p:txBody>
+              <a:bodyPr rtlCol="0" anchor="ctr"/>
+              <a:lstStyle/>
+              <a:p>
+                <a:pPr algn="ctr"/>
+                <a:endParaRPr lang="en-GB"/>
+              </a:p>
+            </p:txBody>
+          </p:sp>
+        </p:grpSp>
+        <p:grpSp>
+          <p:nvGrpSpPr>
+            <p:cNvPr id="1035" name="Group 1034">
+              <a:extLst>
+                <a:ext uri="{FF2B5EF4-FFF2-40B4-BE49-F238E27FC236}">
+                  <a16:creationId xmlns:a16="http://schemas.microsoft.com/office/drawing/2014/main" id="{660D17D5-5E81-3C34-867F-23903AA77B27}"/>
+                </a:ext>
+              </a:extLst>
+            </p:cNvPr>
+            <p:cNvGrpSpPr/>
+            <p:nvPr/>
+          </p:nvGrpSpPr>
+          <p:grpSpPr>
+            <a:xfrm rot="18900000" flipV="1">
+              <a:off x="3002957" y="13556933"/>
+              <a:ext cx="1284718" cy="216000"/>
+              <a:chOff x="2835181" y="9964903"/>
+              <a:chExt cx="1284718" cy="216000"/>
+            </a:xfrm>
+          </p:grpSpPr>
+          <p:cxnSp>
+            <p:nvCxnSpPr>
+              <p:cNvPr id="1036" name="Straight Connector 1035">
+                <a:extLst>
+                  <a:ext uri="{FF2B5EF4-FFF2-40B4-BE49-F238E27FC236}">
+                    <a16:creationId xmlns:a16="http://schemas.microsoft.com/office/drawing/2014/main" id="{78FBEBAB-15FE-C4A7-FB48-CF1B08DE48E9}"/>
+                  </a:ext>
+                </a:extLst>
+              </p:cNvPr>
+              <p:cNvCxnSpPr>
+                <a:cxnSpLocks/>
+                <a:endCxn id="1037" idx="6"/>
+              </p:cNvCxnSpPr>
+              <p:nvPr/>
+            </p:nvCxnSpPr>
+            <p:spPr>
+              <a:xfrm flipH="1">
+                <a:off x="3051181" y="10072903"/>
+                <a:ext cx="1068718" cy="0"/>
+              </a:xfrm>
+              <a:prstGeom prst="line">
+                <a:avLst/>
+              </a:prstGeom>
+              <a:ln w="28575">
+                <a:solidFill>
+                  <a:srgbClr val="D8D6D6"/>
+                </a:solidFill>
+              </a:ln>
+            </p:spPr>
+            <p:style>
+              <a:lnRef idx="1">
+                <a:schemeClr val="dk1"/>
+              </a:lnRef>
+              <a:fillRef idx="0">
+                <a:schemeClr val="dk1"/>
+              </a:fillRef>
+              <a:effectRef idx="0">
+                <a:schemeClr val="dk1"/>
+              </a:effectRef>
+              <a:fontRef idx="minor">
+                <a:schemeClr val="tx1"/>
+              </a:fontRef>
+            </p:style>
+          </p:cxnSp>
+          <p:sp>
+            <p:nvSpPr>
+              <p:cNvPr id="1037" name="Oval 1036">
+                <a:extLst>
+                  <a:ext uri="{FF2B5EF4-FFF2-40B4-BE49-F238E27FC236}">
+                    <a16:creationId xmlns:a16="http://schemas.microsoft.com/office/drawing/2014/main" id="{FE557313-9240-DB82-A821-DEB44D918DAC}"/>
+                  </a:ext>
+                </a:extLst>
+              </p:cNvPr>
+              <p:cNvSpPr>
+                <a:spLocks noChangeAspect="1"/>
+              </p:cNvSpPr>
+              <p:nvPr/>
+            </p:nvSpPr>
+            <p:spPr>
+              <a:xfrm>
+                <a:off x="2835181" y="9964903"/>
+                <a:ext cx="216000" cy="216000"/>
+              </a:xfrm>
+              <a:prstGeom prst="ellipse">
+                <a:avLst/>
+              </a:prstGeom>
+              <a:solidFill>
+                <a:schemeClr val="bg1"/>
+              </a:solidFill>
+              <a:ln w="38100">
+                <a:solidFill>
+                  <a:srgbClr val="D8D6D6"/>
+                </a:solidFill>
+              </a:ln>
+            </p:spPr>
+            <p:style>
+              <a:lnRef idx="2">
+                <a:schemeClr val="accent1">
+                  <a:shade val="50000"/>
+                </a:schemeClr>
+              </a:lnRef>
+              <a:fillRef idx="1">
+                <a:schemeClr val="accent1"/>
+              </a:fillRef>
+              <a:effectRef idx="0">
+                <a:schemeClr val="accent1"/>
+              </a:effectRef>
+              <a:fontRef idx="minor">
+                <a:schemeClr val="lt1"/>
+              </a:fontRef>
+            </p:style>
+            <p:txBody>
+              <a:bodyPr rtlCol="0" anchor="ctr"/>
+              <a:lstStyle/>
+              <a:p>
+                <a:pPr algn="ctr"/>
+                <a:endParaRPr lang="en-GB"/>
+              </a:p>
+            </p:txBody>
+          </p:sp>
+        </p:grpSp>
+      </p:grpSp>
+      <p:sp>
+        <p:nvSpPr>
+          <p:cNvPr id="8" name="Rectangle 7">
+            <a:extLst>
+              <a:ext uri="{FF2B5EF4-FFF2-40B4-BE49-F238E27FC236}">
+                <a16:creationId xmlns:a16="http://schemas.microsoft.com/office/drawing/2014/main" id="{8B09ACDB-2561-3F7D-50FB-CB151747BD23}"/>
+              </a:ext>
+            </a:extLst>
+          </p:cNvPr>
+          <p:cNvSpPr/>
           <p:nvPr/>
         </p:nvSpPr>
         <p:spPr>
           <a:xfrm>
-            <a:off x="13598229" y="13354450"/>
-            <a:ext cx="4276492" cy="3539430"/>
+            <a:off x="5235985" y="2231634"/>
+            <a:ext cx="12568051" cy="4909963"/>
           </a:xfrm>
           <a:prstGeom prst="rect">
             <a:avLst/>
           </a:prstGeom>
           <a:noFill/>
+          <a:ln>
+            <a:noFill/>
+          </a:ln>
         </p:spPr>
+        <p:style>
+          <a:lnRef idx="0">
+            <a:scrgbClr r="0" g="0" b="0"/>
+          </a:lnRef>
+          <a:fillRef idx="0">
+            <a:scrgbClr r="0" g="0" b="0"/>
+          </a:fillRef>
+          <a:effectRef idx="0">
+            <a:scrgbClr r="0" g="0" b="0"/>
+          </a:effectRef>
+          <a:fontRef idx="minor">
+            <a:schemeClr val="dk1"/>
+          </a:fontRef>
+        </p:style>
         <p:txBody>
-          <a:bodyPr wrap="square">
-            <a:spAutoFit/>
-          </a:bodyPr>
+          <a:bodyPr rtlCol="0" anchor="ctr"/>
           <a:lstStyle/>
           <a:p>
             <a:pPr algn="just"/>
             <a:r>
-              <a:rPr lang="fr-FR" sz="2800" b="1" dirty="0" err="1">
-                <a:latin typeface="Roboto" panose="02000000000000000000" pitchFamily="2" charset="0"/>
-                <a:ea typeface="Roboto" panose="02000000000000000000" pitchFamily="2" charset="0"/>
-              </a:rPr>
-              <a:t>Task</a:t>
-            </a:r>
-            <a:r>
-              <a:rPr lang="fr-FR" sz="2800" b="1" dirty="0">
-                <a:latin typeface="Roboto" panose="02000000000000000000" pitchFamily="2" charset="0"/>
-                <a:ea typeface="Roboto" panose="02000000000000000000" pitchFamily="2" charset="0"/>
-              </a:rPr>
-              <a:t>: </a:t>
-            </a:r>
-            <a:r>
-              <a:rPr lang="fr-FR" sz="2800" dirty="0">
-                <a:latin typeface="Roboto" panose="02000000000000000000" pitchFamily="2" charset="0"/>
-                <a:ea typeface="Roboto" panose="02000000000000000000" pitchFamily="2" charset="0"/>
-              </a:rPr>
-              <a:t>For </a:t>
-            </a:r>
-            <a:r>
-              <a:rPr lang="fr-FR" sz="2800" dirty="0" err="1">
-                <a:latin typeface="Roboto" panose="02000000000000000000" pitchFamily="2" charset="0"/>
-                <a:ea typeface="Roboto" panose="02000000000000000000" pitchFamily="2" charset="0"/>
-              </a:rPr>
-              <a:t>these</a:t>
-            </a:r>
-            <a:r>
-              <a:rPr lang="fr-FR" sz="2800" dirty="0">
-                <a:latin typeface="Roboto" panose="02000000000000000000" pitchFamily="2" charset="0"/>
-                <a:ea typeface="Roboto" panose="02000000000000000000" pitchFamily="2" charset="0"/>
-              </a:rPr>
-              <a:t> stimuli,  the correct </a:t>
-            </a:r>
-            <a:r>
-              <a:rPr lang="fr-FR" sz="2800" dirty="0" err="1">
-                <a:latin typeface="Roboto" panose="02000000000000000000" pitchFamily="2" charset="0"/>
-                <a:ea typeface="Roboto" panose="02000000000000000000" pitchFamily="2" charset="0"/>
-              </a:rPr>
-              <a:t>response</a:t>
-            </a:r>
-            <a:r>
-              <a:rPr lang="fr-FR" sz="2800" dirty="0">
-                <a:latin typeface="Roboto" panose="02000000000000000000" pitchFamily="2" charset="0"/>
-                <a:ea typeface="Roboto" panose="02000000000000000000" pitchFamily="2" charset="0"/>
+              <a:rPr lang="fr-FR" sz="3600" dirty="0">
+                <a:solidFill>
+                  <a:schemeClr val="tx1"/>
+                </a:solidFill>
+                <a:latin typeface="Roboto" panose="02000000000000000000" pitchFamily="2" charset="0"/>
+                <a:ea typeface="Roboto" panose="02000000000000000000" pitchFamily="2" charset="0"/>
+                <a:cs typeface="Arial" panose="020B0604020202020204" pitchFamily="34" charset="0"/>
+              </a:rPr>
+              <a:t>The Müller-Lyer Illusion </a:t>
+            </a:r>
+            <a:r>
+              <a:rPr lang="fr-FR" sz="3600" dirty="0" err="1">
+                <a:solidFill>
+                  <a:schemeClr val="tx1"/>
+                </a:solidFill>
+                <a:latin typeface="Roboto" panose="02000000000000000000" pitchFamily="2" charset="0"/>
+                <a:ea typeface="Roboto" panose="02000000000000000000" pitchFamily="2" charset="0"/>
+                <a:cs typeface="Arial" panose="020B0604020202020204" pitchFamily="34" charset="0"/>
+              </a:rPr>
+              <a:t>is</a:t>
+            </a:r>
+            <a:r>
+              <a:rPr lang="fr-FR" sz="3600" dirty="0">
+                <a:solidFill>
+                  <a:schemeClr val="tx1"/>
+                </a:solidFill>
+                <a:latin typeface="Roboto" panose="02000000000000000000" pitchFamily="2" charset="0"/>
+                <a:ea typeface="Roboto" panose="02000000000000000000" pitchFamily="2" charset="0"/>
+                <a:cs typeface="Arial" panose="020B0604020202020204" pitchFamily="34" charset="0"/>
               </a:rPr>
               <a:t> </a:t>
             </a:r>
             <a:r>
-              <a:rPr lang="fr-FR" sz="2800" dirty="0" err="1">
-                <a:latin typeface="Roboto" panose="02000000000000000000" pitchFamily="2" charset="0"/>
-                <a:ea typeface="Roboto" panose="02000000000000000000" pitchFamily="2" charset="0"/>
+              <a:rPr lang="fr-FR" sz="3600" dirty="0" err="1">
+                <a:solidFill>
+                  <a:schemeClr val="tx1"/>
+                </a:solidFill>
+                <a:latin typeface="Roboto" panose="02000000000000000000" pitchFamily="2" charset="0"/>
+                <a:ea typeface="Roboto" panose="02000000000000000000" pitchFamily="2" charset="0"/>
+                <a:cs typeface="Arial" panose="020B0604020202020204" pitchFamily="34" charset="0"/>
+              </a:rPr>
+              <a:t>traditionally</a:t>
+            </a:r>
+            <a:r>
+              <a:rPr lang="fr-FR" sz="3600" dirty="0">
+                <a:solidFill>
+                  <a:schemeClr val="tx1"/>
+                </a:solidFill>
+                <a:latin typeface="Roboto" panose="02000000000000000000" pitchFamily="2" charset="0"/>
+                <a:ea typeface="Roboto" panose="02000000000000000000" pitchFamily="2" charset="0"/>
+                <a:cs typeface="Arial" panose="020B0604020202020204" pitchFamily="34" charset="0"/>
+              </a:rPr>
+              <a:t> </a:t>
+            </a:r>
+            <a:r>
+              <a:rPr lang="fr-FR" sz="3600" dirty="0" err="1">
+                <a:solidFill>
+                  <a:schemeClr val="tx1"/>
+                </a:solidFill>
+                <a:latin typeface="Roboto" panose="02000000000000000000" pitchFamily="2" charset="0"/>
+                <a:ea typeface="Roboto" panose="02000000000000000000" pitchFamily="2" charset="0"/>
+                <a:cs typeface="Arial" panose="020B0604020202020204" pitchFamily="34" charset="0"/>
+              </a:rPr>
+              <a:t>presented</a:t>
+            </a:r>
+            <a:r>
+              <a:rPr lang="fr-FR" sz="3600" dirty="0">
+                <a:solidFill>
+                  <a:schemeClr val="tx1"/>
+                </a:solidFill>
+                <a:latin typeface="Roboto" panose="02000000000000000000" pitchFamily="2" charset="0"/>
+                <a:ea typeface="Roboto" panose="02000000000000000000" pitchFamily="2" charset="0"/>
+                <a:cs typeface="Arial" panose="020B0604020202020204" pitchFamily="34" charset="0"/>
+              </a:rPr>
+              <a:t> as </a:t>
+            </a:r>
+            <a:r>
+              <a:rPr lang="fr-FR" sz="3600" dirty="0" err="1">
+                <a:solidFill>
+                  <a:schemeClr val="tx1"/>
+                </a:solidFill>
+                <a:latin typeface="Roboto" panose="02000000000000000000" pitchFamily="2" charset="0"/>
+                <a:ea typeface="Roboto" panose="02000000000000000000" pitchFamily="2" charset="0"/>
+                <a:cs typeface="Arial" panose="020B0604020202020204" pitchFamily="34" charset="0"/>
+              </a:rPr>
+              <a:t>two</a:t>
+            </a:r>
+            <a:r>
+              <a:rPr lang="fr-FR" sz="3600" dirty="0">
+                <a:solidFill>
+                  <a:schemeClr val="tx1"/>
+                </a:solidFill>
+                <a:latin typeface="Roboto" panose="02000000000000000000" pitchFamily="2" charset="0"/>
+                <a:ea typeface="Roboto" panose="02000000000000000000" pitchFamily="2" charset="0"/>
+                <a:cs typeface="Arial" panose="020B0604020202020204" pitchFamily="34" charset="0"/>
+              </a:rPr>
+              <a:t> segments (the </a:t>
+            </a:r>
+            <a:r>
+              <a:rPr lang="fr-FR" sz="3600" b="1" dirty="0" err="1">
+                <a:solidFill>
+                  <a:schemeClr val="tx1"/>
+                </a:solidFill>
+                <a:latin typeface="Roboto" panose="02000000000000000000" pitchFamily="2" charset="0"/>
+                <a:ea typeface="Roboto" panose="02000000000000000000" pitchFamily="2" charset="0"/>
+                <a:cs typeface="Arial" panose="020B0604020202020204" pitchFamily="34" charset="0"/>
+              </a:rPr>
+              <a:t>red</a:t>
+            </a:r>
+            <a:r>
+              <a:rPr lang="fr-FR" sz="3600" dirty="0">
+                <a:solidFill>
+                  <a:schemeClr val="tx1"/>
+                </a:solidFill>
+                <a:latin typeface="Roboto" panose="02000000000000000000" pitchFamily="2" charset="0"/>
+                <a:ea typeface="Roboto" panose="02000000000000000000" pitchFamily="2" charset="0"/>
+                <a:cs typeface="Arial" panose="020B0604020202020204" pitchFamily="34" charset="0"/>
+              </a:rPr>
+              <a:t> </a:t>
+            </a:r>
+            <a:r>
+              <a:rPr lang="fr-FR" sz="3600" b="1" dirty="0" err="1">
+                <a:solidFill>
+                  <a:schemeClr val="tx1"/>
+                </a:solidFill>
+                <a:latin typeface="Roboto" panose="02000000000000000000" pitchFamily="2" charset="0"/>
+                <a:ea typeface="Roboto" panose="02000000000000000000" pitchFamily="2" charset="0"/>
+                <a:cs typeface="Arial" panose="020B0604020202020204" pitchFamily="34" charset="0"/>
+              </a:rPr>
+              <a:t>targets</a:t>
+            </a:r>
+            <a:r>
+              <a:rPr lang="fr-FR" sz="3600" dirty="0">
+                <a:solidFill>
+                  <a:schemeClr val="tx1"/>
+                </a:solidFill>
+                <a:latin typeface="Roboto" panose="02000000000000000000" pitchFamily="2" charset="0"/>
+                <a:ea typeface="Roboto" panose="02000000000000000000" pitchFamily="2" charset="0"/>
+                <a:cs typeface="Arial" panose="020B0604020202020204" pitchFamily="34" charset="0"/>
+              </a:rPr>
+              <a:t>), </a:t>
+            </a:r>
+            <a:r>
+              <a:rPr lang="fr-FR" sz="3600" dirty="0" err="1">
+                <a:solidFill>
+                  <a:schemeClr val="tx1"/>
+                </a:solidFill>
+                <a:latin typeface="Roboto" panose="02000000000000000000" pitchFamily="2" charset="0"/>
+                <a:ea typeface="Roboto" panose="02000000000000000000" pitchFamily="2" charset="0"/>
+                <a:cs typeface="Arial" panose="020B0604020202020204" pitchFamily="34" charset="0"/>
+              </a:rPr>
+              <a:t>which</a:t>
+            </a:r>
+            <a:r>
+              <a:rPr lang="fr-FR" sz="3600" dirty="0">
+                <a:solidFill>
+                  <a:schemeClr val="tx1"/>
+                </a:solidFill>
+                <a:latin typeface="Roboto" panose="02000000000000000000" pitchFamily="2" charset="0"/>
+                <a:ea typeface="Roboto" panose="02000000000000000000" pitchFamily="2" charset="0"/>
+                <a:cs typeface="Arial" panose="020B0604020202020204" pitchFamily="34" charset="0"/>
+              </a:rPr>
+              <a:t> perception </a:t>
+            </a:r>
+            <a:r>
+              <a:rPr lang="fr-FR" sz="3600" dirty="0" err="1">
+                <a:solidFill>
+                  <a:schemeClr val="tx1"/>
+                </a:solidFill>
+                <a:latin typeface="Roboto" panose="02000000000000000000" pitchFamily="2" charset="0"/>
+                <a:ea typeface="Roboto" panose="02000000000000000000" pitchFamily="2" charset="0"/>
+                <a:cs typeface="Arial" panose="020B0604020202020204" pitchFamily="34" charset="0"/>
               </a:rPr>
               <a:t>is</a:t>
             </a:r>
             <a:r>
-              <a:rPr lang="fr-FR" sz="2800" dirty="0">
-                <a:latin typeface="Roboto" panose="02000000000000000000" pitchFamily="2" charset="0"/>
-                <a:ea typeface="Roboto" panose="02000000000000000000" pitchFamily="2" charset="0"/>
+              <a:rPr lang="fr-FR" sz="3600" dirty="0">
+                <a:solidFill>
+                  <a:schemeClr val="tx1"/>
+                </a:solidFill>
+                <a:latin typeface="Roboto" panose="02000000000000000000" pitchFamily="2" charset="0"/>
+                <a:ea typeface="Roboto" panose="02000000000000000000" pitchFamily="2" charset="0"/>
+                <a:cs typeface="Arial" panose="020B0604020202020204" pitchFamily="34" charset="0"/>
               </a:rPr>
               <a:t> </a:t>
             </a:r>
             <a:r>
-              <a:rPr lang="fr-FR" sz="2800" dirty="0" err="1">
-                <a:latin typeface="Roboto" panose="02000000000000000000" pitchFamily="2" charset="0"/>
-                <a:ea typeface="Roboto" panose="02000000000000000000" pitchFamily="2" charset="0"/>
-              </a:rPr>
-              <a:t>always</a:t>
-            </a:r>
-            <a:r>
-              <a:rPr lang="fr-FR" sz="2800" dirty="0">
-                <a:latin typeface="Roboto" panose="02000000000000000000" pitchFamily="2" charset="0"/>
-                <a:ea typeface="Roboto" panose="02000000000000000000" pitchFamily="2" charset="0"/>
-              </a:rPr>
-              <a:t> the « up » </a:t>
-            </a:r>
-            <a:r>
-              <a:rPr lang="fr-FR" sz="2800" dirty="0" err="1">
-                <a:latin typeface="Roboto" panose="02000000000000000000" pitchFamily="2" charset="0"/>
-                <a:ea typeface="Roboto" panose="02000000000000000000" pitchFamily="2" charset="0"/>
-              </a:rPr>
-              <a:t>arrow</a:t>
-            </a:r>
-            <a:r>
-              <a:rPr lang="fr-FR" sz="2800" dirty="0">
-                <a:latin typeface="Roboto" panose="02000000000000000000" pitchFamily="2" charset="0"/>
-                <a:ea typeface="Roboto" panose="02000000000000000000" pitchFamily="2" charset="0"/>
-              </a:rPr>
-              <a:t>, </a:t>
-            </a:r>
-            <a:r>
-              <a:rPr lang="fr-FR" sz="2800" dirty="0" err="1">
-                <a:latin typeface="Roboto" panose="02000000000000000000" pitchFamily="2" charset="0"/>
-                <a:ea typeface="Roboto" panose="02000000000000000000" pitchFamily="2" charset="0"/>
-              </a:rPr>
-              <a:t>indicating</a:t>
-            </a:r>
-            <a:r>
-              <a:rPr lang="fr-FR" sz="2800" dirty="0">
-                <a:latin typeface="Roboto" panose="02000000000000000000" pitchFamily="2" charset="0"/>
-                <a:ea typeface="Roboto" panose="02000000000000000000" pitchFamily="2" charset="0"/>
-              </a:rPr>
-              <a:t> the longer </a:t>
-            </a:r>
-            <a:r>
-              <a:rPr lang="fr-FR" sz="2800" dirty="0" err="1">
-                <a:latin typeface="Roboto" panose="02000000000000000000" pitchFamily="2" charset="0"/>
-                <a:ea typeface="Roboto" panose="02000000000000000000" pitchFamily="2" charset="0"/>
-              </a:rPr>
-              <a:t>red</a:t>
-            </a:r>
-            <a:r>
-              <a:rPr lang="fr-FR" sz="2800" dirty="0">
-                <a:latin typeface="Roboto" panose="02000000000000000000" pitchFamily="2" charset="0"/>
-                <a:ea typeface="Roboto" panose="02000000000000000000" pitchFamily="2" charset="0"/>
-              </a:rPr>
-              <a:t> segment. </a:t>
-            </a:r>
-            <a:r>
-              <a:rPr lang="fr-FR" sz="2800" dirty="0" err="1">
-                <a:latin typeface="Roboto" panose="02000000000000000000" pitchFamily="2" charset="0"/>
-                <a:ea typeface="Roboto" panose="02000000000000000000" pitchFamily="2" charset="0"/>
-              </a:rPr>
-              <a:t>We</a:t>
-            </a:r>
-            <a:r>
-              <a:rPr lang="fr-FR" sz="2800" dirty="0">
-                <a:latin typeface="Roboto" panose="02000000000000000000" pitchFamily="2" charset="0"/>
-                <a:ea typeface="Roboto" panose="02000000000000000000" pitchFamily="2" charset="0"/>
+              <a:rPr lang="fr-FR" sz="3600" dirty="0" err="1">
+                <a:solidFill>
+                  <a:schemeClr val="tx1"/>
+                </a:solidFill>
+                <a:latin typeface="Roboto" panose="02000000000000000000" pitchFamily="2" charset="0"/>
+                <a:ea typeface="Roboto" panose="02000000000000000000" pitchFamily="2" charset="0"/>
+                <a:cs typeface="Arial" panose="020B0604020202020204" pitchFamily="34" charset="0"/>
+              </a:rPr>
+              <a:t>biased</a:t>
+            </a:r>
+            <a:r>
+              <a:rPr lang="fr-FR" sz="3600" dirty="0">
+                <a:solidFill>
+                  <a:schemeClr val="tx1"/>
+                </a:solidFill>
+                <a:latin typeface="Roboto" panose="02000000000000000000" pitchFamily="2" charset="0"/>
+                <a:ea typeface="Roboto" panose="02000000000000000000" pitchFamily="2" charset="0"/>
+                <a:cs typeface="Arial" panose="020B0604020202020204" pitchFamily="34" charset="0"/>
+              </a:rPr>
+              <a:t> by the </a:t>
+            </a:r>
+            <a:r>
+              <a:rPr lang="fr-FR" sz="3600" b="1" dirty="0" err="1">
+                <a:solidFill>
+                  <a:schemeClr val="tx1"/>
+                </a:solidFill>
+                <a:latin typeface="Roboto" panose="02000000000000000000" pitchFamily="2" charset="0"/>
+                <a:ea typeface="Roboto" panose="02000000000000000000" pitchFamily="2" charset="0"/>
+                <a:cs typeface="Arial" panose="020B0604020202020204" pitchFamily="34" charset="0"/>
+              </a:rPr>
+              <a:t>context</a:t>
+            </a:r>
+            <a:r>
+              <a:rPr lang="fr-FR" sz="3600" dirty="0">
+                <a:solidFill>
+                  <a:schemeClr val="tx1"/>
+                </a:solidFill>
+                <a:latin typeface="Roboto" panose="02000000000000000000" pitchFamily="2" charset="0"/>
+                <a:ea typeface="Roboto" panose="02000000000000000000" pitchFamily="2" charset="0"/>
+                <a:cs typeface="Arial" panose="020B0604020202020204" pitchFamily="34" charset="0"/>
+              </a:rPr>
+              <a:t> (the </a:t>
+            </a:r>
+            <a:r>
+              <a:rPr lang="fr-FR" sz="3600" dirty="0" err="1">
+                <a:solidFill>
+                  <a:schemeClr val="tx1"/>
+                </a:solidFill>
+                <a:latin typeface="Roboto" panose="02000000000000000000" pitchFamily="2" charset="0"/>
+                <a:ea typeface="Roboto" panose="02000000000000000000" pitchFamily="2" charset="0"/>
+                <a:cs typeface="Arial" panose="020B0604020202020204" pitchFamily="34" charset="0"/>
+              </a:rPr>
+              <a:t>arrows</a:t>
+            </a:r>
+            <a:r>
+              <a:rPr lang="fr-FR" sz="3600" dirty="0">
+                <a:solidFill>
+                  <a:schemeClr val="tx1"/>
+                </a:solidFill>
+                <a:latin typeface="Roboto" panose="02000000000000000000" pitchFamily="2" charset="0"/>
+                <a:ea typeface="Roboto" panose="02000000000000000000" pitchFamily="2" charset="0"/>
+                <a:cs typeface="Arial" panose="020B0604020202020204" pitchFamily="34" charset="0"/>
+              </a:rPr>
+              <a:t>). </a:t>
+            </a:r>
+            <a:r>
+              <a:rPr lang="fr-FR" sz="3600" dirty="0" err="1">
+                <a:solidFill>
+                  <a:schemeClr val="tx1"/>
+                </a:solidFill>
+                <a:latin typeface="Roboto" panose="02000000000000000000" pitchFamily="2" charset="0"/>
+                <a:ea typeface="Roboto" panose="02000000000000000000" pitchFamily="2" charset="0"/>
+                <a:cs typeface="Arial" panose="020B0604020202020204" pitchFamily="34" charset="0"/>
+              </a:rPr>
+              <a:t>Here</a:t>
+            </a:r>
+            <a:r>
+              <a:rPr lang="fr-FR" sz="3600" dirty="0">
+                <a:solidFill>
+                  <a:schemeClr val="tx1"/>
+                </a:solidFill>
+                <a:latin typeface="Roboto" panose="02000000000000000000" pitchFamily="2" charset="0"/>
+                <a:ea typeface="Roboto" panose="02000000000000000000" pitchFamily="2" charset="0"/>
+                <a:cs typeface="Arial" panose="020B0604020202020204" pitchFamily="34" charset="0"/>
+              </a:rPr>
+              <a:t>, the </a:t>
+            </a:r>
+            <a:r>
+              <a:rPr lang="fr-FR" sz="3600" dirty="0" err="1">
+                <a:solidFill>
+                  <a:schemeClr val="tx1"/>
+                </a:solidFill>
+                <a:latin typeface="Roboto" panose="02000000000000000000" pitchFamily="2" charset="0"/>
+                <a:ea typeface="Roboto" panose="02000000000000000000" pitchFamily="2" charset="0"/>
+                <a:cs typeface="Arial" panose="020B0604020202020204" pitchFamily="34" charset="0"/>
+              </a:rPr>
+              <a:t>lower</a:t>
+            </a:r>
+            <a:r>
+              <a:rPr lang="fr-FR" sz="3600" dirty="0">
+                <a:solidFill>
+                  <a:schemeClr val="tx1"/>
+                </a:solidFill>
+                <a:latin typeface="Roboto" panose="02000000000000000000" pitchFamily="2" charset="0"/>
+                <a:ea typeface="Roboto" panose="02000000000000000000" pitchFamily="2" charset="0"/>
+                <a:cs typeface="Arial" panose="020B0604020202020204" pitchFamily="34" charset="0"/>
+              </a:rPr>
+              <a:t> segment </a:t>
+            </a:r>
+            <a:r>
+              <a:rPr lang="fr-FR" sz="3600" dirty="0" err="1">
+                <a:solidFill>
+                  <a:schemeClr val="tx1"/>
+                </a:solidFill>
+                <a:latin typeface="Roboto" panose="02000000000000000000" pitchFamily="2" charset="0"/>
+                <a:ea typeface="Roboto" panose="02000000000000000000" pitchFamily="2" charset="0"/>
+                <a:cs typeface="Arial" panose="020B0604020202020204" pitchFamily="34" charset="0"/>
+              </a:rPr>
+              <a:t>appears</a:t>
+            </a:r>
+            <a:r>
+              <a:rPr lang="fr-FR" sz="3600" dirty="0">
+                <a:solidFill>
+                  <a:schemeClr val="tx1"/>
+                </a:solidFill>
+                <a:latin typeface="Roboto" panose="02000000000000000000" pitchFamily="2" charset="0"/>
+                <a:ea typeface="Roboto" panose="02000000000000000000" pitchFamily="2" charset="0"/>
+                <a:cs typeface="Arial" panose="020B0604020202020204" pitchFamily="34" charset="0"/>
+              </a:rPr>
+              <a:t> longer </a:t>
+            </a:r>
+            <a:r>
+              <a:rPr lang="fr-FR" sz="3600" dirty="0" err="1">
+                <a:solidFill>
+                  <a:schemeClr val="tx1"/>
+                </a:solidFill>
+                <a:latin typeface="Roboto" panose="02000000000000000000" pitchFamily="2" charset="0"/>
+                <a:ea typeface="Roboto" panose="02000000000000000000" pitchFamily="2" charset="0"/>
+                <a:cs typeface="Arial" panose="020B0604020202020204" pitchFamily="34" charset="0"/>
+              </a:rPr>
+              <a:t>despite</a:t>
+            </a:r>
+            <a:r>
+              <a:rPr lang="fr-FR" sz="3600" dirty="0">
+                <a:solidFill>
+                  <a:schemeClr val="tx1"/>
+                </a:solidFill>
+                <a:latin typeface="Roboto" panose="02000000000000000000" pitchFamily="2" charset="0"/>
+                <a:ea typeface="Roboto" panose="02000000000000000000" pitchFamily="2" charset="0"/>
+                <a:cs typeface="Arial" panose="020B0604020202020204" pitchFamily="34" charset="0"/>
               </a:rPr>
               <a:t> </a:t>
             </a:r>
             <a:r>
-              <a:rPr lang="fr-FR" sz="2800" dirty="0" err="1">
-                <a:latin typeface="Roboto" panose="02000000000000000000" pitchFamily="2" charset="0"/>
-                <a:ea typeface="Roboto" panose="02000000000000000000" pitchFamily="2" charset="0"/>
-              </a:rPr>
-              <a:t>measured</a:t>
-            </a:r>
-            <a:r>
-              <a:rPr lang="fr-FR" sz="2800" dirty="0">
-                <a:latin typeface="Roboto" panose="02000000000000000000" pitchFamily="2" charset="0"/>
-                <a:ea typeface="Roboto" panose="02000000000000000000" pitchFamily="2" charset="0"/>
-              </a:rPr>
-              <a:t> the </a:t>
-            </a:r>
-            <a:r>
-              <a:rPr lang="fr-FR" sz="2800" dirty="0" err="1">
-                <a:latin typeface="Roboto" panose="02000000000000000000" pitchFamily="2" charset="0"/>
-                <a:ea typeface="Roboto" panose="02000000000000000000" pitchFamily="2" charset="0"/>
-              </a:rPr>
-              <a:t>reaction</a:t>
-            </a:r>
-            <a:r>
-              <a:rPr lang="fr-FR" sz="2800" dirty="0">
-                <a:latin typeface="Roboto" panose="02000000000000000000" pitchFamily="2" charset="0"/>
-                <a:ea typeface="Roboto" panose="02000000000000000000" pitchFamily="2" charset="0"/>
-              </a:rPr>
-              <a:t> time and the </a:t>
-            </a:r>
-            <a:r>
-              <a:rPr lang="fr-FR" sz="2800" dirty="0" err="1">
-                <a:latin typeface="Roboto" panose="02000000000000000000" pitchFamily="2" charset="0"/>
-                <a:ea typeface="Roboto" panose="02000000000000000000" pitchFamily="2" charset="0"/>
-              </a:rPr>
-              <a:t>errors</a:t>
-            </a:r>
-            <a:r>
-              <a:rPr lang="fr-FR" sz="2800" dirty="0">
-                <a:latin typeface="Roboto" panose="02000000000000000000" pitchFamily="2" charset="0"/>
-                <a:ea typeface="Roboto" panose="02000000000000000000" pitchFamily="2" charset="0"/>
-              </a:rPr>
-              <a:t> (in </a:t>
-            </a:r>
-            <a:r>
-              <a:rPr lang="fr-FR" sz="2800" dirty="0" err="1">
-                <a:latin typeface="Roboto" panose="02000000000000000000" pitchFamily="2" charset="0"/>
-                <a:ea typeface="Roboto" panose="02000000000000000000" pitchFamily="2" charset="0"/>
-              </a:rPr>
-              <a:t>this</a:t>
-            </a:r>
-            <a:r>
-              <a:rPr lang="fr-FR" sz="2800" dirty="0">
-                <a:latin typeface="Roboto" panose="02000000000000000000" pitchFamily="2" charset="0"/>
-                <a:ea typeface="Roboto" panose="02000000000000000000" pitchFamily="2" charset="0"/>
-              </a:rPr>
-              <a:t> case, the « down » </a:t>
-            </a:r>
-            <a:r>
-              <a:rPr lang="fr-FR" sz="2800" dirty="0" err="1">
-                <a:latin typeface="Roboto" panose="02000000000000000000" pitchFamily="2" charset="0"/>
-                <a:ea typeface="Roboto" panose="02000000000000000000" pitchFamily="2" charset="0"/>
-              </a:rPr>
-              <a:t>arrow</a:t>
-            </a:r>
-            <a:r>
-              <a:rPr lang="fr-FR" sz="2800" dirty="0">
-                <a:latin typeface="Roboto" panose="02000000000000000000" pitchFamily="2" charset="0"/>
-                <a:ea typeface="Roboto" panose="02000000000000000000" pitchFamily="2" charset="0"/>
-              </a:rPr>
-              <a:t>).</a:t>
-            </a:r>
-            <a:endParaRPr lang="en-GB" sz="2800" dirty="0">
+              <a:rPr lang="fr-FR" sz="3600" dirty="0" err="1">
+                <a:solidFill>
+                  <a:schemeClr val="tx1"/>
+                </a:solidFill>
+                <a:latin typeface="Roboto" panose="02000000000000000000" pitchFamily="2" charset="0"/>
+                <a:ea typeface="Roboto" panose="02000000000000000000" pitchFamily="2" charset="0"/>
+                <a:cs typeface="Arial" panose="020B0604020202020204" pitchFamily="34" charset="0"/>
+              </a:rPr>
+              <a:t>being</a:t>
+            </a:r>
+            <a:r>
+              <a:rPr lang="fr-FR" sz="3600" dirty="0">
+                <a:solidFill>
+                  <a:schemeClr val="tx1"/>
+                </a:solidFill>
+                <a:latin typeface="Roboto" panose="02000000000000000000" pitchFamily="2" charset="0"/>
+                <a:ea typeface="Roboto" panose="02000000000000000000" pitchFamily="2" charset="0"/>
+                <a:cs typeface="Arial" panose="020B0604020202020204" pitchFamily="34" charset="0"/>
+              </a:rPr>
+              <a:t> of the </a:t>
+            </a:r>
+            <a:r>
+              <a:rPr lang="fr-FR" sz="3600" dirty="0" err="1">
+                <a:solidFill>
+                  <a:schemeClr val="tx1"/>
+                </a:solidFill>
+                <a:latin typeface="Roboto" panose="02000000000000000000" pitchFamily="2" charset="0"/>
+                <a:ea typeface="Roboto" panose="02000000000000000000" pitchFamily="2" charset="0"/>
+                <a:cs typeface="Arial" panose="020B0604020202020204" pitchFamily="34" charset="0"/>
+              </a:rPr>
+              <a:t>same</a:t>
+            </a:r>
+            <a:r>
+              <a:rPr lang="fr-FR" sz="3600" dirty="0">
+                <a:solidFill>
+                  <a:schemeClr val="tx1"/>
+                </a:solidFill>
+                <a:latin typeface="Roboto" panose="02000000000000000000" pitchFamily="2" charset="0"/>
+                <a:ea typeface="Roboto" panose="02000000000000000000" pitchFamily="2" charset="0"/>
+                <a:cs typeface="Arial" panose="020B0604020202020204" pitchFamily="34" charset="0"/>
+              </a:rPr>
+              <a:t> </a:t>
+            </a:r>
+            <a:r>
+              <a:rPr lang="fr-FR" sz="3600" dirty="0" err="1">
+                <a:solidFill>
+                  <a:schemeClr val="tx1"/>
+                </a:solidFill>
+                <a:latin typeface="Roboto" panose="02000000000000000000" pitchFamily="2" charset="0"/>
+                <a:ea typeface="Roboto" panose="02000000000000000000" pitchFamily="2" charset="0"/>
+                <a:cs typeface="Arial" panose="020B0604020202020204" pitchFamily="34" charset="0"/>
+              </a:rPr>
+              <a:t>length</a:t>
+            </a:r>
+            <a:r>
+              <a:rPr lang="fr-FR" sz="3600" dirty="0">
+                <a:solidFill>
+                  <a:schemeClr val="tx1"/>
+                </a:solidFill>
+                <a:latin typeface="Roboto" panose="02000000000000000000" pitchFamily="2" charset="0"/>
+                <a:ea typeface="Roboto" panose="02000000000000000000" pitchFamily="2" charset="0"/>
+                <a:cs typeface="Arial" panose="020B0604020202020204" pitchFamily="34" charset="0"/>
+              </a:rPr>
+              <a:t>.</a:t>
+            </a:r>
+          </a:p>
+          <a:p>
+            <a:pPr algn="just"/>
+            <a:endParaRPr lang="fr-FR" sz="3600" dirty="0">
+              <a:solidFill>
+                <a:schemeClr val="tx1"/>
+              </a:solidFill>
               <a:latin typeface="Roboto" panose="02000000000000000000" pitchFamily="2" charset="0"/>
               <a:ea typeface="Roboto" panose="02000000000000000000" pitchFamily="2" charset="0"/>
+              <a:cs typeface="Arial" panose="020B0604020202020204" pitchFamily="34" charset="0"/>
+            </a:endParaRPr>
+          </a:p>
+          <a:p>
+            <a:pPr algn="just"/>
+            <a:r>
+              <a:rPr lang="fr-FR" sz="3600" dirty="0">
+                <a:solidFill>
+                  <a:schemeClr val="tx1"/>
+                </a:solidFill>
+                <a:latin typeface="Roboto" panose="02000000000000000000" pitchFamily="2" charset="0"/>
+                <a:ea typeface="Roboto" panose="02000000000000000000" pitchFamily="2" charset="0"/>
+                <a:cs typeface="Arial" panose="020B0604020202020204" pitchFamily="34" charset="0"/>
+              </a:rPr>
+              <a:t>In </a:t>
+            </a:r>
+            <a:r>
+              <a:rPr lang="fr-FR" sz="3600" dirty="0" err="1">
+                <a:solidFill>
+                  <a:schemeClr val="tx1"/>
+                </a:solidFill>
+                <a:latin typeface="Roboto" panose="02000000000000000000" pitchFamily="2" charset="0"/>
+                <a:ea typeface="Roboto" panose="02000000000000000000" pitchFamily="2" charset="0"/>
+                <a:cs typeface="Arial" panose="020B0604020202020204" pitchFamily="34" charset="0"/>
+              </a:rPr>
+              <a:t>this</a:t>
+            </a:r>
+            <a:r>
+              <a:rPr lang="fr-FR" sz="3600" dirty="0">
+                <a:solidFill>
+                  <a:schemeClr val="tx1"/>
+                </a:solidFill>
+                <a:latin typeface="Roboto" panose="02000000000000000000" pitchFamily="2" charset="0"/>
+                <a:ea typeface="Roboto" panose="02000000000000000000" pitchFamily="2" charset="0"/>
+                <a:cs typeface="Arial" panose="020B0604020202020204" pitchFamily="34" charset="0"/>
+              </a:rPr>
+              <a:t> illusion, the </a:t>
+            </a:r>
+            <a:r>
+              <a:rPr lang="fr-FR" sz="3600" b="1" dirty="0" err="1">
+                <a:solidFill>
+                  <a:srgbClr val="00B050"/>
+                </a:solidFill>
+                <a:latin typeface="Roboto" panose="02000000000000000000" pitchFamily="2" charset="0"/>
+                <a:ea typeface="Roboto" panose="02000000000000000000" pitchFamily="2" charset="0"/>
+                <a:cs typeface="Arial" panose="020B0604020202020204" pitchFamily="34" charset="0"/>
+              </a:rPr>
+              <a:t>task</a:t>
+            </a:r>
+            <a:r>
+              <a:rPr lang="fr-FR" sz="3600" b="1" dirty="0">
+                <a:solidFill>
+                  <a:srgbClr val="00B050"/>
+                </a:solidFill>
+                <a:latin typeface="Roboto" panose="02000000000000000000" pitchFamily="2" charset="0"/>
+                <a:ea typeface="Roboto" panose="02000000000000000000" pitchFamily="2" charset="0"/>
+                <a:cs typeface="Arial" panose="020B0604020202020204" pitchFamily="34" charset="0"/>
+              </a:rPr>
+              <a:t> </a:t>
+            </a:r>
+            <a:r>
+              <a:rPr lang="fr-FR" sz="3600" b="1" dirty="0" err="1">
+                <a:solidFill>
+                  <a:srgbClr val="00B050"/>
+                </a:solidFill>
+                <a:latin typeface="Roboto" panose="02000000000000000000" pitchFamily="2" charset="0"/>
+                <a:ea typeface="Roboto" panose="02000000000000000000" pitchFamily="2" charset="0"/>
+                <a:cs typeface="Arial" panose="020B0604020202020204" pitchFamily="34" charset="0"/>
+              </a:rPr>
+              <a:t>difficulty</a:t>
+            </a:r>
+            <a:r>
+              <a:rPr lang="fr-FR" sz="3600" b="1" dirty="0">
+                <a:solidFill>
+                  <a:srgbClr val="00B050"/>
+                </a:solidFill>
+                <a:latin typeface="Roboto" panose="02000000000000000000" pitchFamily="2" charset="0"/>
+                <a:ea typeface="Roboto" panose="02000000000000000000" pitchFamily="2" charset="0"/>
+                <a:cs typeface="Arial" panose="020B0604020202020204" pitchFamily="34" charset="0"/>
+              </a:rPr>
+              <a:t> </a:t>
+            </a:r>
+            <a:r>
+              <a:rPr lang="fr-FR" sz="3600" dirty="0">
+                <a:solidFill>
+                  <a:schemeClr val="tx1"/>
+                </a:solidFill>
+                <a:latin typeface="Roboto" panose="02000000000000000000" pitchFamily="2" charset="0"/>
+                <a:ea typeface="Roboto" panose="02000000000000000000" pitchFamily="2" charset="0"/>
+                <a:cs typeface="Arial" panose="020B0604020202020204" pitchFamily="34" charset="0"/>
+              </a:rPr>
+              <a:t>corresponds to the </a:t>
+            </a:r>
+            <a:r>
+              <a:rPr lang="fr-FR" sz="3600" dirty="0" err="1">
+                <a:solidFill>
+                  <a:schemeClr val="tx1"/>
+                </a:solidFill>
+                <a:latin typeface="Roboto" panose="02000000000000000000" pitchFamily="2" charset="0"/>
+                <a:ea typeface="Roboto" panose="02000000000000000000" pitchFamily="2" charset="0"/>
+                <a:cs typeface="Arial" panose="020B0604020202020204" pitchFamily="34" charset="0"/>
+              </a:rPr>
+              <a:t>difference</a:t>
+            </a:r>
+            <a:r>
+              <a:rPr lang="fr-FR" sz="3600" dirty="0">
+                <a:solidFill>
+                  <a:schemeClr val="tx1"/>
+                </a:solidFill>
+                <a:latin typeface="Roboto" panose="02000000000000000000" pitchFamily="2" charset="0"/>
+                <a:ea typeface="Roboto" panose="02000000000000000000" pitchFamily="2" charset="0"/>
+                <a:cs typeface="Arial" panose="020B0604020202020204" pitchFamily="34" charset="0"/>
+              </a:rPr>
+              <a:t> </a:t>
+            </a:r>
+            <a:r>
+              <a:rPr lang="fr-FR" sz="3600" dirty="0" err="1">
+                <a:solidFill>
+                  <a:schemeClr val="tx1"/>
+                </a:solidFill>
+                <a:latin typeface="Roboto" panose="02000000000000000000" pitchFamily="2" charset="0"/>
+                <a:ea typeface="Roboto" panose="02000000000000000000" pitchFamily="2" charset="0"/>
+                <a:cs typeface="Arial" panose="020B0604020202020204" pitchFamily="34" charset="0"/>
+              </a:rPr>
+              <a:t>between</a:t>
+            </a:r>
+            <a:r>
+              <a:rPr lang="fr-FR" sz="3600" dirty="0">
+                <a:solidFill>
+                  <a:schemeClr val="tx1"/>
+                </a:solidFill>
+                <a:latin typeface="Roboto" panose="02000000000000000000" pitchFamily="2" charset="0"/>
+                <a:ea typeface="Roboto" panose="02000000000000000000" pitchFamily="2" charset="0"/>
+                <a:cs typeface="Arial" panose="020B0604020202020204" pitchFamily="34" charset="0"/>
+              </a:rPr>
+              <a:t> the </a:t>
+            </a:r>
+            <a:r>
+              <a:rPr lang="fr-FR" sz="3600" dirty="0" err="1">
+                <a:solidFill>
+                  <a:schemeClr val="tx1"/>
+                </a:solidFill>
+                <a:latin typeface="Roboto" panose="02000000000000000000" pitchFamily="2" charset="0"/>
+                <a:ea typeface="Roboto" panose="02000000000000000000" pitchFamily="2" charset="0"/>
+                <a:cs typeface="Arial" panose="020B0604020202020204" pitchFamily="34" charset="0"/>
+              </a:rPr>
+              <a:t>lengths</a:t>
+            </a:r>
+            <a:r>
+              <a:rPr lang="fr-FR" sz="3600" dirty="0">
+                <a:solidFill>
+                  <a:schemeClr val="tx1"/>
+                </a:solidFill>
+                <a:latin typeface="Roboto" panose="02000000000000000000" pitchFamily="2" charset="0"/>
+                <a:ea typeface="Roboto" panose="02000000000000000000" pitchFamily="2" charset="0"/>
+                <a:cs typeface="Arial" panose="020B0604020202020204" pitchFamily="34" charset="0"/>
+              </a:rPr>
+              <a:t> of the </a:t>
+            </a:r>
+            <a:r>
+              <a:rPr lang="fr-FR" sz="3600" dirty="0" err="1">
+                <a:solidFill>
+                  <a:schemeClr val="tx1"/>
+                </a:solidFill>
+                <a:latin typeface="Roboto" panose="02000000000000000000" pitchFamily="2" charset="0"/>
+                <a:ea typeface="Roboto" panose="02000000000000000000" pitchFamily="2" charset="0"/>
+                <a:cs typeface="Arial" panose="020B0604020202020204" pitchFamily="34" charset="0"/>
+              </a:rPr>
+              <a:t>red</a:t>
+            </a:r>
+            <a:r>
+              <a:rPr lang="fr-FR" sz="3600" dirty="0">
+                <a:solidFill>
+                  <a:schemeClr val="tx1"/>
+                </a:solidFill>
+                <a:latin typeface="Roboto" panose="02000000000000000000" pitchFamily="2" charset="0"/>
+                <a:ea typeface="Roboto" panose="02000000000000000000" pitchFamily="2" charset="0"/>
+                <a:cs typeface="Arial" panose="020B0604020202020204" pitchFamily="34" charset="0"/>
+              </a:rPr>
+              <a:t> </a:t>
+            </a:r>
+            <a:r>
+              <a:rPr lang="fr-FR" sz="3600" dirty="0" err="1">
+                <a:solidFill>
+                  <a:schemeClr val="tx1"/>
+                </a:solidFill>
+                <a:latin typeface="Roboto" panose="02000000000000000000" pitchFamily="2" charset="0"/>
+                <a:ea typeface="Roboto" panose="02000000000000000000" pitchFamily="2" charset="0"/>
+                <a:cs typeface="Arial" panose="020B0604020202020204" pitchFamily="34" charset="0"/>
+              </a:rPr>
+              <a:t>target</a:t>
+            </a:r>
+            <a:r>
+              <a:rPr lang="fr-FR" sz="3600" dirty="0">
+                <a:solidFill>
+                  <a:schemeClr val="tx1"/>
+                </a:solidFill>
+                <a:latin typeface="Roboto" panose="02000000000000000000" pitchFamily="2" charset="0"/>
+                <a:ea typeface="Roboto" panose="02000000000000000000" pitchFamily="2" charset="0"/>
+                <a:cs typeface="Arial" panose="020B0604020202020204" pitchFamily="34" charset="0"/>
+              </a:rPr>
+              <a:t> segments, and the </a:t>
+            </a:r>
+            <a:r>
+              <a:rPr lang="fr-FR" sz="3600" b="1" dirty="0">
+                <a:solidFill>
+                  <a:srgbClr val="7030A0"/>
+                </a:solidFill>
+                <a:latin typeface="Roboto" panose="02000000000000000000" pitchFamily="2" charset="0"/>
+                <a:ea typeface="Roboto" panose="02000000000000000000" pitchFamily="2" charset="0"/>
+                <a:cs typeface="Arial" panose="020B0604020202020204" pitchFamily="34" charset="0"/>
+              </a:rPr>
+              <a:t>illusion </a:t>
+            </a:r>
+            <a:r>
+              <a:rPr lang="fr-FR" sz="3600" b="1" dirty="0" err="1">
+                <a:solidFill>
+                  <a:srgbClr val="7030A0"/>
+                </a:solidFill>
+                <a:latin typeface="Roboto" panose="02000000000000000000" pitchFamily="2" charset="0"/>
+                <a:ea typeface="Roboto" panose="02000000000000000000" pitchFamily="2" charset="0"/>
+                <a:cs typeface="Arial" panose="020B0604020202020204" pitchFamily="34" charset="0"/>
+              </a:rPr>
+              <a:t>strength</a:t>
+            </a:r>
+            <a:r>
+              <a:rPr lang="fr-FR" sz="3600" b="1" dirty="0">
+                <a:solidFill>
+                  <a:srgbClr val="7030A0"/>
+                </a:solidFill>
+                <a:latin typeface="Roboto" panose="02000000000000000000" pitchFamily="2" charset="0"/>
+                <a:ea typeface="Roboto" panose="02000000000000000000" pitchFamily="2" charset="0"/>
+                <a:cs typeface="Arial" panose="020B0604020202020204" pitchFamily="34" charset="0"/>
+              </a:rPr>
+              <a:t> </a:t>
+            </a:r>
+            <a:r>
+              <a:rPr lang="fr-FR" sz="3600" dirty="0">
+                <a:solidFill>
+                  <a:schemeClr val="tx1"/>
+                </a:solidFill>
+                <a:latin typeface="Roboto" panose="02000000000000000000" pitchFamily="2" charset="0"/>
+                <a:ea typeface="Roboto" panose="02000000000000000000" pitchFamily="2" charset="0"/>
+                <a:cs typeface="Arial" panose="020B0604020202020204" pitchFamily="34" charset="0"/>
+              </a:rPr>
+              <a:t>corresponds to the angle of the </a:t>
+            </a:r>
+            <a:r>
+              <a:rPr lang="fr-FR" sz="3600" dirty="0" err="1">
+                <a:solidFill>
+                  <a:schemeClr val="tx1"/>
+                </a:solidFill>
+                <a:latin typeface="Roboto" panose="02000000000000000000" pitchFamily="2" charset="0"/>
+                <a:ea typeface="Roboto" panose="02000000000000000000" pitchFamily="2" charset="0"/>
+                <a:cs typeface="Arial" panose="020B0604020202020204" pitchFamily="34" charset="0"/>
+              </a:rPr>
+              <a:t>arrows</a:t>
+            </a:r>
+            <a:r>
+              <a:rPr lang="fr-FR" sz="3600" dirty="0">
+                <a:solidFill>
+                  <a:schemeClr val="tx1"/>
+                </a:solidFill>
+                <a:latin typeface="Roboto" panose="02000000000000000000" pitchFamily="2" charset="0"/>
+                <a:ea typeface="Roboto" panose="02000000000000000000" pitchFamily="2" charset="0"/>
+                <a:cs typeface="Arial" panose="020B0604020202020204" pitchFamily="34" charset="0"/>
+              </a:rPr>
+              <a:t>.</a:t>
+            </a:r>
+            <a:r>
+              <a:rPr lang="en-GB" sz="3600" b="0" i="0" dirty="0">
+                <a:solidFill>
+                  <a:srgbClr val="202124"/>
+                </a:solidFill>
+                <a:effectLst/>
+                <a:latin typeface="arial" panose="020B0604020202020204" pitchFamily="34" charset="0"/>
+              </a:rPr>
+              <a:t> The </a:t>
+            </a:r>
+            <a:r>
+              <a:rPr lang="en-GB" sz="3600" b="1" i="0" dirty="0">
+                <a:solidFill>
+                  <a:srgbClr val="202124"/>
+                </a:solidFill>
+                <a:effectLst/>
+                <a:latin typeface="arial" panose="020B0604020202020204" pitchFamily="34" charset="0"/>
+              </a:rPr>
+              <a:t>illusion</a:t>
+            </a:r>
+            <a:r>
+              <a:rPr lang="en-GB" sz="3600" b="0" i="0" dirty="0">
+                <a:solidFill>
+                  <a:srgbClr val="202124"/>
+                </a:solidFill>
+                <a:effectLst/>
+                <a:latin typeface="arial" panose="020B0604020202020204" pitchFamily="34" charset="0"/>
+              </a:rPr>
+              <a:t> </a:t>
+            </a:r>
+            <a:r>
+              <a:rPr lang="en-GB" sz="3600" b="1" i="0" dirty="0">
+                <a:solidFill>
+                  <a:srgbClr val="202124"/>
+                </a:solidFill>
+                <a:effectLst/>
+                <a:latin typeface="arial" panose="020B0604020202020204" pitchFamily="34" charset="0"/>
+              </a:rPr>
+              <a:t>direction </a:t>
+            </a:r>
+            <a:r>
+              <a:rPr lang="en-GB" sz="3600" i="0" dirty="0">
+                <a:solidFill>
+                  <a:srgbClr val="202124"/>
+                </a:solidFill>
+                <a:effectLst/>
+                <a:latin typeface="arial" panose="020B0604020202020204" pitchFamily="34" charset="0"/>
+              </a:rPr>
+              <a:t>corresponds to the facilitating or impeding effect with regards to the task at hand.</a:t>
+            </a:r>
+            <a:endParaRPr lang="en-GB" sz="3600" dirty="0">
+              <a:solidFill>
+                <a:schemeClr val="tx1"/>
+              </a:solidFill>
+              <a:latin typeface="Roboto" panose="02000000000000000000" pitchFamily="2" charset="0"/>
+              <a:ea typeface="Roboto" panose="02000000000000000000" pitchFamily="2" charset="0"/>
+              <a:cs typeface="Arial" panose="020B0604020202020204" pitchFamily="34" charset="0"/>
             </a:endParaRPr>
           </a:p>
         </p:txBody>
@@ -6165,7 +9851,7 @@
     </p:spTree>
     <p:extLst>
       <p:ext uri="{BB962C8B-B14F-4D97-AF65-F5344CB8AC3E}">
-        <p14:creationId xmlns:p14="http://schemas.microsoft.com/office/powerpoint/2010/main" val="2771523751"/>
+        <p14:creationId xmlns:p14="http://schemas.microsoft.com/office/powerpoint/2010/main" val="1694517954"/>
       </p:ext>
     </p:extLst>
   </p:cSld>
